--- a/DraftSlides/Lecture7.pptx
+++ b/DraftSlides/Lecture7.pptx
@@ -227,1728 +227,13 @@
 <file path=ppt/revisionInfo.xml><?xml version="1.0" encoding="utf-8"?>
 <p1510:revInfo xmlns:a="http://schemas.openxmlformats.org/drawingml/2006/main" xmlns:r="http://schemas.openxmlformats.org/officeDocument/2006/relationships" xmlns:p1510="http://schemas.microsoft.com/office/powerpoint/2015/10/main">
   <p1510:revLst>
-    <p1510:client id="{5F2F6BF5-D84C-49C2-A88A-A14AEB5A6666}" v="299" dt="2022-02-03T19:21:17.697"/>
+    <p1510:client id="{7F6D9211-5523-4AC2-A075-9833E6091579}" v="1" dt="2023-01-12T18:44:50.253"/>
   </p1510:revLst>
 </p1510:revInfo>
 </file>
 
 <file path=ppt/changesInfos/changesInfo1.xml><?xml version="1.0" encoding="utf-8"?>
 <pc:chgInfo xmlns:a="http://schemas.openxmlformats.org/drawingml/2006/main" xmlns:r="http://schemas.openxmlformats.org/officeDocument/2006/relationships" xmlns:ac="http://schemas.microsoft.com/office/drawing/2013/main/command" xmlns:pc="http://schemas.microsoft.com/office/powerpoint/2013/main/command">
-  <pc:docChgLst>
-    <pc:chgData name="Khattab, Sherif" userId="c83b1e15-36f3-4f46-aceb-05aac24c545e" providerId="ADAL" clId="{FE92C68B-4A2B-491A-802D-9A016E970098}"/>
-    <pc:docChg chg="addSld modSld">
-      <pc:chgData name="Khattab, Sherif" userId="c83b1e15-36f3-4f46-aceb-05aac24c545e" providerId="ADAL" clId="{FE92C68B-4A2B-491A-802D-9A016E970098}" dt="2021-01-21T02:52:14.809" v="71" actId="20577"/>
-      <pc:docMkLst>
-        <pc:docMk/>
-      </pc:docMkLst>
-      <pc:sldChg chg="modSp mod">
-        <pc:chgData name="Khattab, Sherif" userId="c83b1e15-36f3-4f46-aceb-05aac24c545e" providerId="ADAL" clId="{FE92C68B-4A2B-491A-802D-9A016E970098}" dt="2021-01-21T02:51:24.200" v="12" actId="20577"/>
-        <pc:sldMkLst>
-          <pc:docMk/>
-          <pc:sldMk cId="1330366002" sldId="454"/>
-        </pc:sldMkLst>
-        <pc:spChg chg="mod">
-          <ac:chgData name="Khattab, Sherif" userId="c83b1e15-36f3-4f46-aceb-05aac24c545e" providerId="ADAL" clId="{FE92C68B-4A2B-491A-802D-9A016E970098}" dt="2021-01-21T02:51:24.200" v="12" actId="20577"/>
-          <ac:spMkLst>
-            <pc:docMk/>
-            <pc:sldMk cId="1330366002" sldId="454"/>
-            <ac:spMk id="3" creationId="{00000000-0000-0000-0000-000000000000}"/>
-          </ac:spMkLst>
-        </pc:spChg>
-      </pc:sldChg>
-      <pc:sldChg chg="modSp new mod">
-        <pc:chgData name="Khattab, Sherif" userId="c83b1e15-36f3-4f46-aceb-05aac24c545e" providerId="ADAL" clId="{FE92C68B-4A2B-491A-802D-9A016E970098}" dt="2021-01-21T02:52:14.809" v="71" actId="20577"/>
-        <pc:sldMkLst>
-          <pc:docMk/>
-          <pc:sldMk cId="702367729" sldId="496"/>
-        </pc:sldMkLst>
-        <pc:spChg chg="mod">
-          <ac:chgData name="Khattab, Sherif" userId="c83b1e15-36f3-4f46-aceb-05aac24c545e" providerId="ADAL" clId="{FE92C68B-4A2B-491A-802D-9A016E970098}" dt="2021-01-21T02:51:45.117" v="26" actId="20577"/>
-          <ac:spMkLst>
-            <pc:docMk/>
-            <pc:sldMk cId="702367729" sldId="496"/>
-            <ac:spMk id="2" creationId="{AB9EA720-F5B4-463B-B14C-1970BB85B2C8}"/>
-          </ac:spMkLst>
-        </pc:spChg>
-        <pc:spChg chg="mod">
-          <ac:chgData name="Khattab, Sherif" userId="c83b1e15-36f3-4f46-aceb-05aac24c545e" providerId="ADAL" clId="{FE92C68B-4A2B-491A-802D-9A016E970098}" dt="2021-01-21T02:52:14.809" v="71" actId="20577"/>
-          <ac:spMkLst>
-            <pc:docMk/>
-            <pc:sldMk cId="702367729" sldId="496"/>
-            <ac:spMk id="3" creationId="{2466C52D-9A48-4683-BE7F-268D8DB7FAAD}"/>
-          </ac:spMkLst>
-        </pc:spChg>
-      </pc:sldChg>
-    </pc:docChg>
-  </pc:docChgLst>
-  <pc:docChgLst>
-    <pc:chgData name="Khattab, Sherif" userId="c83b1e15-36f3-4f46-aceb-05aac24c545e" providerId="ADAL" clId="{DE316A4D-089D-2A40-9FA9-4724C2884636}"/>
-    <pc:docChg chg="undo custSel addSld delSld modSld">
-      <pc:chgData name="Khattab, Sherif" userId="c83b1e15-36f3-4f46-aceb-05aac24c545e" providerId="ADAL" clId="{DE316A4D-089D-2A40-9FA9-4724C2884636}" dt="2019-05-23T05:43:41.544" v="183"/>
-      <pc:docMkLst>
-        <pc:docMk/>
-      </pc:docMkLst>
-      <pc:sldChg chg="modSp">
-        <pc:chgData name="Khattab, Sherif" userId="c83b1e15-36f3-4f46-aceb-05aac24c545e" providerId="ADAL" clId="{DE316A4D-089D-2A40-9FA9-4724C2884636}" dt="2019-05-14T13:41:27.276" v="1" actId="20577"/>
-        <pc:sldMkLst>
-          <pc:docMk/>
-          <pc:sldMk cId="0" sldId="256"/>
-        </pc:sldMkLst>
-        <pc:spChg chg="mod">
-          <ac:chgData name="Khattab, Sherif" userId="c83b1e15-36f3-4f46-aceb-05aac24c545e" providerId="ADAL" clId="{DE316A4D-089D-2A40-9FA9-4724C2884636}" dt="2019-05-14T13:41:27.276" v="1" actId="20577"/>
-          <ac:spMkLst>
-            <pc:docMk/>
-            <pc:sldMk cId="0" sldId="256"/>
-            <ac:spMk id="2" creationId="{00000000-0000-0000-0000-000000000000}"/>
-          </ac:spMkLst>
-        </pc:spChg>
-      </pc:sldChg>
-      <pc:sldChg chg="del">
-        <pc:chgData name="Khattab, Sherif" userId="c83b1e15-36f3-4f46-aceb-05aac24c545e" providerId="ADAL" clId="{DE316A4D-089D-2A40-9FA9-4724C2884636}" dt="2019-05-23T03:59:27.081" v="2" actId="2696"/>
-        <pc:sldMkLst>
-          <pc:docMk/>
-          <pc:sldMk cId="1969176380" sldId="257"/>
-        </pc:sldMkLst>
-      </pc:sldChg>
-      <pc:sldChg chg="del">
-        <pc:chgData name="Khattab, Sherif" userId="c83b1e15-36f3-4f46-aceb-05aac24c545e" providerId="ADAL" clId="{DE316A4D-089D-2A40-9FA9-4724C2884636}" dt="2019-05-23T03:59:31.239" v="3" actId="2696"/>
-        <pc:sldMkLst>
-          <pc:docMk/>
-          <pc:sldMk cId="978894378" sldId="266"/>
-        </pc:sldMkLst>
-      </pc:sldChg>
-      <pc:sldChg chg="del">
-        <pc:chgData name="Khattab, Sherif" userId="c83b1e15-36f3-4f46-aceb-05aac24c545e" providerId="ADAL" clId="{DE316A4D-089D-2A40-9FA9-4724C2884636}" dt="2019-05-23T03:59:34.863" v="4" actId="2696"/>
-        <pc:sldMkLst>
-          <pc:docMk/>
-          <pc:sldMk cId="1871263980" sldId="275"/>
-        </pc:sldMkLst>
-      </pc:sldChg>
-      <pc:sldChg chg="del">
-        <pc:chgData name="Khattab, Sherif" userId="c83b1e15-36f3-4f46-aceb-05aac24c545e" providerId="ADAL" clId="{DE316A4D-089D-2A40-9FA9-4724C2884636}" dt="2019-05-23T03:59:50.802" v="5" actId="2696"/>
-        <pc:sldMkLst>
-          <pc:docMk/>
-          <pc:sldMk cId="2119836463" sldId="283"/>
-        </pc:sldMkLst>
-      </pc:sldChg>
-      <pc:sldChg chg="del">
-        <pc:chgData name="Khattab, Sherif" userId="c83b1e15-36f3-4f46-aceb-05aac24c545e" providerId="ADAL" clId="{DE316A4D-089D-2A40-9FA9-4724C2884636}" dt="2019-05-23T03:59:50.830" v="6" actId="2696"/>
-        <pc:sldMkLst>
-          <pc:docMk/>
-          <pc:sldMk cId="1220313734" sldId="284"/>
-        </pc:sldMkLst>
-      </pc:sldChg>
-      <pc:sldChg chg="del">
-        <pc:chgData name="Khattab, Sherif" userId="c83b1e15-36f3-4f46-aceb-05aac24c545e" providerId="ADAL" clId="{DE316A4D-089D-2A40-9FA9-4724C2884636}" dt="2019-05-23T03:59:50.853" v="7" actId="2696"/>
-        <pc:sldMkLst>
-          <pc:docMk/>
-          <pc:sldMk cId="882805023" sldId="285"/>
-        </pc:sldMkLst>
-      </pc:sldChg>
-      <pc:sldChg chg="del">
-        <pc:chgData name="Khattab, Sherif" userId="c83b1e15-36f3-4f46-aceb-05aac24c545e" providerId="ADAL" clId="{DE316A4D-089D-2A40-9FA9-4724C2884636}" dt="2019-05-23T03:59:50.877" v="8" actId="2696"/>
-        <pc:sldMkLst>
-          <pc:docMk/>
-          <pc:sldMk cId="561854054" sldId="287"/>
-        </pc:sldMkLst>
-      </pc:sldChg>
-      <pc:sldChg chg="del">
-        <pc:chgData name="Khattab, Sherif" userId="c83b1e15-36f3-4f46-aceb-05aac24c545e" providerId="ADAL" clId="{DE316A4D-089D-2A40-9FA9-4724C2884636}" dt="2019-05-23T03:59:50.893" v="9" actId="2696"/>
-        <pc:sldMkLst>
-          <pc:docMk/>
-          <pc:sldMk cId="1121912213" sldId="288"/>
-        </pc:sldMkLst>
-      </pc:sldChg>
-      <pc:sldChg chg="del">
-        <pc:chgData name="Khattab, Sherif" userId="c83b1e15-36f3-4f46-aceb-05aac24c545e" providerId="ADAL" clId="{DE316A4D-089D-2A40-9FA9-4724C2884636}" dt="2019-05-23T03:59:50.912" v="10" actId="2696"/>
-        <pc:sldMkLst>
-          <pc:docMk/>
-          <pc:sldMk cId="2123485087" sldId="289"/>
-        </pc:sldMkLst>
-      </pc:sldChg>
-      <pc:sldChg chg="del">
-        <pc:chgData name="Khattab, Sherif" userId="c83b1e15-36f3-4f46-aceb-05aac24c545e" providerId="ADAL" clId="{DE316A4D-089D-2A40-9FA9-4724C2884636}" dt="2019-05-23T03:59:50.929" v="11" actId="2696"/>
-        <pc:sldMkLst>
-          <pc:docMk/>
-          <pc:sldMk cId="1071549106" sldId="290"/>
-        </pc:sldMkLst>
-      </pc:sldChg>
-      <pc:sldChg chg="del">
-        <pc:chgData name="Khattab, Sherif" userId="c83b1e15-36f3-4f46-aceb-05aac24c545e" providerId="ADAL" clId="{DE316A4D-089D-2A40-9FA9-4724C2884636}" dt="2019-05-23T03:59:50.947" v="12" actId="2696"/>
-        <pc:sldMkLst>
-          <pc:docMk/>
-          <pc:sldMk cId="622828641" sldId="291"/>
-        </pc:sldMkLst>
-      </pc:sldChg>
-      <pc:sldChg chg="del">
-        <pc:chgData name="Khattab, Sherif" userId="c83b1e15-36f3-4f46-aceb-05aac24c545e" providerId="ADAL" clId="{DE316A4D-089D-2A40-9FA9-4724C2884636}" dt="2019-05-23T03:59:50.968" v="13" actId="2696"/>
-        <pc:sldMkLst>
-          <pc:docMk/>
-          <pc:sldMk cId="1781024462" sldId="292"/>
-        </pc:sldMkLst>
-      </pc:sldChg>
-      <pc:sldChg chg="del">
-        <pc:chgData name="Khattab, Sherif" userId="c83b1e15-36f3-4f46-aceb-05aac24c545e" providerId="ADAL" clId="{DE316A4D-089D-2A40-9FA9-4724C2884636}" dt="2019-05-23T03:59:50.988" v="14" actId="2696"/>
-        <pc:sldMkLst>
-          <pc:docMk/>
-          <pc:sldMk cId="64306115" sldId="295"/>
-        </pc:sldMkLst>
-      </pc:sldChg>
-      <pc:sldChg chg="del">
-        <pc:chgData name="Khattab, Sherif" userId="c83b1e15-36f3-4f46-aceb-05aac24c545e" providerId="ADAL" clId="{DE316A4D-089D-2A40-9FA9-4724C2884636}" dt="2019-05-23T03:59:51.007" v="15" actId="2696"/>
-        <pc:sldMkLst>
-          <pc:docMk/>
-          <pc:sldMk cId="281707087" sldId="296"/>
-        </pc:sldMkLst>
-      </pc:sldChg>
-      <pc:sldChg chg="del">
-        <pc:chgData name="Khattab, Sherif" userId="c83b1e15-36f3-4f46-aceb-05aac24c545e" providerId="ADAL" clId="{DE316A4D-089D-2A40-9FA9-4724C2884636}" dt="2019-05-23T03:59:51.028" v="16" actId="2696"/>
-        <pc:sldMkLst>
-          <pc:docMk/>
-          <pc:sldMk cId="275381494" sldId="297"/>
-        </pc:sldMkLst>
-      </pc:sldChg>
-      <pc:sldChg chg="del">
-        <pc:chgData name="Khattab, Sherif" userId="c83b1e15-36f3-4f46-aceb-05aac24c545e" providerId="ADAL" clId="{DE316A4D-089D-2A40-9FA9-4724C2884636}" dt="2019-05-23T03:59:51.054" v="17" actId="2696"/>
-        <pc:sldMkLst>
-          <pc:docMk/>
-          <pc:sldMk cId="1323538422" sldId="298"/>
-        </pc:sldMkLst>
-      </pc:sldChg>
-      <pc:sldChg chg="del">
-        <pc:chgData name="Khattab, Sherif" userId="c83b1e15-36f3-4f46-aceb-05aac24c545e" providerId="ADAL" clId="{DE316A4D-089D-2A40-9FA9-4724C2884636}" dt="2019-05-23T03:59:51.076" v="18" actId="2696"/>
-        <pc:sldMkLst>
-          <pc:docMk/>
-          <pc:sldMk cId="1186219626" sldId="299"/>
-        </pc:sldMkLst>
-      </pc:sldChg>
-      <pc:sldChg chg="del">
-        <pc:chgData name="Khattab, Sherif" userId="c83b1e15-36f3-4f46-aceb-05aac24c545e" providerId="ADAL" clId="{DE316A4D-089D-2A40-9FA9-4724C2884636}" dt="2019-05-23T03:59:51.094" v="19" actId="2696"/>
-        <pc:sldMkLst>
-          <pc:docMk/>
-          <pc:sldMk cId="1838361739" sldId="300"/>
-        </pc:sldMkLst>
-      </pc:sldChg>
-      <pc:sldChg chg="del">
-        <pc:chgData name="Khattab, Sherif" userId="c83b1e15-36f3-4f46-aceb-05aac24c545e" providerId="ADAL" clId="{DE316A4D-089D-2A40-9FA9-4724C2884636}" dt="2019-05-23T03:59:51.121" v="20" actId="2696"/>
-        <pc:sldMkLst>
-          <pc:docMk/>
-          <pc:sldMk cId="2051028719" sldId="301"/>
-        </pc:sldMkLst>
-      </pc:sldChg>
-      <pc:sldChg chg="del">
-        <pc:chgData name="Khattab, Sherif" userId="c83b1e15-36f3-4f46-aceb-05aac24c545e" providerId="ADAL" clId="{DE316A4D-089D-2A40-9FA9-4724C2884636}" dt="2019-05-23T03:59:51.137" v="21" actId="2696"/>
-        <pc:sldMkLst>
-          <pc:docMk/>
-          <pc:sldMk cId="247758724" sldId="302"/>
-        </pc:sldMkLst>
-      </pc:sldChg>
-      <pc:sldChg chg="del">
-        <pc:chgData name="Khattab, Sherif" userId="c83b1e15-36f3-4f46-aceb-05aac24c545e" providerId="ADAL" clId="{DE316A4D-089D-2A40-9FA9-4724C2884636}" dt="2019-05-23T03:59:51.155" v="22" actId="2696"/>
-        <pc:sldMkLst>
-          <pc:docMk/>
-          <pc:sldMk cId="1220341221" sldId="308"/>
-        </pc:sldMkLst>
-      </pc:sldChg>
-      <pc:sldChg chg="del">
-        <pc:chgData name="Khattab, Sherif" userId="c83b1e15-36f3-4f46-aceb-05aac24c545e" providerId="ADAL" clId="{DE316A4D-089D-2A40-9FA9-4724C2884636}" dt="2019-05-23T03:59:51.175" v="23" actId="2696"/>
-        <pc:sldMkLst>
-          <pc:docMk/>
-          <pc:sldMk cId="7029104" sldId="310"/>
-        </pc:sldMkLst>
-      </pc:sldChg>
-      <pc:sldChg chg="del">
-        <pc:chgData name="Khattab, Sherif" userId="c83b1e15-36f3-4f46-aceb-05aac24c545e" providerId="ADAL" clId="{DE316A4D-089D-2A40-9FA9-4724C2884636}" dt="2019-05-23T03:59:51.194" v="24" actId="2696"/>
-        <pc:sldMkLst>
-          <pc:docMk/>
-          <pc:sldMk cId="1024142779" sldId="312"/>
-        </pc:sldMkLst>
-      </pc:sldChg>
-      <pc:sldChg chg="del">
-        <pc:chgData name="Khattab, Sherif" userId="c83b1e15-36f3-4f46-aceb-05aac24c545e" providerId="ADAL" clId="{DE316A4D-089D-2A40-9FA9-4724C2884636}" dt="2019-05-23T03:59:51.209" v="25" actId="2696"/>
-        <pc:sldMkLst>
-          <pc:docMk/>
-          <pc:sldMk cId="1916533646" sldId="313"/>
-        </pc:sldMkLst>
-      </pc:sldChg>
-      <pc:sldChg chg="del">
-        <pc:chgData name="Khattab, Sherif" userId="c83b1e15-36f3-4f46-aceb-05aac24c545e" providerId="ADAL" clId="{DE316A4D-089D-2A40-9FA9-4724C2884636}" dt="2019-05-23T03:59:51.225" v="26" actId="2696"/>
-        <pc:sldMkLst>
-          <pc:docMk/>
-          <pc:sldMk cId="1496362242" sldId="314"/>
-        </pc:sldMkLst>
-      </pc:sldChg>
-      <pc:sldChg chg="del">
-        <pc:chgData name="Khattab, Sherif" userId="c83b1e15-36f3-4f46-aceb-05aac24c545e" providerId="ADAL" clId="{DE316A4D-089D-2A40-9FA9-4724C2884636}" dt="2019-05-23T03:59:51.246" v="27" actId="2696"/>
-        <pc:sldMkLst>
-          <pc:docMk/>
-          <pc:sldMk cId="1231859445" sldId="315"/>
-        </pc:sldMkLst>
-      </pc:sldChg>
-      <pc:sldChg chg="del">
-        <pc:chgData name="Khattab, Sherif" userId="c83b1e15-36f3-4f46-aceb-05aac24c545e" providerId="ADAL" clId="{DE316A4D-089D-2A40-9FA9-4724C2884636}" dt="2019-05-23T03:59:51.263" v="28" actId="2696"/>
-        <pc:sldMkLst>
-          <pc:docMk/>
-          <pc:sldMk cId="1500164103" sldId="316"/>
-        </pc:sldMkLst>
-      </pc:sldChg>
-      <pc:sldChg chg="del">
-        <pc:chgData name="Khattab, Sherif" userId="c83b1e15-36f3-4f46-aceb-05aac24c545e" providerId="ADAL" clId="{DE316A4D-089D-2A40-9FA9-4724C2884636}" dt="2019-05-23T03:59:51.285" v="29" actId="2696"/>
-        <pc:sldMkLst>
-          <pc:docMk/>
-          <pc:sldMk cId="2062436898" sldId="317"/>
-        </pc:sldMkLst>
-      </pc:sldChg>
-      <pc:sldChg chg="del">
-        <pc:chgData name="Khattab, Sherif" userId="c83b1e15-36f3-4f46-aceb-05aac24c545e" providerId="ADAL" clId="{DE316A4D-089D-2A40-9FA9-4724C2884636}" dt="2019-05-23T04:00:10.658" v="31" actId="2696"/>
-        <pc:sldMkLst>
-          <pc:docMk/>
-          <pc:sldMk cId="234564799" sldId="321"/>
-        </pc:sldMkLst>
-      </pc:sldChg>
-      <pc:sldChg chg="del">
-        <pc:chgData name="Khattab, Sherif" userId="c83b1e15-36f3-4f46-aceb-05aac24c545e" providerId="ADAL" clId="{DE316A4D-089D-2A40-9FA9-4724C2884636}" dt="2019-05-23T04:00:10.675" v="32" actId="2696"/>
-        <pc:sldMkLst>
-          <pc:docMk/>
-          <pc:sldMk cId="12771870" sldId="323"/>
-        </pc:sldMkLst>
-      </pc:sldChg>
-      <pc:sldChg chg="del">
-        <pc:chgData name="Khattab, Sherif" userId="c83b1e15-36f3-4f46-aceb-05aac24c545e" providerId="ADAL" clId="{DE316A4D-089D-2A40-9FA9-4724C2884636}" dt="2019-05-23T04:00:10.691" v="33" actId="2696"/>
-        <pc:sldMkLst>
-          <pc:docMk/>
-          <pc:sldMk cId="1847714567" sldId="325"/>
-        </pc:sldMkLst>
-      </pc:sldChg>
-      <pc:sldChg chg="del">
-        <pc:chgData name="Khattab, Sherif" userId="c83b1e15-36f3-4f46-aceb-05aac24c545e" providerId="ADAL" clId="{DE316A4D-089D-2A40-9FA9-4724C2884636}" dt="2019-05-23T04:00:10.712" v="34" actId="2696"/>
-        <pc:sldMkLst>
-          <pc:docMk/>
-          <pc:sldMk cId="564977494" sldId="326"/>
-        </pc:sldMkLst>
-      </pc:sldChg>
-      <pc:sldChg chg="del">
-        <pc:chgData name="Khattab, Sherif" userId="c83b1e15-36f3-4f46-aceb-05aac24c545e" providerId="ADAL" clId="{DE316A4D-089D-2A40-9FA9-4724C2884636}" dt="2019-05-23T04:00:10.730" v="35" actId="2696"/>
-        <pc:sldMkLst>
-          <pc:docMk/>
-          <pc:sldMk cId="1957278823" sldId="327"/>
-        </pc:sldMkLst>
-      </pc:sldChg>
-      <pc:sldChg chg="del">
-        <pc:chgData name="Khattab, Sherif" userId="c83b1e15-36f3-4f46-aceb-05aac24c545e" providerId="ADAL" clId="{DE316A4D-089D-2A40-9FA9-4724C2884636}" dt="2019-05-23T04:00:10.745" v="36" actId="2696"/>
-        <pc:sldMkLst>
-          <pc:docMk/>
-          <pc:sldMk cId="336896758" sldId="328"/>
-        </pc:sldMkLst>
-      </pc:sldChg>
-      <pc:sldChg chg="del">
-        <pc:chgData name="Khattab, Sherif" userId="c83b1e15-36f3-4f46-aceb-05aac24c545e" providerId="ADAL" clId="{DE316A4D-089D-2A40-9FA9-4724C2884636}" dt="2019-05-23T04:00:10.764" v="37" actId="2696"/>
-        <pc:sldMkLst>
-          <pc:docMk/>
-          <pc:sldMk cId="815879604" sldId="329"/>
-        </pc:sldMkLst>
-      </pc:sldChg>
-      <pc:sldChg chg="del">
-        <pc:chgData name="Khattab, Sherif" userId="c83b1e15-36f3-4f46-aceb-05aac24c545e" providerId="ADAL" clId="{DE316A4D-089D-2A40-9FA9-4724C2884636}" dt="2019-05-23T04:00:10.782" v="38" actId="2696"/>
-        <pc:sldMkLst>
-          <pc:docMk/>
-          <pc:sldMk cId="1076495690" sldId="330"/>
-        </pc:sldMkLst>
-      </pc:sldChg>
-      <pc:sldChg chg="del">
-        <pc:chgData name="Khattab, Sherif" userId="c83b1e15-36f3-4f46-aceb-05aac24c545e" providerId="ADAL" clId="{DE316A4D-089D-2A40-9FA9-4724C2884636}" dt="2019-05-23T04:00:10.800" v="39" actId="2696"/>
-        <pc:sldMkLst>
-          <pc:docMk/>
-          <pc:sldMk cId="17720096" sldId="331"/>
-        </pc:sldMkLst>
-      </pc:sldChg>
-      <pc:sldChg chg="del">
-        <pc:chgData name="Khattab, Sherif" userId="c83b1e15-36f3-4f46-aceb-05aac24c545e" providerId="ADAL" clId="{DE316A4D-089D-2A40-9FA9-4724C2884636}" dt="2019-05-23T04:00:10.818" v="40" actId="2696"/>
-        <pc:sldMkLst>
-          <pc:docMk/>
-          <pc:sldMk cId="501490190" sldId="332"/>
-        </pc:sldMkLst>
-      </pc:sldChg>
-      <pc:sldChg chg="del">
-        <pc:chgData name="Khattab, Sherif" userId="c83b1e15-36f3-4f46-aceb-05aac24c545e" providerId="ADAL" clId="{DE316A4D-089D-2A40-9FA9-4724C2884636}" dt="2019-05-23T04:00:10.831" v="41" actId="2696"/>
-        <pc:sldMkLst>
-          <pc:docMk/>
-          <pc:sldMk cId="790480540" sldId="333"/>
-        </pc:sldMkLst>
-      </pc:sldChg>
-      <pc:sldChg chg="del">
-        <pc:chgData name="Khattab, Sherif" userId="c83b1e15-36f3-4f46-aceb-05aac24c545e" providerId="ADAL" clId="{DE316A4D-089D-2A40-9FA9-4724C2884636}" dt="2019-05-23T04:00:10.847" v="42" actId="2696"/>
-        <pc:sldMkLst>
-          <pc:docMk/>
-          <pc:sldMk cId="1721885993" sldId="334"/>
-        </pc:sldMkLst>
-      </pc:sldChg>
-      <pc:sldChg chg="del">
-        <pc:chgData name="Khattab, Sherif" userId="c83b1e15-36f3-4f46-aceb-05aac24c545e" providerId="ADAL" clId="{DE316A4D-089D-2A40-9FA9-4724C2884636}" dt="2019-05-23T04:00:10.862" v="43" actId="2696"/>
-        <pc:sldMkLst>
-          <pc:docMk/>
-          <pc:sldMk cId="2048526379" sldId="335"/>
-        </pc:sldMkLst>
-      </pc:sldChg>
-      <pc:sldChg chg="del">
-        <pc:chgData name="Khattab, Sherif" userId="c83b1e15-36f3-4f46-aceb-05aac24c545e" providerId="ADAL" clId="{DE316A4D-089D-2A40-9FA9-4724C2884636}" dt="2019-05-23T04:00:10.875" v="44" actId="2696"/>
-        <pc:sldMkLst>
-          <pc:docMk/>
-          <pc:sldMk cId="1818037055" sldId="336"/>
-        </pc:sldMkLst>
-      </pc:sldChg>
-      <pc:sldChg chg="del">
-        <pc:chgData name="Khattab, Sherif" userId="c83b1e15-36f3-4f46-aceb-05aac24c545e" providerId="ADAL" clId="{DE316A4D-089D-2A40-9FA9-4724C2884636}" dt="2019-05-23T04:00:10.942" v="45" actId="2696"/>
-        <pc:sldMkLst>
-          <pc:docMk/>
-          <pc:sldMk cId="1351453869" sldId="337"/>
-        </pc:sldMkLst>
-      </pc:sldChg>
-      <pc:sldChg chg="del">
-        <pc:chgData name="Khattab, Sherif" userId="c83b1e15-36f3-4f46-aceb-05aac24c545e" providerId="ADAL" clId="{DE316A4D-089D-2A40-9FA9-4724C2884636}" dt="2019-05-23T04:00:10.959" v="46" actId="2696"/>
-        <pc:sldMkLst>
-          <pc:docMk/>
-          <pc:sldMk cId="299099826" sldId="344"/>
-        </pc:sldMkLst>
-      </pc:sldChg>
-      <pc:sldChg chg="del">
-        <pc:chgData name="Khattab, Sherif" userId="c83b1e15-36f3-4f46-aceb-05aac24c545e" providerId="ADAL" clId="{DE316A4D-089D-2A40-9FA9-4724C2884636}" dt="2019-05-23T04:00:10.978" v="47" actId="2696"/>
-        <pc:sldMkLst>
-          <pc:docMk/>
-          <pc:sldMk cId="1172624611" sldId="345"/>
-        </pc:sldMkLst>
-      </pc:sldChg>
-      <pc:sldChg chg="del">
-        <pc:chgData name="Khattab, Sherif" userId="c83b1e15-36f3-4f46-aceb-05aac24c545e" providerId="ADAL" clId="{DE316A4D-089D-2A40-9FA9-4724C2884636}" dt="2019-05-23T04:00:10.995" v="48" actId="2696"/>
-        <pc:sldMkLst>
-          <pc:docMk/>
-          <pc:sldMk cId="1402694930" sldId="346"/>
-        </pc:sldMkLst>
-      </pc:sldChg>
-      <pc:sldChg chg="del">
-        <pc:chgData name="Khattab, Sherif" userId="c83b1e15-36f3-4f46-aceb-05aac24c545e" providerId="ADAL" clId="{DE316A4D-089D-2A40-9FA9-4724C2884636}" dt="2019-05-23T04:00:11.012" v="49" actId="2696"/>
-        <pc:sldMkLst>
-          <pc:docMk/>
-          <pc:sldMk cId="1142103534" sldId="347"/>
-        </pc:sldMkLst>
-      </pc:sldChg>
-      <pc:sldChg chg="del">
-        <pc:chgData name="Khattab, Sherif" userId="c83b1e15-36f3-4f46-aceb-05aac24c545e" providerId="ADAL" clId="{DE316A4D-089D-2A40-9FA9-4724C2884636}" dt="2019-05-23T04:00:11.027" v="50" actId="2696"/>
-        <pc:sldMkLst>
-          <pc:docMk/>
-          <pc:sldMk cId="1487891482" sldId="348"/>
-        </pc:sldMkLst>
-      </pc:sldChg>
-      <pc:sldChg chg="del">
-        <pc:chgData name="Khattab, Sherif" userId="c83b1e15-36f3-4f46-aceb-05aac24c545e" providerId="ADAL" clId="{DE316A4D-089D-2A40-9FA9-4724C2884636}" dt="2019-05-23T04:00:11.046" v="51" actId="2696"/>
-        <pc:sldMkLst>
-          <pc:docMk/>
-          <pc:sldMk cId="1088938428" sldId="350"/>
-        </pc:sldMkLst>
-      </pc:sldChg>
-      <pc:sldChg chg="del">
-        <pc:chgData name="Khattab, Sherif" userId="c83b1e15-36f3-4f46-aceb-05aac24c545e" providerId="ADAL" clId="{DE316A4D-089D-2A40-9FA9-4724C2884636}" dt="2019-05-23T04:00:11.061" v="52" actId="2696"/>
-        <pc:sldMkLst>
-          <pc:docMk/>
-          <pc:sldMk cId="522303428" sldId="351"/>
-        </pc:sldMkLst>
-      </pc:sldChg>
-      <pc:sldChg chg="del">
-        <pc:chgData name="Khattab, Sherif" userId="c83b1e15-36f3-4f46-aceb-05aac24c545e" providerId="ADAL" clId="{DE316A4D-089D-2A40-9FA9-4724C2884636}" dt="2019-05-23T04:00:11.078" v="53" actId="2696"/>
-        <pc:sldMkLst>
-          <pc:docMk/>
-          <pc:sldMk cId="1414576433" sldId="352"/>
-        </pc:sldMkLst>
-      </pc:sldChg>
-      <pc:sldChg chg="del">
-        <pc:chgData name="Khattab, Sherif" userId="c83b1e15-36f3-4f46-aceb-05aac24c545e" providerId="ADAL" clId="{DE316A4D-089D-2A40-9FA9-4724C2884636}" dt="2019-05-23T04:00:11.097" v="54" actId="2696"/>
-        <pc:sldMkLst>
-          <pc:docMk/>
-          <pc:sldMk cId="335586832" sldId="353"/>
-        </pc:sldMkLst>
-      </pc:sldChg>
-      <pc:sldChg chg="del">
-        <pc:chgData name="Khattab, Sherif" userId="c83b1e15-36f3-4f46-aceb-05aac24c545e" providerId="ADAL" clId="{DE316A4D-089D-2A40-9FA9-4724C2884636}" dt="2019-05-23T04:00:11.116" v="55" actId="2696"/>
-        <pc:sldMkLst>
-          <pc:docMk/>
-          <pc:sldMk cId="1312654365" sldId="354"/>
-        </pc:sldMkLst>
-      </pc:sldChg>
-      <pc:sldChg chg="del">
-        <pc:chgData name="Khattab, Sherif" userId="c83b1e15-36f3-4f46-aceb-05aac24c545e" providerId="ADAL" clId="{DE316A4D-089D-2A40-9FA9-4724C2884636}" dt="2019-05-23T04:00:11.135" v="56" actId="2696"/>
-        <pc:sldMkLst>
-          <pc:docMk/>
-          <pc:sldMk cId="1650496688" sldId="355"/>
-        </pc:sldMkLst>
-      </pc:sldChg>
-      <pc:sldChg chg="del">
-        <pc:chgData name="Khattab, Sherif" userId="c83b1e15-36f3-4f46-aceb-05aac24c545e" providerId="ADAL" clId="{DE316A4D-089D-2A40-9FA9-4724C2884636}" dt="2019-05-23T04:00:11.151" v="57" actId="2696"/>
-        <pc:sldMkLst>
-          <pc:docMk/>
-          <pc:sldMk cId="1454150411" sldId="356"/>
-        </pc:sldMkLst>
-      </pc:sldChg>
-      <pc:sldChg chg="del">
-        <pc:chgData name="Khattab, Sherif" userId="c83b1e15-36f3-4f46-aceb-05aac24c545e" providerId="ADAL" clId="{DE316A4D-089D-2A40-9FA9-4724C2884636}" dt="2019-05-23T04:00:11.168" v="58" actId="2696"/>
-        <pc:sldMkLst>
-          <pc:docMk/>
-          <pc:sldMk cId="101929529" sldId="360"/>
-        </pc:sldMkLst>
-      </pc:sldChg>
-      <pc:sldChg chg="del">
-        <pc:chgData name="Khattab, Sherif" userId="c83b1e15-36f3-4f46-aceb-05aac24c545e" providerId="ADAL" clId="{DE316A4D-089D-2A40-9FA9-4724C2884636}" dt="2019-05-23T04:00:11.184" v="59" actId="2696"/>
-        <pc:sldMkLst>
-          <pc:docMk/>
-          <pc:sldMk cId="1698948873" sldId="361"/>
-        </pc:sldMkLst>
-      </pc:sldChg>
-      <pc:sldChg chg="del">
-        <pc:chgData name="Khattab, Sherif" userId="c83b1e15-36f3-4f46-aceb-05aac24c545e" providerId="ADAL" clId="{DE316A4D-089D-2A40-9FA9-4724C2884636}" dt="2019-05-23T04:00:10.639" v="30" actId="2696"/>
-        <pc:sldMkLst>
-          <pc:docMk/>
-          <pc:sldMk cId="1039212811" sldId="362"/>
-        </pc:sldMkLst>
-      </pc:sldChg>
-      <pc:sldChg chg="modSp">
-        <pc:chgData name="Khattab, Sherif" userId="c83b1e15-36f3-4f46-aceb-05aac24c545e" providerId="ADAL" clId="{DE316A4D-089D-2A40-9FA9-4724C2884636}" dt="2019-05-23T04:41:06.345" v="179" actId="20577"/>
-        <pc:sldMkLst>
-          <pc:docMk/>
-          <pc:sldMk cId="2782429159" sldId="366"/>
-        </pc:sldMkLst>
-        <pc:spChg chg="mod">
-          <ac:chgData name="Khattab, Sherif" userId="c83b1e15-36f3-4f46-aceb-05aac24c545e" providerId="ADAL" clId="{DE316A4D-089D-2A40-9FA9-4724C2884636}" dt="2019-05-23T04:41:06.345" v="179" actId="20577"/>
-          <ac:spMkLst>
-            <pc:docMk/>
-            <pc:sldMk cId="2782429159" sldId="366"/>
-            <ac:spMk id="95235" creationId="{2B3AF23D-100F-A945-8AE4-C62D08FB4EFF}"/>
-          </ac:spMkLst>
-        </pc:spChg>
-      </pc:sldChg>
-      <pc:sldChg chg="modSp">
-        <pc:chgData name="Khattab, Sherif" userId="c83b1e15-36f3-4f46-aceb-05aac24c545e" providerId="ADAL" clId="{DE316A4D-089D-2A40-9FA9-4724C2884636}" dt="2019-05-23T04:06:27.051" v="169" actId="20577"/>
-        <pc:sldMkLst>
-          <pc:docMk/>
-          <pc:sldMk cId="1542066946" sldId="374"/>
-        </pc:sldMkLst>
-        <pc:spChg chg="mod">
-          <ac:chgData name="Khattab, Sherif" userId="c83b1e15-36f3-4f46-aceb-05aac24c545e" providerId="ADAL" clId="{DE316A4D-089D-2A40-9FA9-4724C2884636}" dt="2019-05-23T04:06:27.051" v="169" actId="20577"/>
-          <ac:spMkLst>
-            <pc:docMk/>
-            <pc:sldMk cId="1542066946" sldId="374"/>
-            <ac:spMk id="105475" creationId="{B2EA02B2-FF2F-E840-9115-9F46B908CC54}"/>
-          </ac:spMkLst>
-        </pc:spChg>
-      </pc:sldChg>
-      <pc:sldChg chg="add">
-        <pc:chgData name="Khattab, Sherif" userId="c83b1e15-36f3-4f46-aceb-05aac24c545e" providerId="ADAL" clId="{DE316A4D-089D-2A40-9FA9-4724C2884636}" dt="2019-05-23T05:43:41.544" v="183"/>
-        <pc:sldMkLst>
-          <pc:docMk/>
-          <pc:sldMk cId="583513582" sldId="377"/>
-        </pc:sldMkLst>
-      </pc:sldChg>
-      <pc:sldChg chg="modSp del">
-        <pc:chgData name="Khattab, Sherif" userId="c83b1e15-36f3-4f46-aceb-05aac24c545e" providerId="ADAL" clId="{DE316A4D-089D-2A40-9FA9-4724C2884636}" dt="2019-05-23T05:43:32.974" v="182" actId="2696"/>
-        <pc:sldMkLst>
-          <pc:docMk/>
-          <pc:sldMk cId="1942139729" sldId="377"/>
-        </pc:sldMkLst>
-        <pc:spChg chg="mod">
-          <ac:chgData name="Khattab, Sherif" userId="c83b1e15-36f3-4f46-aceb-05aac24c545e" providerId="ADAL" clId="{DE316A4D-089D-2A40-9FA9-4724C2884636}" dt="2019-05-23T05:40:47.295" v="181" actId="20577"/>
-          <ac:spMkLst>
-            <pc:docMk/>
-            <pc:sldMk cId="1942139729" sldId="377"/>
-            <ac:spMk id="114694" creationId="{BBDAC104-BD98-9A47-A516-EE144AE2C4FF}"/>
-          </ac:spMkLst>
-        </pc:spChg>
-      </pc:sldChg>
-    </pc:docChg>
-  </pc:docChgLst>
-  <pc:docChgLst>
-    <pc:chgData name="Khattab, Sherif" userId="c83b1e15-36f3-4f46-aceb-05aac24c545e" providerId="ADAL" clId="{5F2F6BF5-D84C-49C2-A88A-A14AEB5A6666}"/>
-    <pc:docChg chg="undo custSel addSld delSld modSld">
-      <pc:chgData name="Khattab, Sherif" userId="c83b1e15-36f3-4f46-aceb-05aac24c545e" providerId="ADAL" clId="{5F2F6BF5-D84C-49C2-A88A-A14AEB5A6666}" dt="2022-02-03T19:22:00.267" v="1647" actId="1076"/>
-      <pc:docMkLst>
-        <pc:docMk/>
-      </pc:docMkLst>
-      <pc:sldChg chg="modSp mod">
-        <pc:chgData name="Khattab, Sherif" userId="c83b1e15-36f3-4f46-aceb-05aac24c545e" providerId="ADAL" clId="{5F2F6BF5-D84C-49C2-A88A-A14AEB5A6666}" dt="2022-02-03T14:11:59.137" v="6"/>
-        <pc:sldMkLst>
-          <pc:docMk/>
-          <pc:sldMk cId="1330366002" sldId="454"/>
-        </pc:sldMkLst>
-        <pc:spChg chg="mod">
-          <ac:chgData name="Khattab, Sherif" userId="c83b1e15-36f3-4f46-aceb-05aac24c545e" providerId="ADAL" clId="{5F2F6BF5-D84C-49C2-A88A-A14AEB5A6666}" dt="2022-02-03T14:11:59.137" v="6"/>
-          <ac:spMkLst>
-            <pc:docMk/>
-            <pc:sldMk cId="1330366002" sldId="454"/>
-            <ac:spMk id="3" creationId="{00000000-0000-0000-0000-000000000000}"/>
-          </ac:spMkLst>
-        </pc:spChg>
-      </pc:sldChg>
-      <pc:sldChg chg="modSp add del">
-        <pc:chgData name="Khattab, Sherif" userId="c83b1e15-36f3-4f46-aceb-05aac24c545e" providerId="ADAL" clId="{5F2F6BF5-D84C-49C2-A88A-A14AEB5A6666}" dt="2022-02-03T14:13:04.171" v="20" actId="20577"/>
-        <pc:sldMkLst>
-          <pc:docMk/>
-          <pc:sldMk cId="702367729" sldId="496"/>
-        </pc:sldMkLst>
-        <pc:spChg chg="mod">
-          <ac:chgData name="Khattab, Sherif" userId="c83b1e15-36f3-4f46-aceb-05aac24c545e" providerId="ADAL" clId="{5F2F6BF5-D84C-49C2-A88A-A14AEB5A6666}" dt="2022-02-03T14:13:04.171" v="20" actId="20577"/>
-          <ac:spMkLst>
-            <pc:docMk/>
-            <pc:sldMk cId="702367729" sldId="496"/>
-            <ac:spMk id="3" creationId="{2466C52D-9A48-4683-BE7F-268D8DB7FAAD}"/>
-          </ac:spMkLst>
-        </pc:spChg>
-      </pc:sldChg>
-      <pc:sldChg chg="del">
-        <pc:chgData name="Khattab, Sherif" userId="c83b1e15-36f3-4f46-aceb-05aac24c545e" providerId="ADAL" clId="{5F2F6BF5-D84C-49C2-A88A-A14AEB5A6666}" dt="2022-02-03T14:22:11.592" v="874" actId="47"/>
-        <pc:sldMkLst>
-          <pc:docMk/>
-          <pc:sldMk cId="3903507516" sldId="498"/>
-        </pc:sldMkLst>
-      </pc:sldChg>
-      <pc:sldChg chg="del">
-        <pc:chgData name="Khattab, Sherif" userId="c83b1e15-36f3-4f46-aceb-05aac24c545e" providerId="ADAL" clId="{5F2F6BF5-D84C-49C2-A88A-A14AEB5A6666}" dt="2022-02-03T14:22:11.592" v="874" actId="47"/>
-        <pc:sldMkLst>
-          <pc:docMk/>
-          <pc:sldMk cId="4202616107" sldId="500"/>
-        </pc:sldMkLst>
-      </pc:sldChg>
-      <pc:sldChg chg="del">
-        <pc:chgData name="Khattab, Sherif" userId="c83b1e15-36f3-4f46-aceb-05aac24c545e" providerId="ADAL" clId="{5F2F6BF5-D84C-49C2-A88A-A14AEB5A6666}" dt="2022-02-03T14:22:11.592" v="874" actId="47"/>
-        <pc:sldMkLst>
-          <pc:docMk/>
-          <pc:sldMk cId="2116864396" sldId="505"/>
-        </pc:sldMkLst>
-      </pc:sldChg>
-      <pc:sldChg chg="del">
-        <pc:chgData name="Khattab, Sherif" userId="c83b1e15-36f3-4f46-aceb-05aac24c545e" providerId="ADAL" clId="{5F2F6BF5-D84C-49C2-A88A-A14AEB5A6666}" dt="2022-02-03T14:22:11.592" v="874" actId="47"/>
-        <pc:sldMkLst>
-          <pc:docMk/>
-          <pc:sldMk cId="2487721040" sldId="516"/>
-        </pc:sldMkLst>
-      </pc:sldChg>
-      <pc:sldChg chg="del">
-        <pc:chgData name="Khattab, Sherif" userId="c83b1e15-36f3-4f46-aceb-05aac24c545e" providerId="ADAL" clId="{5F2F6BF5-D84C-49C2-A88A-A14AEB5A6666}" dt="2022-02-03T14:22:11.592" v="874" actId="47"/>
-        <pc:sldMkLst>
-          <pc:docMk/>
-          <pc:sldMk cId="3114182525" sldId="517"/>
-        </pc:sldMkLst>
-      </pc:sldChg>
-      <pc:sldChg chg="modSp add del mod">
-        <pc:chgData name="Khattab, Sherif" userId="c83b1e15-36f3-4f46-aceb-05aac24c545e" providerId="ADAL" clId="{5F2F6BF5-D84C-49C2-A88A-A14AEB5A6666}" dt="2022-02-03T14:13:23.297" v="68" actId="20577"/>
-        <pc:sldMkLst>
-          <pc:docMk/>
-          <pc:sldMk cId="624014562" sldId="530"/>
-        </pc:sldMkLst>
-        <pc:spChg chg="mod">
-          <ac:chgData name="Khattab, Sherif" userId="c83b1e15-36f3-4f46-aceb-05aac24c545e" providerId="ADAL" clId="{5F2F6BF5-D84C-49C2-A88A-A14AEB5A6666}" dt="2022-02-03T14:13:23.297" v="68" actId="20577"/>
-          <ac:spMkLst>
-            <pc:docMk/>
-            <pc:sldMk cId="624014562" sldId="530"/>
-            <ac:spMk id="3" creationId="{93532249-5E17-2A4B-B649-961DDDF1F5F6}"/>
-          </ac:spMkLst>
-        </pc:spChg>
-      </pc:sldChg>
-      <pc:sldChg chg="modSp add mod modAnim">
-        <pc:chgData name="Khattab, Sherif" userId="c83b1e15-36f3-4f46-aceb-05aac24c545e" providerId="ADAL" clId="{5F2F6BF5-D84C-49C2-A88A-A14AEB5A6666}" dt="2022-02-03T14:21:59.773" v="873" actId="20577"/>
-        <pc:sldMkLst>
-          <pc:docMk/>
-          <pc:sldMk cId="844471493" sldId="531"/>
-        </pc:sldMkLst>
-        <pc:spChg chg="mod">
-          <ac:chgData name="Khattab, Sherif" userId="c83b1e15-36f3-4f46-aceb-05aac24c545e" providerId="ADAL" clId="{5F2F6BF5-D84C-49C2-A88A-A14AEB5A6666}" dt="2022-02-03T14:21:59.773" v="873" actId="20577"/>
-          <ac:spMkLst>
-            <pc:docMk/>
-            <pc:sldMk cId="844471493" sldId="531"/>
-            <ac:spMk id="2" creationId="{6BF01C35-B7E9-AD43-99C8-95170559C8A0}"/>
-          </ac:spMkLst>
-        </pc:spChg>
-        <pc:spChg chg="mod">
-          <ac:chgData name="Khattab, Sherif" userId="c83b1e15-36f3-4f46-aceb-05aac24c545e" providerId="ADAL" clId="{5F2F6BF5-D84C-49C2-A88A-A14AEB5A6666}" dt="2022-02-03T14:13:28.202" v="69" actId="6549"/>
-          <ac:spMkLst>
-            <pc:docMk/>
-            <pc:sldMk cId="844471493" sldId="531"/>
-            <ac:spMk id="3" creationId="{443F42C8-5750-0341-86AA-B64ED9D37EB6}"/>
-          </ac:spMkLst>
-        </pc:spChg>
-      </pc:sldChg>
-      <pc:sldChg chg="add del">
-        <pc:chgData name="Khattab, Sherif" userId="c83b1e15-36f3-4f46-aceb-05aac24c545e" providerId="ADAL" clId="{5F2F6BF5-D84C-49C2-A88A-A14AEB5A6666}" dt="2022-02-03T14:12:52.737" v="8"/>
-        <pc:sldMkLst>
-          <pc:docMk/>
-          <pc:sldMk cId="3822432923" sldId="531"/>
-        </pc:sldMkLst>
-      </pc:sldChg>
-      <pc:sldChg chg="modSp add del modAnim">
-        <pc:chgData name="Khattab, Sherif" userId="c83b1e15-36f3-4f46-aceb-05aac24c545e" providerId="ADAL" clId="{5F2F6BF5-D84C-49C2-A88A-A14AEB5A6666}" dt="2022-02-03T14:21:53.451" v="866" actId="47"/>
-        <pc:sldMkLst>
-          <pc:docMk/>
-          <pc:sldMk cId="998070191" sldId="553"/>
-        </pc:sldMkLst>
-        <pc:spChg chg="mod">
-          <ac:chgData name="Khattab, Sherif" userId="c83b1e15-36f3-4f46-aceb-05aac24c545e" providerId="ADAL" clId="{5F2F6BF5-D84C-49C2-A88A-A14AEB5A6666}" dt="2022-02-03T14:13:33.022" v="72" actId="6549"/>
-          <ac:spMkLst>
-            <pc:docMk/>
-            <pc:sldMk cId="998070191" sldId="553"/>
-            <ac:spMk id="3" creationId="{0C1DED7C-9EC9-4AD5-AF6E-18D4CA1E848B}"/>
-          </ac:spMkLst>
-        </pc:spChg>
-      </pc:sldChg>
-      <pc:sldChg chg="modSp add del modAnim">
-        <pc:chgData name="Khattab, Sherif" userId="c83b1e15-36f3-4f46-aceb-05aac24c545e" providerId="ADAL" clId="{5F2F6BF5-D84C-49C2-A88A-A14AEB5A6666}" dt="2022-02-03T14:21:53.451" v="866" actId="47"/>
-        <pc:sldMkLst>
-          <pc:docMk/>
-          <pc:sldMk cId="811289827" sldId="554"/>
-        </pc:sldMkLst>
-        <pc:spChg chg="mod">
-          <ac:chgData name="Khattab, Sherif" userId="c83b1e15-36f3-4f46-aceb-05aac24c545e" providerId="ADAL" clId="{5F2F6BF5-D84C-49C2-A88A-A14AEB5A6666}" dt="2022-02-03T14:13:37.374" v="73" actId="6549"/>
-          <ac:spMkLst>
-            <pc:docMk/>
-            <pc:sldMk cId="811289827" sldId="554"/>
-            <ac:spMk id="3" creationId="{A5026D35-753B-4BE4-ADA9-22811800D3D5}"/>
-          </ac:spMkLst>
-        </pc:spChg>
-      </pc:sldChg>
-      <pc:sldChg chg="modSp add del mod modAnim">
-        <pc:chgData name="Khattab, Sherif" userId="c83b1e15-36f3-4f46-aceb-05aac24c545e" providerId="ADAL" clId="{5F2F6BF5-D84C-49C2-A88A-A14AEB5A6666}" dt="2022-02-03T14:21:53.451" v="866" actId="47"/>
-        <pc:sldMkLst>
-          <pc:docMk/>
-          <pc:sldMk cId="3572321521" sldId="555"/>
-        </pc:sldMkLst>
-        <pc:spChg chg="mod">
-          <ac:chgData name="Khattab, Sherif" userId="c83b1e15-36f3-4f46-aceb-05aac24c545e" providerId="ADAL" clId="{5F2F6BF5-D84C-49C2-A88A-A14AEB5A6666}" dt="2022-02-03T14:13:30.627" v="71" actId="27636"/>
-          <ac:spMkLst>
-            <pc:docMk/>
-            <pc:sldMk cId="3572321521" sldId="555"/>
-            <ac:spMk id="3" creationId="{2A95C756-46CE-459D-BFAE-5BB3EBAF84C4}"/>
-          </ac:spMkLst>
-        </pc:spChg>
-      </pc:sldChg>
-      <pc:sldChg chg="modSp add del modAnim">
-        <pc:chgData name="Khattab, Sherif" userId="c83b1e15-36f3-4f46-aceb-05aac24c545e" providerId="ADAL" clId="{5F2F6BF5-D84C-49C2-A88A-A14AEB5A6666}" dt="2022-02-03T14:14:09.691" v="140" actId="20577"/>
-        <pc:sldMkLst>
-          <pc:docMk/>
-          <pc:sldMk cId="3612085669" sldId="556"/>
-        </pc:sldMkLst>
-        <pc:spChg chg="mod">
-          <ac:chgData name="Khattab, Sherif" userId="c83b1e15-36f3-4f46-aceb-05aac24c545e" providerId="ADAL" clId="{5F2F6BF5-D84C-49C2-A88A-A14AEB5A6666}" dt="2022-02-03T14:14:09.691" v="140" actId="20577"/>
-          <ac:spMkLst>
-            <pc:docMk/>
-            <pc:sldMk cId="3612085669" sldId="556"/>
-            <ac:spMk id="3" creationId="{34D1CC0D-B866-4CE5-A7D4-A686C1DB25CF}"/>
-          </ac:spMkLst>
-        </pc:spChg>
-      </pc:sldChg>
-      <pc:sldChg chg="add del">
-        <pc:chgData name="Khattab, Sherif" userId="c83b1e15-36f3-4f46-aceb-05aac24c545e" providerId="ADAL" clId="{5F2F6BF5-D84C-49C2-A88A-A14AEB5A6666}" dt="2022-02-03T14:12:52.810" v="9"/>
-        <pc:sldMkLst>
-          <pc:docMk/>
-          <pc:sldMk cId="477320872" sldId="557"/>
-        </pc:sldMkLst>
-      </pc:sldChg>
-      <pc:sldChg chg="add del">
-        <pc:chgData name="Khattab, Sherif" userId="c83b1e15-36f3-4f46-aceb-05aac24c545e" providerId="ADAL" clId="{5F2F6BF5-D84C-49C2-A88A-A14AEB5A6666}" dt="2022-02-03T14:14:21.326" v="141" actId="47"/>
-        <pc:sldMkLst>
-          <pc:docMk/>
-          <pc:sldMk cId="3299591313" sldId="558"/>
-        </pc:sldMkLst>
-      </pc:sldChg>
-      <pc:sldChg chg="add del">
-        <pc:chgData name="Khattab, Sherif" userId="c83b1e15-36f3-4f46-aceb-05aac24c545e" providerId="ADAL" clId="{5F2F6BF5-D84C-49C2-A88A-A14AEB5A6666}" dt="2022-02-03T14:14:21.853" v="142" actId="47"/>
-        <pc:sldMkLst>
-          <pc:docMk/>
-          <pc:sldMk cId="3581853608" sldId="559"/>
-        </pc:sldMkLst>
-      </pc:sldChg>
-      <pc:sldChg chg="add del">
-        <pc:chgData name="Khattab, Sherif" userId="c83b1e15-36f3-4f46-aceb-05aac24c545e" providerId="ADAL" clId="{5F2F6BF5-D84C-49C2-A88A-A14AEB5A6666}" dt="2022-02-03T14:12:52.810" v="9"/>
-        <pc:sldMkLst>
-          <pc:docMk/>
-          <pc:sldMk cId="508927020" sldId="560"/>
-        </pc:sldMkLst>
-      </pc:sldChg>
-      <pc:sldChg chg="addSp delSp modSp new mod">
-        <pc:chgData name="Khattab, Sherif" userId="c83b1e15-36f3-4f46-aceb-05aac24c545e" providerId="ADAL" clId="{5F2F6BF5-D84C-49C2-A88A-A14AEB5A6666}" dt="2022-02-03T14:17:34.156" v="429" actId="403"/>
-        <pc:sldMkLst>
-          <pc:docMk/>
-          <pc:sldMk cId="2690636170" sldId="561"/>
-        </pc:sldMkLst>
-        <pc:spChg chg="mod">
-          <ac:chgData name="Khattab, Sherif" userId="c83b1e15-36f3-4f46-aceb-05aac24c545e" providerId="ADAL" clId="{5F2F6BF5-D84C-49C2-A88A-A14AEB5A6666}" dt="2022-02-03T14:14:51.922" v="169" actId="20577"/>
-          <ac:spMkLst>
-            <pc:docMk/>
-            <pc:sldMk cId="2690636170" sldId="561"/>
-            <ac:spMk id="2" creationId="{8EA8CF8B-B1F2-4B0F-86B6-D32922BA2A53}"/>
-          </ac:spMkLst>
-        </pc:spChg>
-        <pc:spChg chg="mod">
-          <ac:chgData name="Khattab, Sherif" userId="c83b1e15-36f3-4f46-aceb-05aac24c545e" providerId="ADAL" clId="{5F2F6BF5-D84C-49C2-A88A-A14AEB5A6666}" dt="2022-02-03T14:17:34.156" v="429" actId="403"/>
-          <ac:spMkLst>
-            <pc:docMk/>
-            <pc:sldMk cId="2690636170" sldId="561"/>
-            <ac:spMk id="3" creationId="{45D402E1-232C-4373-88A2-85A6A0CE49D1}"/>
-          </ac:spMkLst>
-        </pc:spChg>
-        <pc:grpChg chg="del mod">
-          <ac:chgData name="Khattab, Sherif" userId="c83b1e15-36f3-4f46-aceb-05aac24c545e" providerId="ADAL" clId="{5F2F6BF5-D84C-49C2-A88A-A14AEB5A6666}" dt="2022-02-03T14:16:04.423" v="238" actId="478"/>
-          <ac:grpSpMkLst>
-            <pc:docMk/>
-            <pc:sldMk cId="2690636170" sldId="561"/>
-            <ac:grpSpMk id="11" creationId="{C4560504-9336-4184-9DDF-48A92B371291}"/>
-          </ac:grpSpMkLst>
-        </pc:grpChg>
-        <pc:grpChg chg="del mod">
-          <ac:chgData name="Khattab, Sherif" userId="c83b1e15-36f3-4f46-aceb-05aac24c545e" providerId="ADAL" clId="{5F2F6BF5-D84C-49C2-A88A-A14AEB5A6666}" dt="2022-02-03T14:15:43.289" v="232"/>
-          <ac:grpSpMkLst>
-            <pc:docMk/>
-            <pc:sldMk cId="2690636170" sldId="561"/>
-            <ac:grpSpMk id="27" creationId="{0F472117-BB8C-4F80-A524-CC21E76669E6}"/>
-          </ac:grpSpMkLst>
-        </pc:grpChg>
-        <pc:grpChg chg="del mod">
-          <ac:chgData name="Khattab, Sherif" userId="c83b1e15-36f3-4f46-aceb-05aac24c545e" providerId="ADAL" clId="{5F2F6BF5-D84C-49C2-A88A-A14AEB5A6666}" dt="2022-02-03T14:15:57.277" v="237" actId="478"/>
-          <ac:grpSpMkLst>
-            <pc:docMk/>
-            <pc:sldMk cId="2690636170" sldId="561"/>
-            <ac:grpSpMk id="28" creationId="{2203C290-77B9-4C41-8A8B-903EC759D6AB}"/>
-          </ac:grpSpMkLst>
-        </pc:grpChg>
-        <pc:grpChg chg="del mod">
-          <ac:chgData name="Khattab, Sherif" userId="c83b1e15-36f3-4f46-aceb-05aac24c545e" providerId="ADAL" clId="{5F2F6BF5-D84C-49C2-A88A-A14AEB5A6666}" dt="2022-02-03T14:15:53.983" v="234" actId="478"/>
-          <ac:grpSpMkLst>
-            <pc:docMk/>
-            <pc:sldMk cId="2690636170" sldId="561"/>
-            <ac:grpSpMk id="29" creationId="{C28BF392-136A-4893-A33F-50E499D95235}"/>
-          </ac:grpSpMkLst>
-        </pc:grpChg>
-        <pc:grpChg chg="del mod">
-          <ac:chgData name="Khattab, Sherif" userId="c83b1e15-36f3-4f46-aceb-05aac24c545e" providerId="ADAL" clId="{5F2F6BF5-D84C-49C2-A88A-A14AEB5A6666}" dt="2022-02-03T14:15:43.289" v="232"/>
-          <ac:grpSpMkLst>
-            <pc:docMk/>
-            <pc:sldMk cId="2690636170" sldId="561"/>
-            <ac:grpSpMk id="42" creationId="{22A11F7F-1B7B-4DD9-8948-5A7A0FE05038}"/>
-          </ac:grpSpMkLst>
-        </pc:grpChg>
-        <pc:grpChg chg="del mod">
-          <ac:chgData name="Khattab, Sherif" userId="c83b1e15-36f3-4f46-aceb-05aac24c545e" providerId="ADAL" clId="{5F2F6BF5-D84C-49C2-A88A-A14AEB5A6666}" dt="2022-02-03T14:15:43.289" v="232"/>
-          <ac:grpSpMkLst>
-            <pc:docMk/>
-            <pc:sldMk cId="2690636170" sldId="561"/>
-            <ac:grpSpMk id="43" creationId="{5FDD1F4D-AEEB-4F56-98C0-17EBED5F51C7}"/>
-          </ac:grpSpMkLst>
-        </pc:grpChg>
-        <pc:grpChg chg="del mod">
-          <ac:chgData name="Khattab, Sherif" userId="c83b1e15-36f3-4f46-aceb-05aac24c545e" providerId="ADAL" clId="{5F2F6BF5-D84C-49C2-A88A-A14AEB5A6666}" dt="2022-02-03T14:15:43.289" v="232"/>
-          <ac:grpSpMkLst>
-            <pc:docMk/>
-            <pc:sldMk cId="2690636170" sldId="561"/>
-            <ac:grpSpMk id="44" creationId="{E640AF07-C6FE-42B7-834B-0E02ACE2B36C}"/>
-          </ac:grpSpMkLst>
-        </pc:grpChg>
-        <pc:grpChg chg="del mod">
-          <ac:chgData name="Khattab, Sherif" userId="c83b1e15-36f3-4f46-aceb-05aac24c545e" providerId="ADAL" clId="{5F2F6BF5-D84C-49C2-A88A-A14AEB5A6666}" dt="2022-02-03T14:15:43.289" v="232"/>
-          <ac:grpSpMkLst>
-            <pc:docMk/>
-            <pc:sldMk cId="2690636170" sldId="561"/>
-            <ac:grpSpMk id="71" creationId="{7CFE2E9E-9A49-48B7-ADDE-C5C906C9C25F}"/>
-          </ac:grpSpMkLst>
-        </pc:grpChg>
-        <pc:grpChg chg="del mod">
-          <ac:chgData name="Khattab, Sherif" userId="c83b1e15-36f3-4f46-aceb-05aac24c545e" providerId="ADAL" clId="{5F2F6BF5-D84C-49C2-A88A-A14AEB5A6666}" dt="2022-02-03T14:15:43.289" v="232"/>
-          <ac:grpSpMkLst>
-            <pc:docMk/>
-            <pc:sldMk cId="2690636170" sldId="561"/>
-            <ac:grpSpMk id="72" creationId="{7F67080C-AE41-48FD-984F-820A6BC0E9A1}"/>
-          </ac:grpSpMkLst>
-        </pc:grpChg>
-        <pc:grpChg chg="del mod">
-          <ac:chgData name="Khattab, Sherif" userId="c83b1e15-36f3-4f46-aceb-05aac24c545e" providerId="ADAL" clId="{5F2F6BF5-D84C-49C2-A88A-A14AEB5A6666}" dt="2022-02-03T14:15:43.289" v="232"/>
-          <ac:grpSpMkLst>
-            <pc:docMk/>
-            <pc:sldMk cId="2690636170" sldId="561"/>
-            <ac:grpSpMk id="73" creationId="{7BFFA4E2-6D82-43A7-8167-236F4EC575BF}"/>
-          </ac:grpSpMkLst>
-        </pc:grpChg>
-        <pc:grpChg chg="del mod">
-          <ac:chgData name="Khattab, Sherif" userId="c83b1e15-36f3-4f46-aceb-05aac24c545e" providerId="ADAL" clId="{5F2F6BF5-D84C-49C2-A88A-A14AEB5A6666}" dt="2022-02-03T14:15:43.289" v="232"/>
-          <ac:grpSpMkLst>
-            <pc:docMk/>
-            <pc:sldMk cId="2690636170" sldId="561"/>
-            <ac:grpSpMk id="74" creationId="{2FBF3CCD-CF92-4E42-8A60-01426C276321}"/>
-          </ac:grpSpMkLst>
-        </pc:grpChg>
-        <pc:grpChg chg="del mod">
-          <ac:chgData name="Khattab, Sherif" userId="c83b1e15-36f3-4f46-aceb-05aac24c545e" providerId="ADAL" clId="{5F2F6BF5-D84C-49C2-A88A-A14AEB5A6666}" dt="2022-02-03T14:15:43.289" v="232"/>
-          <ac:grpSpMkLst>
-            <pc:docMk/>
-            <pc:sldMk cId="2690636170" sldId="561"/>
-            <ac:grpSpMk id="75" creationId="{C36EBB22-D7EC-453B-BA06-6A7CD1AE3486}"/>
-          </ac:grpSpMkLst>
-        </pc:grpChg>
-        <pc:grpChg chg="del mod">
-          <ac:chgData name="Khattab, Sherif" userId="c83b1e15-36f3-4f46-aceb-05aac24c545e" providerId="ADAL" clId="{5F2F6BF5-D84C-49C2-A88A-A14AEB5A6666}" dt="2022-02-03T14:15:50.135" v="233" actId="478"/>
-          <ac:grpSpMkLst>
-            <pc:docMk/>
-            <pc:sldMk cId="2690636170" sldId="561"/>
-            <ac:grpSpMk id="76" creationId="{3F68E3B3-44A1-43DD-A7BC-C84B799E6EF6}"/>
-          </ac:grpSpMkLst>
-        </pc:grpChg>
-        <pc:inkChg chg="add mod">
-          <ac:chgData name="Khattab, Sherif" userId="c83b1e15-36f3-4f46-aceb-05aac24c545e" providerId="ADAL" clId="{5F2F6BF5-D84C-49C2-A88A-A14AEB5A6666}" dt="2022-02-03T14:15:06.462" v="176"/>
-          <ac:inkMkLst>
-            <pc:docMk/>
-            <pc:sldMk cId="2690636170" sldId="561"/>
-            <ac:inkMk id="5" creationId="{F7C7DB7E-241A-40BA-9F7E-296F12E46E7A}"/>
-          </ac:inkMkLst>
-        </pc:inkChg>
-        <pc:inkChg chg="add mod">
-          <ac:chgData name="Khattab, Sherif" userId="c83b1e15-36f3-4f46-aceb-05aac24c545e" providerId="ADAL" clId="{5F2F6BF5-D84C-49C2-A88A-A14AEB5A6666}" dt="2022-02-03T14:15:06.462" v="176"/>
-          <ac:inkMkLst>
-            <pc:docMk/>
-            <pc:sldMk cId="2690636170" sldId="561"/>
-            <ac:inkMk id="6" creationId="{60550EB0-9CF6-4B73-AFE4-C172D2F20304}"/>
-          </ac:inkMkLst>
-        </pc:inkChg>
-        <pc:inkChg chg="add mod">
-          <ac:chgData name="Khattab, Sherif" userId="c83b1e15-36f3-4f46-aceb-05aac24c545e" providerId="ADAL" clId="{5F2F6BF5-D84C-49C2-A88A-A14AEB5A6666}" dt="2022-02-03T14:15:06.462" v="176"/>
-          <ac:inkMkLst>
-            <pc:docMk/>
-            <pc:sldMk cId="2690636170" sldId="561"/>
-            <ac:inkMk id="7" creationId="{2C252722-9BE2-44F0-B196-FEA61C12F47F}"/>
-          </ac:inkMkLst>
-        </pc:inkChg>
-        <pc:inkChg chg="add mod">
-          <ac:chgData name="Khattab, Sherif" userId="c83b1e15-36f3-4f46-aceb-05aac24c545e" providerId="ADAL" clId="{5F2F6BF5-D84C-49C2-A88A-A14AEB5A6666}" dt="2022-02-03T14:15:06.462" v="176"/>
-          <ac:inkMkLst>
-            <pc:docMk/>
-            <pc:sldMk cId="2690636170" sldId="561"/>
-            <ac:inkMk id="8" creationId="{A833B97E-11E1-4920-A0AE-3236B1B3DAD2}"/>
-          </ac:inkMkLst>
-        </pc:inkChg>
-        <pc:inkChg chg="add mod">
-          <ac:chgData name="Khattab, Sherif" userId="c83b1e15-36f3-4f46-aceb-05aac24c545e" providerId="ADAL" clId="{5F2F6BF5-D84C-49C2-A88A-A14AEB5A6666}" dt="2022-02-03T14:15:06.462" v="176"/>
-          <ac:inkMkLst>
-            <pc:docMk/>
-            <pc:sldMk cId="2690636170" sldId="561"/>
-            <ac:inkMk id="9" creationId="{AA0DE65D-94BA-493E-89D6-42F1BB0BAC38}"/>
-          </ac:inkMkLst>
-        </pc:inkChg>
-        <pc:inkChg chg="add mod">
-          <ac:chgData name="Khattab, Sherif" userId="c83b1e15-36f3-4f46-aceb-05aac24c545e" providerId="ADAL" clId="{5F2F6BF5-D84C-49C2-A88A-A14AEB5A6666}" dt="2022-02-03T14:15:06.462" v="176"/>
-          <ac:inkMkLst>
-            <pc:docMk/>
-            <pc:sldMk cId="2690636170" sldId="561"/>
-            <ac:inkMk id="10" creationId="{2143B06B-C512-4BD1-8133-10CB34F46DF6}"/>
-          </ac:inkMkLst>
-        </pc:inkChg>
-        <pc:inkChg chg="add mod">
-          <ac:chgData name="Khattab, Sherif" userId="c83b1e15-36f3-4f46-aceb-05aac24c545e" providerId="ADAL" clId="{5F2F6BF5-D84C-49C2-A88A-A14AEB5A6666}" dt="2022-02-03T14:15:20.120" v="192"/>
-          <ac:inkMkLst>
-            <pc:docMk/>
-            <pc:sldMk cId="2690636170" sldId="561"/>
-            <ac:inkMk id="12" creationId="{2EB05E12-AF3E-4AF1-8B08-483FCC967BE0}"/>
-          </ac:inkMkLst>
-        </pc:inkChg>
-        <pc:inkChg chg="add mod">
-          <ac:chgData name="Khattab, Sherif" userId="c83b1e15-36f3-4f46-aceb-05aac24c545e" providerId="ADAL" clId="{5F2F6BF5-D84C-49C2-A88A-A14AEB5A6666}" dt="2022-02-03T14:15:20.120" v="192"/>
-          <ac:inkMkLst>
-            <pc:docMk/>
-            <pc:sldMk cId="2690636170" sldId="561"/>
-            <ac:inkMk id="13" creationId="{E368AD0B-05A8-46AA-A529-5C0AE1B56EBD}"/>
-          </ac:inkMkLst>
-        </pc:inkChg>
-        <pc:inkChg chg="add mod">
-          <ac:chgData name="Khattab, Sherif" userId="c83b1e15-36f3-4f46-aceb-05aac24c545e" providerId="ADAL" clId="{5F2F6BF5-D84C-49C2-A88A-A14AEB5A6666}" dt="2022-02-03T14:15:20.120" v="192"/>
-          <ac:inkMkLst>
-            <pc:docMk/>
-            <pc:sldMk cId="2690636170" sldId="561"/>
-            <ac:inkMk id="14" creationId="{D390EC62-1FC3-44B6-879D-EB722CB8B74F}"/>
-          </ac:inkMkLst>
-        </pc:inkChg>
-        <pc:inkChg chg="add mod">
-          <ac:chgData name="Khattab, Sherif" userId="c83b1e15-36f3-4f46-aceb-05aac24c545e" providerId="ADAL" clId="{5F2F6BF5-D84C-49C2-A88A-A14AEB5A6666}" dt="2022-02-03T14:15:20.120" v="192"/>
-          <ac:inkMkLst>
-            <pc:docMk/>
-            <pc:sldMk cId="2690636170" sldId="561"/>
-            <ac:inkMk id="15" creationId="{62C1DBBF-EF54-46AF-8721-A09CBF4E8AE4}"/>
-          </ac:inkMkLst>
-        </pc:inkChg>
-        <pc:inkChg chg="add mod">
-          <ac:chgData name="Khattab, Sherif" userId="c83b1e15-36f3-4f46-aceb-05aac24c545e" providerId="ADAL" clId="{5F2F6BF5-D84C-49C2-A88A-A14AEB5A6666}" dt="2022-02-03T14:15:20.120" v="192"/>
-          <ac:inkMkLst>
-            <pc:docMk/>
-            <pc:sldMk cId="2690636170" sldId="561"/>
-            <ac:inkMk id="16" creationId="{A572D7C1-40E0-423B-8955-92C3B00A6E30}"/>
-          </ac:inkMkLst>
-        </pc:inkChg>
-        <pc:inkChg chg="add del">
-          <ac:chgData name="Khattab, Sherif" userId="c83b1e15-36f3-4f46-aceb-05aac24c545e" providerId="ADAL" clId="{5F2F6BF5-D84C-49C2-A88A-A14AEB5A6666}" dt="2022-02-03T14:15:55.607" v="235" actId="478"/>
-          <ac:inkMkLst>
-            <pc:docMk/>
-            <pc:sldMk cId="2690636170" sldId="561"/>
-            <ac:inkMk id="17" creationId="{C1B1DFC6-9312-45B8-93F1-8448B2FBD89B}"/>
-          </ac:inkMkLst>
-        </pc:inkChg>
-        <pc:inkChg chg="add mod">
-          <ac:chgData name="Khattab, Sherif" userId="c83b1e15-36f3-4f46-aceb-05aac24c545e" providerId="ADAL" clId="{5F2F6BF5-D84C-49C2-A88A-A14AEB5A6666}" dt="2022-02-03T14:15:20.120" v="192"/>
-          <ac:inkMkLst>
-            <pc:docMk/>
-            <pc:sldMk cId="2690636170" sldId="561"/>
-            <ac:inkMk id="18" creationId="{21CAED45-CC41-499A-8F5E-04DCCB5CA3D3}"/>
-          </ac:inkMkLst>
-        </pc:inkChg>
-        <pc:inkChg chg="add mod">
-          <ac:chgData name="Khattab, Sherif" userId="c83b1e15-36f3-4f46-aceb-05aac24c545e" providerId="ADAL" clId="{5F2F6BF5-D84C-49C2-A88A-A14AEB5A6666}" dt="2022-02-03T14:15:20.120" v="192"/>
-          <ac:inkMkLst>
-            <pc:docMk/>
-            <pc:sldMk cId="2690636170" sldId="561"/>
-            <ac:inkMk id="19" creationId="{0C7E4555-C368-4FFF-80F2-BD13EF667B30}"/>
-          </ac:inkMkLst>
-        </pc:inkChg>
-        <pc:inkChg chg="add mod">
-          <ac:chgData name="Khattab, Sherif" userId="c83b1e15-36f3-4f46-aceb-05aac24c545e" providerId="ADAL" clId="{5F2F6BF5-D84C-49C2-A88A-A14AEB5A6666}" dt="2022-02-03T14:15:20.120" v="192"/>
-          <ac:inkMkLst>
-            <pc:docMk/>
-            <pc:sldMk cId="2690636170" sldId="561"/>
-            <ac:inkMk id="20" creationId="{E862AF7D-6D59-49C5-8900-B0E0DC95FF25}"/>
-          </ac:inkMkLst>
-        </pc:inkChg>
-        <pc:inkChg chg="add mod">
-          <ac:chgData name="Khattab, Sherif" userId="c83b1e15-36f3-4f46-aceb-05aac24c545e" providerId="ADAL" clId="{5F2F6BF5-D84C-49C2-A88A-A14AEB5A6666}" dt="2022-02-03T14:15:20.120" v="192"/>
-          <ac:inkMkLst>
-            <pc:docMk/>
-            <pc:sldMk cId="2690636170" sldId="561"/>
-            <ac:inkMk id="21" creationId="{7DE49538-525A-44EC-B611-63EC56192756}"/>
-          </ac:inkMkLst>
-        </pc:inkChg>
-        <pc:inkChg chg="add mod">
-          <ac:chgData name="Khattab, Sherif" userId="c83b1e15-36f3-4f46-aceb-05aac24c545e" providerId="ADAL" clId="{5F2F6BF5-D84C-49C2-A88A-A14AEB5A6666}" dt="2022-02-03T14:15:20.120" v="192"/>
-          <ac:inkMkLst>
-            <pc:docMk/>
-            <pc:sldMk cId="2690636170" sldId="561"/>
-            <ac:inkMk id="22" creationId="{AB041BF1-FB84-4CE4-89DE-C954DD5CAC7B}"/>
-          </ac:inkMkLst>
-        </pc:inkChg>
-        <pc:inkChg chg="add mod">
-          <ac:chgData name="Khattab, Sherif" userId="c83b1e15-36f3-4f46-aceb-05aac24c545e" providerId="ADAL" clId="{5F2F6BF5-D84C-49C2-A88A-A14AEB5A6666}" dt="2022-02-03T14:15:20.120" v="192"/>
-          <ac:inkMkLst>
-            <pc:docMk/>
-            <pc:sldMk cId="2690636170" sldId="561"/>
-            <ac:inkMk id="23" creationId="{8C87FD57-6A5B-43B4-98C2-1FCCAD99DF5E}"/>
-          </ac:inkMkLst>
-        </pc:inkChg>
-        <pc:inkChg chg="add mod">
-          <ac:chgData name="Khattab, Sherif" userId="c83b1e15-36f3-4f46-aceb-05aac24c545e" providerId="ADAL" clId="{5F2F6BF5-D84C-49C2-A88A-A14AEB5A6666}" dt="2022-02-03T14:15:43.289" v="232"/>
-          <ac:inkMkLst>
-            <pc:docMk/>
-            <pc:sldMk cId="2690636170" sldId="561"/>
-            <ac:inkMk id="24" creationId="{F49BF2E4-E7D3-4BF9-9A5C-3676DAF6B893}"/>
-          </ac:inkMkLst>
-        </pc:inkChg>
-        <pc:inkChg chg="add mod">
-          <ac:chgData name="Khattab, Sherif" userId="c83b1e15-36f3-4f46-aceb-05aac24c545e" providerId="ADAL" clId="{5F2F6BF5-D84C-49C2-A88A-A14AEB5A6666}" dt="2022-02-03T14:15:43.289" v="232"/>
-          <ac:inkMkLst>
-            <pc:docMk/>
-            <pc:sldMk cId="2690636170" sldId="561"/>
-            <ac:inkMk id="25" creationId="{0A9F84DD-ECF1-4CA7-9FCF-E350688FD897}"/>
-          </ac:inkMkLst>
-        </pc:inkChg>
-        <pc:inkChg chg="add mod">
-          <ac:chgData name="Khattab, Sherif" userId="c83b1e15-36f3-4f46-aceb-05aac24c545e" providerId="ADAL" clId="{5F2F6BF5-D84C-49C2-A88A-A14AEB5A6666}" dt="2022-02-03T14:15:43.289" v="232"/>
-          <ac:inkMkLst>
-            <pc:docMk/>
-            <pc:sldMk cId="2690636170" sldId="561"/>
-            <ac:inkMk id="26" creationId="{AAE4677F-7299-42C8-849B-EA8AD98B2B9C}"/>
-          </ac:inkMkLst>
-        </pc:inkChg>
-        <pc:inkChg chg="add mod">
-          <ac:chgData name="Khattab, Sherif" userId="c83b1e15-36f3-4f46-aceb-05aac24c545e" providerId="ADAL" clId="{5F2F6BF5-D84C-49C2-A88A-A14AEB5A6666}" dt="2022-02-03T14:15:43.289" v="232"/>
-          <ac:inkMkLst>
-            <pc:docMk/>
-            <pc:sldMk cId="2690636170" sldId="561"/>
-            <ac:inkMk id="30" creationId="{B6F194C7-E1AD-4183-A52E-12210FB381F5}"/>
-          </ac:inkMkLst>
-        </pc:inkChg>
-        <pc:inkChg chg="add mod">
-          <ac:chgData name="Khattab, Sherif" userId="c83b1e15-36f3-4f46-aceb-05aac24c545e" providerId="ADAL" clId="{5F2F6BF5-D84C-49C2-A88A-A14AEB5A6666}" dt="2022-02-03T14:15:43.289" v="232"/>
-          <ac:inkMkLst>
-            <pc:docMk/>
-            <pc:sldMk cId="2690636170" sldId="561"/>
-            <ac:inkMk id="31" creationId="{76D3DFB2-32F6-4E16-A8C4-943B04FEA3C0}"/>
-          </ac:inkMkLst>
-        </pc:inkChg>
-        <pc:inkChg chg="add mod">
-          <ac:chgData name="Khattab, Sherif" userId="c83b1e15-36f3-4f46-aceb-05aac24c545e" providerId="ADAL" clId="{5F2F6BF5-D84C-49C2-A88A-A14AEB5A6666}" dt="2022-02-03T14:15:43.289" v="232"/>
-          <ac:inkMkLst>
-            <pc:docMk/>
-            <pc:sldMk cId="2690636170" sldId="561"/>
-            <ac:inkMk id="32" creationId="{D40878EC-D241-42F7-80DB-5122F04B71B6}"/>
-          </ac:inkMkLst>
-        </pc:inkChg>
-        <pc:inkChg chg="add mod">
-          <ac:chgData name="Khattab, Sherif" userId="c83b1e15-36f3-4f46-aceb-05aac24c545e" providerId="ADAL" clId="{5F2F6BF5-D84C-49C2-A88A-A14AEB5A6666}" dt="2022-02-03T14:15:43.289" v="232"/>
-          <ac:inkMkLst>
-            <pc:docMk/>
-            <pc:sldMk cId="2690636170" sldId="561"/>
-            <ac:inkMk id="33" creationId="{60887C96-3279-4455-8C8D-814C67D4A3F7}"/>
-          </ac:inkMkLst>
-        </pc:inkChg>
-        <pc:inkChg chg="add mod">
-          <ac:chgData name="Khattab, Sherif" userId="c83b1e15-36f3-4f46-aceb-05aac24c545e" providerId="ADAL" clId="{5F2F6BF5-D84C-49C2-A88A-A14AEB5A6666}" dt="2022-02-03T14:15:43.289" v="232"/>
-          <ac:inkMkLst>
-            <pc:docMk/>
-            <pc:sldMk cId="2690636170" sldId="561"/>
-            <ac:inkMk id="34" creationId="{49636577-3F0D-46D3-A8B1-377B8529E0D6}"/>
-          </ac:inkMkLst>
-        </pc:inkChg>
-        <pc:inkChg chg="add mod">
-          <ac:chgData name="Khattab, Sherif" userId="c83b1e15-36f3-4f46-aceb-05aac24c545e" providerId="ADAL" clId="{5F2F6BF5-D84C-49C2-A88A-A14AEB5A6666}" dt="2022-02-03T14:15:43.289" v="232"/>
-          <ac:inkMkLst>
-            <pc:docMk/>
-            <pc:sldMk cId="2690636170" sldId="561"/>
-            <ac:inkMk id="35" creationId="{A0208FB1-A9E0-4A2A-A2EF-4EC145667846}"/>
-          </ac:inkMkLst>
-        </pc:inkChg>
-        <pc:inkChg chg="add mod">
-          <ac:chgData name="Khattab, Sherif" userId="c83b1e15-36f3-4f46-aceb-05aac24c545e" providerId="ADAL" clId="{5F2F6BF5-D84C-49C2-A88A-A14AEB5A6666}" dt="2022-02-03T14:15:43.289" v="232"/>
-          <ac:inkMkLst>
-            <pc:docMk/>
-            <pc:sldMk cId="2690636170" sldId="561"/>
-            <ac:inkMk id="36" creationId="{90F11145-ACA5-40C4-A2F7-E9D616929E1F}"/>
-          </ac:inkMkLst>
-        </pc:inkChg>
-        <pc:inkChg chg="add mod">
-          <ac:chgData name="Khattab, Sherif" userId="c83b1e15-36f3-4f46-aceb-05aac24c545e" providerId="ADAL" clId="{5F2F6BF5-D84C-49C2-A88A-A14AEB5A6666}" dt="2022-02-03T14:15:43.289" v="232"/>
-          <ac:inkMkLst>
-            <pc:docMk/>
-            <pc:sldMk cId="2690636170" sldId="561"/>
-            <ac:inkMk id="37" creationId="{958BDD74-249E-432C-A496-8DAD615CAA16}"/>
-          </ac:inkMkLst>
-        </pc:inkChg>
-        <pc:inkChg chg="add mod">
-          <ac:chgData name="Khattab, Sherif" userId="c83b1e15-36f3-4f46-aceb-05aac24c545e" providerId="ADAL" clId="{5F2F6BF5-D84C-49C2-A88A-A14AEB5A6666}" dt="2022-02-03T14:15:43.289" v="232"/>
-          <ac:inkMkLst>
-            <pc:docMk/>
-            <pc:sldMk cId="2690636170" sldId="561"/>
-            <ac:inkMk id="38" creationId="{96EADA02-3359-4A7D-B03E-09778A2E23CB}"/>
-          </ac:inkMkLst>
-        </pc:inkChg>
-        <pc:inkChg chg="add mod">
-          <ac:chgData name="Khattab, Sherif" userId="c83b1e15-36f3-4f46-aceb-05aac24c545e" providerId="ADAL" clId="{5F2F6BF5-D84C-49C2-A88A-A14AEB5A6666}" dt="2022-02-03T14:15:43.289" v="232"/>
-          <ac:inkMkLst>
-            <pc:docMk/>
-            <pc:sldMk cId="2690636170" sldId="561"/>
-            <ac:inkMk id="39" creationId="{14C7AC07-AC0C-4320-A85C-FC75CFAFC6D1}"/>
-          </ac:inkMkLst>
-        </pc:inkChg>
-        <pc:inkChg chg="add mod">
-          <ac:chgData name="Khattab, Sherif" userId="c83b1e15-36f3-4f46-aceb-05aac24c545e" providerId="ADAL" clId="{5F2F6BF5-D84C-49C2-A88A-A14AEB5A6666}" dt="2022-02-03T14:15:43.289" v="232"/>
-          <ac:inkMkLst>
-            <pc:docMk/>
-            <pc:sldMk cId="2690636170" sldId="561"/>
-            <ac:inkMk id="40" creationId="{BDCF260F-0B99-4300-B8DC-D8CFCF829C48}"/>
-          </ac:inkMkLst>
-        </pc:inkChg>
-        <pc:inkChg chg="add mod">
-          <ac:chgData name="Khattab, Sherif" userId="c83b1e15-36f3-4f46-aceb-05aac24c545e" providerId="ADAL" clId="{5F2F6BF5-D84C-49C2-A88A-A14AEB5A6666}" dt="2022-02-03T14:15:43.289" v="232"/>
-          <ac:inkMkLst>
-            <pc:docMk/>
-            <pc:sldMk cId="2690636170" sldId="561"/>
-            <ac:inkMk id="41" creationId="{ACC1F742-A677-4B9D-8CCD-B98FCD9A55A7}"/>
-          </ac:inkMkLst>
-        </pc:inkChg>
-        <pc:inkChg chg="add mod">
-          <ac:chgData name="Khattab, Sherif" userId="c83b1e15-36f3-4f46-aceb-05aac24c545e" providerId="ADAL" clId="{5F2F6BF5-D84C-49C2-A88A-A14AEB5A6666}" dt="2022-02-03T14:15:43.289" v="232"/>
-          <ac:inkMkLst>
-            <pc:docMk/>
-            <pc:sldMk cId="2690636170" sldId="561"/>
-            <ac:inkMk id="45" creationId="{5FAB28B7-0720-4459-B28F-FFE8172B108A}"/>
-          </ac:inkMkLst>
-        </pc:inkChg>
-        <pc:inkChg chg="add mod">
-          <ac:chgData name="Khattab, Sherif" userId="c83b1e15-36f3-4f46-aceb-05aac24c545e" providerId="ADAL" clId="{5F2F6BF5-D84C-49C2-A88A-A14AEB5A6666}" dt="2022-02-03T14:15:43.289" v="232"/>
-          <ac:inkMkLst>
-            <pc:docMk/>
-            <pc:sldMk cId="2690636170" sldId="561"/>
-            <ac:inkMk id="46" creationId="{5FED4D26-24A0-437E-AB78-15CB57C6BA22}"/>
-          </ac:inkMkLst>
-        </pc:inkChg>
-        <pc:inkChg chg="add mod">
-          <ac:chgData name="Khattab, Sherif" userId="c83b1e15-36f3-4f46-aceb-05aac24c545e" providerId="ADAL" clId="{5F2F6BF5-D84C-49C2-A88A-A14AEB5A6666}" dt="2022-02-03T14:15:43.289" v="232"/>
-          <ac:inkMkLst>
-            <pc:docMk/>
-            <pc:sldMk cId="2690636170" sldId="561"/>
-            <ac:inkMk id="47" creationId="{44497576-C994-40E2-A48D-676715D6F371}"/>
-          </ac:inkMkLst>
-        </pc:inkChg>
-        <pc:inkChg chg="add mod">
-          <ac:chgData name="Khattab, Sherif" userId="c83b1e15-36f3-4f46-aceb-05aac24c545e" providerId="ADAL" clId="{5F2F6BF5-D84C-49C2-A88A-A14AEB5A6666}" dt="2022-02-03T14:15:43.289" v="232"/>
-          <ac:inkMkLst>
-            <pc:docMk/>
-            <pc:sldMk cId="2690636170" sldId="561"/>
-            <ac:inkMk id="48" creationId="{867C201F-F3EF-4C5C-9A84-174789329695}"/>
-          </ac:inkMkLst>
-        </pc:inkChg>
-        <pc:inkChg chg="add mod">
-          <ac:chgData name="Khattab, Sherif" userId="c83b1e15-36f3-4f46-aceb-05aac24c545e" providerId="ADAL" clId="{5F2F6BF5-D84C-49C2-A88A-A14AEB5A6666}" dt="2022-02-03T14:15:43.289" v="232"/>
-          <ac:inkMkLst>
-            <pc:docMk/>
-            <pc:sldMk cId="2690636170" sldId="561"/>
-            <ac:inkMk id="49" creationId="{D70990A4-F86F-41F9-BDA9-57C3AF3D9847}"/>
-          </ac:inkMkLst>
-        </pc:inkChg>
-        <pc:inkChg chg="add mod">
-          <ac:chgData name="Khattab, Sherif" userId="c83b1e15-36f3-4f46-aceb-05aac24c545e" providerId="ADAL" clId="{5F2F6BF5-D84C-49C2-A88A-A14AEB5A6666}" dt="2022-02-03T14:15:43.289" v="232"/>
-          <ac:inkMkLst>
-            <pc:docMk/>
-            <pc:sldMk cId="2690636170" sldId="561"/>
-            <ac:inkMk id="50" creationId="{AD579903-78C3-4F8C-B6AB-E17FB2134BD0}"/>
-          </ac:inkMkLst>
-        </pc:inkChg>
-        <pc:inkChg chg="add mod">
-          <ac:chgData name="Khattab, Sherif" userId="c83b1e15-36f3-4f46-aceb-05aac24c545e" providerId="ADAL" clId="{5F2F6BF5-D84C-49C2-A88A-A14AEB5A6666}" dt="2022-02-03T14:15:43.289" v="232"/>
-          <ac:inkMkLst>
-            <pc:docMk/>
-            <pc:sldMk cId="2690636170" sldId="561"/>
-            <ac:inkMk id="51" creationId="{954D29ED-8CA6-4237-BCDA-7BC934FC722D}"/>
-          </ac:inkMkLst>
-        </pc:inkChg>
-        <pc:inkChg chg="add mod">
-          <ac:chgData name="Khattab, Sherif" userId="c83b1e15-36f3-4f46-aceb-05aac24c545e" providerId="ADAL" clId="{5F2F6BF5-D84C-49C2-A88A-A14AEB5A6666}" dt="2022-02-03T14:15:43.289" v="232"/>
-          <ac:inkMkLst>
-            <pc:docMk/>
-            <pc:sldMk cId="2690636170" sldId="561"/>
-            <ac:inkMk id="52" creationId="{8F6AAA4F-115D-4756-AC4B-A97378390A40}"/>
-          </ac:inkMkLst>
-        </pc:inkChg>
-        <pc:inkChg chg="add mod">
-          <ac:chgData name="Khattab, Sherif" userId="c83b1e15-36f3-4f46-aceb-05aac24c545e" providerId="ADAL" clId="{5F2F6BF5-D84C-49C2-A88A-A14AEB5A6666}" dt="2022-02-03T14:15:43.289" v="232"/>
-          <ac:inkMkLst>
-            <pc:docMk/>
-            <pc:sldMk cId="2690636170" sldId="561"/>
-            <ac:inkMk id="53" creationId="{43A53D58-86A0-4367-BAF3-6ACD55A249F7}"/>
-          </ac:inkMkLst>
-        </pc:inkChg>
-        <pc:inkChg chg="add mod">
-          <ac:chgData name="Khattab, Sherif" userId="c83b1e15-36f3-4f46-aceb-05aac24c545e" providerId="ADAL" clId="{5F2F6BF5-D84C-49C2-A88A-A14AEB5A6666}" dt="2022-02-03T14:15:43.289" v="232"/>
-          <ac:inkMkLst>
-            <pc:docMk/>
-            <pc:sldMk cId="2690636170" sldId="561"/>
-            <ac:inkMk id="54" creationId="{CD83D173-7FCC-4875-8810-2B106359D967}"/>
-          </ac:inkMkLst>
-        </pc:inkChg>
-        <pc:inkChg chg="add mod">
-          <ac:chgData name="Khattab, Sherif" userId="c83b1e15-36f3-4f46-aceb-05aac24c545e" providerId="ADAL" clId="{5F2F6BF5-D84C-49C2-A88A-A14AEB5A6666}" dt="2022-02-03T14:15:43.289" v="232"/>
-          <ac:inkMkLst>
-            <pc:docMk/>
-            <pc:sldMk cId="2690636170" sldId="561"/>
-            <ac:inkMk id="55" creationId="{65AC748A-C473-4764-9CD0-495593B3D069}"/>
-          </ac:inkMkLst>
-        </pc:inkChg>
-        <pc:inkChg chg="add mod">
-          <ac:chgData name="Khattab, Sherif" userId="c83b1e15-36f3-4f46-aceb-05aac24c545e" providerId="ADAL" clId="{5F2F6BF5-D84C-49C2-A88A-A14AEB5A6666}" dt="2022-02-03T14:15:43.289" v="232"/>
-          <ac:inkMkLst>
-            <pc:docMk/>
-            <pc:sldMk cId="2690636170" sldId="561"/>
-            <ac:inkMk id="56" creationId="{CCAF71F4-7DDB-4DA1-A68C-BA660150D9E8}"/>
-          </ac:inkMkLst>
-        </pc:inkChg>
-        <pc:inkChg chg="add mod">
-          <ac:chgData name="Khattab, Sherif" userId="c83b1e15-36f3-4f46-aceb-05aac24c545e" providerId="ADAL" clId="{5F2F6BF5-D84C-49C2-A88A-A14AEB5A6666}" dt="2022-02-03T14:15:43.289" v="232"/>
-          <ac:inkMkLst>
-            <pc:docMk/>
-            <pc:sldMk cId="2690636170" sldId="561"/>
-            <ac:inkMk id="57" creationId="{ACDCA13B-841B-4462-A939-B1859163E2E2}"/>
-          </ac:inkMkLst>
-        </pc:inkChg>
-        <pc:inkChg chg="add mod">
-          <ac:chgData name="Khattab, Sherif" userId="c83b1e15-36f3-4f46-aceb-05aac24c545e" providerId="ADAL" clId="{5F2F6BF5-D84C-49C2-A88A-A14AEB5A6666}" dt="2022-02-03T14:15:43.289" v="232"/>
-          <ac:inkMkLst>
-            <pc:docMk/>
-            <pc:sldMk cId="2690636170" sldId="561"/>
-            <ac:inkMk id="58" creationId="{03F5B4BC-4A4E-48B7-A498-3224BC19E7F7}"/>
-          </ac:inkMkLst>
-        </pc:inkChg>
-        <pc:inkChg chg="add mod">
-          <ac:chgData name="Khattab, Sherif" userId="c83b1e15-36f3-4f46-aceb-05aac24c545e" providerId="ADAL" clId="{5F2F6BF5-D84C-49C2-A88A-A14AEB5A6666}" dt="2022-02-03T14:15:43.289" v="232"/>
-          <ac:inkMkLst>
-            <pc:docMk/>
-            <pc:sldMk cId="2690636170" sldId="561"/>
-            <ac:inkMk id="59" creationId="{409F9698-A0CD-45A3-8499-285D1B7D29DC}"/>
-          </ac:inkMkLst>
-        </pc:inkChg>
-        <pc:inkChg chg="add mod">
-          <ac:chgData name="Khattab, Sherif" userId="c83b1e15-36f3-4f46-aceb-05aac24c545e" providerId="ADAL" clId="{5F2F6BF5-D84C-49C2-A88A-A14AEB5A6666}" dt="2022-02-03T14:15:43.289" v="232"/>
-          <ac:inkMkLst>
-            <pc:docMk/>
-            <pc:sldMk cId="2690636170" sldId="561"/>
-            <ac:inkMk id="60" creationId="{604DE050-F75B-4F17-A544-71B218ADBFA2}"/>
-          </ac:inkMkLst>
-        </pc:inkChg>
-        <pc:inkChg chg="add mod">
-          <ac:chgData name="Khattab, Sherif" userId="c83b1e15-36f3-4f46-aceb-05aac24c545e" providerId="ADAL" clId="{5F2F6BF5-D84C-49C2-A88A-A14AEB5A6666}" dt="2022-02-03T14:15:43.289" v="232"/>
-          <ac:inkMkLst>
-            <pc:docMk/>
-            <pc:sldMk cId="2690636170" sldId="561"/>
-            <ac:inkMk id="61" creationId="{43DE29EF-7CFA-4FC6-B6B9-4792EC50F472}"/>
-          </ac:inkMkLst>
-        </pc:inkChg>
-        <pc:inkChg chg="add mod">
-          <ac:chgData name="Khattab, Sherif" userId="c83b1e15-36f3-4f46-aceb-05aac24c545e" providerId="ADAL" clId="{5F2F6BF5-D84C-49C2-A88A-A14AEB5A6666}" dt="2022-02-03T14:15:43.289" v="232"/>
-          <ac:inkMkLst>
-            <pc:docMk/>
-            <pc:sldMk cId="2690636170" sldId="561"/>
-            <ac:inkMk id="62" creationId="{AF39864C-EF37-439C-BA79-BAD473A8908E}"/>
-          </ac:inkMkLst>
-        </pc:inkChg>
-        <pc:inkChg chg="add mod">
-          <ac:chgData name="Khattab, Sherif" userId="c83b1e15-36f3-4f46-aceb-05aac24c545e" providerId="ADAL" clId="{5F2F6BF5-D84C-49C2-A88A-A14AEB5A6666}" dt="2022-02-03T14:15:43.289" v="232"/>
-          <ac:inkMkLst>
-            <pc:docMk/>
-            <pc:sldMk cId="2690636170" sldId="561"/>
-            <ac:inkMk id="63" creationId="{341224C4-B33E-43DD-86D5-C88D49A2F8A9}"/>
-          </ac:inkMkLst>
-        </pc:inkChg>
-        <pc:inkChg chg="add mod">
-          <ac:chgData name="Khattab, Sherif" userId="c83b1e15-36f3-4f46-aceb-05aac24c545e" providerId="ADAL" clId="{5F2F6BF5-D84C-49C2-A88A-A14AEB5A6666}" dt="2022-02-03T14:15:43.289" v="232"/>
-          <ac:inkMkLst>
-            <pc:docMk/>
-            <pc:sldMk cId="2690636170" sldId="561"/>
-            <ac:inkMk id="64" creationId="{DE38EE6A-B28F-499E-976B-299776AD2E10}"/>
-          </ac:inkMkLst>
-        </pc:inkChg>
-        <pc:inkChg chg="add mod">
-          <ac:chgData name="Khattab, Sherif" userId="c83b1e15-36f3-4f46-aceb-05aac24c545e" providerId="ADAL" clId="{5F2F6BF5-D84C-49C2-A88A-A14AEB5A6666}" dt="2022-02-03T14:15:43.289" v="232"/>
-          <ac:inkMkLst>
-            <pc:docMk/>
-            <pc:sldMk cId="2690636170" sldId="561"/>
-            <ac:inkMk id="65" creationId="{02B02893-96C2-4DDC-8422-A651262E12B8}"/>
-          </ac:inkMkLst>
-        </pc:inkChg>
-        <pc:inkChg chg="add mod">
-          <ac:chgData name="Khattab, Sherif" userId="c83b1e15-36f3-4f46-aceb-05aac24c545e" providerId="ADAL" clId="{5F2F6BF5-D84C-49C2-A88A-A14AEB5A6666}" dt="2022-02-03T14:15:43.289" v="232"/>
-          <ac:inkMkLst>
-            <pc:docMk/>
-            <pc:sldMk cId="2690636170" sldId="561"/>
-            <ac:inkMk id="66" creationId="{FA8F361A-1E79-4EBA-B748-E73CC3E4E3B6}"/>
-          </ac:inkMkLst>
-        </pc:inkChg>
-        <pc:inkChg chg="add mod">
-          <ac:chgData name="Khattab, Sherif" userId="c83b1e15-36f3-4f46-aceb-05aac24c545e" providerId="ADAL" clId="{5F2F6BF5-D84C-49C2-A88A-A14AEB5A6666}" dt="2022-02-03T14:15:43.289" v="232"/>
-          <ac:inkMkLst>
-            <pc:docMk/>
-            <pc:sldMk cId="2690636170" sldId="561"/>
-            <ac:inkMk id="67" creationId="{2E31B089-778D-481C-8118-302194BD5A13}"/>
-          </ac:inkMkLst>
-        </pc:inkChg>
-        <pc:inkChg chg="add mod">
-          <ac:chgData name="Khattab, Sherif" userId="c83b1e15-36f3-4f46-aceb-05aac24c545e" providerId="ADAL" clId="{5F2F6BF5-D84C-49C2-A88A-A14AEB5A6666}" dt="2022-02-03T14:15:43.289" v="232"/>
-          <ac:inkMkLst>
-            <pc:docMk/>
-            <pc:sldMk cId="2690636170" sldId="561"/>
-            <ac:inkMk id="68" creationId="{6BA8EC44-C9A1-4E0A-8BD4-9BEA6053A109}"/>
-          </ac:inkMkLst>
-        </pc:inkChg>
-        <pc:inkChg chg="add mod">
-          <ac:chgData name="Khattab, Sherif" userId="c83b1e15-36f3-4f46-aceb-05aac24c545e" providerId="ADAL" clId="{5F2F6BF5-D84C-49C2-A88A-A14AEB5A6666}" dt="2022-02-03T14:15:43.289" v="232"/>
-          <ac:inkMkLst>
-            <pc:docMk/>
-            <pc:sldMk cId="2690636170" sldId="561"/>
-            <ac:inkMk id="69" creationId="{D5DC0EEF-D7E6-4C28-8E38-094E419359E9}"/>
-          </ac:inkMkLst>
-        </pc:inkChg>
-        <pc:inkChg chg="add mod">
-          <ac:chgData name="Khattab, Sherif" userId="c83b1e15-36f3-4f46-aceb-05aac24c545e" providerId="ADAL" clId="{5F2F6BF5-D84C-49C2-A88A-A14AEB5A6666}" dt="2022-02-03T14:15:43.289" v="232"/>
-          <ac:inkMkLst>
-            <pc:docMk/>
-            <pc:sldMk cId="2690636170" sldId="561"/>
-            <ac:inkMk id="70" creationId="{25BFE638-3DDB-420F-B0DF-C46EA168F289}"/>
-          </ac:inkMkLst>
-        </pc:inkChg>
-      </pc:sldChg>
-      <pc:sldChg chg="addSp modSp new mod">
-        <pc:chgData name="Khattab, Sherif" userId="c83b1e15-36f3-4f46-aceb-05aac24c545e" providerId="ADAL" clId="{5F2F6BF5-D84C-49C2-A88A-A14AEB5A6666}" dt="2022-02-03T14:18:21.633" v="464"/>
-        <pc:sldMkLst>
-          <pc:docMk/>
-          <pc:sldMk cId="206149075" sldId="562"/>
-        </pc:sldMkLst>
-        <pc:spChg chg="mod">
-          <ac:chgData name="Khattab, Sherif" userId="c83b1e15-36f3-4f46-aceb-05aac24c545e" providerId="ADAL" clId="{5F2F6BF5-D84C-49C2-A88A-A14AEB5A6666}" dt="2022-02-03T14:17:53.327" v="460" actId="20577"/>
-          <ac:spMkLst>
-            <pc:docMk/>
-            <pc:sldMk cId="206149075" sldId="562"/>
-            <ac:spMk id="2" creationId="{B95A537A-44B4-47DA-9B9B-936EFF5E4293}"/>
-          </ac:spMkLst>
-        </pc:spChg>
-        <pc:grpChg chg="mod">
-          <ac:chgData name="Khattab, Sherif" userId="c83b1e15-36f3-4f46-aceb-05aac24c545e" providerId="ADAL" clId="{5F2F6BF5-D84C-49C2-A88A-A14AEB5A6666}" dt="2022-02-03T14:18:21.633" v="464"/>
-          <ac:grpSpMkLst>
-            <pc:docMk/>
-            <pc:sldMk cId="206149075" sldId="562"/>
-            <ac:grpSpMk id="8" creationId="{31D47E36-BF62-45A2-B0AF-7DBD33382F88}"/>
-          </ac:grpSpMkLst>
-        </pc:grpChg>
-        <pc:picChg chg="add mod">
-          <ac:chgData name="Khattab, Sherif" userId="c83b1e15-36f3-4f46-aceb-05aac24c545e" providerId="ADAL" clId="{5F2F6BF5-D84C-49C2-A88A-A14AEB5A6666}" dt="2022-02-03T14:18:09.522" v="461"/>
-          <ac:picMkLst>
-            <pc:docMk/>
-            <pc:sldMk cId="206149075" sldId="562"/>
-            <ac:picMk id="5" creationId="{C9716E5D-0E02-4AAA-B530-9D8A26A6500A}"/>
-          </ac:picMkLst>
-        </pc:picChg>
-        <pc:inkChg chg="add mod">
-          <ac:chgData name="Khattab, Sherif" userId="c83b1e15-36f3-4f46-aceb-05aac24c545e" providerId="ADAL" clId="{5F2F6BF5-D84C-49C2-A88A-A14AEB5A6666}" dt="2022-02-03T14:18:21.633" v="464"/>
-          <ac:inkMkLst>
-            <pc:docMk/>
-            <pc:sldMk cId="206149075" sldId="562"/>
-            <ac:inkMk id="6" creationId="{7E4A1448-4519-43AF-B400-4198FC2A7479}"/>
-          </ac:inkMkLst>
-        </pc:inkChg>
-        <pc:inkChg chg="add mod">
-          <ac:chgData name="Khattab, Sherif" userId="c83b1e15-36f3-4f46-aceb-05aac24c545e" providerId="ADAL" clId="{5F2F6BF5-D84C-49C2-A88A-A14AEB5A6666}" dt="2022-02-03T14:18:21.633" v="464"/>
-          <ac:inkMkLst>
-            <pc:docMk/>
-            <pc:sldMk cId="206149075" sldId="562"/>
-            <ac:inkMk id="7" creationId="{C2E99657-6203-4DE2-BAE1-95CA162A3A93}"/>
-          </ac:inkMkLst>
-        </pc:inkChg>
-      </pc:sldChg>
-      <pc:sldChg chg="addSp delSp modSp add mod">
-        <pc:chgData name="Khattab, Sherif" userId="c83b1e15-36f3-4f46-aceb-05aac24c545e" providerId="ADAL" clId="{5F2F6BF5-D84C-49C2-A88A-A14AEB5A6666}" dt="2022-02-03T19:16:27.776" v="999" actId="20577"/>
-        <pc:sldMkLst>
-          <pc:docMk/>
-          <pc:sldMk cId="401523692" sldId="563"/>
-        </pc:sldMkLst>
-        <pc:spChg chg="mod">
-          <ac:chgData name="Khattab, Sherif" userId="c83b1e15-36f3-4f46-aceb-05aac24c545e" providerId="ADAL" clId="{5F2F6BF5-D84C-49C2-A88A-A14AEB5A6666}" dt="2022-02-03T19:16:27.776" v="999" actId="20577"/>
-          <ac:spMkLst>
-            <pc:docMk/>
-            <pc:sldMk cId="401523692" sldId="563"/>
-            <ac:spMk id="3" creationId="{D5291290-B762-483B-8F8C-11B52611EC7F}"/>
-          </ac:spMkLst>
-        </pc:spChg>
-        <pc:spChg chg="add mod">
-          <ac:chgData name="Khattab, Sherif" userId="c83b1e15-36f3-4f46-aceb-05aac24c545e" providerId="ADAL" clId="{5F2F6BF5-D84C-49C2-A88A-A14AEB5A6666}" dt="2022-02-03T19:16:17.616" v="988" actId="20577"/>
-          <ac:spMkLst>
-            <pc:docMk/>
-            <pc:sldMk cId="401523692" sldId="563"/>
-            <ac:spMk id="6" creationId="{7E7E0BF0-2041-4397-98B6-1BECD0E57B1A}"/>
-          </ac:spMkLst>
-        </pc:spChg>
-        <pc:spChg chg="add del mod">
-          <ac:chgData name="Khattab, Sherif" userId="c83b1e15-36f3-4f46-aceb-05aac24c545e" providerId="ADAL" clId="{5F2F6BF5-D84C-49C2-A88A-A14AEB5A6666}" dt="2022-02-03T14:19:04.376" v="472"/>
-          <ac:spMkLst>
-            <pc:docMk/>
-            <pc:sldMk cId="401523692" sldId="563"/>
-            <ac:spMk id="9" creationId="{D1C877D9-414E-40EC-856C-7EC7915A14D1}"/>
-          </ac:spMkLst>
-        </pc:spChg>
-        <pc:spChg chg="add mod">
-          <ac:chgData name="Khattab, Sherif" userId="c83b1e15-36f3-4f46-aceb-05aac24c545e" providerId="ADAL" clId="{5F2F6BF5-D84C-49C2-A88A-A14AEB5A6666}" dt="2022-02-03T14:19:44.121" v="523" actId="403"/>
-          <ac:spMkLst>
-            <pc:docMk/>
-            <pc:sldMk cId="401523692" sldId="563"/>
-            <ac:spMk id="10" creationId="{F6B8954E-6089-4571-B256-AC2775B50896}"/>
-          </ac:spMkLst>
-        </pc:spChg>
-        <pc:grpChg chg="del">
-          <ac:chgData name="Khattab, Sherif" userId="c83b1e15-36f3-4f46-aceb-05aac24c545e" providerId="ADAL" clId="{5F2F6BF5-D84C-49C2-A88A-A14AEB5A6666}" dt="2022-02-03T14:18:32.912" v="467" actId="478"/>
-          <ac:grpSpMkLst>
-            <pc:docMk/>
-            <pc:sldMk cId="401523692" sldId="563"/>
-            <ac:grpSpMk id="8" creationId="{31D47E36-BF62-45A2-B0AF-7DBD33382F88}"/>
-          </ac:grpSpMkLst>
-        </pc:grpChg>
-        <pc:picChg chg="del">
-          <ac:chgData name="Khattab, Sherif" userId="c83b1e15-36f3-4f46-aceb-05aac24c545e" providerId="ADAL" clId="{5F2F6BF5-D84C-49C2-A88A-A14AEB5A6666}" dt="2022-02-03T14:18:30.569" v="466" actId="478"/>
-          <ac:picMkLst>
-            <pc:docMk/>
-            <pc:sldMk cId="401523692" sldId="563"/>
-            <ac:picMk id="5" creationId="{C9716E5D-0E02-4AAA-B530-9D8A26A6500A}"/>
-          </ac:picMkLst>
-        </pc:picChg>
-      </pc:sldChg>
-      <pc:sldChg chg="modSp new mod modAnim">
-        <pc:chgData name="Khattab, Sherif" userId="c83b1e15-36f3-4f46-aceb-05aac24c545e" providerId="ADAL" clId="{5F2F6BF5-D84C-49C2-A88A-A14AEB5A6666}" dt="2022-02-03T14:21:45.138" v="865" actId="20577"/>
-        <pc:sldMkLst>
-          <pc:docMk/>
-          <pc:sldMk cId="66830202" sldId="564"/>
-        </pc:sldMkLst>
-        <pc:spChg chg="mod">
-          <ac:chgData name="Khattab, Sherif" userId="c83b1e15-36f3-4f46-aceb-05aac24c545e" providerId="ADAL" clId="{5F2F6BF5-D84C-49C2-A88A-A14AEB5A6666}" dt="2022-02-03T14:20:40.890" v="634" actId="20577"/>
-          <ac:spMkLst>
-            <pc:docMk/>
-            <pc:sldMk cId="66830202" sldId="564"/>
-            <ac:spMk id="2" creationId="{F1FDE028-45F8-4A2C-92A3-9C4A5CDB9C71}"/>
-          </ac:spMkLst>
-        </pc:spChg>
-        <pc:spChg chg="mod">
-          <ac:chgData name="Khattab, Sherif" userId="c83b1e15-36f3-4f46-aceb-05aac24c545e" providerId="ADAL" clId="{5F2F6BF5-D84C-49C2-A88A-A14AEB5A6666}" dt="2022-02-03T14:21:45.138" v="865" actId="20577"/>
-          <ac:spMkLst>
-            <pc:docMk/>
-            <pc:sldMk cId="66830202" sldId="564"/>
-            <ac:spMk id="3" creationId="{672D86A1-B2AB-45DF-97E1-7745B511B50E}"/>
-          </ac:spMkLst>
-        </pc:spChg>
-      </pc:sldChg>
-      <pc:sldChg chg="add">
-        <pc:chgData name="Khattab, Sherif" userId="c83b1e15-36f3-4f46-aceb-05aac24c545e" providerId="ADAL" clId="{5F2F6BF5-D84C-49C2-A88A-A14AEB5A6666}" dt="2022-02-03T19:14:47.466" v="877"/>
-        <pc:sldMkLst>
-          <pc:docMk/>
-          <pc:sldMk cId="492404092" sldId="565"/>
-        </pc:sldMkLst>
-      </pc:sldChg>
-      <pc:sldChg chg="add del">
-        <pc:chgData name="Khattab, Sherif" userId="c83b1e15-36f3-4f46-aceb-05aac24c545e" providerId="ADAL" clId="{5F2F6BF5-D84C-49C2-A88A-A14AEB5A6666}" dt="2022-02-03T19:14:47.448" v="876"/>
-        <pc:sldMkLst>
-          <pc:docMk/>
-          <pc:sldMk cId="970752448" sldId="565"/>
-        </pc:sldMkLst>
-      </pc:sldChg>
-      <pc:sldChg chg="modSp new mod modAnim">
-        <pc:chgData name="Khattab, Sherif" userId="c83b1e15-36f3-4f46-aceb-05aac24c545e" providerId="ADAL" clId="{5F2F6BF5-D84C-49C2-A88A-A14AEB5A6666}" dt="2022-02-03T19:20:53.465" v="1590"/>
-        <pc:sldMkLst>
-          <pc:docMk/>
-          <pc:sldMk cId="1978042385" sldId="566"/>
-        </pc:sldMkLst>
-        <pc:spChg chg="mod">
-          <ac:chgData name="Khattab, Sherif" userId="c83b1e15-36f3-4f46-aceb-05aac24c545e" providerId="ADAL" clId="{5F2F6BF5-D84C-49C2-A88A-A14AEB5A6666}" dt="2022-02-03T19:16:47.530" v="1008" actId="20577"/>
-          <ac:spMkLst>
-            <pc:docMk/>
-            <pc:sldMk cId="1978042385" sldId="566"/>
-            <ac:spMk id="2" creationId="{C9858C67-D4AE-4248-BE76-AB32777E60D2}"/>
-          </ac:spMkLst>
-        </pc:spChg>
-        <pc:spChg chg="mod">
-          <ac:chgData name="Khattab, Sherif" userId="c83b1e15-36f3-4f46-aceb-05aac24c545e" providerId="ADAL" clId="{5F2F6BF5-D84C-49C2-A88A-A14AEB5A6666}" dt="2022-02-03T19:20:47.613" v="1588" actId="6549"/>
-          <ac:spMkLst>
-            <pc:docMk/>
-            <pc:sldMk cId="1978042385" sldId="566"/>
-            <ac:spMk id="3" creationId="{FBFE21D9-18E9-4186-982C-9B73CD8929E5}"/>
-          </ac:spMkLst>
-        </pc:spChg>
-      </pc:sldChg>
-      <pc:sldChg chg="addSp modSp new mod">
-        <pc:chgData name="Khattab, Sherif" userId="c83b1e15-36f3-4f46-aceb-05aac24c545e" providerId="ADAL" clId="{5F2F6BF5-D84C-49C2-A88A-A14AEB5A6666}" dt="2022-02-03T19:22:00.267" v="1647" actId="1076"/>
-        <pc:sldMkLst>
-          <pc:docMk/>
-          <pc:sldMk cId="2984486663" sldId="567"/>
-        </pc:sldMkLst>
-        <pc:spChg chg="mod">
-          <ac:chgData name="Khattab, Sherif" userId="c83b1e15-36f3-4f46-aceb-05aac24c545e" providerId="ADAL" clId="{5F2F6BF5-D84C-49C2-A88A-A14AEB5A6666}" dt="2022-02-03T19:21:17.697" v="1642" actId="404"/>
-          <ac:spMkLst>
-            <pc:docMk/>
-            <pc:sldMk cId="2984486663" sldId="567"/>
-            <ac:spMk id="2" creationId="{84956429-172D-4C98-8FF4-5DD8DA95250B}"/>
-          </ac:spMkLst>
-        </pc:spChg>
-        <pc:picChg chg="add mod">
-          <ac:chgData name="Khattab, Sherif" userId="c83b1e15-36f3-4f46-aceb-05aac24c545e" providerId="ADAL" clId="{5F2F6BF5-D84C-49C2-A88A-A14AEB5A6666}" dt="2022-02-03T19:22:00.267" v="1647" actId="1076"/>
-          <ac:picMkLst>
-            <pc:docMk/>
-            <pc:sldMk cId="2984486663" sldId="567"/>
-            <ac:picMk id="6" creationId="{540D19B8-68C5-4084-A4A5-081F30EAF9B7}"/>
-          </ac:picMkLst>
-        </pc:picChg>
-      </pc:sldChg>
-    </pc:docChg>
-  </pc:docChgLst>
-  <pc:docChgLst>
-    <pc:chgData name="Khattab, Sherif" userId="c83b1e15-36f3-4f46-aceb-05aac24c545e" providerId="ADAL" clId="{00771379-563B-405F-813C-A6D6F2B0CDAD}"/>
-    <pc:docChg chg="modSld">
-      <pc:chgData name="Khattab, Sherif" userId="c83b1e15-36f3-4f46-aceb-05aac24c545e" providerId="ADAL" clId="{00771379-563B-405F-813C-A6D6F2B0CDAD}" dt="2020-09-08T04:21:57.867" v="3" actId="20577"/>
-      <pc:docMkLst>
-        <pc:docMk/>
-      </pc:docMkLst>
-      <pc:sldChg chg="modSp mod">
-        <pc:chgData name="Khattab, Sherif" userId="c83b1e15-36f3-4f46-aceb-05aac24c545e" providerId="ADAL" clId="{00771379-563B-405F-813C-A6D6F2B0CDAD}" dt="2020-09-08T04:21:57.867" v="3" actId="20577"/>
-        <pc:sldMkLst>
-          <pc:docMk/>
-          <pc:sldMk cId="1330366002" sldId="454"/>
-        </pc:sldMkLst>
-        <pc:spChg chg="mod">
-          <ac:chgData name="Khattab, Sherif" userId="c83b1e15-36f3-4f46-aceb-05aac24c545e" providerId="ADAL" clId="{00771379-563B-405F-813C-A6D6F2B0CDAD}" dt="2020-09-08T04:21:57.867" v="3" actId="20577"/>
-          <ac:spMkLst>
-            <pc:docMk/>
-            <pc:sldMk cId="1330366002" sldId="454"/>
-            <ac:spMk id="3" creationId="{00000000-0000-0000-0000-000000000000}"/>
-          </ac:spMkLst>
-        </pc:spChg>
-      </pc:sldChg>
-    </pc:docChg>
-  </pc:docChgLst>
-  <pc:docChgLst>
-    <pc:chgData name="Khattab, Sherif" userId="c83b1e15-36f3-4f46-aceb-05aac24c545e" providerId="ADAL" clId="{CAB01572-1BB4-034B-A91E-B51F46EBD1BB}"/>
-    <pc:docChg chg="undo custSel addSld delSld modSld">
-      <pc:chgData name="Khattab, Sherif" userId="c83b1e15-36f3-4f46-aceb-05aac24c545e" providerId="ADAL" clId="{CAB01572-1BB4-034B-A91E-B51F46EBD1BB}" dt="2021-02-11T15:51:01.498" v="552"/>
-      <pc:docMkLst>
-        <pc:docMk/>
-      </pc:docMkLst>
-      <pc:sldChg chg="del">
-        <pc:chgData name="Khattab, Sherif" userId="c83b1e15-36f3-4f46-aceb-05aac24c545e" providerId="ADAL" clId="{CAB01572-1BB4-034B-A91E-B51F46EBD1BB}" dt="2021-02-11T15:11:26.862" v="269" actId="2696"/>
-        <pc:sldMkLst>
-          <pc:docMk/>
-          <pc:sldMk cId="1271999567" sldId="349"/>
-        </pc:sldMkLst>
-      </pc:sldChg>
-      <pc:sldChg chg="del">
-        <pc:chgData name="Khattab, Sherif" userId="c83b1e15-36f3-4f46-aceb-05aac24c545e" providerId="ADAL" clId="{CAB01572-1BB4-034B-A91E-B51F46EBD1BB}" dt="2021-02-11T15:11:24.948" v="266" actId="2696"/>
-        <pc:sldMkLst>
-          <pc:docMk/>
-          <pc:sldMk cId="3990797458" sldId="378"/>
-        </pc:sldMkLst>
-      </pc:sldChg>
-      <pc:sldChg chg="del">
-        <pc:chgData name="Khattab, Sherif" userId="c83b1e15-36f3-4f46-aceb-05aac24c545e" providerId="ADAL" clId="{CAB01572-1BB4-034B-A91E-B51F46EBD1BB}" dt="2021-02-11T15:11:25.358" v="267" actId="2696"/>
-        <pc:sldMkLst>
-          <pc:docMk/>
-          <pc:sldMk cId="2736486443" sldId="379"/>
-        </pc:sldMkLst>
-      </pc:sldChg>
-      <pc:sldChg chg="del">
-        <pc:chgData name="Khattab, Sherif" userId="c83b1e15-36f3-4f46-aceb-05aac24c545e" providerId="ADAL" clId="{CAB01572-1BB4-034B-A91E-B51F46EBD1BB}" dt="2021-02-11T15:11:31.225" v="270" actId="2696"/>
-        <pc:sldMkLst>
-          <pc:docMk/>
-          <pc:sldMk cId="1337868689" sldId="381"/>
-        </pc:sldMkLst>
-      </pc:sldChg>
-      <pc:sldChg chg="del">
-        <pc:chgData name="Khattab, Sherif" userId="c83b1e15-36f3-4f46-aceb-05aac24c545e" providerId="ADAL" clId="{CAB01572-1BB4-034B-A91E-B51F46EBD1BB}" dt="2021-02-11T15:11:37.695" v="271" actId="2696"/>
-        <pc:sldMkLst>
-          <pc:docMk/>
-          <pc:sldMk cId="505724783" sldId="383"/>
-        </pc:sldMkLst>
-      </pc:sldChg>
-      <pc:sldChg chg="modSp mod">
-        <pc:chgData name="Khattab, Sherif" userId="c83b1e15-36f3-4f46-aceb-05aac24c545e" providerId="ADAL" clId="{CAB01572-1BB4-034B-A91E-B51F46EBD1BB}" dt="2021-02-11T15:09:30.974" v="111" actId="20577"/>
-        <pc:sldMkLst>
-          <pc:docMk/>
-          <pc:sldMk cId="3903507516" sldId="498"/>
-        </pc:sldMkLst>
-        <pc:spChg chg="mod">
-          <ac:chgData name="Khattab, Sherif" userId="c83b1e15-36f3-4f46-aceb-05aac24c545e" providerId="ADAL" clId="{CAB01572-1BB4-034B-A91E-B51F46EBD1BB}" dt="2021-02-11T15:09:30.974" v="111" actId="20577"/>
-          <ac:spMkLst>
-            <pc:docMk/>
-            <pc:sldMk cId="3903507516" sldId="498"/>
-            <ac:spMk id="3" creationId="{2466C52D-9A48-4683-BE7F-268D8DB7FAAD}"/>
-          </ac:spMkLst>
-        </pc:spChg>
-      </pc:sldChg>
-      <pc:sldChg chg="modSp mod modAnim">
-        <pc:chgData name="Khattab, Sherif" userId="c83b1e15-36f3-4f46-aceb-05aac24c545e" providerId="ADAL" clId="{CAB01572-1BB4-034B-A91E-B51F46EBD1BB}" dt="2021-02-11T15:50:47.706" v="549"/>
-        <pc:sldMkLst>
-          <pc:docMk/>
-          <pc:sldMk cId="4202616107" sldId="500"/>
-        </pc:sldMkLst>
-        <pc:spChg chg="mod">
-          <ac:chgData name="Khattab, Sherif" userId="c83b1e15-36f3-4f46-aceb-05aac24c545e" providerId="ADAL" clId="{CAB01572-1BB4-034B-A91E-B51F46EBD1BB}" dt="2021-02-11T15:50:37.509" v="547" actId="27636"/>
-          <ac:spMkLst>
-            <pc:docMk/>
-            <pc:sldMk cId="4202616107" sldId="500"/>
-            <ac:spMk id="3" creationId="{443F42C8-5750-0341-86AA-B64ED9D37EB6}"/>
-          </ac:spMkLst>
-        </pc:spChg>
-      </pc:sldChg>
-      <pc:sldChg chg="modSp mod">
-        <pc:chgData name="Khattab, Sherif" userId="c83b1e15-36f3-4f46-aceb-05aac24c545e" providerId="ADAL" clId="{CAB01572-1BB4-034B-A91E-B51F46EBD1BB}" dt="2021-02-11T15:10:11.225" v="145" actId="20577"/>
-        <pc:sldMkLst>
-          <pc:docMk/>
-          <pc:sldMk cId="2116864396" sldId="505"/>
-        </pc:sldMkLst>
-        <pc:spChg chg="mod">
-          <ac:chgData name="Khattab, Sherif" userId="c83b1e15-36f3-4f46-aceb-05aac24c545e" providerId="ADAL" clId="{CAB01572-1BB4-034B-A91E-B51F46EBD1BB}" dt="2021-02-11T15:10:11.225" v="145" actId="20577"/>
-          <ac:spMkLst>
-            <pc:docMk/>
-            <pc:sldMk cId="2116864396" sldId="505"/>
-            <ac:spMk id="3" creationId="{9FDE3B14-90B9-4B5A-83C7-6E633E32EA28}"/>
-          </ac:spMkLst>
-        </pc:spChg>
-      </pc:sldChg>
-      <pc:sldChg chg="modSp mod">
-        <pc:chgData name="Khattab, Sherif" userId="c83b1e15-36f3-4f46-aceb-05aac24c545e" providerId="ADAL" clId="{CAB01572-1BB4-034B-A91E-B51F46EBD1BB}" dt="2021-02-11T15:11:12.129" v="264" actId="20577"/>
-        <pc:sldMkLst>
-          <pc:docMk/>
-          <pc:sldMk cId="3652489610" sldId="506"/>
-        </pc:sldMkLst>
-        <pc:spChg chg="mod">
-          <ac:chgData name="Khattab, Sherif" userId="c83b1e15-36f3-4f46-aceb-05aac24c545e" providerId="ADAL" clId="{CAB01572-1BB4-034B-A91E-B51F46EBD1BB}" dt="2021-02-11T15:11:12.129" v="264" actId="20577"/>
-          <ac:spMkLst>
-            <pc:docMk/>
-            <pc:sldMk cId="3652489610" sldId="506"/>
-            <ac:spMk id="3" creationId="{9FDE3B14-90B9-4B5A-83C7-6E633E32EA28}"/>
-          </ac:spMkLst>
-        </pc:spChg>
-      </pc:sldChg>
-      <pc:sldChg chg="del">
-        <pc:chgData name="Khattab, Sherif" userId="c83b1e15-36f3-4f46-aceb-05aac24c545e" providerId="ADAL" clId="{CAB01572-1BB4-034B-A91E-B51F46EBD1BB}" dt="2021-02-11T15:11:22.256" v="265" actId="2696"/>
-        <pc:sldMkLst>
-          <pc:docMk/>
-          <pc:sldMk cId="1468641068" sldId="514"/>
-        </pc:sldMkLst>
-      </pc:sldChg>
-      <pc:sldChg chg="del">
-        <pc:chgData name="Khattab, Sherif" userId="c83b1e15-36f3-4f46-aceb-05aac24c545e" providerId="ADAL" clId="{CAB01572-1BB4-034B-A91E-B51F46EBD1BB}" dt="2021-02-11T15:11:25.940" v="268" actId="2696"/>
-        <pc:sldMkLst>
-          <pc:docMk/>
-          <pc:sldMk cId="2793897325" sldId="515"/>
-        </pc:sldMkLst>
-      </pc:sldChg>
-      <pc:sldChg chg="modSp mod modAnim">
-        <pc:chgData name="Khattab, Sherif" userId="c83b1e15-36f3-4f46-aceb-05aac24c545e" providerId="ADAL" clId="{CAB01572-1BB4-034B-A91E-B51F46EBD1BB}" dt="2021-02-11T15:50:52.111" v="550"/>
-        <pc:sldMkLst>
-          <pc:docMk/>
-          <pc:sldMk cId="2487721040" sldId="516"/>
-        </pc:sldMkLst>
-        <pc:spChg chg="mod">
-          <ac:chgData name="Khattab, Sherif" userId="c83b1e15-36f3-4f46-aceb-05aac24c545e" providerId="ADAL" clId="{CAB01572-1BB4-034B-A91E-B51F46EBD1BB}" dt="2021-02-11T15:49:42.577" v="518" actId="5793"/>
-          <ac:spMkLst>
-            <pc:docMk/>
-            <pc:sldMk cId="2487721040" sldId="516"/>
-            <ac:spMk id="3" creationId="{CBB5D1A1-A1C5-4D4A-9051-CB104F0E3B4F}"/>
-          </ac:spMkLst>
-        </pc:spChg>
-      </pc:sldChg>
-      <pc:sldChg chg="modSp mod modAnim">
-        <pc:chgData name="Khattab, Sherif" userId="c83b1e15-36f3-4f46-aceb-05aac24c545e" providerId="ADAL" clId="{CAB01572-1BB4-034B-A91E-B51F46EBD1BB}" dt="2021-02-11T15:51:01.498" v="552"/>
-        <pc:sldMkLst>
-          <pc:docMk/>
-          <pc:sldMk cId="3114182525" sldId="517"/>
-        </pc:sldMkLst>
-        <pc:spChg chg="mod">
-          <ac:chgData name="Khattab, Sherif" userId="c83b1e15-36f3-4f46-aceb-05aac24c545e" providerId="ADAL" clId="{CAB01572-1BB4-034B-A91E-B51F46EBD1BB}" dt="2021-02-11T15:50:30.629" v="545" actId="20577"/>
-          <ac:spMkLst>
-            <pc:docMk/>
-            <pc:sldMk cId="3114182525" sldId="517"/>
-            <ac:spMk id="3" creationId="{27042AA4-C4FA-CA41-9597-12A83EBA22E3}"/>
-          </ac:spMkLst>
-        </pc:spChg>
-      </pc:sldChg>
-      <pc:sldChg chg="modSp new mod">
-        <pc:chgData name="Khattab, Sherif" userId="c83b1e15-36f3-4f46-aceb-05aac24c545e" providerId="ADAL" clId="{CAB01572-1BB4-034B-A91E-B51F46EBD1BB}" dt="2021-02-11T15:44:46.739" v="339" actId="20577"/>
-        <pc:sldMkLst>
-          <pc:docMk/>
-          <pc:sldMk cId="1616471687" sldId="518"/>
-        </pc:sldMkLst>
-        <pc:spChg chg="mod">
-          <ac:chgData name="Khattab, Sherif" userId="c83b1e15-36f3-4f46-aceb-05aac24c545e" providerId="ADAL" clId="{CAB01572-1BB4-034B-A91E-B51F46EBD1BB}" dt="2021-02-11T15:44:17.302" v="295" actId="20577"/>
-          <ac:spMkLst>
-            <pc:docMk/>
-            <pc:sldMk cId="1616471687" sldId="518"/>
-            <ac:spMk id="2" creationId="{CFEEB588-7AFC-234D-8AC0-9C6E7268F1E5}"/>
-          </ac:spMkLst>
-        </pc:spChg>
-        <pc:spChg chg="mod">
-          <ac:chgData name="Khattab, Sherif" userId="c83b1e15-36f3-4f46-aceb-05aac24c545e" providerId="ADAL" clId="{CAB01572-1BB4-034B-A91E-B51F46EBD1BB}" dt="2021-02-11T15:44:46.739" v="339" actId="20577"/>
-          <ac:spMkLst>
-            <pc:docMk/>
-            <pc:sldMk cId="1616471687" sldId="518"/>
-            <ac:spMk id="3" creationId="{E4EE9F6E-8491-D241-9B4D-EB09A47CA615}"/>
-          </ac:spMkLst>
-        </pc:spChg>
-      </pc:sldChg>
-    </pc:docChg>
-  </pc:docChgLst>
   <pc:docChgLst>
     <pc:chgData name="Khattab, Sherif" userId="c83b1e15-36f3-4f46-aceb-05aac24c545e" providerId="ADAL" clId="{BA7E1913-A6F0-C848-94D5-CEC45678B150}"/>
     <pc:docChg chg="addSld modSld">
@@ -2526,1393 +811,6 @@
             <ac:graphicFrameMk id="36867" creationId="{6EBD17C3-7239-4686-9A19-775BA4E9A6D5}"/>
           </ac:graphicFrameMkLst>
         </pc:graphicFrameChg>
-      </pc:sldChg>
-    </pc:docChg>
-  </pc:docChgLst>
-  <pc:docChgLst>
-    <pc:chgData name="Khattab, Sherif" userId="c83b1e15-36f3-4f46-aceb-05aac24c545e" providerId="ADAL" clId="{DB115453-F3AC-CA4C-A104-E84842BDF35F}"/>
-    <pc:docChg chg="undo custSel addSld delSld modSld sldOrd">
-      <pc:chgData name="Khattab, Sherif" userId="c83b1e15-36f3-4f46-aceb-05aac24c545e" providerId="ADAL" clId="{DB115453-F3AC-CA4C-A104-E84842BDF35F}" dt="2021-02-04T15:47:51.327" v="632" actId="20577"/>
-      <pc:docMkLst>
-        <pc:docMk/>
-      </pc:docMkLst>
-      <pc:sldChg chg="del">
-        <pc:chgData name="Khattab, Sherif" userId="c83b1e15-36f3-4f46-aceb-05aac24c545e" providerId="ADAL" clId="{DB115453-F3AC-CA4C-A104-E84842BDF35F}" dt="2021-02-04T15:33:43.441" v="248" actId="2696"/>
-        <pc:sldMkLst>
-          <pc:docMk/>
-          <pc:sldMk cId="3681208715" sldId="257"/>
-        </pc:sldMkLst>
-      </pc:sldChg>
-      <pc:sldChg chg="del">
-        <pc:chgData name="Khattab, Sherif" userId="c83b1e15-36f3-4f46-aceb-05aac24c545e" providerId="ADAL" clId="{DB115453-F3AC-CA4C-A104-E84842BDF35F}" dt="2021-02-04T15:33:43.441" v="248" actId="2696"/>
-        <pc:sldMkLst>
-          <pc:docMk/>
-          <pc:sldMk cId="1664517503" sldId="258"/>
-        </pc:sldMkLst>
-      </pc:sldChg>
-      <pc:sldChg chg="del">
-        <pc:chgData name="Khattab, Sherif" userId="c83b1e15-36f3-4f46-aceb-05aac24c545e" providerId="ADAL" clId="{DB115453-F3AC-CA4C-A104-E84842BDF35F}" dt="2021-02-04T14:40:10.021" v="0" actId="2696"/>
-        <pc:sldMkLst>
-          <pc:docMk/>
-          <pc:sldMk cId="1004035158" sldId="259"/>
-        </pc:sldMkLst>
-      </pc:sldChg>
-      <pc:sldChg chg="del">
-        <pc:chgData name="Khattab, Sherif" userId="c83b1e15-36f3-4f46-aceb-05aac24c545e" providerId="ADAL" clId="{DB115453-F3AC-CA4C-A104-E84842BDF35F}" dt="2021-02-04T15:33:43.441" v="248" actId="2696"/>
-        <pc:sldMkLst>
-          <pc:docMk/>
-          <pc:sldMk cId="3230569327" sldId="260"/>
-        </pc:sldMkLst>
-      </pc:sldChg>
-      <pc:sldChg chg="del">
-        <pc:chgData name="Khattab, Sherif" userId="c83b1e15-36f3-4f46-aceb-05aac24c545e" providerId="ADAL" clId="{DB115453-F3AC-CA4C-A104-E84842BDF35F}" dt="2021-02-04T14:40:10.021" v="0" actId="2696"/>
-        <pc:sldMkLst>
-          <pc:docMk/>
-          <pc:sldMk cId="1444142485" sldId="261"/>
-        </pc:sldMkLst>
-      </pc:sldChg>
-      <pc:sldChg chg="del">
-        <pc:chgData name="Khattab, Sherif" userId="c83b1e15-36f3-4f46-aceb-05aac24c545e" providerId="ADAL" clId="{DB115453-F3AC-CA4C-A104-E84842BDF35F}" dt="2021-02-04T14:40:10.021" v="0" actId="2696"/>
-        <pc:sldMkLst>
-          <pc:docMk/>
-          <pc:sldMk cId="516417489" sldId="262"/>
-        </pc:sldMkLst>
-      </pc:sldChg>
-      <pc:sldChg chg="del">
-        <pc:chgData name="Khattab, Sherif" userId="c83b1e15-36f3-4f46-aceb-05aac24c545e" providerId="ADAL" clId="{DB115453-F3AC-CA4C-A104-E84842BDF35F}" dt="2021-02-04T14:40:10.021" v="0" actId="2696"/>
-        <pc:sldMkLst>
-          <pc:docMk/>
-          <pc:sldMk cId="561583903" sldId="263"/>
-        </pc:sldMkLst>
-      </pc:sldChg>
-      <pc:sldChg chg="del">
-        <pc:chgData name="Khattab, Sherif" userId="c83b1e15-36f3-4f46-aceb-05aac24c545e" providerId="ADAL" clId="{DB115453-F3AC-CA4C-A104-E84842BDF35F}" dt="2021-02-04T14:40:10.021" v="0" actId="2696"/>
-        <pc:sldMkLst>
-          <pc:docMk/>
-          <pc:sldMk cId="982315759" sldId="264"/>
-        </pc:sldMkLst>
-      </pc:sldChg>
-      <pc:sldChg chg="del">
-        <pc:chgData name="Khattab, Sherif" userId="c83b1e15-36f3-4f46-aceb-05aac24c545e" providerId="ADAL" clId="{DB115453-F3AC-CA4C-A104-E84842BDF35F}" dt="2021-02-04T14:40:10.021" v="0" actId="2696"/>
-        <pc:sldMkLst>
-          <pc:docMk/>
-          <pc:sldMk cId="423130617" sldId="265"/>
-        </pc:sldMkLst>
-      </pc:sldChg>
-      <pc:sldChg chg="del">
-        <pc:chgData name="Khattab, Sherif" userId="c83b1e15-36f3-4f46-aceb-05aac24c545e" providerId="ADAL" clId="{DB115453-F3AC-CA4C-A104-E84842BDF35F}" dt="2021-02-04T15:33:43.441" v="248" actId="2696"/>
-        <pc:sldMkLst>
-          <pc:docMk/>
-          <pc:sldMk cId="386763112" sldId="266"/>
-        </pc:sldMkLst>
-      </pc:sldChg>
-      <pc:sldChg chg="del">
-        <pc:chgData name="Khattab, Sherif" userId="c83b1e15-36f3-4f46-aceb-05aac24c545e" providerId="ADAL" clId="{DB115453-F3AC-CA4C-A104-E84842BDF35F}" dt="2021-02-04T14:40:10.021" v="0" actId="2696"/>
-        <pc:sldMkLst>
-          <pc:docMk/>
-          <pc:sldMk cId="661211275" sldId="267"/>
-        </pc:sldMkLst>
-      </pc:sldChg>
-      <pc:sldChg chg="del">
-        <pc:chgData name="Khattab, Sherif" userId="c83b1e15-36f3-4f46-aceb-05aac24c545e" providerId="ADAL" clId="{DB115453-F3AC-CA4C-A104-E84842BDF35F}" dt="2021-02-04T14:40:10.021" v="0" actId="2696"/>
-        <pc:sldMkLst>
-          <pc:docMk/>
-          <pc:sldMk cId="1897509347" sldId="268"/>
-        </pc:sldMkLst>
-      </pc:sldChg>
-      <pc:sldChg chg="del">
-        <pc:chgData name="Khattab, Sherif" userId="c83b1e15-36f3-4f46-aceb-05aac24c545e" providerId="ADAL" clId="{DB115453-F3AC-CA4C-A104-E84842BDF35F}" dt="2021-02-04T14:40:10.021" v="0" actId="2696"/>
-        <pc:sldMkLst>
-          <pc:docMk/>
-          <pc:sldMk cId="1042310649" sldId="269"/>
-        </pc:sldMkLst>
-      </pc:sldChg>
-      <pc:sldChg chg="del">
-        <pc:chgData name="Khattab, Sherif" userId="c83b1e15-36f3-4f46-aceb-05aac24c545e" providerId="ADAL" clId="{DB115453-F3AC-CA4C-A104-E84842BDF35F}" dt="2021-02-04T14:40:10.021" v="0" actId="2696"/>
-        <pc:sldMkLst>
-          <pc:docMk/>
-          <pc:sldMk cId="703361262" sldId="270"/>
-        </pc:sldMkLst>
-      </pc:sldChg>
-      <pc:sldChg chg="del">
-        <pc:chgData name="Khattab, Sherif" userId="c83b1e15-36f3-4f46-aceb-05aac24c545e" providerId="ADAL" clId="{DB115453-F3AC-CA4C-A104-E84842BDF35F}" dt="2021-02-04T14:40:10.021" v="0" actId="2696"/>
-        <pc:sldMkLst>
-          <pc:docMk/>
-          <pc:sldMk cId="1436808390" sldId="271"/>
-        </pc:sldMkLst>
-      </pc:sldChg>
-      <pc:sldChg chg="del">
-        <pc:chgData name="Khattab, Sherif" userId="c83b1e15-36f3-4f46-aceb-05aac24c545e" providerId="ADAL" clId="{DB115453-F3AC-CA4C-A104-E84842BDF35F}" dt="2021-02-04T14:40:10.021" v="0" actId="2696"/>
-        <pc:sldMkLst>
-          <pc:docMk/>
-          <pc:sldMk cId="1301683851" sldId="272"/>
-        </pc:sldMkLst>
-      </pc:sldChg>
-      <pc:sldChg chg="del">
-        <pc:chgData name="Khattab, Sherif" userId="c83b1e15-36f3-4f46-aceb-05aac24c545e" providerId="ADAL" clId="{DB115453-F3AC-CA4C-A104-E84842BDF35F}" dt="2021-02-04T15:33:43.441" v="248" actId="2696"/>
-        <pc:sldMkLst>
-          <pc:docMk/>
-          <pc:sldMk cId="1920820884" sldId="273"/>
-        </pc:sldMkLst>
-      </pc:sldChg>
-      <pc:sldChg chg="del">
-        <pc:chgData name="Khattab, Sherif" userId="c83b1e15-36f3-4f46-aceb-05aac24c545e" providerId="ADAL" clId="{DB115453-F3AC-CA4C-A104-E84842BDF35F}" dt="2021-02-04T14:40:10.021" v="0" actId="2696"/>
-        <pc:sldMkLst>
-          <pc:docMk/>
-          <pc:sldMk cId="55302999" sldId="274"/>
-        </pc:sldMkLst>
-      </pc:sldChg>
-      <pc:sldChg chg="del">
-        <pc:chgData name="Khattab, Sherif" userId="c83b1e15-36f3-4f46-aceb-05aac24c545e" providerId="ADAL" clId="{DB115453-F3AC-CA4C-A104-E84842BDF35F}" dt="2021-02-04T14:40:10.021" v="0" actId="2696"/>
-        <pc:sldMkLst>
-          <pc:docMk/>
-          <pc:sldMk cId="2064114192" sldId="276"/>
-        </pc:sldMkLst>
-      </pc:sldChg>
-      <pc:sldChg chg="del">
-        <pc:chgData name="Khattab, Sherif" userId="c83b1e15-36f3-4f46-aceb-05aac24c545e" providerId="ADAL" clId="{DB115453-F3AC-CA4C-A104-E84842BDF35F}" dt="2021-02-04T15:33:43.441" v="248" actId="2696"/>
-        <pc:sldMkLst>
-          <pc:docMk/>
-          <pc:sldMk cId="2017417480" sldId="277"/>
-        </pc:sldMkLst>
-      </pc:sldChg>
-      <pc:sldChg chg="del">
-        <pc:chgData name="Khattab, Sherif" userId="c83b1e15-36f3-4f46-aceb-05aac24c545e" providerId="ADAL" clId="{DB115453-F3AC-CA4C-A104-E84842BDF35F}" dt="2021-02-04T14:40:10.021" v="0" actId="2696"/>
-        <pc:sldMkLst>
-          <pc:docMk/>
-          <pc:sldMk cId="1000435174" sldId="278"/>
-        </pc:sldMkLst>
-      </pc:sldChg>
-      <pc:sldChg chg="del">
-        <pc:chgData name="Khattab, Sherif" userId="c83b1e15-36f3-4f46-aceb-05aac24c545e" providerId="ADAL" clId="{DB115453-F3AC-CA4C-A104-E84842BDF35F}" dt="2021-02-04T14:40:10.021" v="0" actId="2696"/>
-        <pc:sldMkLst>
-          <pc:docMk/>
-          <pc:sldMk cId="2080017563" sldId="279"/>
-        </pc:sldMkLst>
-      </pc:sldChg>
-      <pc:sldChg chg="del">
-        <pc:chgData name="Khattab, Sherif" userId="c83b1e15-36f3-4f46-aceb-05aac24c545e" providerId="ADAL" clId="{DB115453-F3AC-CA4C-A104-E84842BDF35F}" dt="2021-02-04T15:33:43.441" v="248" actId="2696"/>
-        <pc:sldMkLst>
-          <pc:docMk/>
-          <pc:sldMk cId="2773510753" sldId="280"/>
-        </pc:sldMkLst>
-      </pc:sldChg>
-      <pc:sldChg chg="del">
-        <pc:chgData name="Khattab, Sherif" userId="c83b1e15-36f3-4f46-aceb-05aac24c545e" providerId="ADAL" clId="{DB115453-F3AC-CA4C-A104-E84842BDF35F}" dt="2021-02-04T14:40:10.021" v="0" actId="2696"/>
-        <pc:sldMkLst>
-          <pc:docMk/>
-          <pc:sldMk cId="1445345591" sldId="281"/>
-        </pc:sldMkLst>
-      </pc:sldChg>
-      <pc:sldChg chg="del">
-        <pc:chgData name="Khattab, Sherif" userId="c83b1e15-36f3-4f46-aceb-05aac24c545e" providerId="ADAL" clId="{DB115453-F3AC-CA4C-A104-E84842BDF35F}" dt="2021-02-04T14:40:10.021" v="0" actId="2696"/>
-        <pc:sldMkLst>
-          <pc:docMk/>
-          <pc:sldMk cId="306268545" sldId="282"/>
-        </pc:sldMkLst>
-      </pc:sldChg>
-      <pc:sldChg chg="del">
-        <pc:chgData name="Khattab, Sherif" userId="c83b1e15-36f3-4f46-aceb-05aac24c545e" providerId="ADAL" clId="{DB115453-F3AC-CA4C-A104-E84842BDF35F}" dt="2021-02-04T15:33:43.441" v="248" actId="2696"/>
-        <pc:sldMkLst>
-          <pc:docMk/>
-          <pc:sldMk cId="171235497" sldId="283"/>
-        </pc:sldMkLst>
-      </pc:sldChg>
-      <pc:sldChg chg="del">
-        <pc:chgData name="Khattab, Sherif" userId="c83b1e15-36f3-4f46-aceb-05aac24c545e" providerId="ADAL" clId="{DB115453-F3AC-CA4C-A104-E84842BDF35F}" dt="2021-02-04T15:33:43.441" v="248" actId="2696"/>
-        <pc:sldMkLst>
-          <pc:docMk/>
-          <pc:sldMk cId="2099089282" sldId="284"/>
-        </pc:sldMkLst>
-      </pc:sldChg>
-      <pc:sldChg chg="del">
-        <pc:chgData name="Khattab, Sherif" userId="c83b1e15-36f3-4f46-aceb-05aac24c545e" providerId="ADAL" clId="{DB115453-F3AC-CA4C-A104-E84842BDF35F}" dt="2021-02-04T15:33:43.441" v="248" actId="2696"/>
-        <pc:sldMkLst>
-          <pc:docMk/>
-          <pc:sldMk cId="1136622862" sldId="285"/>
-        </pc:sldMkLst>
-      </pc:sldChg>
-      <pc:sldChg chg="del">
-        <pc:chgData name="Khattab, Sherif" userId="c83b1e15-36f3-4f46-aceb-05aac24c545e" providerId="ADAL" clId="{DB115453-F3AC-CA4C-A104-E84842BDF35F}" dt="2021-02-04T15:33:43.441" v="248" actId="2696"/>
-        <pc:sldMkLst>
-          <pc:docMk/>
-          <pc:sldMk cId="3949722242" sldId="286"/>
-        </pc:sldMkLst>
-      </pc:sldChg>
-      <pc:sldChg chg="del">
-        <pc:chgData name="Khattab, Sherif" userId="c83b1e15-36f3-4f46-aceb-05aac24c545e" providerId="ADAL" clId="{DB115453-F3AC-CA4C-A104-E84842BDF35F}" dt="2021-02-04T15:33:43.441" v="248" actId="2696"/>
-        <pc:sldMkLst>
-          <pc:docMk/>
-          <pc:sldMk cId="1032220564" sldId="287"/>
-        </pc:sldMkLst>
-      </pc:sldChg>
-      <pc:sldChg chg="del">
-        <pc:chgData name="Khattab, Sherif" userId="c83b1e15-36f3-4f46-aceb-05aac24c545e" providerId="ADAL" clId="{DB115453-F3AC-CA4C-A104-E84842BDF35F}" dt="2021-02-04T15:33:43.441" v="248" actId="2696"/>
-        <pc:sldMkLst>
-          <pc:docMk/>
-          <pc:sldMk cId="1268007695" sldId="288"/>
-        </pc:sldMkLst>
-      </pc:sldChg>
-      <pc:sldChg chg="del">
-        <pc:chgData name="Khattab, Sherif" userId="c83b1e15-36f3-4f46-aceb-05aac24c545e" providerId="ADAL" clId="{DB115453-F3AC-CA4C-A104-E84842BDF35F}" dt="2021-02-04T15:33:43.441" v="248" actId="2696"/>
-        <pc:sldMkLst>
-          <pc:docMk/>
-          <pc:sldMk cId="463012687" sldId="289"/>
-        </pc:sldMkLst>
-      </pc:sldChg>
-      <pc:sldChg chg="del">
-        <pc:chgData name="Khattab, Sherif" userId="c83b1e15-36f3-4f46-aceb-05aac24c545e" providerId="ADAL" clId="{DB115453-F3AC-CA4C-A104-E84842BDF35F}" dt="2021-02-04T15:33:43.441" v="248" actId="2696"/>
-        <pc:sldMkLst>
-          <pc:docMk/>
-          <pc:sldMk cId="442392580" sldId="290"/>
-        </pc:sldMkLst>
-      </pc:sldChg>
-      <pc:sldChg chg="del">
-        <pc:chgData name="Khattab, Sherif" userId="c83b1e15-36f3-4f46-aceb-05aac24c545e" providerId="ADAL" clId="{DB115453-F3AC-CA4C-A104-E84842BDF35F}" dt="2021-02-04T14:40:10.021" v="0" actId="2696"/>
-        <pc:sldMkLst>
-          <pc:docMk/>
-          <pc:sldMk cId="2710637777" sldId="322"/>
-        </pc:sldMkLst>
-      </pc:sldChg>
-      <pc:sldChg chg="del">
-        <pc:chgData name="Khattab, Sherif" userId="c83b1e15-36f3-4f46-aceb-05aac24c545e" providerId="ADAL" clId="{DB115453-F3AC-CA4C-A104-E84842BDF35F}" dt="2021-02-04T14:40:10.021" v="0" actId="2696"/>
-        <pc:sldMkLst>
-          <pc:docMk/>
-          <pc:sldMk cId="3292918179" sldId="324"/>
-        </pc:sldMkLst>
-      </pc:sldChg>
-      <pc:sldChg chg="add del">
-        <pc:chgData name="Khattab, Sherif" userId="c83b1e15-36f3-4f46-aceb-05aac24c545e" providerId="ADAL" clId="{DB115453-F3AC-CA4C-A104-E84842BDF35F}" dt="2021-02-04T15:31:06.397" v="140" actId="2696"/>
-        <pc:sldMkLst>
-          <pc:docMk/>
-          <pc:sldMk cId="355119911" sldId="338"/>
-        </pc:sldMkLst>
-      </pc:sldChg>
-      <pc:sldChg chg="del">
-        <pc:chgData name="Khattab, Sherif" userId="c83b1e15-36f3-4f46-aceb-05aac24c545e" providerId="ADAL" clId="{DB115453-F3AC-CA4C-A104-E84842BDF35F}" dt="2021-02-04T15:31:07.222" v="141" actId="2696"/>
-        <pc:sldMkLst>
-          <pc:docMk/>
-          <pc:sldMk cId="4223572414" sldId="339"/>
-        </pc:sldMkLst>
-      </pc:sldChg>
-      <pc:sldChg chg="del">
-        <pc:chgData name="Khattab, Sherif" userId="c83b1e15-36f3-4f46-aceb-05aac24c545e" providerId="ADAL" clId="{DB115453-F3AC-CA4C-A104-E84842BDF35F}" dt="2021-02-04T15:31:08.334" v="142" actId="2696"/>
-        <pc:sldMkLst>
-          <pc:docMk/>
-          <pc:sldMk cId="470668490" sldId="340"/>
-        </pc:sldMkLst>
-      </pc:sldChg>
-      <pc:sldChg chg="del">
-        <pc:chgData name="Khattab, Sherif" userId="c83b1e15-36f3-4f46-aceb-05aac24c545e" providerId="ADAL" clId="{DB115453-F3AC-CA4C-A104-E84842BDF35F}" dt="2021-02-04T15:31:11.058" v="143" actId="2696"/>
-        <pc:sldMkLst>
-          <pc:docMk/>
-          <pc:sldMk cId="1205868326" sldId="341"/>
-        </pc:sldMkLst>
-      </pc:sldChg>
-      <pc:sldChg chg="del">
-        <pc:chgData name="Khattab, Sherif" userId="c83b1e15-36f3-4f46-aceb-05aac24c545e" providerId="ADAL" clId="{DB115453-F3AC-CA4C-A104-E84842BDF35F}" dt="2021-02-04T14:40:10.021" v="0" actId="2696"/>
-        <pc:sldMkLst>
-          <pc:docMk/>
-          <pc:sldMk cId="434376579" sldId="363"/>
-        </pc:sldMkLst>
-      </pc:sldChg>
-      <pc:sldChg chg="del">
-        <pc:chgData name="Khattab, Sherif" userId="c83b1e15-36f3-4f46-aceb-05aac24c545e" providerId="ADAL" clId="{DB115453-F3AC-CA4C-A104-E84842BDF35F}" dt="2021-02-04T14:40:10.021" v="0" actId="2696"/>
-        <pc:sldMkLst>
-          <pc:docMk/>
-          <pc:sldMk cId="815621424" sldId="364"/>
-        </pc:sldMkLst>
-      </pc:sldChg>
-      <pc:sldChg chg="del">
-        <pc:chgData name="Khattab, Sherif" userId="c83b1e15-36f3-4f46-aceb-05aac24c545e" providerId="ADAL" clId="{DB115453-F3AC-CA4C-A104-E84842BDF35F}" dt="2021-02-04T14:40:10.021" v="0" actId="2696"/>
-        <pc:sldMkLst>
-          <pc:docMk/>
-          <pc:sldMk cId="1934104099" sldId="365"/>
-        </pc:sldMkLst>
-      </pc:sldChg>
-      <pc:sldChg chg="del">
-        <pc:chgData name="Khattab, Sherif" userId="c83b1e15-36f3-4f46-aceb-05aac24c545e" providerId="ADAL" clId="{DB115453-F3AC-CA4C-A104-E84842BDF35F}" dt="2021-02-04T14:40:10.021" v="0" actId="2696"/>
-        <pc:sldMkLst>
-          <pc:docMk/>
-          <pc:sldMk cId="2782429159" sldId="366"/>
-        </pc:sldMkLst>
-      </pc:sldChg>
-      <pc:sldChg chg="del">
-        <pc:chgData name="Khattab, Sherif" userId="c83b1e15-36f3-4f46-aceb-05aac24c545e" providerId="ADAL" clId="{DB115453-F3AC-CA4C-A104-E84842BDF35F}" dt="2021-02-04T14:40:10.021" v="0" actId="2696"/>
-        <pc:sldMkLst>
-          <pc:docMk/>
-          <pc:sldMk cId="2251973667" sldId="367"/>
-        </pc:sldMkLst>
-      </pc:sldChg>
-      <pc:sldChg chg="del">
-        <pc:chgData name="Khattab, Sherif" userId="c83b1e15-36f3-4f46-aceb-05aac24c545e" providerId="ADAL" clId="{DB115453-F3AC-CA4C-A104-E84842BDF35F}" dt="2021-02-04T14:40:10.021" v="0" actId="2696"/>
-        <pc:sldMkLst>
-          <pc:docMk/>
-          <pc:sldMk cId="3138501136" sldId="368"/>
-        </pc:sldMkLst>
-      </pc:sldChg>
-      <pc:sldChg chg="del">
-        <pc:chgData name="Khattab, Sherif" userId="c83b1e15-36f3-4f46-aceb-05aac24c545e" providerId="ADAL" clId="{DB115453-F3AC-CA4C-A104-E84842BDF35F}" dt="2021-02-04T14:40:10.021" v="0" actId="2696"/>
-        <pc:sldMkLst>
-          <pc:docMk/>
-          <pc:sldMk cId="3210992163" sldId="369"/>
-        </pc:sldMkLst>
-      </pc:sldChg>
-      <pc:sldChg chg="del">
-        <pc:chgData name="Khattab, Sherif" userId="c83b1e15-36f3-4f46-aceb-05aac24c545e" providerId="ADAL" clId="{DB115453-F3AC-CA4C-A104-E84842BDF35F}" dt="2021-02-04T14:40:10.021" v="0" actId="2696"/>
-        <pc:sldMkLst>
-          <pc:docMk/>
-          <pc:sldMk cId="4013065491" sldId="370"/>
-        </pc:sldMkLst>
-      </pc:sldChg>
-      <pc:sldChg chg="del">
-        <pc:chgData name="Khattab, Sherif" userId="c83b1e15-36f3-4f46-aceb-05aac24c545e" providerId="ADAL" clId="{DB115453-F3AC-CA4C-A104-E84842BDF35F}" dt="2021-02-04T14:40:10.021" v="0" actId="2696"/>
-        <pc:sldMkLst>
-          <pc:docMk/>
-          <pc:sldMk cId="2592968416" sldId="371"/>
-        </pc:sldMkLst>
-      </pc:sldChg>
-      <pc:sldChg chg="del">
-        <pc:chgData name="Khattab, Sherif" userId="c83b1e15-36f3-4f46-aceb-05aac24c545e" providerId="ADAL" clId="{DB115453-F3AC-CA4C-A104-E84842BDF35F}" dt="2021-02-04T14:40:10.021" v="0" actId="2696"/>
-        <pc:sldMkLst>
-          <pc:docMk/>
-          <pc:sldMk cId="3848335379" sldId="372"/>
-        </pc:sldMkLst>
-      </pc:sldChg>
-      <pc:sldChg chg="del">
-        <pc:chgData name="Khattab, Sherif" userId="c83b1e15-36f3-4f46-aceb-05aac24c545e" providerId="ADAL" clId="{DB115453-F3AC-CA4C-A104-E84842BDF35F}" dt="2021-02-04T14:40:10.021" v="0" actId="2696"/>
-        <pc:sldMkLst>
-          <pc:docMk/>
-          <pc:sldMk cId="3161117264" sldId="373"/>
-        </pc:sldMkLst>
-      </pc:sldChg>
-      <pc:sldChg chg="add del">
-        <pc:chgData name="Khattab, Sherif" userId="c83b1e15-36f3-4f46-aceb-05aac24c545e" providerId="ADAL" clId="{DB115453-F3AC-CA4C-A104-E84842BDF35F}" dt="2021-02-04T15:31:05.603" v="139" actId="2696"/>
-        <pc:sldMkLst>
-          <pc:docMk/>
-          <pc:sldMk cId="1542066946" sldId="374"/>
-        </pc:sldMkLst>
-      </pc:sldChg>
-      <pc:sldChg chg="del">
-        <pc:chgData name="Khattab, Sherif" userId="c83b1e15-36f3-4f46-aceb-05aac24c545e" providerId="ADAL" clId="{DB115453-F3AC-CA4C-A104-E84842BDF35F}" dt="2021-02-04T15:31:16.315" v="144" actId="2696"/>
-        <pc:sldMkLst>
-          <pc:docMk/>
-          <pc:sldMk cId="834112894" sldId="375"/>
-        </pc:sldMkLst>
-      </pc:sldChg>
-      <pc:sldChg chg="del">
-        <pc:chgData name="Khattab, Sherif" userId="c83b1e15-36f3-4f46-aceb-05aac24c545e" providerId="ADAL" clId="{DB115453-F3AC-CA4C-A104-E84842BDF35F}" dt="2021-02-04T15:31:17.212" v="145" actId="2696"/>
-        <pc:sldMkLst>
-          <pc:docMk/>
-          <pc:sldMk cId="1165577892" sldId="376"/>
-        </pc:sldMkLst>
-      </pc:sldChg>
-      <pc:sldChg chg="del">
-        <pc:chgData name="Khattab, Sherif" userId="c83b1e15-36f3-4f46-aceb-05aac24c545e" providerId="ADAL" clId="{DB115453-F3AC-CA4C-A104-E84842BDF35F}" dt="2021-02-04T14:40:10.021" v="0" actId="2696"/>
-        <pc:sldMkLst>
-          <pc:docMk/>
-          <pc:sldMk cId="583513582" sldId="377"/>
-        </pc:sldMkLst>
-      </pc:sldChg>
-      <pc:sldChg chg="del">
-        <pc:chgData name="Khattab, Sherif" userId="c83b1e15-36f3-4f46-aceb-05aac24c545e" providerId="ADAL" clId="{DB115453-F3AC-CA4C-A104-E84842BDF35F}" dt="2021-02-04T15:33:43.441" v="248" actId="2696"/>
-        <pc:sldMkLst>
-          <pc:docMk/>
-          <pc:sldMk cId="541381985" sldId="380"/>
-        </pc:sldMkLst>
-      </pc:sldChg>
-      <pc:sldChg chg="del">
-        <pc:chgData name="Khattab, Sherif" userId="c83b1e15-36f3-4f46-aceb-05aac24c545e" providerId="ADAL" clId="{DB115453-F3AC-CA4C-A104-E84842BDF35F}" dt="2021-02-04T15:33:43.441" v="248" actId="2696"/>
-        <pc:sldMkLst>
-          <pc:docMk/>
-          <pc:sldMk cId="2235897330" sldId="381"/>
-        </pc:sldMkLst>
-      </pc:sldChg>
-      <pc:sldChg chg="del">
-        <pc:chgData name="Khattab, Sherif" userId="c83b1e15-36f3-4f46-aceb-05aac24c545e" providerId="ADAL" clId="{DB115453-F3AC-CA4C-A104-E84842BDF35F}" dt="2021-02-04T15:33:43.441" v="248" actId="2696"/>
-        <pc:sldMkLst>
-          <pc:docMk/>
-          <pc:sldMk cId="3360044446" sldId="382"/>
-        </pc:sldMkLst>
-      </pc:sldChg>
-      <pc:sldChg chg="del">
-        <pc:chgData name="Khattab, Sherif" userId="c83b1e15-36f3-4f46-aceb-05aac24c545e" providerId="ADAL" clId="{DB115453-F3AC-CA4C-A104-E84842BDF35F}" dt="2021-02-04T15:33:43.441" v="248" actId="2696"/>
-        <pc:sldMkLst>
-          <pc:docMk/>
-          <pc:sldMk cId="1954384084" sldId="383"/>
-        </pc:sldMkLst>
-      </pc:sldChg>
-      <pc:sldChg chg="del">
-        <pc:chgData name="Khattab, Sherif" userId="c83b1e15-36f3-4f46-aceb-05aac24c545e" providerId="ADAL" clId="{DB115453-F3AC-CA4C-A104-E84842BDF35F}" dt="2021-02-04T15:33:43.441" v="248" actId="2696"/>
-        <pc:sldMkLst>
-          <pc:docMk/>
-          <pc:sldMk cId="220759689" sldId="384"/>
-        </pc:sldMkLst>
-      </pc:sldChg>
-      <pc:sldChg chg="del">
-        <pc:chgData name="Khattab, Sherif" userId="c83b1e15-36f3-4f46-aceb-05aac24c545e" providerId="ADAL" clId="{DB115453-F3AC-CA4C-A104-E84842BDF35F}" dt="2021-02-04T15:33:43.441" v="248" actId="2696"/>
-        <pc:sldMkLst>
-          <pc:docMk/>
-          <pc:sldMk cId="2809799376" sldId="385"/>
-        </pc:sldMkLst>
-      </pc:sldChg>
-      <pc:sldChg chg="del">
-        <pc:chgData name="Khattab, Sherif" userId="c83b1e15-36f3-4f46-aceb-05aac24c545e" providerId="ADAL" clId="{DB115453-F3AC-CA4C-A104-E84842BDF35F}" dt="2021-02-04T14:40:10.021" v="0" actId="2696"/>
-        <pc:sldMkLst>
-          <pc:docMk/>
-          <pc:sldMk cId="2329144619" sldId="445"/>
-        </pc:sldMkLst>
-      </pc:sldChg>
-      <pc:sldChg chg="del">
-        <pc:chgData name="Khattab, Sherif" userId="c83b1e15-36f3-4f46-aceb-05aac24c545e" providerId="ADAL" clId="{DB115453-F3AC-CA4C-A104-E84842BDF35F}" dt="2021-02-04T14:40:10.021" v="0" actId="2696"/>
-        <pc:sldMkLst>
-          <pc:docMk/>
-          <pc:sldMk cId="1783368962" sldId="448"/>
-        </pc:sldMkLst>
-      </pc:sldChg>
-      <pc:sldChg chg="del">
-        <pc:chgData name="Khattab, Sherif" userId="c83b1e15-36f3-4f46-aceb-05aac24c545e" providerId="ADAL" clId="{DB115453-F3AC-CA4C-A104-E84842BDF35F}" dt="2021-02-04T14:40:10.021" v="0" actId="2696"/>
-        <pc:sldMkLst>
-          <pc:docMk/>
-          <pc:sldMk cId="2276002102" sldId="451"/>
-        </pc:sldMkLst>
-      </pc:sldChg>
-      <pc:sldChg chg="del">
-        <pc:chgData name="Khattab, Sherif" userId="c83b1e15-36f3-4f46-aceb-05aac24c545e" providerId="ADAL" clId="{DB115453-F3AC-CA4C-A104-E84842BDF35F}" dt="2021-02-04T15:33:43.441" v="248" actId="2696"/>
-        <pc:sldMkLst>
-          <pc:docMk/>
-          <pc:sldMk cId="2163467695" sldId="455"/>
-        </pc:sldMkLst>
-      </pc:sldChg>
-      <pc:sldChg chg="del">
-        <pc:chgData name="Khattab, Sherif" userId="c83b1e15-36f3-4f46-aceb-05aac24c545e" providerId="ADAL" clId="{DB115453-F3AC-CA4C-A104-E84842BDF35F}" dt="2021-02-04T15:33:43.441" v="248" actId="2696"/>
-        <pc:sldMkLst>
-          <pc:docMk/>
-          <pc:sldMk cId="3400641916" sldId="456"/>
-        </pc:sldMkLst>
-      </pc:sldChg>
-      <pc:sldChg chg="del">
-        <pc:chgData name="Khattab, Sherif" userId="c83b1e15-36f3-4f46-aceb-05aac24c545e" providerId="ADAL" clId="{DB115453-F3AC-CA4C-A104-E84842BDF35F}" dt="2021-02-04T15:33:43.441" v="248" actId="2696"/>
-        <pc:sldMkLst>
-          <pc:docMk/>
-          <pc:sldMk cId="2840639230" sldId="457"/>
-        </pc:sldMkLst>
-      </pc:sldChg>
-      <pc:sldChg chg="del">
-        <pc:chgData name="Khattab, Sherif" userId="c83b1e15-36f3-4f46-aceb-05aac24c545e" providerId="ADAL" clId="{DB115453-F3AC-CA4C-A104-E84842BDF35F}" dt="2021-02-04T15:33:43.441" v="248" actId="2696"/>
-        <pc:sldMkLst>
-          <pc:docMk/>
-          <pc:sldMk cId="2116012598" sldId="458"/>
-        </pc:sldMkLst>
-      </pc:sldChg>
-      <pc:sldChg chg="del">
-        <pc:chgData name="Khattab, Sherif" userId="c83b1e15-36f3-4f46-aceb-05aac24c545e" providerId="ADAL" clId="{DB115453-F3AC-CA4C-A104-E84842BDF35F}" dt="2021-02-04T15:33:43.441" v="248" actId="2696"/>
-        <pc:sldMkLst>
-          <pc:docMk/>
-          <pc:sldMk cId="1816629761" sldId="459"/>
-        </pc:sldMkLst>
-      </pc:sldChg>
-      <pc:sldChg chg="del">
-        <pc:chgData name="Khattab, Sherif" userId="c83b1e15-36f3-4f46-aceb-05aac24c545e" providerId="ADAL" clId="{DB115453-F3AC-CA4C-A104-E84842BDF35F}" dt="2021-02-04T15:33:43.441" v="248" actId="2696"/>
-        <pc:sldMkLst>
-          <pc:docMk/>
-          <pc:sldMk cId="4107670357" sldId="460"/>
-        </pc:sldMkLst>
-      </pc:sldChg>
-      <pc:sldChg chg="del">
-        <pc:chgData name="Khattab, Sherif" userId="c83b1e15-36f3-4f46-aceb-05aac24c545e" providerId="ADAL" clId="{DB115453-F3AC-CA4C-A104-E84842BDF35F}" dt="2021-02-04T15:33:43.441" v="248" actId="2696"/>
-        <pc:sldMkLst>
-          <pc:docMk/>
-          <pc:sldMk cId="3714784862" sldId="461"/>
-        </pc:sldMkLst>
-      </pc:sldChg>
-      <pc:sldChg chg="del">
-        <pc:chgData name="Khattab, Sherif" userId="c83b1e15-36f3-4f46-aceb-05aac24c545e" providerId="ADAL" clId="{DB115453-F3AC-CA4C-A104-E84842BDF35F}" dt="2021-02-04T15:33:43.441" v="248" actId="2696"/>
-        <pc:sldMkLst>
-          <pc:docMk/>
-          <pc:sldMk cId="931898487" sldId="462"/>
-        </pc:sldMkLst>
-      </pc:sldChg>
-      <pc:sldChg chg="del">
-        <pc:chgData name="Khattab, Sherif" userId="c83b1e15-36f3-4f46-aceb-05aac24c545e" providerId="ADAL" clId="{DB115453-F3AC-CA4C-A104-E84842BDF35F}" dt="2021-02-04T15:33:43.441" v="248" actId="2696"/>
-        <pc:sldMkLst>
-          <pc:docMk/>
-          <pc:sldMk cId="1471081860" sldId="463"/>
-        </pc:sldMkLst>
-      </pc:sldChg>
-      <pc:sldChg chg="del">
-        <pc:chgData name="Khattab, Sherif" userId="c83b1e15-36f3-4f46-aceb-05aac24c545e" providerId="ADAL" clId="{DB115453-F3AC-CA4C-A104-E84842BDF35F}" dt="2021-02-04T15:33:43.441" v="248" actId="2696"/>
-        <pc:sldMkLst>
-          <pc:docMk/>
-          <pc:sldMk cId="574001865" sldId="464"/>
-        </pc:sldMkLst>
-      </pc:sldChg>
-      <pc:sldChg chg="del">
-        <pc:chgData name="Khattab, Sherif" userId="c83b1e15-36f3-4f46-aceb-05aac24c545e" providerId="ADAL" clId="{DB115453-F3AC-CA4C-A104-E84842BDF35F}" dt="2021-02-04T15:33:43.441" v="248" actId="2696"/>
-        <pc:sldMkLst>
-          <pc:docMk/>
-          <pc:sldMk cId="2156977365" sldId="465"/>
-        </pc:sldMkLst>
-      </pc:sldChg>
-      <pc:sldChg chg="del">
-        <pc:chgData name="Khattab, Sherif" userId="c83b1e15-36f3-4f46-aceb-05aac24c545e" providerId="ADAL" clId="{DB115453-F3AC-CA4C-A104-E84842BDF35F}" dt="2021-02-04T15:33:43.441" v="248" actId="2696"/>
-        <pc:sldMkLst>
-          <pc:docMk/>
-          <pc:sldMk cId="117329803" sldId="466"/>
-        </pc:sldMkLst>
-      </pc:sldChg>
-      <pc:sldChg chg="del">
-        <pc:chgData name="Khattab, Sherif" userId="c83b1e15-36f3-4f46-aceb-05aac24c545e" providerId="ADAL" clId="{DB115453-F3AC-CA4C-A104-E84842BDF35F}" dt="2021-02-04T15:33:43.441" v="248" actId="2696"/>
-        <pc:sldMkLst>
-          <pc:docMk/>
-          <pc:sldMk cId="3643915362" sldId="467"/>
-        </pc:sldMkLst>
-      </pc:sldChg>
-      <pc:sldChg chg="del">
-        <pc:chgData name="Khattab, Sherif" userId="c83b1e15-36f3-4f46-aceb-05aac24c545e" providerId="ADAL" clId="{DB115453-F3AC-CA4C-A104-E84842BDF35F}" dt="2021-02-04T15:33:43.441" v="248" actId="2696"/>
-        <pc:sldMkLst>
-          <pc:docMk/>
-          <pc:sldMk cId="1593910045" sldId="468"/>
-        </pc:sldMkLst>
-      </pc:sldChg>
-      <pc:sldChg chg="del">
-        <pc:chgData name="Khattab, Sherif" userId="c83b1e15-36f3-4f46-aceb-05aac24c545e" providerId="ADAL" clId="{DB115453-F3AC-CA4C-A104-E84842BDF35F}" dt="2021-02-04T15:33:43.441" v="248" actId="2696"/>
-        <pc:sldMkLst>
-          <pc:docMk/>
-          <pc:sldMk cId="3392020218" sldId="469"/>
-        </pc:sldMkLst>
-      </pc:sldChg>
-      <pc:sldChg chg="del">
-        <pc:chgData name="Khattab, Sherif" userId="c83b1e15-36f3-4f46-aceb-05aac24c545e" providerId="ADAL" clId="{DB115453-F3AC-CA4C-A104-E84842BDF35F}" dt="2021-02-04T15:33:43.441" v="248" actId="2696"/>
-        <pc:sldMkLst>
-          <pc:docMk/>
-          <pc:sldMk cId="3824051756" sldId="470"/>
-        </pc:sldMkLst>
-      </pc:sldChg>
-      <pc:sldChg chg="del">
-        <pc:chgData name="Khattab, Sherif" userId="c83b1e15-36f3-4f46-aceb-05aac24c545e" providerId="ADAL" clId="{DB115453-F3AC-CA4C-A104-E84842BDF35F}" dt="2021-02-04T15:33:43.441" v="248" actId="2696"/>
-        <pc:sldMkLst>
-          <pc:docMk/>
-          <pc:sldMk cId="1025764700" sldId="471"/>
-        </pc:sldMkLst>
-      </pc:sldChg>
-      <pc:sldChg chg="del">
-        <pc:chgData name="Khattab, Sherif" userId="c83b1e15-36f3-4f46-aceb-05aac24c545e" providerId="ADAL" clId="{DB115453-F3AC-CA4C-A104-E84842BDF35F}" dt="2021-02-04T15:33:43.441" v="248" actId="2696"/>
-        <pc:sldMkLst>
-          <pc:docMk/>
-          <pc:sldMk cId="3109107092" sldId="472"/>
-        </pc:sldMkLst>
-      </pc:sldChg>
-      <pc:sldChg chg="del">
-        <pc:chgData name="Khattab, Sherif" userId="c83b1e15-36f3-4f46-aceb-05aac24c545e" providerId="ADAL" clId="{DB115453-F3AC-CA4C-A104-E84842BDF35F}" dt="2021-02-04T15:33:43.441" v="248" actId="2696"/>
-        <pc:sldMkLst>
-          <pc:docMk/>
-          <pc:sldMk cId="2185675405" sldId="473"/>
-        </pc:sldMkLst>
-      </pc:sldChg>
-      <pc:sldChg chg="del">
-        <pc:chgData name="Khattab, Sherif" userId="c83b1e15-36f3-4f46-aceb-05aac24c545e" providerId="ADAL" clId="{DB115453-F3AC-CA4C-A104-E84842BDF35F}" dt="2021-02-04T15:33:43.441" v="248" actId="2696"/>
-        <pc:sldMkLst>
-          <pc:docMk/>
-          <pc:sldMk cId="1719184921" sldId="474"/>
-        </pc:sldMkLst>
-      </pc:sldChg>
-      <pc:sldChg chg="del">
-        <pc:chgData name="Khattab, Sherif" userId="c83b1e15-36f3-4f46-aceb-05aac24c545e" providerId="ADAL" clId="{DB115453-F3AC-CA4C-A104-E84842BDF35F}" dt="2021-02-04T15:33:43.441" v="248" actId="2696"/>
-        <pc:sldMkLst>
-          <pc:docMk/>
-          <pc:sldMk cId="3632958702" sldId="475"/>
-        </pc:sldMkLst>
-      </pc:sldChg>
-      <pc:sldChg chg="del">
-        <pc:chgData name="Khattab, Sherif" userId="c83b1e15-36f3-4f46-aceb-05aac24c545e" providerId="ADAL" clId="{DB115453-F3AC-CA4C-A104-E84842BDF35F}" dt="2021-02-04T15:33:43.441" v="248" actId="2696"/>
-        <pc:sldMkLst>
-          <pc:docMk/>
-          <pc:sldMk cId="2634117846" sldId="476"/>
-        </pc:sldMkLst>
-      </pc:sldChg>
-      <pc:sldChg chg="del">
-        <pc:chgData name="Khattab, Sherif" userId="c83b1e15-36f3-4f46-aceb-05aac24c545e" providerId="ADAL" clId="{DB115453-F3AC-CA4C-A104-E84842BDF35F}" dt="2021-02-04T15:33:43.441" v="248" actId="2696"/>
-        <pc:sldMkLst>
-          <pc:docMk/>
-          <pc:sldMk cId="4038969182" sldId="477"/>
-        </pc:sldMkLst>
-      </pc:sldChg>
-      <pc:sldChg chg="del">
-        <pc:chgData name="Khattab, Sherif" userId="c83b1e15-36f3-4f46-aceb-05aac24c545e" providerId="ADAL" clId="{DB115453-F3AC-CA4C-A104-E84842BDF35F}" dt="2021-02-04T15:33:43.441" v="248" actId="2696"/>
-        <pc:sldMkLst>
-          <pc:docMk/>
-          <pc:sldMk cId="326259628" sldId="478"/>
-        </pc:sldMkLst>
-      </pc:sldChg>
-      <pc:sldChg chg="del">
-        <pc:chgData name="Khattab, Sherif" userId="c83b1e15-36f3-4f46-aceb-05aac24c545e" providerId="ADAL" clId="{DB115453-F3AC-CA4C-A104-E84842BDF35F}" dt="2021-02-04T15:33:43.441" v="248" actId="2696"/>
-        <pc:sldMkLst>
-          <pc:docMk/>
-          <pc:sldMk cId="873856523" sldId="479"/>
-        </pc:sldMkLst>
-      </pc:sldChg>
-      <pc:sldChg chg="del">
-        <pc:chgData name="Khattab, Sherif" userId="c83b1e15-36f3-4f46-aceb-05aac24c545e" providerId="ADAL" clId="{DB115453-F3AC-CA4C-A104-E84842BDF35F}" dt="2021-02-04T15:33:43.441" v="248" actId="2696"/>
-        <pc:sldMkLst>
-          <pc:docMk/>
-          <pc:sldMk cId="3465344065" sldId="480"/>
-        </pc:sldMkLst>
-      </pc:sldChg>
-      <pc:sldChg chg="del">
-        <pc:chgData name="Khattab, Sherif" userId="c83b1e15-36f3-4f46-aceb-05aac24c545e" providerId="ADAL" clId="{DB115453-F3AC-CA4C-A104-E84842BDF35F}" dt="2021-02-04T15:33:43.441" v="248" actId="2696"/>
-        <pc:sldMkLst>
-          <pc:docMk/>
-          <pc:sldMk cId="2002489455" sldId="481"/>
-        </pc:sldMkLst>
-      </pc:sldChg>
-      <pc:sldChg chg="del">
-        <pc:chgData name="Khattab, Sherif" userId="c83b1e15-36f3-4f46-aceb-05aac24c545e" providerId="ADAL" clId="{DB115453-F3AC-CA4C-A104-E84842BDF35F}" dt="2021-02-04T15:33:43.441" v="248" actId="2696"/>
-        <pc:sldMkLst>
-          <pc:docMk/>
-          <pc:sldMk cId="1560930406" sldId="482"/>
-        </pc:sldMkLst>
-      </pc:sldChg>
-      <pc:sldChg chg="del">
-        <pc:chgData name="Khattab, Sherif" userId="c83b1e15-36f3-4f46-aceb-05aac24c545e" providerId="ADAL" clId="{DB115453-F3AC-CA4C-A104-E84842BDF35F}" dt="2021-02-04T15:33:43.441" v="248" actId="2696"/>
-        <pc:sldMkLst>
-          <pc:docMk/>
-          <pc:sldMk cId="1387835057" sldId="483"/>
-        </pc:sldMkLst>
-      </pc:sldChg>
-      <pc:sldChg chg="del">
-        <pc:chgData name="Khattab, Sherif" userId="c83b1e15-36f3-4f46-aceb-05aac24c545e" providerId="ADAL" clId="{DB115453-F3AC-CA4C-A104-E84842BDF35F}" dt="2021-02-04T15:33:43.441" v="248" actId="2696"/>
-        <pc:sldMkLst>
-          <pc:docMk/>
-          <pc:sldMk cId="1948397067" sldId="484"/>
-        </pc:sldMkLst>
-      </pc:sldChg>
-      <pc:sldChg chg="del">
-        <pc:chgData name="Khattab, Sherif" userId="c83b1e15-36f3-4f46-aceb-05aac24c545e" providerId="ADAL" clId="{DB115453-F3AC-CA4C-A104-E84842BDF35F}" dt="2021-02-04T15:33:43.441" v="248" actId="2696"/>
-        <pc:sldMkLst>
-          <pc:docMk/>
-          <pc:sldMk cId="3473693154" sldId="485"/>
-        </pc:sldMkLst>
-      </pc:sldChg>
-      <pc:sldChg chg="del">
-        <pc:chgData name="Khattab, Sherif" userId="c83b1e15-36f3-4f46-aceb-05aac24c545e" providerId="ADAL" clId="{DB115453-F3AC-CA4C-A104-E84842BDF35F}" dt="2021-02-04T15:33:43.441" v="248" actId="2696"/>
-        <pc:sldMkLst>
-          <pc:docMk/>
-          <pc:sldMk cId="2983945636" sldId="486"/>
-        </pc:sldMkLst>
-      </pc:sldChg>
-      <pc:sldChg chg="del">
-        <pc:chgData name="Khattab, Sherif" userId="c83b1e15-36f3-4f46-aceb-05aac24c545e" providerId="ADAL" clId="{DB115453-F3AC-CA4C-A104-E84842BDF35F}" dt="2021-02-04T15:33:43.441" v="248" actId="2696"/>
-        <pc:sldMkLst>
-          <pc:docMk/>
-          <pc:sldMk cId="3673539870" sldId="487"/>
-        </pc:sldMkLst>
-      </pc:sldChg>
-      <pc:sldChg chg="del">
-        <pc:chgData name="Khattab, Sherif" userId="c83b1e15-36f3-4f46-aceb-05aac24c545e" providerId="ADAL" clId="{DB115453-F3AC-CA4C-A104-E84842BDF35F}" dt="2021-02-04T15:33:43.441" v="248" actId="2696"/>
-        <pc:sldMkLst>
-          <pc:docMk/>
-          <pc:sldMk cId="1363323927" sldId="488"/>
-        </pc:sldMkLst>
-      </pc:sldChg>
-      <pc:sldChg chg="del">
-        <pc:chgData name="Khattab, Sherif" userId="c83b1e15-36f3-4f46-aceb-05aac24c545e" providerId="ADAL" clId="{DB115453-F3AC-CA4C-A104-E84842BDF35F}" dt="2021-02-04T15:33:43.441" v="248" actId="2696"/>
-        <pc:sldMkLst>
-          <pc:docMk/>
-          <pc:sldMk cId="936409682" sldId="489"/>
-        </pc:sldMkLst>
-      </pc:sldChg>
-      <pc:sldChg chg="del">
-        <pc:chgData name="Khattab, Sherif" userId="c83b1e15-36f3-4f46-aceb-05aac24c545e" providerId="ADAL" clId="{DB115453-F3AC-CA4C-A104-E84842BDF35F}" dt="2021-02-04T15:33:43.441" v="248" actId="2696"/>
-        <pc:sldMkLst>
-          <pc:docMk/>
-          <pc:sldMk cId="3252833104" sldId="490"/>
-        </pc:sldMkLst>
-      </pc:sldChg>
-      <pc:sldChg chg="del">
-        <pc:chgData name="Khattab, Sherif" userId="c83b1e15-36f3-4f46-aceb-05aac24c545e" providerId="ADAL" clId="{DB115453-F3AC-CA4C-A104-E84842BDF35F}" dt="2021-02-04T15:33:43.441" v="248" actId="2696"/>
-        <pc:sldMkLst>
-          <pc:docMk/>
-          <pc:sldMk cId="3413759872" sldId="491"/>
-        </pc:sldMkLst>
-      </pc:sldChg>
-      <pc:sldChg chg="del">
-        <pc:chgData name="Khattab, Sherif" userId="c83b1e15-36f3-4f46-aceb-05aac24c545e" providerId="ADAL" clId="{DB115453-F3AC-CA4C-A104-E84842BDF35F}" dt="2021-02-04T15:33:43.441" v="248" actId="2696"/>
-        <pc:sldMkLst>
-          <pc:docMk/>
-          <pc:sldMk cId="1930502979" sldId="492"/>
-        </pc:sldMkLst>
-      </pc:sldChg>
-      <pc:sldChg chg="del">
-        <pc:chgData name="Khattab, Sherif" userId="c83b1e15-36f3-4f46-aceb-05aac24c545e" providerId="ADAL" clId="{DB115453-F3AC-CA4C-A104-E84842BDF35F}" dt="2021-02-04T15:33:43.441" v="248" actId="2696"/>
-        <pc:sldMkLst>
-          <pc:docMk/>
-          <pc:sldMk cId="220106575" sldId="493"/>
-        </pc:sldMkLst>
-      </pc:sldChg>
-      <pc:sldChg chg="del">
-        <pc:chgData name="Khattab, Sherif" userId="c83b1e15-36f3-4f46-aceb-05aac24c545e" providerId="ADAL" clId="{DB115453-F3AC-CA4C-A104-E84842BDF35F}" dt="2021-02-04T15:33:43.441" v="248" actId="2696"/>
-        <pc:sldMkLst>
-          <pc:docMk/>
-          <pc:sldMk cId="3447713174" sldId="494"/>
-        </pc:sldMkLst>
-      </pc:sldChg>
-      <pc:sldChg chg="del">
-        <pc:chgData name="Khattab, Sherif" userId="c83b1e15-36f3-4f46-aceb-05aac24c545e" providerId="ADAL" clId="{DB115453-F3AC-CA4C-A104-E84842BDF35F}" dt="2021-02-04T15:33:43.441" v="248" actId="2696"/>
-        <pc:sldMkLst>
-          <pc:docMk/>
-          <pc:sldMk cId="2129126942" sldId="495"/>
-        </pc:sldMkLst>
-      </pc:sldChg>
-      <pc:sldChg chg="del">
-        <pc:chgData name="Khattab, Sherif" userId="c83b1e15-36f3-4f46-aceb-05aac24c545e" providerId="ADAL" clId="{DB115453-F3AC-CA4C-A104-E84842BDF35F}" dt="2021-02-04T15:27:42.361" v="1" actId="2696"/>
-        <pc:sldMkLst>
-          <pc:docMk/>
-          <pc:sldMk cId="702367729" sldId="496"/>
-        </pc:sldMkLst>
-      </pc:sldChg>
-      <pc:sldChg chg="modSp add mod">
-        <pc:chgData name="Khattab, Sherif" userId="c83b1e15-36f3-4f46-aceb-05aac24c545e" providerId="ADAL" clId="{DB115453-F3AC-CA4C-A104-E84842BDF35F}" dt="2021-02-04T15:28:43.918" v="56" actId="27636"/>
-        <pc:sldMkLst>
-          <pc:docMk/>
-          <pc:sldMk cId="3903507516" sldId="498"/>
-        </pc:sldMkLst>
-        <pc:spChg chg="mod">
-          <ac:chgData name="Khattab, Sherif" userId="c83b1e15-36f3-4f46-aceb-05aac24c545e" providerId="ADAL" clId="{DB115453-F3AC-CA4C-A104-E84842BDF35F}" dt="2021-02-04T15:28:43.918" v="56" actId="27636"/>
-          <ac:spMkLst>
-            <pc:docMk/>
-            <pc:sldMk cId="3903507516" sldId="498"/>
-            <ac:spMk id="3" creationId="{2466C52D-9A48-4683-BE7F-268D8DB7FAAD}"/>
-          </ac:spMkLst>
-        </pc:spChg>
-      </pc:sldChg>
-      <pc:sldChg chg="modSp add mod modAnim">
-        <pc:chgData name="Khattab, Sherif" userId="c83b1e15-36f3-4f46-aceb-05aac24c545e" providerId="ADAL" clId="{DB115453-F3AC-CA4C-A104-E84842BDF35F}" dt="2021-02-04T15:47:09.746" v="608" actId="20577"/>
-        <pc:sldMkLst>
-          <pc:docMk/>
-          <pc:sldMk cId="4202616107" sldId="500"/>
-        </pc:sldMkLst>
-        <pc:spChg chg="mod">
-          <ac:chgData name="Khattab, Sherif" userId="c83b1e15-36f3-4f46-aceb-05aac24c545e" providerId="ADAL" clId="{DB115453-F3AC-CA4C-A104-E84842BDF35F}" dt="2021-02-04T15:47:09.746" v="608" actId="20577"/>
-          <ac:spMkLst>
-            <pc:docMk/>
-            <pc:sldMk cId="4202616107" sldId="500"/>
-            <ac:spMk id="2" creationId="{6BF01C35-B7E9-AD43-99C8-95170559C8A0}"/>
-          </ac:spMkLst>
-        </pc:spChg>
-        <pc:spChg chg="mod">
-          <ac:chgData name="Khattab, Sherif" userId="c83b1e15-36f3-4f46-aceb-05aac24c545e" providerId="ADAL" clId="{DB115453-F3AC-CA4C-A104-E84842BDF35F}" dt="2021-02-04T15:46:50.286" v="600" actId="255"/>
-          <ac:spMkLst>
-            <pc:docMk/>
-            <pc:sldMk cId="4202616107" sldId="500"/>
-            <ac:spMk id="3" creationId="{443F42C8-5750-0341-86AA-B64ED9D37EB6}"/>
-          </ac:spMkLst>
-        </pc:spChg>
-      </pc:sldChg>
-      <pc:sldChg chg="modSp add mod">
-        <pc:chgData name="Khattab, Sherif" userId="c83b1e15-36f3-4f46-aceb-05aac24c545e" providerId="ADAL" clId="{DB115453-F3AC-CA4C-A104-E84842BDF35F}" dt="2021-02-04T15:29:15.709" v="79" actId="20577"/>
-        <pc:sldMkLst>
-          <pc:docMk/>
-          <pc:sldMk cId="2116864396" sldId="505"/>
-        </pc:sldMkLst>
-        <pc:spChg chg="mod">
-          <ac:chgData name="Khattab, Sherif" userId="c83b1e15-36f3-4f46-aceb-05aac24c545e" providerId="ADAL" clId="{DB115453-F3AC-CA4C-A104-E84842BDF35F}" dt="2021-02-04T15:29:08.408" v="76" actId="20577"/>
-          <ac:spMkLst>
-            <pc:docMk/>
-            <pc:sldMk cId="2116864396" sldId="505"/>
-            <ac:spMk id="2" creationId="{4697D5D8-73B6-46FE-9121-07FEE70D566F}"/>
-          </ac:spMkLst>
-        </pc:spChg>
-        <pc:spChg chg="mod">
-          <ac:chgData name="Khattab, Sherif" userId="c83b1e15-36f3-4f46-aceb-05aac24c545e" providerId="ADAL" clId="{DB115453-F3AC-CA4C-A104-E84842BDF35F}" dt="2021-02-04T15:29:15.709" v="79" actId="20577"/>
-          <ac:spMkLst>
-            <pc:docMk/>
-            <pc:sldMk cId="2116864396" sldId="505"/>
-            <ac:spMk id="3" creationId="{9FDE3B14-90B9-4B5A-83C7-6E633E32EA28}"/>
-          </ac:spMkLst>
-        </pc:spChg>
-      </pc:sldChg>
-      <pc:sldChg chg="modSp add mod">
-        <pc:chgData name="Khattab, Sherif" userId="c83b1e15-36f3-4f46-aceb-05aac24c545e" providerId="ADAL" clId="{DB115453-F3AC-CA4C-A104-E84842BDF35F}" dt="2021-02-04T15:31:59.274" v="224" actId="20577"/>
-        <pc:sldMkLst>
-          <pc:docMk/>
-          <pc:sldMk cId="3652489610" sldId="506"/>
-        </pc:sldMkLst>
-        <pc:spChg chg="mod">
-          <ac:chgData name="Khattab, Sherif" userId="c83b1e15-36f3-4f46-aceb-05aac24c545e" providerId="ADAL" clId="{DB115453-F3AC-CA4C-A104-E84842BDF35F}" dt="2021-02-04T15:31:59.274" v="224" actId="20577"/>
-          <ac:spMkLst>
-            <pc:docMk/>
-            <pc:sldMk cId="3652489610" sldId="506"/>
-            <ac:spMk id="3" creationId="{9FDE3B14-90B9-4B5A-83C7-6E633E32EA28}"/>
-          </ac:spMkLst>
-        </pc:spChg>
-      </pc:sldChg>
-      <pc:sldChg chg="add">
-        <pc:chgData name="Khattab, Sherif" userId="c83b1e15-36f3-4f46-aceb-05aac24c545e" providerId="ADAL" clId="{DB115453-F3AC-CA4C-A104-E84842BDF35F}" dt="2021-02-04T15:30:24.998" v="136"/>
-        <pc:sldMkLst>
-          <pc:docMk/>
-          <pc:sldMk cId="4218373473" sldId="507"/>
-        </pc:sldMkLst>
-      </pc:sldChg>
-      <pc:sldChg chg="add">
-        <pc:chgData name="Khattab, Sherif" userId="c83b1e15-36f3-4f46-aceb-05aac24c545e" providerId="ADAL" clId="{DB115453-F3AC-CA4C-A104-E84842BDF35F}" dt="2021-02-04T15:30:24.998" v="136"/>
-        <pc:sldMkLst>
-          <pc:docMk/>
-          <pc:sldMk cId="2005153346" sldId="508"/>
-        </pc:sldMkLst>
-      </pc:sldChg>
-      <pc:sldChg chg="add">
-        <pc:chgData name="Khattab, Sherif" userId="c83b1e15-36f3-4f46-aceb-05aac24c545e" providerId="ADAL" clId="{DB115453-F3AC-CA4C-A104-E84842BDF35F}" dt="2021-02-04T15:30:24.998" v="136"/>
-        <pc:sldMkLst>
-          <pc:docMk/>
-          <pc:sldMk cId="707882026" sldId="509"/>
-        </pc:sldMkLst>
-      </pc:sldChg>
-      <pc:sldChg chg="add">
-        <pc:chgData name="Khattab, Sherif" userId="c83b1e15-36f3-4f46-aceb-05aac24c545e" providerId="ADAL" clId="{DB115453-F3AC-CA4C-A104-E84842BDF35F}" dt="2021-02-04T15:30:24.998" v="136"/>
-        <pc:sldMkLst>
-          <pc:docMk/>
-          <pc:sldMk cId="2108493189" sldId="510"/>
-        </pc:sldMkLst>
-      </pc:sldChg>
-      <pc:sldChg chg="add">
-        <pc:chgData name="Khattab, Sherif" userId="c83b1e15-36f3-4f46-aceb-05aac24c545e" providerId="ADAL" clId="{DB115453-F3AC-CA4C-A104-E84842BDF35F}" dt="2021-02-04T15:30:24.998" v="136"/>
-        <pc:sldMkLst>
-          <pc:docMk/>
-          <pc:sldMk cId="2618280309" sldId="511"/>
-        </pc:sldMkLst>
-      </pc:sldChg>
-      <pc:sldChg chg="add">
-        <pc:chgData name="Khattab, Sherif" userId="c83b1e15-36f3-4f46-aceb-05aac24c545e" providerId="ADAL" clId="{DB115453-F3AC-CA4C-A104-E84842BDF35F}" dt="2021-02-04T15:30:24.998" v="136"/>
-        <pc:sldMkLst>
-          <pc:docMk/>
-          <pc:sldMk cId="3748394407" sldId="512"/>
-        </pc:sldMkLst>
-      </pc:sldChg>
-      <pc:sldChg chg="add">
-        <pc:chgData name="Khattab, Sherif" userId="c83b1e15-36f3-4f46-aceb-05aac24c545e" providerId="ADAL" clId="{DB115453-F3AC-CA4C-A104-E84842BDF35F}" dt="2021-02-04T15:30:24.998" v="136"/>
-        <pc:sldMkLst>
-          <pc:docMk/>
-          <pc:sldMk cId="1413167954" sldId="513"/>
-        </pc:sldMkLst>
-      </pc:sldChg>
-      <pc:sldChg chg="add del ord">
-        <pc:chgData name="Khattab, Sherif" userId="c83b1e15-36f3-4f46-aceb-05aac24c545e" providerId="ADAL" clId="{DB115453-F3AC-CA4C-A104-E84842BDF35F}" dt="2021-02-04T15:47:37.779" v="610" actId="2696"/>
-        <pc:sldMkLst>
-          <pc:docMk/>
-          <pc:sldMk cId="1518151792" sldId="514"/>
-        </pc:sldMkLst>
-      </pc:sldChg>
-      <pc:sldChg chg="modSp add mod">
-        <pc:chgData name="Khattab, Sherif" userId="c83b1e15-36f3-4f46-aceb-05aac24c545e" providerId="ADAL" clId="{DB115453-F3AC-CA4C-A104-E84842BDF35F}" dt="2021-02-04T15:47:51.327" v="632" actId="20577"/>
-        <pc:sldMkLst>
-          <pc:docMk/>
-          <pc:sldMk cId="1560097293" sldId="514"/>
-        </pc:sldMkLst>
-        <pc:spChg chg="mod">
-          <ac:chgData name="Khattab, Sherif" userId="c83b1e15-36f3-4f46-aceb-05aac24c545e" providerId="ADAL" clId="{DB115453-F3AC-CA4C-A104-E84842BDF35F}" dt="2021-02-04T15:47:51.327" v="632" actId="20577"/>
-          <ac:spMkLst>
-            <pc:docMk/>
-            <pc:sldMk cId="1560097293" sldId="514"/>
-            <ac:spMk id="3" creationId="{C62B6C5A-CC0C-40C3-BD2B-60F0CF3EE1C4}"/>
-          </ac:spMkLst>
-        </pc:spChg>
-      </pc:sldChg>
-      <pc:sldChg chg="add del">
-        <pc:chgData name="Khattab, Sherif" userId="c83b1e15-36f3-4f46-aceb-05aac24c545e" providerId="ADAL" clId="{DB115453-F3AC-CA4C-A104-E84842BDF35F}" dt="2021-02-04T15:47:34.401" v="609" actId="2696"/>
-        <pc:sldMkLst>
-          <pc:docMk/>
-          <pc:sldMk cId="2968036977" sldId="515"/>
-        </pc:sldMkLst>
-      </pc:sldChg>
-      <pc:sldChg chg="add del">
-        <pc:chgData name="Khattab, Sherif" userId="c83b1e15-36f3-4f46-aceb-05aac24c545e" providerId="ADAL" clId="{DB115453-F3AC-CA4C-A104-E84842BDF35F}" dt="2021-02-04T15:33:20.482" v="247" actId="2696"/>
-        <pc:sldMkLst>
-          <pc:docMk/>
-          <pc:sldMk cId="1720773840" sldId="516"/>
-        </pc:sldMkLst>
-      </pc:sldChg>
-      <pc:sldChg chg="modSp add mod modAnim">
-        <pc:chgData name="Khattab, Sherif" userId="c83b1e15-36f3-4f46-aceb-05aac24c545e" providerId="ADAL" clId="{DB115453-F3AC-CA4C-A104-E84842BDF35F}" dt="2021-02-04T15:35:54.222" v="318"/>
-        <pc:sldMkLst>
-          <pc:docMk/>
-          <pc:sldMk cId="3718964789" sldId="517"/>
-        </pc:sldMkLst>
-        <pc:spChg chg="mod">
-          <ac:chgData name="Khattab, Sherif" userId="c83b1e15-36f3-4f46-aceb-05aac24c545e" providerId="ADAL" clId="{DB115453-F3AC-CA4C-A104-E84842BDF35F}" dt="2021-02-04T15:34:14.349" v="311" actId="20577"/>
-          <ac:spMkLst>
-            <pc:docMk/>
-            <pc:sldMk cId="3718964789" sldId="517"/>
-            <ac:spMk id="109571" creationId="{EB65A8A9-691B-3D4F-B0AA-00914900DB3A}"/>
-          </ac:spMkLst>
-        </pc:spChg>
-      </pc:sldChg>
-      <pc:sldChg chg="modSp new mod modAnim">
-        <pc:chgData name="Khattab, Sherif" userId="c83b1e15-36f3-4f46-aceb-05aac24c545e" providerId="ADAL" clId="{DB115453-F3AC-CA4C-A104-E84842BDF35F}" dt="2021-02-04T15:46:14.474" v="584"/>
-        <pc:sldMkLst>
-          <pc:docMk/>
-          <pc:sldMk cId="2915741044" sldId="518"/>
-        </pc:sldMkLst>
-        <pc:spChg chg="mod">
-          <ac:chgData name="Khattab, Sherif" userId="c83b1e15-36f3-4f46-aceb-05aac24c545e" providerId="ADAL" clId="{DB115453-F3AC-CA4C-A104-E84842BDF35F}" dt="2021-02-04T15:46:07.217" v="582" actId="20577"/>
-          <ac:spMkLst>
-            <pc:docMk/>
-            <pc:sldMk cId="2915741044" sldId="518"/>
-            <ac:spMk id="2" creationId="{8667BC04-66FF-6645-BF3B-C1E3661A415F}"/>
-          </ac:spMkLst>
-        </pc:spChg>
-        <pc:spChg chg="mod">
-          <ac:chgData name="Khattab, Sherif" userId="c83b1e15-36f3-4f46-aceb-05aac24c545e" providerId="ADAL" clId="{DB115453-F3AC-CA4C-A104-E84842BDF35F}" dt="2021-02-04T15:46:03.248" v="576" actId="27636"/>
-          <ac:spMkLst>
-            <pc:docMk/>
-            <pc:sldMk cId="2915741044" sldId="518"/>
-            <ac:spMk id="3" creationId="{D88A941B-7884-4C45-841F-6BCCC7534788}"/>
-          </ac:spMkLst>
-        </pc:spChg>
-      </pc:sldChg>
-    </pc:docChg>
-  </pc:docChgLst>
-  <pc:docChgLst>
-    <pc:chgData name="Khattab, Sherif" userId="c83b1e15-36f3-4f46-aceb-05aac24c545e" providerId="ADAL" clId="{2E972878-91E8-A543-AB2A-5CB3C36AFF38}"/>
-    <pc:docChg chg="modSld">
-      <pc:chgData name="Khattab, Sherif" userId="c83b1e15-36f3-4f46-aceb-05aac24c545e" providerId="ADAL" clId="{2E972878-91E8-A543-AB2A-5CB3C36AFF38}" dt="2021-09-01T06:18:03.280" v="0"/>
-      <pc:docMkLst>
-        <pc:docMk/>
-      </pc:docMkLst>
-      <pc:sldChg chg="modSp">
-        <pc:chgData name="Khattab, Sherif" userId="c83b1e15-36f3-4f46-aceb-05aac24c545e" providerId="ADAL" clId="{2E972878-91E8-A543-AB2A-5CB3C36AFF38}" dt="2021-09-01T06:18:03.280" v="0"/>
-        <pc:sldMkLst>
-          <pc:docMk/>
-          <pc:sldMk cId="1330366002" sldId="454"/>
-        </pc:sldMkLst>
-        <pc:spChg chg="mod">
-          <ac:chgData name="Khattab, Sherif" userId="c83b1e15-36f3-4f46-aceb-05aac24c545e" providerId="ADAL" clId="{2E972878-91E8-A543-AB2A-5CB3C36AFF38}" dt="2021-09-01T06:18:03.280" v="0"/>
-          <ac:spMkLst>
-            <pc:docMk/>
-            <pc:sldMk cId="1330366002" sldId="454"/>
-            <ac:spMk id="3" creationId="{00000000-0000-0000-0000-000000000000}"/>
-          </ac:spMkLst>
-        </pc:spChg>
-      </pc:sldChg>
-    </pc:docChg>
-  </pc:docChgLst>
-  <pc:docChgLst>
-    <pc:chgData name="Khattab, Sherif" userId="c83b1e15-36f3-4f46-aceb-05aac24c545e" providerId="ADAL" clId="{8940C15E-5880-1645-A257-37DD5B587715}"/>
-    <pc:docChg chg="undo custSel addSld delSld modSld">
-      <pc:chgData name="Khattab, Sherif" userId="c83b1e15-36f3-4f46-aceb-05aac24c545e" providerId="ADAL" clId="{8940C15E-5880-1645-A257-37DD5B587715}" dt="2021-02-09T15:55:14.754" v="597" actId="20577"/>
-      <pc:docMkLst>
-        <pc:docMk/>
-      </pc:docMkLst>
-      <pc:sldChg chg="add del">
-        <pc:chgData name="Khattab, Sherif" userId="c83b1e15-36f3-4f46-aceb-05aac24c545e" providerId="ADAL" clId="{8940C15E-5880-1645-A257-37DD5B587715}" dt="2021-02-09T14:28:14" v="3" actId="2696"/>
-        <pc:sldMkLst>
-          <pc:docMk/>
-          <pc:sldMk cId="1806563943" sldId="342"/>
-        </pc:sldMkLst>
-      </pc:sldChg>
-      <pc:sldChg chg="add del">
-        <pc:chgData name="Khattab, Sherif" userId="c83b1e15-36f3-4f46-aceb-05aac24c545e" providerId="ADAL" clId="{8940C15E-5880-1645-A257-37DD5B587715}" dt="2021-02-09T14:28:14" v="3" actId="2696"/>
-        <pc:sldMkLst>
-          <pc:docMk/>
-          <pc:sldMk cId="1167711490" sldId="343"/>
-        </pc:sldMkLst>
-      </pc:sldChg>
-      <pc:sldChg chg="add del">
-        <pc:chgData name="Khattab, Sherif" userId="c83b1e15-36f3-4f46-aceb-05aac24c545e" providerId="ADAL" clId="{8940C15E-5880-1645-A257-37DD5B587715}" dt="2021-02-09T14:28:06.905" v="2" actId="2696"/>
-        <pc:sldMkLst>
-          <pc:docMk/>
-          <pc:sldMk cId="1271999567" sldId="349"/>
-        </pc:sldMkLst>
-      </pc:sldChg>
-      <pc:sldChg chg="modSp add del mod">
-        <pc:chgData name="Khattab, Sherif" userId="c83b1e15-36f3-4f46-aceb-05aac24c545e" providerId="ADAL" clId="{8940C15E-5880-1645-A257-37DD5B587715}" dt="2021-02-09T14:36:55.362" v="286" actId="20577"/>
-        <pc:sldMkLst>
-          <pc:docMk/>
-          <pc:sldMk cId="3990797458" sldId="378"/>
-        </pc:sldMkLst>
-        <pc:spChg chg="mod">
-          <ac:chgData name="Khattab, Sherif" userId="c83b1e15-36f3-4f46-aceb-05aac24c545e" providerId="ADAL" clId="{8940C15E-5880-1645-A257-37DD5B587715}" dt="2021-02-09T14:36:55.362" v="286" actId="20577"/>
-          <ac:spMkLst>
-            <pc:docMk/>
-            <pc:sldMk cId="3990797458" sldId="378"/>
-            <ac:spMk id="115715" creationId="{9CCF0D6A-3A12-D542-BC48-B9C95F39152F}"/>
-          </ac:spMkLst>
-        </pc:spChg>
-      </pc:sldChg>
-      <pc:sldChg chg="addSp delSp modSp add del mod">
-        <pc:chgData name="Khattab, Sherif" userId="c83b1e15-36f3-4f46-aceb-05aac24c545e" providerId="ADAL" clId="{8940C15E-5880-1645-A257-37DD5B587715}" dt="2021-02-09T15:39:25.850" v="315" actId="21"/>
-        <pc:sldMkLst>
-          <pc:docMk/>
-          <pc:sldMk cId="2736486443" sldId="379"/>
-        </pc:sldMkLst>
-        <pc:spChg chg="add del mod">
-          <ac:chgData name="Khattab, Sherif" userId="c83b1e15-36f3-4f46-aceb-05aac24c545e" providerId="ADAL" clId="{8940C15E-5880-1645-A257-37DD5B587715}" dt="2021-02-09T15:21:52.593" v="311"/>
-          <ac:spMkLst>
-            <pc:docMk/>
-            <pc:sldMk cId="2736486443" sldId="379"/>
-            <ac:spMk id="9" creationId="{7B926B20-3E21-C34E-8854-2B833C27E6C7}"/>
-          </ac:spMkLst>
-        </pc:spChg>
-        <pc:spChg chg="del">
-          <ac:chgData name="Khattab, Sherif" userId="c83b1e15-36f3-4f46-aceb-05aac24c545e" providerId="ADAL" clId="{8940C15E-5880-1645-A257-37DD5B587715}" dt="2021-02-09T15:17:10.908" v="297" actId="478"/>
-          <ac:spMkLst>
-            <pc:docMk/>
-            <pc:sldMk cId="2736486443" sldId="379"/>
-            <ac:spMk id="116738" creationId="{6C4CC1B2-2DDB-D94B-A612-25EB382E3F0D}"/>
-          </ac:spMkLst>
-        </pc:spChg>
-        <pc:spChg chg="del">
-          <ac:chgData name="Khattab, Sherif" userId="c83b1e15-36f3-4f46-aceb-05aac24c545e" providerId="ADAL" clId="{8940C15E-5880-1645-A257-37DD5B587715}" dt="2021-02-09T15:14:34.742" v="287" actId="478"/>
-          <ac:spMkLst>
-            <pc:docMk/>
-            <pc:sldMk cId="2736486443" sldId="379"/>
-            <ac:spMk id="116739" creationId="{388B7241-F07D-6540-A9FB-147E265C85E1}"/>
-          </ac:spMkLst>
-        </pc:spChg>
-        <pc:spChg chg="del">
-          <ac:chgData name="Khattab, Sherif" userId="c83b1e15-36f3-4f46-aceb-05aac24c545e" providerId="ADAL" clId="{8940C15E-5880-1645-A257-37DD5B587715}" dt="2021-02-09T15:21:50.860" v="309" actId="478"/>
-          <ac:spMkLst>
-            <pc:docMk/>
-            <pc:sldMk cId="2736486443" sldId="379"/>
-            <ac:spMk id="116740" creationId="{6A9576E6-97AF-1D49-9BC1-2C943B37C766}"/>
-          </ac:spMkLst>
-        </pc:spChg>
-        <pc:picChg chg="add del mod">
-          <ac:chgData name="Khattab, Sherif" userId="c83b1e15-36f3-4f46-aceb-05aac24c545e" providerId="ADAL" clId="{8940C15E-5880-1645-A257-37DD5B587715}" dt="2021-02-09T15:17:22.636" v="300" actId="478"/>
-          <ac:picMkLst>
-            <pc:docMk/>
-            <pc:sldMk cId="2736486443" sldId="379"/>
-            <ac:picMk id="2" creationId="{4990F0DC-223E-BE4F-97B1-FA5934DB7435}"/>
-          </ac:picMkLst>
-        </pc:picChg>
-        <pc:picChg chg="add del mod">
-          <ac:chgData name="Khattab, Sherif" userId="c83b1e15-36f3-4f46-aceb-05aac24c545e" providerId="ADAL" clId="{8940C15E-5880-1645-A257-37DD5B587715}" dt="2021-02-09T15:19:08.670" v="301" actId="478"/>
-          <ac:picMkLst>
-            <pc:docMk/>
-            <pc:sldMk cId="2736486443" sldId="379"/>
-            <ac:picMk id="3" creationId="{96BC8F2A-C8D2-DD44-B455-A4E9A20BA2FA}"/>
-          </ac:picMkLst>
-        </pc:picChg>
-        <pc:picChg chg="add mod">
-          <ac:chgData name="Khattab, Sherif" userId="c83b1e15-36f3-4f46-aceb-05aac24c545e" providerId="ADAL" clId="{8940C15E-5880-1645-A257-37DD5B587715}" dt="2021-02-09T15:19:12.461" v="303" actId="1076"/>
-          <ac:picMkLst>
-            <pc:docMk/>
-            <pc:sldMk cId="2736486443" sldId="379"/>
-            <ac:picMk id="4" creationId="{77910E5A-1921-F146-82EA-0FE11E122851}"/>
-          </ac:picMkLst>
-        </pc:picChg>
-        <pc:picChg chg="add del mod">
-          <ac:chgData name="Khattab, Sherif" userId="c83b1e15-36f3-4f46-aceb-05aac24c545e" providerId="ADAL" clId="{8940C15E-5880-1645-A257-37DD5B587715}" dt="2021-02-09T15:20:25.251" v="306" actId="478"/>
-          <ac:picMkLst>
-            <pc:docMk/>
-            <pc:sldMk cId="2736486443" sldId="379"/>
-            <ac:picMk id="5" creationId="{31888E85-2B03-1948-962A-1412E1A778F5}"/>
-          </ac:picMkLst>
-        </pc:picChg>
-        <pc:picChg chg="add mod">
-          <ac:chgData name="Khattab, Sherif" userId="c83b1e15-36f3-4f46-aceb-05aac24c545e" providerId="ADAL" clId="{8940C15E-5880-1645-A257-37DD5B587715}" dt="2021-02-09T15:20:33.109" v="308" actId="1076"/>
-          <ac:picMkLst>
-            <pc:docMk/>
-            <pc:sldMk cId="2736486443" sldId="379"/>
-            <ac:picMk id="6" creationId="{B855D752-950F-EC42-BA0B-168F4D95AF10}"/>
-          </ac:picMkLst>
-        </pc:picChg>
-        <pc:picChg chg="add mod">
-          <ac:chgData name="Khattab, Sherif" userId="c83b1e15-36f3-4f46-aceb-05aac24c545e" providerId="ADAL" clId="{8940C15E-5880-1645-A257-37DD5B587715}" dt="2021-02-09T15:22:01.491" v="313" actId="1076"/>
-          <ac:picMkLst>
-            <pc:docMk/>
-            <pc:sldMk cId="2736486443" sldId="379"/>
-            <ac:picMk id="10" creationId="{43F79090-4942-0947-BB02-9E09A5BC2C6F}"/>
-          </ac:picMkLst>
-        </pc:picChg>
-        <pc:picChg chg="add del">
-          <ac:chgData name="Khattab, Sherif" userId="c83b1e15-36f3-4f46-aceb-05aac24c545e" providerId="ADAL" clId="{8940C15E-5880-1645-A257-37DD5B587715}" dt="2021-02-09T15:39:25.850" v="315" actId="21"/>
-          <ac:picMkLst>
-            <pc:docMk/>
-            <pc:sldMk cId="2736486443" sldId="379"/>
-            <ac:picMk id="11" creationId="{F062DD8F-D89A-F448-AFC5-8CA88E532DC6}"/>
-          </ac:picMkLst>
-        </pc:picChg>
-      </pc:sldChg>
-      <pc:sldChg chg="add">
-        <pc:chgData name="Khattab, Sherif" userId="c83b1e15-36f3-4f46-aceb-05aac24c545e" providerId="ADAL" clId="{8940C15E-5880-1645-A257-37DD5B587715}" dt="2021-02-09T14:28:43.831" v="4"/>
-        <pc:sldMkLst>
-          <pc:docMk/>
-          <pc:sldMk cId="1615265174" sldId="380"/>
-        </pc:sldMkLst>
-      </pc:sldChg>
-      <pc:sldChg chg="add">
-        <pc:chgData name="Khattab, Sherif" userId="c83b1e15-36f3-4f46-aceb-05aac24c545e" providerId="ADAL" clId="{8940C15E-5880-1645-A257-37DD5B587715}" dt="2021-02-09T14:28:43.831" v="4"/>
-        <pc:sldMkLst>
-          <pc:docMk/>
-          <pc:sldMk cId="1337868689" sldId="381"/>
-        </pc:sldMkLst>
-      </pc:sldChg>
-      <pc:sldChg chg="add">
-        <pc:chgData name="Khattab, Sherif" userId="c83b1e15-36f3-4f46-aceb-05aac24c545e" providerId="ADAL" clId="{8940C15E-5880-1645-A257-37DD5B587715}" dt="2021-02-09T14:28:43.831" v="4"/>
-        <pc:sldMkLst>
-          <pc:docMk/>
-          <pc:sldMk cId="3851230975" sldId="382"/>
-        </pc:sldMkLst>
-      </pc:sldChg>
-      <pc:sldChg chg="add">
-        <pc:chgData name="Khattab, Sherif" userId="c83b1e15-36f3-4f46-aceb-05aac24c545e" providerId="ADAL" clId="{8940C15E-5880-1645-A257-37DD5B587715}" dt="2021-02-09T14:28:43.831" v="4"/>
-        <pc:sldMkLst>
-          <pc:docMk/>
-          <pc:sldMk cId="505724783" sldId="383"/>
-        </pc:sldMkLst>
-      </pc:sldChg>
-      <pc:sldChg chg="add">
-        <pc:chgData name="Khattab, Sherif" userId="c83b1e15-36f3-4f46-aceb-05aac24c545e" providerId="ADAL" clId="{8940C15E-5880-1645-A257-37DD5B587715}" dt="2021-02-09T14:28:43.831" v="4"/>
-        <pc:sldMkLst>
-          <pc:docMk/>
-          <pc:sldMk cId="1591837287" sldId="384"/>
-        </pc:sldMkLst>
-      </pc:sldChg>
-      <pc:sldChg chg="modSp add mod">
-        <pc:chgData name="Khattab, Sherif" userId="c83b1e15-36f3-4f46-aceb-05aac24c545e" providerId="ADAL" clId="{8940C15E-5880-1645-A257-37DD5B587715}" dt="2021-02-09T15:40:19.797" v="334" actId="20577"/>
-        <pc:sldMkLst>
-          <pc:docMk/>
-          <pc:sldMk cId="1898410716" sldId="385"/>
-        </pc:sldMkLst>
-        <pc:spChg chg="mod">
-          <ac:chgData name="Khattab, Sherif" userId="c83b1e15-36f3-4f46-aceb-05aac24c545e" providerId="ADAL" clId="{8940C15E-5880-1645-A257-37DD5B587715}" dt="2021-02-09T15:40:19.797" v="334" actId="20577"/>
-          <ac:spMkLst>
-            <pc:docMk/>
-            <pc:sldMk cId="1898410716" sldId="385"/>
-            <ac:spMk id="123908" creationId="{C668A016-F253-4840-9F6F-38C4323EE882}"/>
-          </ac:spMkLst>
-        </pc:spChg>
-      </pc:sldChg>
-      <pc:sldChg chg="modSp mod">
-        <pc:chgData name="Khattab, Sherif" userId="c83b1e15-36f3-4f46-aceb-05aac24c545e" providerId="ADAL" clId="{8940C15E-5880-1645-A257-37DD5B587715}" dt="2021-02-09T14:33:05.202" v="176" actId="20577"/>
-        <pc:sldMkLst>
-          <pc:docMk/>
-          <pc:sldMk cId="3903507516" sldId="498"/>
-        </pc:sldMkLst>
-        <pc:spChg chg="mod">
-          <ac:chgData name="Khattab, Sherif" userId="c83b1e15-36f3-4f46-aceb-05aac24c545e" providerId="ADAL" clId="{8940C15E-5880-1645-A257-37DD5B587715}" dt="2021-02-09T14:33:05.202" v="176" actId="20577"/>
-          <ac:spMkLst>
-            <pc:docMk/>
-            <pc:sldMk cId="3903507516" sldId="498"/>
-            <ac:spMk id="3" creationId="{2466C52D-9A48-4683-BE7F-268D8DB7FAAD}"/>
-          </ac:spMkLst>
-        </pc:spChg>
-      </pc:sldChg>
-      <pc:sldChg chg="modSp mod modAnim">
-        <pc:chgData name="Khattab, Sherif" userId="c83b1e15-36f3-4f46-aceb-05aac24c545e" providerId="ADAL" clId="{8940C15E-5880-1645-A257-37DD5B587715}" dt="2021-02-09T15:55:09.282" v="594" actId="20577"/>
-        <pc:sldMkLst>
-          <pc:docMk/>
-          <pc:sldMk cId="4202616107" sldId="500"/>
-        </pc:sldMkLst>
-        <pc:spChg chg="mod">
-          <ac:chgData name="Khattab, Sherif" userId="c83b1e15-36f3-4f46-aceb-05aac24c545e" providerId="ADAL" clId="{8940C15E-5880-1645-A257-37DD5B587715}" dt="2021-02-09T15:55:09.282" v="594" actId="20577"/>
-          <ac:spMkLst>
-            <pc:docMk/>
-            <pc:sldMk cId="4202616107" sldId="500"/>
-            <ac:spMk id="2" creationId="{6BF01C35-B7E9-AD43-99C8-95170559C8A0}"/>
-          </ac:spMkLst>
-        </pc:spChg>
-        <pc:spChg chg="mod">
-          <ac:chgData name="Khattab, Sherif" userId="c83b1e15-36f3-4f46-aceb-05aac24c545e" providerId="ADAL" clId="{8940C15E-5880-1645-A257-37DD5B587715}" dt="2021-02-09T15:54:32.794" v="549" actId="6549"/>
-          <ac:spMkLst>
-            <pc:docMk/>
-            <pc:sldMk cId="4202616107" sldId="500"/>
-            <ac:spMk id="3" creationId="{443F42C8-5750-0341-86AA-B64ED9D37EB6}"/>
-          </ac:spMkLst>
-        </pc:spChg>
-      </pc:sldChg>
-      <pc:sldChg chg="modSp">
-        <pc:chgData name="Khattab, Sherif" userId="c83b1e15-36f3-4f46-aceb-05aac24c545e" providerId="ADAL" clId="{8940C15E-5880-1645-A257-37DD5B587715}" dt="2021-02-09T14:35:39.113" v="178"/>
-        <pc:sldMkLst>
-          <pc:docMk/>
-          <pc:sldMk cId="2116864396" sldId="505"/>
-        </pc:sldMkLst>
-        <pc:spChg chg="mod">
-          <ac:chgData name="Khattab, Sherif" userId="c83b1e15-36f3-4f46-aceb-05aac24c545e" providerId="ADAL" clId="{8940C15E-5880-1645-A257-37DD5B587715}" dt="2021-02-09T14:35:39.113" v="178"/>
-          <ac:spMkLst>
-            <pc:docMk/>
-            <pc:sldMk cId="2116864396" sldId="505"/>
-            <ac:spMk id="3" creationId="{9FDE3B14-90B9-4B5A-83C7-6E633E32EA28}"/>
-          </ac:spMkLst>
-        </pc:spChg>
-      </pc:sldChg>
-      <pc:sldChg chg="modSp mod">
-        <pc:chgData name="Khattab, Sherif" userId="c83b1e15-36f3-4f46-aceb-05aac24c545e" providerId="ADAL" clId="{8940C15E-5880-1645-A257-37DD5B587715}" dt="2021-02-09T14:36:00.200" v="234" actId="20577"/>
-        <pc:sldMkLst>
-          <pc:docMk/>
-          <pc:sldMk cId="3652489610" sldId="506"/>
-        </pc:sldMkLst>
-        <pc:spChg chg="mod">
-          <ac:chgData name="Khattab, Sherif" userId="c83b1e15-36f3-4f46-aceb-05aac24c545e" providerId="ADAL" clId="{8940C15E-5880-1645-A257-37DD5B587715}" dt="2021-02-09T14:36:00.200" v="234" actId="20577"/>
-          <ac:spMkLst>
-            <pc:docMk/>
-            <pc:sldMk cId="3652489610" sldId="506"/>
-            <ac:spMk id="3" creationId="{9FDE3B14-90B9-4B5A-83C7-6E633E32EA28}"/>
-          </ac:spMkLst>
-        </pc:spChg>
-      </pc:sldChg>
-      <pc:sldChg chg="add del">
-        <pc:chgData name="Khattab, Sherif" userId="c83b1e15-36f3-4f46-aceb-05aac24c545e" providerId="ADAL" clId="{8940C15E-5880-1645-A257-37DD5B587715}" dt="2021-02-09T14:28:14" v="3" actId="2696"/>
-        <pc:sldMkLst>
-          <pc:docMk/>
-          <pc:sldMk cId="4218373473" sldId="507"/>
-        </pc:sldMkLst>
-      </pc:sldChg>
-      <pc:sldChg chg="add del">
-        <pc:chgData name="Khattab, Sherif" userId="c83b1e15-36f3-4f46-aceb-05aac24c545e" providerId="ADAL" clId="{8940C15E-5880-1645-A257-37DD5B587715}" dt="2021-02-09T14:28:14" v="3" actId="2696"/>
-        <pc:sldMkLst>
-          <pc:docMk/>
-          <pc:sldMk cId="2005153346" sldId="508"/>
-        </pc:sldMkLst>
-      </pc:sldChg>
-      <pc:sldChg chg="add del">
-        <pc:chgData name="Khattab, Sherif" userId="c83b1e15-36f3-4f46-aceb-05aac24c545e" providerId="ADAL" clId="{8940C15E-5880-1645-A257-37DD5B587715}" dt="2021-02-09T14:28:14" v="3" actId="2696"/>
-        <pc:sldMkLst>
-          <pc:docMk/>
-          <pc:sldMk cId="707882026" sldId="509"/>
-        </pc:sldMkLst>
-      </pc:sldChg>
-      <pc:sldChg chg="add del">
-        <pc:chgData name="Khattab, Sherif" userId="c83b1e15-36f3-4f46-aceb-05aac24c545e" providerId="ADAL" clId="{8940C15E-5880-1645-A257-37DD5B587715}" dt="2021-02-09T14:28:14" v="3" actId="2696"/>
-        <pc:sldMkLst>
-          <pc:docMk/>
-          <pc:sldMk cId="2108493189" sldId="510"/>
-        </pc:sldMkLst>
-      </pc:sldChg>
-      <pc:sldChg chg="add del">
-        <pc:chgData name="Khattab, Sherif" userId="c83b1e15-36f3-4f46-aceb-05aac24c545e" providerId="ADAL" clId="{8940C15E-5880-1645-A257-37DD5B587715}" dt="2021-02-09T14:28:14" v="3" actId="2696"/>
-        <pc:sldMkLst>
-          <pc:docMk/>
-          <pc:sldMk cId="2618280309" sldId="511"/>
-        </pc:sldMkLst>
-      </pc:sldChg>
-      <pc:sldChg chg="add del">
-        <pc:chgData name="Khattab, Sherif" userId="c83b1e15-36f3-4f46-aceb-05aac24c545e" providerId="ADAL" clId="{8940C15E-5880-1645-A257-37DD5B587715}" dt="2021-02-09T14:28:14" v="3" actId="2696"/>
-        <pc:sldMkLst>
-          <pc:docMk/>
-          <pc:sldMk cId="3748394407" sldId="512"/>
-        </pc:sldMkLst>
-      </pc:sldChg>
-      <pc:sldChg chg="add del">
-        <pc:chgData name="Khattab, Sherif" userId="c83b1e15-36f3-4f46-aceb-05aac24c545e" providerId="ADAL" clId="{8940C15E-5880-1645-A257-37DD5B587715}" dt="2021-02-09T14:28:14" v="3" actId="2696"/>
-        <pc:sldMkLst>
-          <pc:docMk/>
-          <pc:sldMk cId="1413167954" sldId="513"/>
-        </pc:sldMkLst>
-      </pc:sldChg>
-      <pc:sldChg chg="add">
-        <pc:chgData name="Khattab, Sherif" userId="c83b1e15-36f3-4f46-aceb-05aac24c545e" providerId="ADAL" clId="{8940C15E-5880-1645-A257-37DD5B587715}" dt="2021-02-09T14:28:52.172" v="6"/>
-        <pc:sldMkLst>
-          <pc:docMk/>
-          <pc:sldMk cId="1468641068" sldId="514"/>
-        </pc:sldMkLst>
-      </pc:sldChg>
-      <pc:sldChg chg="del">
-        <pc:chgData name="Khattab, Sherif" userId="c83b1e15-36f3-4f46-aceb-05aac24c545e" providerId="ADAL" clId="{8940C15E-5880-1645-A257-37DD5B587715}" dt="2021-02-09T14:28:46.880" v="5" actId="2696"/>
-        <pc:sldMkLst>
-          <pc:docMk/>
-          <pc:sldMk cId="1560097293" sldId="514"/>
-        </pc:sldMkLst>
-      </pc:sldChg>
-      <pc:sldChg chg="addSp modSp new mod">
-        <pc:chgData name="Khattab, Sherif" userId="c83b1e15-36f3-4f46-aceb-05aac24c545e" providerId="ADAL" clId="{8940C15E-5880-1645-A257-37DD5B587715}" dt="2021-02-09T15:39:39.611" v="332" actId="20577"/>
-        <pc:sldMkLst>
-          <pc:docMk/>
-          <pc:sldMk cId="2793897325" sldId="515"/>
-        </pc:sldMkLst>
-        <pc:spChg chg="mod">
-          <ac:chgData name="Khattab, Sherif" userId="c83b1e15-36f3-4f46-aceb-05aac24c545e" providerId="ADAL" clId="{8940C15E-5880-1645-A257-37DD5B587715}" dt="2021-02-09T15:39:39.611" v="332" actId="20577"/>
-          <ac:spMkLst>
-            <pc:docMk/>
-            <pc:sldMk cId="2793897325" sldId="515"/>
-            <ac:spMk id="2" creationId="{455263C7-A3DF-8E4A-88D3-1D297A353CA7}"/>
-          </ac:spMkLst>
-        </pc:spChg>
-        <pc:picChg chg="add mod">
-          <ac:chgData name="Khattab, Sherif" userId="c83b1e15-36f3-4f46-aceb-05aac24c545e" providerId="ADAL" clId="{8940C15E-5880-1645-A257-37DD5B587715}" dt="2021-02-09T15:39:29.594" v="317"/>
-          <ac:picMkLst>
-            <pc:docMk/>
-            <pc:sldMk cId="2793897325" sldId="515"/>
-            <ac:picMk id="6" creationId="{863D34F3-D006-094E-92E3-E25E1BB74073}"/>
-          </ac:picMkLst>
-        </pc:picChg>
-      </pc:sldChg>
-      <pc:sldChg chg="modSp new mod">
-        <pc:chgData name="Khattab, Sherif" userId="c83b1e15-36f3-4f46-aceb-05aac24c545e" providerId="ADAL" clId="{8940C15E-5880-1645-A257-37DD5B587715}" dt="2021-02-09T15:55:14.754" v="597" actId="20577"/>
-        <pc:sldMkLst>
-          <pc:docMk/>
-          <pc:sldMk cId="2487721040" sldId="516"/>
-        </pc:sldMkLst>
-        <pc:spChg chg="mod">
-          <ac:chgData name="Khattab, Sherif" userId="c83b1e15-36f3-4f46-aceb-05aac24c545e" providerId="ADAL" clId="{8940C15E-5880-1645-A257-37DD5B587715}" dt="2021-02-09T15:55:14.754" v="597" actId="20577"/>
-          <ac:spMkLst>
-            <pc:docMk/>
-            <pc:sldMk cId="2487721040" sldId="516"/>
-            <ac:spMk id="2" creationId="{8F0D0240-9749-9A4C-AFD0-B00F3A6D8FB6}"/>
-          </ac:spMkLst>
-        </pc:spChg>
-        <pc:spChg chg="mod">
-          <ac:chgData name="Khattab, Sherif" userId="c83b1e15-36f3-4f46-aceb-05aac24c545e" providerId="ADAL" clId="{8940C15E-5880-1645-A257-37DD5B587715}" dt="2021-02-09T15:54:46.203" v="557" actId="27636"/>
-          <ac:spMkLst>
-            <pc:docMk/>
-            <pc:sldMk cId="2487721040" sldId="516"/>
-            <ac:spMk id="3" creationId="{CBB5D1A1-A1C5-4D4A-9051-CB104F0E3B4F}"/>
-          </ac:spMkLst>
-        </pc:spChg>
-      </pc:sldChg>
-      <pc:sldChg chg="modSp new mod">
-        <pc:chgData name="Khattab, Sherif" userId="c83b1e15-36f3-4f46-aceb-05aac24c545e" providerId="ADAL" clId="{8940C15E-5880-1645-A257-37DD5B587715}" dt="2021-02-09T15:55:01.222" v="592" actId="20577"/>
-        <pc:sldMkLst>
-          <pc:docMk/>
-          <pc:sldMk cId="3114182525" sldId="517"/>
-        </pc:sldMkLst>
-        <pc:spChg chg="mod">
-          <ac:chgData name="Khattab, Sherif" userId="c83b1e15-36f3-4f46-aceb-05aac24c545e" providerId="ADAL" clId="{8940C15E-5880-1645-A257-37DD5B587715}" dt="2021-02-09T15:54:58.493" v="589" actId="20577"/>
-          <ac:spMkLst>
-            <pc:docMk/>
-            <pc:sldMk cId="3114182525" sldId="517"/>
-            <ac:spMk id="2" creationId="{919C70E9-8DDA-5A44-B755-777D2DE8DA9E}"/>
-          </ac:spMkLst>
-        </pc:spChg>
-        <pc:spChg chg="mod">
-          <ac:chgData name="Khattab, Sherif" userId="c83b1e15-36f3-4f46-aceb-05aac24c545e" providerId="ADAL" clId="{8940C15E-5880-1645-A257-37DD5B587715}" dt="2021-02-09T15:55:01.222" v="592" actId="20577"/>
-          <ac:spMkLst>
-            <pc:docMk/>
-            <pc:sldMk cId="3114182525" sldId="517"/>
-            <ac:spMk id="3" creationId="{27042AA4-C4FA-CA41-9597-12A83EBA22E3}"/>
-          </ac:spMkLst>
-        </pc:spChg>
-      </pc:sldChg>
-      <pc:sldChg chg="add del">
-        <pc:chgData name="Khattab, Sherif" userId="c83b1e15-36f3-4f46-aceb-05aac24c545e" providerId="ADAL" clId="{8940C15E-5880-1645-A257-37DD5B587715}" dt="2021-02-09T14:28:14" v="3" actId="2696"/>
-        <pc:sldMkLst>
-          <pc:docMk/>
-          <pc:sldMk cId="3718964789" sldId="517"/>
-        </pc:sldMkLst>
-      </pc:sldChg>
-      <pc:sldChg chg="del">
-        <pc:chgData name="Khattab, Sherif" userId="c83b1e15-36f3-4f46-aceb-05aac24c545e" providerId="ADAL" clId="{8940C15E-5880-1645-A257-37DD5B587715}" dt="2021-02-09T14:27:57.549" v="0" actId="2696"/>
-        <pc:sldMkLst>
-          <pc:docMk/>
-          <pc:sldMk cId="2915741044" sldId="518"/>
-        </pc:sldMkLst>
-      </pc:sldChg>
-    </pc:docChg>
-  </pc:docChgLst>
-  <pc:docChgLst>
-    <pc:chgData name="Khattab, Sherif" userId="c83b1e15-36f3-4f46-aceb-05aac24c545e" providerId="ADAL" clId="{79D9A848-63DC-C04B-A37B-45CD4B398B25}"/>
-    <pc:docChg chg="sldOrd">
-      <pc:chgData name="Khattab, Sherif" userId="c83b1e15-36f3-4f46-aceb-05aac24c545e" providerId="ADAL" clId="{79D9A848-63DC-C04B-A37B-45CD4B398B25}" dt="2020-10-07T03:45:55.390" v="0" actId="20578"/>
-      <pc:docMkLst>
-        <pc:docMk/>
-      </pc:docMkLst>
-      <pc:sldChg chg="ord">
-        <pc:chgData name="Khattab, Sherif" userId="c83b1e15-36f3-4f46-aceb-05aac24c545e" providerId="ADAL" clId="{79D9A848-63DC-C04B-A37B-45CD4B398B25}" dt="2020-10-07T03:45:55.390" v="0" actId="20578"/>
-        <pc:sldMkLst>
-          <pc:docMk/>
-          <pc:sldMk cId="434376579" sldId="363"/>
-        </pc:sldMkLst>
       </pc:sldChg>
     </pc:docChg>
   </pc:docChgLst>
@@ -4077,6 +975,788 @@
             <ac:inkMk id="12" creationId="{E1932DB5-784A-4906-83D3-E180C843B181}"/>
           </ac:inkMkLst>
         </pc:inkChg>
+      </pc:sldChg>
+    </pc:docChg>
+  </pc:docChgLst>
+  <pc:docChgLst>
+    <pc:chgData name="Khattab, Sherif" userId="c83b1e15-36f3-4f46-aceb-05aac24c545e" providerId="ADAL" clId="{EE78B4C3-BA47-2B47-8B84-4022815E3587}"/>
+    <pc:docChg chg="addSld delSld modSld">
+      <pc:chgData name="Khattab, Sherif" userId="c83b1e15-36f3-4f46-aceb-05aac24c545e" providerId="ADAL" clId="{EE78B4C3-BA47-2B47-8B84-4022815E3587}" dt="2019-05-14T13:34:18.851" v="46"/>
+      <pc:docMkLst>
+        <pc:docMk/>
+      </pc:docMkLst>
+      <pc:sldChg chg="modSp">
+        <pc:chgData name="Khattab, Sherif" userId="c83b1e15-36f3-4f46-aceb-05aac24c545e" providerId="ADAL" clId="{EE78B4C3-BA47-2B47-8B84-4022815E3587}" dt="2019-05-14T13:28:04.131" v="18" actId="20577"/>
+        <pc:sldMkLst>
+          <pc:docMk/>
+          <pc:sldMk cId="0" sldId="256"/>
+        </pc:sldMkLst>
+        <pc:spChg chg="mod">
+          <ac:chgData name="Khattab, Sherif" userId="c83b1e15-36f3-4f46-aceb-05aac24c545e" providerId="ADAL" clId="{EE78B4C3-BA47-2B47-8B84-4022815E3587}" dt="2019-05-14T13:28:04.131" v="18" actId="20577"/>
+          <ac:spMkLst>
+            <pc:docMk/>
+            <pc:sldMk cId="0" sldId="256"/>
+            <ac:spMk id="2" creationId="{00000000-0000-0000-0000-000000000000}"/>
+          </ac:spMkLst>
+        </pc:spChg>
+      </pc:sldChg>
+      <pc:sldChg chg="delSp">
+        <pc:chgData name="Khattab, Sherif" userId="c83b1e15-36f3-4f46-aceb-05aac24c545e" providerId="ADAL" clId="{EE78B4C3-BA47-2B47-8B84-4022815E3587}" dt="2019-05-14T13:30:07.468" v="20"/>
+        <pc:sldMkLst>
+          <pc:docMk/>
+          <pc:sldMk cId="1004035158" sldId="259"/>
+        </pc:sldMkLst>
+        <pc:spChg chg="del">
+          <ac:chgData name="Khattab, Sherif" userId="c83b1e15-36f3-4f46-aceb-05aac24c545e" providerId="ADAL" clId="{EE78B4C3-BA47-2B47-8B84-4022815E3587}" dt="2019-05-14T13:30:07.468" v="20"/>
+          <ac:spMkLst>
+            <pc:docMk/>
+            <pc:sldMk cId="1004035158" sldId="259"/>
+            <ac:spMk id="2" creationId="{00000000-0000-0000-0000-000000000000}"/>
+          </ac:spMkLst>
+        </pc:spChg>
+      </pc:sldChg>
+      <pc:sldChg chg="delSp">
+        <pc:chgData name="Khattab, Sherif" userId="c83b1e15-36f3-4f46-aceb-05aac24c545e" providerId="ADAL" clId="{EE78B4C3-BA47-2B47-8B84-4022815E3587}" dt="2019-05-14T13:30:07.468" v="20"/>
+        <pc:sldMkLst>
+          <pc:docMk/>
+          <pc:sldMk cId="1444142485" sldId="261"/>
+        </pc:sldMkLst>
+        <pc:spChg chg="del">
+          <ac:chgData name="Khattab, Sherif" userId="c83b1e15-36f3-4f46-aceb-05aac24c545e" providerId="ADAL" clId="{EE78B4C3-BA47-2B47-8B84-4022815E3587}" dt="2019-05-14T13:30:07.468" v="20"/>
+          <ac:spMkLst>
+            <pc:docMk/>
+            <pc:sldMk cId="1444142485" sldId="261"/>
+            <ac:spMk id="3" creationId="{00000000-0000-0000-0000-000000000000}"/>
+          </ac:spMkLst>
+        </pc:spChg>
+      </pc:sldChg>
+      <pc:sldChg chg="delSp">
+        <pc:chgData name="Khattab, Sherif" userId="c83b1e15-36f3-4f46-aceb-05aac24c545e" providerId="ADAL" clId="{EE78B4C3-BA47-2B47-8B84-4022815E3587}" dt="2019-05-14T13:30:07.468" v="20"/>
+        <pc:sldMkLst>
+          <pc:docMk/>
+          <pc:sldMk cId="516417489" sldId="262"/>
+        </pc:sldMkLst>
+        <pc:spChg chg="del">
+          <ac:chgData name="Khattab, Sherif" userId="c83b1e15-36f3-4f46-aceb-05aac24c545e" providerId="ADAL" clId="{EE78B4C3-BA47-2B47-8B84-4022815E3587}" dt="2019-05-14T13:30:07.468" v="20"/>
+          <ac:spMkLst>
+            <pc:docMk/>
+            <pc:sldMk cId="516417489" sldId="262"/>
+            <ac:spMk id="2" creationId="{00000000-0000-0000-0000-000000000000}"/>
+          </ac:spMkLst>
+        </pc:spChg>
+      </pc:sldChg>
+      <pc:sldChg chg="delSp">
+        <pc:chgData name="Khattab, Sherif" userId="c83b1e15-36f3-4f46-aceb-05aac24c545e" providerId="ADAL" clId="{EE78B4C3-BA47-2B47-8B84-4022815E3587}" dt="2019-05-14T13:30:07.468" v="20"/>
+        <pc:sldMkLst>
+          <pc:docMk/>
+          <pc:sldMk cId="561583903" sldId="263"/>
+        </pc:sldMkLst>
+        <pc:spChg chg="del">
+          <ac:chgData name="Khattab, Sherif" userId="c83b1e15-36f3-4f46-aceb-05aac24c545e" providerId="ADAL" clId="{EE78B4C3-BA47-2B47-8B84-4022815E3587}" dt="2019-05-14T13:30:07.468" v="20"/>
+          <ac:spMkLst>
+            <pc:docMk/>
+            <pc:sldMk cId="561583903" sldId="263"/>
+            <ac:spMk id="3" creationId="{00000000-0000-0000-0000-000000000000}"/>
+          </ac:spMkLst>
+        </pc:spChg>
+      </pc:sldChg>
+      <pc:sldChg chg="delSp">
+        <pc:chgData name="Khattab, Sherif" userId="c83b1e15-36f3-4f46-aceb-05aac24c545e" providerId="ADAL" clId="{EE78B4C3-BA47-2B47-8B84-4022815E3587}" dt="2019-05-14T13:30:07.468" v="20"/>
+        <pc:sldMkLst>
+          <pc:docMk/>
+          <pc:sldMk cId="982315759" sldId="264"/>
+        </pc:sldMkLst>
+        <pc:spChg chg="del">
+          <ac:chgData name="Khattab, Sherif" userId="c83b1e15-36f3-4f46-aceb-05aac24c545e" providerId="ADAL" clId="{EE78B4C3-BA47-2B47-8B84-4022815E3587}" dt="2019-05-14T13:30:07.468" v="20"/>
+          <ac:spMkLst>
+            <pc:docMk/>
+            <pc:sldMk cId="982315759" sldId="264"/>
+            <ac:spMk id="2" creationId="{00000000-0000-0000-0000-000000000000}"/>
+          </ac:spMkLst>
+        </pc:spChg>
+      </pc:sldChg>
+      <pc:sldChg chg="delSp modSp">
+        <pc:chgData name="Khattab, Sherif" userId="c83b1e15-36f3-4f46-aceb-05aac24c545e" providerId="ADAL" clId="{EE78B4C3-BA47-2B47-8B84-4022815E3587}" dt="2019-05-14T13:30:35.317" v="37" actId="20577"/>
+        <pc:sldMkLst>
+          <pc:docMk/>
+          <pc:sldMk cId="423130617" sldId="265"/>
+        </pc:sldMkLst>
+        <pc:spChg chg="del">
+          <ac:chgData name="Khattab, Sherif" userId="c83b1e15-36f3-4f46-aceb-05aac24c545e" providerId="ADAL" clId="{EE78B4C3-BA47-2B47-8B84-4022815E3587}" dt="2019-05-14T13:30:07.468" v="20"/>
+          <ac:spMkLst>
+            <pc:docMk/>
+            <pc:sldMk cId="423130617" sldId="265"/>
+            <ac:spMk id="3" creationId="{00000000-0000-0000-0000-000000000000}"/>
+          </ac:spMkLst>
+        </pc:spChg>
+        <pc:spChg chg="mod">
+          <ac:chgData name="Khattab, Sherif" userId="c83b1e15-36f3-4f46-aceb-05aac24c545e" providerId="ADAL" clId="{EE78B4C3-BA47-2B47-8B84-4022815E3587}" dt="2019-05-14T13:30:35.317" v="37" actId="20577"/>
+          <ac:spMkLst>
+            <pc:docMk/>
+            <pc:sldMk cId="423130617" sldId="265"/>
+            <ac:spMk id="12290" creationId="{00000000-0000-0000-0000-000000000000}"/>
+          </ac:spMkLst>
+        </pc:spChg>
+      </pc:sldChg>
+      <pc:sldChg chg="delSp">
+        <pc:chgData name="Khattab, Sherif" userId="c83b1e15-36f3-4f46-aceb-05aac24c545e" providerId="ADAL" clId="{EE78B4C3-BA47-2B47-8B84-4022815E3587}" dt="2019-05-14T13:30:07.468" v="20"/>
+        <pc:sldMkLst>
+          <pc:docMk/>
+          <pc:sldMk cId="661211275" sldId="267"/>
+        </pc:sldMkLst>
+        <pc:spChg chg="del">
+          <ac:chgData name="Khattab, Sherif" userId="c83b1e15-36f3-4f46-aceb-05aac24c545e" providerId="ADAL" clId="{EE78B4C3-BA47-2B47-8B84-4022815E3587}" dt="2019-05-14T13:30:07.468" v="20"/>
+          <ac:spMkLst>
+            <pc:docMk/>
+            <pc:sldMk cId="661211275" sldId="267"/>
+            <ac:spMk id="2" creationId="{00000000-0000-0000-0000-000000000000}"/>
+          </ac:spMkLst>
+        </pc:spChg>
+      </pc:sldChg>
+      <pc:sldChg chg="delSp">
+        <pc:chgData name="Khattab, Sherif" userId="c83b1e15-36f3-4f46-aceb-05aac24c545e" providerId="ADAL" clId="{EE78B4C3-BA47-2B47-8B84-4022815E3587}" dt="2019-05-14T13:30:07.468" v="20"/>
+        <pc:sldMkLst>
+          <pc:docMk/>
+          <pc:sldMk cId="1897509347" sldId="268"/>
+        </pc:sldMkLst>
+        <pc:spChg chg="del">
+          <ac:chgData name="Khattab, Sherif" userId="c83b1e15-36f3-4f46-aceb-05aac24c545e" providerId="ADAL" clId="{EE78B4C3-BA47-2B47-8B84-4022815E3587}" dt="2019-05-14T13:30:07.468" v="20"/>
+          <ac:spMkLst>
+            <pc:docMk/>
+            <pc:sldMk cId="1897509347" sldId="268"/>
+            <ac:spMk id="2" creationId="{00000000-0000-0000-0000-000000000000}"/>
+          </ac:spMkLst>
+        </pc:spChg>
+      </pc:sldChg>
+      <pc:sldChg chg="delSp">
+        <pc:chgData name="Khattab, Sherif" userId="c83b1e15-36f3-4f46-aceb-05aac24c545e" providerId="ADAL" clId="{EE78B4C3-BA47-2B47-8B84-4022815E3587}" dt="2019-05-14T13:30:07.468" v="20"/>
+        <pc:sldMkLst>
+          <pc:docMk/>
+          <pc:sldMk cId="1042310649" sldId="269"/>
+        </pc:sldMkLst>
+        <pc:spChg chg="del">
+          <ac:chgData name="Khattab, Sherif" userId="c83b1e15-36f3-4f46-aceb-05aac24c545e" providerId="ADAL" clId="{EE78B4C3-BA47-2B47-8B84-4022815E3587}" dt="2019-05-14T13:30:07.468" v="20"/>
+          <ac:spMkLst>
+            <pc:docMk/>
+            <pc:sldMk cId="1042310649" sldId="269"/>
+            <ac:spMk id="3" creationId="{00000000-0000-0000-0000-000000000000}"/>
+          </ac:spMkLst>
+        </pc:spChg>
+      </pc:sldChg>
+      <pc:sldChg chg="delSp">
+        <pc:chgData name="Khattab, Sherif" userId="c83b1e15-36f3-4f46-aceb-05aac24c545e" providerId="ADAL" clId="{EE78B4C3-BA47-2B47-8B84-4022815E3587}" dt="2019-05-14T13:30:07.468" v="20"/>
+        <pc:sldMkLst>
+          <pc:docMk/>
+          <pc:sldMk cId="703361262" sldId="270"/>
+        </pc:sldMkLst>
+        <pc:spChg chg="del">
+          <ac:chgData name="Khattab, Sherif" userId="c83b1e15-36f3-4f46-aceb-05aac24c545e" providerId="ADAL" clId="{EE78B4C3-BA47-2B47-8B84-4022815E3587}" dt="2019-05-14T13:30:07.468" v="20"/>
+          <ac:spMkLst>
+            <pc:docMk/>
+            <pc:sldMk cId="703361262" sldId="270"/>
+            <ac:spMk id="3" creationId="{00000000-0000-0000-0000-000000000000}"/>
+          </ac:spMkLst>
+        </pc:spChg>
+      </pc:sldChg>
+      <pc:sldChg chg="delSp">
+        <pc:chgData name="Khattab, Sherif" userId="c83b1e15-36f3-4f46-aceb-05aac24c545e" providerId="ADAL" clId="{EE78B4C3-BA47-2B47-8B84-4022815E3587}" dt="2019-05-14T13:30:07.468" v="20"/>
+        <pc:sldMkLst>
+          <pc:docMk/>
+          <pc:sldMk cId="1436808390" sldId="271"/>
+        </pc:sldMkLst>
+        <pc:spChg chg="del">
+          <ac:chgData name="Khattab, Sherif" userId="c83b1e15-36f3-4f46-aceb-05aac24c545e" providerId="ADAL" clId="{EE78B4C3-BA47-2B47-8B84-4022815E3587}" dt="2019-05-14T13:30:07.468" v="20"/>
+          <ac:spMkLst>
+            <pc:docMk/>
+            <pc:sldMk cId="1436808390" sldId="271"/>
+            <ac:spMk id="2" creationId="{00000000-0000-0000-0000-000000000000}"/>
+          </ac:spMkLst>
+        </pc:spChg>
+      </pc:sldChg>
+      <pc:sldChg chg="delSp">
+        <pc:chgData name="Khattab, Sherif" userId="c83b1e15-36f3-4f46-aceb-05aac24c545e" providerId="ADAL" clId="{EE78B4C3-BA47-2B47-8B84-4022815E3587}" dt="2019-05-14T13:30:07.468" v="20"/>
+        <pc:sldMkLst>
+          <pc:docMk/>
+          <pc:sldMk cId="1301683851" sldId="272"/>
+        </pc:sldMkLst>
+        <pc:spChg chg="del">
+          <ac:chgData name="Khattab, Sherif" userId="c83b1e15-36f3-4f46-aceb-05aac24c545e" providerId="ADAL" clId="{EE78B4C3-BA47-2B47-8B84-4022815E3587}" dt="2019-05-14T13:30:07.468" v="20"/>
+          <ac:spMkLst>
+            <pc:docMk/>
+            <pc:sldMk cId="1301683851" sldId="272"/>
+            <ac:spMk id="3" creationId="{00000000-0000-0000-0000-000000000000}"/>
+          </ac:spMkLst>
+        </pc:spChg>
+      </pc:sldChg>
+      <pc:sldChg chg="delSp">
+        <pc:chgData name="Khattab, Sherif" userId="c83b1e15-36f3-4f46-aceb-05aac24c545e" providerId="ADAL" clId="{EE78B4C3-BA47-2B47-8B84-4022815E3587}" dt="2019-05-14T13:30:07.468" v="20"/>
+        <pc:sldMkLst>
+          <pc:docMk/>
+          <pc:sldMk cId="55302999" sldId="274"/>
+        </pc:sldMkLst>
+        <pc:spChg chg="del">
+          <ac:chgData name="Khattab, Sherif" userId="c83b1e15-36f3-4f46-aceb-05aac24c545e" providerId="ADAL" clId="{EE78B4C3-BA47-2B47-8B84-4022815E3587}" dt="2019-05-14T13:30:07.468" v="20"/>
+          <ac:spMkLst>
+            <pc:docMk/>
+            <pc:sldMk cId="55302999" sldId="274"/>
+            <ac:spMk id="2" creationId="{00000000-0000-0000-0000-000000000000}"/>
+          </ac:spMkLst>
+        </pc:spChg>
+      </pc:sldChg>
+      <pc:sldChg chg="delSp">
+        <pc:chgData name="Khattab, Sherif" userId="c83b1e15-36f3-4f46-aceb-05aac24c545e" providerId="ADAL" clId="{EE78B4C3-BA47-2B47-8B84-4022815E3587}" dt="2019-05-14T13:30:07.468" v="20"/>
+        <pc:sldMkLst>
+          <pc:docMk/>
+          <pc:sldMk cId="2064114192" sldId="276"/>
+        </pc:sldMkLst>
+        <pc:spChg chg="del">
+          <ac:chgData name="Khattab, Sherif" userId="c83b1e15-36f3-4f46-aceb-05aac24c545e" providerId="ADAL" clId="{EE78B4C3-BA47-2B47-8B84-4022815E3587}" dt="2019-05-14T13:30:07.468" v="20"/>
+          <ac:spMkLst>
+            <pc:docMk/>
+            <pc:sldMk cId="2064114192" sldId="276"/>
+            <ac:spMk id="2" creationId="{00000000-0000-0000-0000-000000000000}"/>
+          </ac:spMkLst>
+        </pc:spChg>
+      </pc:sldChg>
+      <pc:sldChg chg="delSp">
+        <pc:chgData name="Khattab, Sherif" userId="c83b1e15-36f3-4f46-aceb-05aac24c545e" providerId="ADAL" clId="{EE78B4C3-BA47-2B47-8B84-4022815E3587}" dt="2019-05-14T13:30:07.468" v="20"/>
+        <pc:sldMkLst>
+          <pc:docMk/>
+          <pc:sldMk cId="1000435174" sldId="278"/>
+        </pc:sldMkLst>
+        <pc:spChg chg="del">
+          <ac:chgData name="Khattab, Sherif" userId="c83b1e15-36f3-4f46-aceb-05aac24c545e" providerId="ADAL" clId="{EE78B4C3-BA47-2B47-8B84-4022815E3587}" dt="2019-05-14T13:30:07.468" v="20"/>
+          <ac:spMkLst>
+            <pc:docMk/>
+            <pc:sldMk cId="1000435174" sldId="278"/>
+            <ac:spMk id="2" creationId="{00000000-0000-0000-0000-000000000000}"/>
+          </ac:spMkLst>
+        </pc:spChg>
+      </pc:sldChg>
+      <pc:sldChg chg="delSp">
+        <pc:chgData name="Khattab, Sherif" userId="c83b1e15-36f3-4f46-aceb-05aac24c545e" providerId="ADAL" clId="{EE78B4C3-BA47-2B47-8B84-4022815E3587}" dt="2019-05-14T13:30:07.468" v="20"/>
+        <pc:sldMkLst>
+          <pc:docMk/>
+          <pc:sldMk cId="2080017563" sldId="279"/>
+        </pc:sldMkLst>
+        <pc:spChg chg="del">
+          <ac:chgData name="Khattab, Sherif" userId="c83b1e15-36f3-4f46-aceb-05aac24c545e" providerId="ADAL" clId="{EE78B4C3-BA47-2B47-8B84-4022815E3587}" dt="2019-05-14T13:30:07.468" v="20"/>
+          <ac:spMkLst>
+            <pc:docMk/>
+            <pc:sldMk cId="2080017563" sldId="279"/>
+            <ac:spMk id="3" creationId="{00000000-0000-0000-0000-000000000000}"/>
+          </ac:spMkLst>
+        </pc:spChg>
+      </pc:sldChg>
+      <pc:sldChg chg="delSp">
+        <pc:chgData name="Khattab, Sherif" userId="c83b1e15-36f3-4f46-aceb-05aac24c545e" providerId="ADAL" clId="{EE78B4C3-BA47-2B47-8B84-4022815E3587}" dt="2019-05-14T13:30:07.468" v="20"/>
+        <pc:sldMkLst>
+          <pc:docMk/>
+          <pc:sldMk cId="1445345591" sldId="281"/>
+        </pc:sldMkLst>
+        <pc:spChg chg="del">
+          <ac:chgData name="Khattab, Sherif" userId="c83b1e15-36f3-4f46-aceb-05aac24c545e" providerId="ADAL" clId="{EE78B4C3-BA47-2B47-8B84-4022815E3587}" dt="2019-05-14T13:30:07.468" v="20"/>
+          <ac:spMkLst>
+            <pc:docMk/>
+            <pc:sldMk cId="1445345591" sldId="281"/>
+            <ac:spMk id="2" creationId="{00000000-0000-0000-0000-000000000000}"/>
+          </ac:spMkLst>
+        </pc:spChg>
+      </pc:sldChg>
+      <pc:sldChg chg="delSp">
+        <pc:chgData name="Khattab, Sherif" userId="c83b1e15-36f3-4f46-aceb-05aac24c545e" providerId="ADAL" clId="{EE78B4C3-BA47-2B47-8B84-4022815E3587}" dt="2019-05-14T13:30:07.468" v="20"/>
+        <pc:sldMkLst>
+          <pc:docMk/>
+          <pc:sldMk cId="306268545" sldId="282"/>
+        </pc:sldMkLst>
+        <pc:spChg chg="del">
+          <ac:chgData name="Khattab, Sherif" userId="c83b1e15-36f3-4f46-aceb-05aac24c545e" providerId="ADAL" clId="{EE78B4C3-BA47-2B47-8B84-4022815E3587}" dt="2019-05-14T13:30:07.468" v="20"/>
+          <ac:spMkLst>
+            <pc:docMk/>
+            <pc:sldMk cId="306268545" sldId="282"/>
+            <ac:spMk id="2" creationId="{00000000-0000-0000-0000-000000000000}"/>
+          </ac:spMkLst>
+        </pc:spChg>
+      </pc:sldChg>
+      <pc:sldChg chg="delSp add">
+        <pc:chgData name="Khattab, Sherif" userId="c83b1e15-36f3-4f46-aceb-05aac24c545e" providerId="ADAL" clId="{EE78B4C3-BA47-2B47-8B84-4022815E3587}" dt="2019-05-14T13:34:18.851" v="46"/>
+        <pc:sldMkLst>
+          <pc:docMk/>
+          <pc:sldMk cId="2710637777" sldId="322"/>
+        </pc:sldMkLst>
+        <pc:spChg chg="del">
+          <ac:chgData name="Khattab, Sherif" userId="c83b1e15-36f3-4f46-aceb-05aac24c545e" providerId="ADAL" clId="{EE78B4C3-BA47-2B47-8B84-4022815E3587}" dt="2019-05-14T13:34:18.851" v="46"/>
+          <ac:spMkLst>
+            <pc:docMk/>
+            <pc:sldMk cId="2710637777" sldId="322"/>
+            <ac:spMk id="6" creationId="{0700C6EC-DCCB-614E-A0F4-3418D2D78AC7}"/>
+          </ac:spMkLst>
+        </pc:spChg>
+      </pc:sldChg>
+      <pc:sldChg chg="delSp add">
+        <pc:chgData name="Khattab, Sherif" userId="c83b1e15-36f3-4f46-aceb-05aac24c545e" providerId="ADAL" clId="{EE78B4C3-BA47-2B47-8B84-4022815E3587}" dt="2019-05-14T13:34:18.851" v="46"/>
+        <pc:sldMkLst>
+          <pc:docMk/>
+          <pc:sldMk cId="3292918179" sldId="324"/>
+        </pc:sldMkLst>
+        <pc:spChg chg="del">
+          <ac:chgData name="Khattab, Sherif" userId="c83b1e15-36f3-4f46-aceb-05aac24c545e" providerId="ADAL" clId="{EE78B4C3-BA47-2B47-8B84-4022815E3587}" dt="2019-05-14T13:34:18.851" v="46"/>
+          <ac:spMkLst>
+            <pc:docMk/>
+            <pc:sldMk cId="3292918179" sldId="324"/>
+            <ac:spMk id="26" creationId="{3729950E-4F02-6B44-A5A4-B6238ABBD35B}"/>
+          </ac:spMkLst>
+        </pc:spChg>
+      </pc:sldChg>
+      <pc:sldChg chg="delSp add">
+        <pc:chgData name="Khattab, Sherif" userId="c83b1e15-36f3-4f46-aceb-05aac24c545e" providerId="ADAL" clId="{EE78B4C3-BA47-2B47-8B84-4022815E3587}" dt="2019-05-14T13:34:18.851" v="46"/>
+        <pc:sldMkLst>
+          <pc:docMk/>
+          <pc:sldMk cId="355119911" sldId="338"/>
+        </pc:sldMkLst>
+        <pc:spChg chg="del">
+          <ac:chgData name="Khattab, Sherif" userId="c83b1e15-36f3-4f46-aceb-05aac24c545e" providerId="ADAL" clId="{EE78B4C3-BA47-2B47-8B84-4022815E3587}" dt="2019-05-14T13:34:18.851" v="46"/>
+          <ac:spMkLst>
+            <pc:docMk/>
+            <pc:sldMk cId="355119911" sldId="338"/>
+            <ac:spMk id="7" creationId="{AC4B9F18-B1E5-C341-B953-6D96BAA0EB6C}"/>
+          </ac:spMkLst>
+        </pc:spChg>
+      </pc:sldChg>
+      <pc:sldChg chg="delSp add">
+        <pc:chgData name="Khattab, Sherif" userId="c83b1e15-36f3-4f46-aceb-05aac24c545e" providerId="ADAL" clId="{EE78B4C3-BA47-2B47-8B84-4022815E3587}" dt="2019-05-14T13:34:18.851" v="46"/>
+        <pc:sldMkLst>
+          <pc:docMk/>
+          <pc:sldMk cId="4223572414" sldId="339"/>
+        </pc:sldMkLst>
+        <pc:spChg chg="del">
+          <ac:chgData name="Khattab, Sherif" userId="c83b1e15-36f3-4f46-aceb-05aac24c545e" providerId="ADAL" clId="{EE78B4C3-BA47-2B47-8B84-4022815E3587}" dt="2019-05-14T13:34:18.851" v="46"/>
+          <ac:spMkLst>
+            <pc:docMk/>
+            <pc:sldMk cId="4223572414" sldId="339"/>
+            <ac:spMk id="6" creationId="{48879884-318D-6C49-B6B8-463E617B85F1}"/>
+          </ac:spMkLst>
+        </pc:spChg>
+      </pc:sldChg>
+      <pc:sldChg chg="delSp add">
+        <pc:chgData name="Khattab, Sherif" userId="c83b1e15-36f3-4f46-aceb-05aac24c545e" providerId="ADAL" clId="{EE78B4C3-BA47-2B47-8B84-4022815E3587}" dt="2019-05-14T13:34:18.851" v="46"/>
+        <pc:sldMkLst>
+          <pc:docMk/>
+          <pc:sldMk cId="470668490" sldId="340"/>
+        </pc:sldMkLst>
+        <pc:spChg chg="del">
+          <ac:chgData name="Khattab, Sherif" userId="c83b1e15-36f3-4f46-aceb-05aac24c545e" providerId="ADAL" clId="{EE78B4C3-BA47-2B47-8B84-4022815E3587}" dt="2019-05-14T13:34:18.851" v="46"/>
+          <ac:spMkLst>
+            <pc:docMk/>
+            <pc:sldMk cId="470668490" sldId="340"/>
+            <ac:spMk id="6" creationId="{32D0E818-62B1-0A49-9CFC-1DC58F40FEBE}"/>
+          </ac:spMkLst>
+        </pc:spChg>
+      </pc:sldChg>
+      <pc:sldChg chg="delSp add">
+        <pc:chgData name="Khattab, Sherif" userId="c83b1e15-36f3-4f46-aceb-05aac24c545e" providerId="ADAL" clId="{EE78B4C3-BA47-2B47-8B84-4022815E3587}" dt="2019-05-14T13:34:18.851" v="46"/>
+        <pc:sldMkLst>
+          <pc:docMk/>
+          <pc:sldMk cId="1205868326" sldId="341"/>
+        </pc:sldMkLst>
+        <pc:spChg chg="del">
+          <ac:chgData name="Khattab, Sherif" userId="c83b1e15-36f3-4f46-aceb-05aac24c545e" providerId="ADAL" clId="{EE78B4C3-BA47-2B47-8B84-4022815E3587}" dt="2019-05-14T13:34:18.851" v="46"/>
+          <ac:spMkLst>
+            <pc:docMk/>
+            <pc:sldMk cId="1205868326" sldId="341"/>
+            <ac:spMk id="6" creationId="{918B0854-EAA5-9D49-9ED0-EA7684377156}"/>
+          </ac:spMkLst>
+        </pc:spChg>
+      </pc:sldChg>
+      <pc:sldChg chg="delSp add">
+        <pc:chgData name="Khattab, Sherif" userId="c83b1e15-36f3-4f46-aceb-05aac24c545e" providerId="ADAL" clId="{EE78B4C3-BA47-2B47-8B84-4022815E3587}" dt="2019-05-14T13:34:18.851" v="46"/>
+        <pc:sldMkLst>
+          <pc:docMk/>
+          <pc:sldMk cId="1806563943" sldId="342"/>
+        </pc:sldMkLst>
+        <pc:spChg chg="del">
+          <ac:chgData name="Khattab, Sherif" userId="c83b1e15-36f3-4f46-aceb-05aac24c545e" providerId="ADAL" clId="{EE78B4C3-BA47-2B47-8B84-4022815E3587}" dt="2019-05-14T13:34:18.851" v="46"/>
+          <ac:spMkLst>
+            <pc:docMk/>
+            <pc:sldMk cId="1806563943" sldId="342"/>
+            <ac:spMk id="9" creationId="{712AC7F1-3CB0-3140-8620-EAE2154DEBDF}"/>
+          </ac:spMkLst>
+        </pc:spChg>
+      </pc:sldChg>
+      <pc:sldChg chg="delSp add">
+        <pc:chgData name="Khattab, Sherif" userId="c83b1e15-36f3-4f46-aceb-05aac24c545e" providerId="ADAL" clId="{EE78B4C3-BA47-2B47-8B84-4022815E3587}" dt="2019-05-14T13:34:18.851" v="46"/>
+        <pc:sldMkLst>
+          <pc:docMk/>
+          <pc:sldMk cId="1167711490" sldId="343"/>
+        </pc:sldMkLst>
+        <pc:spChg chg="del">
+          <ac:chgData name="Khattab, Sherif" userId="c83b1e15-36f3-4f46-aceb-05aac24c545e" providerId="ADAL" clId="{EE78B4C3-BA47-2B47-8B84-4022815E3587}" dt="2019-05-14T13:34:18.851" v="46"/>
+          <ac:spMkLst>
+            <pc:docMk/>
+            <pc:sldMk cId="1167711490" sldId="343"/>
+            <ac:spMk id="9" creationId="{7277E941-6A46-A141-896C-8CF8D763337C}"/>
+          </ac:spMkLst>
+        </pc:spChg>
+      </pc:sldChg>
+      <pc:sldChg chg="delSp add">
+        <pc:chgData name="Khattab, Sherif" userId="c83b1e15-36f3-4f46-aceb-05aac24c545e" providerId="ADAL" clId="{EE78B4C3-BA47-2B47-8B84-4022815E3587}" dt="2019-05-14T13:34:18.851" v="46"/>
+        <pc:sldMkLst>
+          <pc:docMk/>
+          <pc:sldMk cId="1271999567" sldId="349"/>
+        </pc:sldMkLst>
+        <pc:spChg chg="del">
+          <ac:chgData name="Khattab, Sherif" userId="c83b1e15-36f3-4f46-aceb-05aac24c545e" providerId="ADAL" clId="{EE78B4C3-BA47-2B47-8B84-4022815E3587}" dt="2019-05-14T13:34:18.851" v="46"/>
+          <ac:spMkLst>
+            <pc:docMk/>
+            <pc:sldMk cId="1271999567" sldId="349"/>
+            <ac:spMk id="8" creationId="{7BD79B2E-E2F2-FE40-AF15-AA838FE67060}"/>
+          </ac:spMkLst>
+        </pc:spChg>
+      </pc:sldChg>
+      <pc:sldChg chg="delSp add">
+        <pc:chgData name="Khattab, Sherif" userId="c83b1e15-36f3-4f46-aceb-05aac24c545e" providerId="ADAL" clId="{EE78B4C3-BA47-2B47-8B84-4022815E3587}" dt="2019-05-14T13:34:18.851" v="46"/>
+        <pc:sldMkLst>
+          <pc:docMk/>
+          <pc:sldMk cId="434376579" sldId="363"/>
+        </pc:sldMkLst>
+        <pc:spChg chg="del">
+          <ac:chgData name="Khattab, Sherif" userId="c83b1e15-36f3-4f46-aceb-05aac24c545e" providerId="ADAL" clId="{EE78B4C3-BA47-2B47-8B84-4022815E3587}" dt="2019-05-14T13:34:18.851" v="46"/>
+          <ac:spMkLst>
+            <pc:docMk/>
+            <pc:sldMk cId="434376579" sldId="363"/>
+            <ac:spMk id="15" creationId="{1190D209-83D1-A548-8C7B-C35DE4396F91}"/>
+          </ac:spMkLst>
+        </pc:spChg>
+      </pc:sldChg>
+      <pc:sldChg chg="delSp add">
+        <pc:chgData name="Khattab, Sherif" userId="c83b1e15-36f3-4f46-aceb-05aac24c545e" providerId="ADAL" clId="{EE78B4C3-BA47-2B47-8B84-4022815E3587}" dt="2019-05-14T13:34:18.851" v="46"/>
+        <pc:sldMkLst>
+          <pc:docMk/>
+          <pc:sldMk cId="815621424" sldId="364"/>
+        </pc:sldMkLst>
+        <pc:spChg chg="del">
+          <ac:chgData name="Khattab, Sherif" userId="c83b1e15-36f3-4f46-aceb-05aac24c545e" providerId="ADAL" clId="{EE78B4C3-BA47-2B47-8B84-4022815E3587}" dt="2019-05-14T13:34:18.851" v="46"/>
+          <ac:spMkLst>
+            <pc:docMk/>
+            <pc:sldMk cId="815621424" sldId="364"/>
+            <ac:spMk id="29" creationId="{6D10D6C8-49C6-BE4E-9E3F-EEC76AE056AA}"/>
+          </ac:spMkLst>
+        </pc:spChg>
+      </pc:sldChg>
+      <pc:sldChg chg="delSp add">
+        <pc:chgData name="Khattab, Sherif" userId="c83b1e15-36f3-4f46-aceb-05aac24c545e" providerId="ADAL" clId="{EE78B4C3-BA47-2B47-8B84-4022815E3587}" dt="2019-05-14T13:34:18.851" v="46"/>
+        <pc:sldMkLst>
+          <pc:docMk/>
+          <pc:sldMk cId="1934104099" sldId="365"/>
+        </pc:sldMkLst>
+        <pc:spChg chg="del">
+          <ac:chgData name="Khattab, Sherif" userId="c83b1e15-36f3-4f46-aceb-05aac24c545e" providerId="ADAL" clId="{EE78B4C3-BA47-2B47-8B84-4022815E3587}" dt="2019-05-14T13:34:18.851" v="46"/>
+          <ac:spMkLst>
+            <pc:docMk/>
+            <pc:sldMk cId="1934104099" sldId="365"/>
+            <ac:spMk id="10" creationId="{87886125-1D5E-014B-A276-636801877DB6}"/>
+          </ac:spMkLst>
+        </pc:spChg>
+      </pc:sldChg>
+      <pc:sldChg chg="delSp add">
+        <pc:chgData name="Khattab, Sherif" userId="c83b1e15-36f3-4f46-aceb-05aac24c545e" providerId="ADAL" clId="{EE78B4C3-BA47-2B47-8B84-4022815E3587}" dt="2019-05-14T13:34:18.851" v="46"/>
+        <pc:sldMkLst>
+          <pc:docMk/>
+          <pc:sldMk cId="2782429159" sldId="366"/>
+        </pc:sldMkLst>
+        <pc:spChg chg="del">
+          <ac:chgData name="Khattab, Sherif" userId="c83b1e15-36f3-4f46-aceb-05aac24c545e" providerId="ADAL" clId="{EE78B4C3-BA47-2B47-8B84-4022815E3587}" dt="2019-05-14T13:34:18.851" v="46"/>
+          <ac:spMkLst>
+            <pc:docMk/>
+            <pc:sldMk cId="2782429159" sldId="366"/>
+            <ac:spMk id="6" creationId="{35E278D3-0A71-264A-B99D-056EBFA58F06}"/>
+          </ac:spMkLst>
+        </pc:spChg>
+      </pc:sldChg>
+      <pc:sldChg chg="delSp add">
+        <pc:chgData name="Khattab, Sherif" userId="c83b1e15-36f3-4f46-aceb-05aac24c545e" providerId="ADAL" clId="{EE78B4C3-BA47-2B47-8B84-4022815E3587}" dt="2019-05-14T13:34:18.851" v="46"/>
+        <pc:sldMkLst>
+          <pc:docMk/>
+          <pc:sldMk cId="2251973667" sldId="367"/>
+        </pc:sldMkLst>
+        <pc:spChg chg="del">
+          <ac:chgData name="Khattab, Sherif" userId="c83b1e15-36f3-4f46-aceb-05aac24c545e" providerId="ADAL" clId="{EE78B4C3-BA47-2B47-8B84-4022815E3587}" dt="2019-05-14T13:34:18.851" v="46"/>
+          <ac:spMkLst>
+            <pc:docMk/>
+            <pc:sldMk cId="2251973667" sldId="367"/>
+            <ac:spMk id="6" creationId="{156F37D5-7C3B-D446-B495-19F8366B5AD6}"/>
+          </ac:spMkLst>
+        </pc:spChg>
+      </pc:sldChg>
+      <pc:sldChg chg="delSp add">
+        <pc:chgData name="Khattab, Sherif" userId="c83b1e15-36f3-4f46-aceb-05aac24c545e" providerId="ADAL" clId="{EE78B4C3-BA47-2B47-8B84-4022815E3587}" dt="2019-05-14T13:34:18.851" v="46"/>
+        <pc:sldMkLst>
+          <pc:docMk/>
+          <pc:sldMk cId="3138501136" sldId="368"/>
+        </pc:sldMkLst>
+        <pc:spChg chg="del">
+          <ac:chgData name="Khattab, Sherif" userId="c83b1e15-36f3-4f46-aceb-05aac24c545e" providerId="ADAL" clId="{EE78B4C3-BA47-2B47-8B84-4022815E3587}" dt="2019-05-14T13:34:18.851" v="46"/>
+          <ac:spMkLst>
+            <pc:docMk/>
+            <pc:sldMk cId="3138501136" sldId="368"/>
+            <ac:spMk id="9" creationId="{2996EA4B-3DC2-9F42-B065-0840F656E48E}"/>
+          </ac:spMkLst>
+        </pc:spChg>
+      </pc:sldChg>
+      <pc:sldChg chg="delSp add">
+        <pc:chgData name="Khattab, Sherif" userId="c83b1e15-36f3-4f46-aceb-05aac24c545e" providerId="ADAL" clId="{EE78B4C3-BA47-2B47-8B84-4022815E3587}" dt="2019-05-14T13:34:18.851" v="46"/>
+        <pc:sldMkLst>
+          <pc:docMk/>
+          <pc:sldMk cId="3210992163" sldId="369"/>
+        </pc:sldMkLst>
+        <pc:spChg chg="del">
+          <ac:chgData name="Khattab, Sherif" userId="c83b1e15-36f3-4f46-aceb-05aac24c545e" providerId="ADAL" clId="{EE78B4C3-BA47-2B47-8B84-4022815E3587}" dt="2019-05-14T13:34:18.851" v="46"/>
+          <ac:spMkLst>
+            <pc:docMk/>
+            <pc:sldMk cId="3210992163" sldId="369"/>
+            <ac:spMk id="6" creationId="{B0B02CAE-6A9B-A441-9498-BF8F3DB626EB}"/>
+          </ac:spMkLst>
+        </pc:spChg>
+      </pc:sldChg>
+      <pc:sldChg chg="delSp add">
+        <pc:chgData name="Khattab, Sherif" userId="c83b1e15-36f3-4f46-aceb-05aac24c545e" providerId="ADAL" clId="{EE78B4C3-BA47-2B47-8B84-4022815E3587}" dt="2019-05-14T13:34:18.851" v="46"/>
+        <pc:sldMkLst>
+          <pc:docMk/>
+          <pc:sldMk cId="4013065491" sldId="370"/>
+        </pc:sldMkLst>
+        <pc:spChg chg="del">
+          <ac:chgData name="Khattab, Sherif" userId="c83b1e15-36f3-4f46-aceb-05aac24c545e" providerId="ADAL" clId="{EE78B4C3-BA47-2B47-8B84-4022815E3587}" dt="2019-05-14T13:34:18.851" v="46"/>
+          <ac:spMkLst>
+            <pc:docMk/>
+            <pc:sldMk cId="4013065491" sldId="370"/>
+            <ac:spMk id="8" creationId="{D0EF7B2F-C2A6-4E4A-BA48-98165068EB9D}"/>
+          </ac:spMkLst>
+        </pc:spChg>
+      </pc:sldChg>
+      <pc:sldChg chg="delSp add">
+        <pc:chgData name="Khattab, Sherif" userId="c83b1e15-36f3-4f46-aceb-05aac24c545e" providerId="ADAL" clId="{EE78B4C3-BA47-2B47-8B84-4022815E3587}" dt="2019-05-14T13:34:18.851" v="46"/>
+        <pc:sldMkLst>
+          <pc:docMk/>
+          <pc:sldMk cId="2592968416" sldId="371"/>
+        </pc:sldMkLst>
+        <pc:spChg chg="del">
+          <ac:chgData name="Khattab, Sherif" userId="c83b1e15-36f3-4f46-aceb-05aac24c545e" providerId="ADAL" clId="{EE78B4C3-BA47-2B47-8B84-4022815E3587}" dt="2019-05-14T13:34:18.851" v="46"/>
+          <ac:spMkLst>
+            <pc:docMk/>
+            <pc:sldMk cId="2592968416" sldId="371"/>
+            <ac:spMk id="8" creationId="{61F73BD1-10AC-B146-B4D6-4D1B879CEAE3}"/>
+          </ac:spMkLst>
+        </pc:spChg>
+      </pc:sldChg>
+      <pc:sldChg chg="delSp add">
+        <pc:chgData name="Khattab, Sherif" userId="c83b1e15-36f3-4f46-aceb-05aac24c545e" providerId="ADAL" clId="{EE78B4C3-BA47-2B47-8B84-4022815E3587}" dt="2019-05-14T13:34:18.851" v="46"/>
+        <pc:sldMkLst>
+          <pc:docMk/>
+          <pc:sldMk cId="3848335379" sldId="372"/>
+        </pc:sldMkLst>
+        <pc:spChg chg="del">
+          <ac:chgData name="Khattab, Sherif" userId="c83b1e15-36f3-4f46-aceb-05aac24c545e" providerId="ADAL" clId="{EE78B4C3-BA47-2B47-8B84-4022815E3587}" dt="2019-05-14T13:34:18.851" v="46"/>
+          <ac:spMkLst>
+            <pc:docMk/>
+            <pc:sldMk cId="3848335379" sldId="372"/>
+            <ac:spMk id="9" creationId="{A9CB262F-7565-A04A-9FDE-A27BCA955EC0}"/>
+          </ac:spMkLst>
+        </pc:spChg>
+      </pc:sldChg>
+      <pc:sldChg chg="delSp add">
+        <pc:chgData name="Khattab, Sherif" userId="c83b1e15-36f3-4f46-aceb-05aac24c545e" providerId="ADAL" clId="{EE78B4C3-BA47-2B47-8B84-4022815E3587}" dt="2019-05-14T13:34:18.851" v="46"/>
+        <pc:sldMkLst>
+          <pc:docMk/>
+          <pc:sldMk cId="3161117264" sldId="373"/>
+        </pc:sldMkLst>
+        <pc:spChg chg="del">
+          <ac:chgData name="Khattab, Sherif" userId="c83b1e15-36f3-4f46-aceb-05aac24c545e" providerId="ADAL" clId="{EE78B4C3-BA47-2B47-8B84-4022815E3587}" dt="2019-05-14T13:34:18.851" v="46"/>
+          <ac:spMkLst>
+            <pc:docMk/>
+            <pc:sldMk cId="3161117264" sldId="373"/>
+            <ac:spMk id="6" creationId="{E9F1DC46-4FA4-D444-A7D6-705144867080}"/>
+          </ac:spMkLst>
+        </pc:spChg>
+      </pc:sldChg>
+      <pc:sldChg chg="delSp add">
+        <pc:chgData name="Khattab, Sherif" userId="c83b1e15-36f3-4f46-aceb-05aac24c545e" providerId="ADAL" clId="{EE78B4C3-BA47-2B47-8B84-4022815E3587}" dt="2019-05-14T13:34:18.851" v="46"/>
+        <pc:sldMkLst>
+          <pc:docMk/>
+          <pc:sldMk cId="1542066946" sldId="374"/>
+        </pc:sldMkLst>
+        <pc:spChg chg="del">
+          <ac:chgData name="Khattab, Sherif" userId="c83b1e15-36f3-4f46-aceb-05aac24c545e" providerId="ADAL" clId="{EE78B4C3-BA47-2B47-8B84-4022815E3587}" dt="2019-05-14T13:34:18.851" v="46"/>
+          <ac:spMkLst>
+            <pc:docMk/>
+            <pc:sldMk cId="1542066946" sldId="374"/>
+            <ac:spMk id="6" creationId="{D50D1AE2-A719-F648-ABE5-1D2605CF399A}"/>
+          </ac:spMkLst>
+        </pc:spChg>
+      </pc:sldChg>
+      <pc:sldChg chg="delSp add">
+        <pc:chgData name="Khattab, Sherif" userId="c83b1e15-36f3-4f46-aceb-05aac24c545e" providerId="ADAL" clId="{EE78B4C3-BA47-2B47-8B84-4022815E3587}" dt="2019-05-14T13:34:18.851" v="46"/>
+        <pc:sldMkLst>
+          <pc:docMk/>
+          <pc:sldMk cId="834112894" sldId="375"/>
+        </pc:sldMkLst>
+        <pc:spChg chg="del">
+          <ac:chgData name="Khattab, Sherif" userId="c83b1e15-36f3-4f46-aceb-05aac24c545e" providerId="ADAL" clId="{EE78B4C3-BA47-2B47-8B84-4022815E3587}" dt="2019-05-14T13:34:18.851" v="46"/>
+          <ac:spMkLst>
+            <pc:docMk/>
+            <pc:sldMk cId="834112894" sldId="375"/>
+            <ac:spMk id="6" creationId="{429B8308-B899-EF4A-97A6-3EEDF546FBBB}"/>
+          </ac:spMkLst>
+        </pc:spChg>
+      </pc:sldChg>
+      <pc:sldChg chg="delSp add">
+        <pc:chgData name="Khattab, Sherif" userId="c83b1e15-36f3-4f46-aceb-05aac24c545e" providerId="ADAL" clId="{EE78B4C3-BA47-2B47-8B84-4022815E3587}" dt="2019-05-14T13:34:18.851" v="46"/>
+        <pc:sldMkLst>
+          <pc:docMk/>
+          <pc:sldMk cId="1165577892" sldId="376"/>
+        </pc:sldMkLst>
+        <pc:spChg chg="del">
+          <ac:chgData name="Khattab, Sherif" userId="c83b1e15-36f3-4f46-aceb-05aac24c545e" providerId="ADAL" clId="{EE78B4C3-BA47-2B47-8B84-4022815E3587}" dt="2019-05-14T13:34:18.851" v="46"/>
+          <ac:spMkLst>
+            <pc:docMk/>
+            <pc:sldMk cId="1165577892" sldId="376"/>
+            <ac:spMk id="42" creationId="{27F42901-D1CE-084B-9E38-96413317B8CF}"/>
+          </ac:spMkLst>
+        </pc:spChg>
+      </pc:sldChg>
+      <pc:sldChg chg="delSp add">
+        <pc:chgData name="Khattab, Sherif" userId="c83b1e15-36f3-4f46-aceb-05aac24c545e" providerId="ADAL" clId="{EE78B4C3-BA47-2B47-8B84-4022815E3587}" dt="2019-05-14T13:34:18.851" v="46"/>
+        <pc:sldMkLst>
+          <pc:docMk/>
+          <pc:sldMk cId="1942139729" sldId="377"/>
+        </pc:sldMkLst>
+        <pc:spChg chg="del">
+          <ac:chgData name="Khattab, Sherif" userId="c83b1e15-36f3-4f46-aceb-05aac24c545e" providerId="ADAL" clId="{EE78B4C3-BA47-2B47-8B84-4022815E3587}" dt="2019-05-14T13:34:18.851" v="46"/>
+          <ac:spMkLst>
+            <pc:docMk/>
+            <pc:sldMk cId="1942139729" sldId="377"/>
+            <ac:spMk id="9" creationId="{68716DFF-FDE6-F443-A890-77FBFB539BEB}"/>
+          </ac:spMkLst>
+        </pc:spChg>
+      </pc:sldChg>
+      <pc:sldChg chg="delSp add">
+        <pc:chgData name="Khattab, Sherif" userId="c83b1e15-36f3-4f46-aceb-05aac24c545e" providerId="ADAL" clId="{EE78B4C3-BA47-2B47-8B84-4022815E3587}" dt="2019-05-14T13:34:18.851" v="46"/>
+        <pc:sldMkLst>
+          <pc:docMk/>
+          <pc:sldMk cId="3990797458" sldId="378"/>
+        </pc:sldMkLst>
+        <pc:spChg chg="del">
+          <ac:chgData name="Khattab, Sherif" userId="c83b1e15-36f3-4f46-aceb-05aac24c545e" providerId="ADAL" clId="{EE78B4C3-BA47-2B47-8B84-4022815E3587}" dt="2019-05-14T13:34:18.851" v="46"/>
+          <ac:spMkLst>
+            <pc:docMk/>
+            <pc:sldMk cId="3990797458" sldId="378"/>
+            <ac:spMk id="6" creationId="{ADE8E4C1-F96E-1346-A961-80E2D6A49C9A}"/>
+          </ac:spMkLst>
+        </pc:spChg>
+      </pc:sldChg>
+      <pc:sldChg chg="delSp add">
+        <pc:chgData name="Khattab, Sherif" userId="c83b1e15-36f3-4f46-aceb-05aac24c545e" providerId="ADAL" clId="{EE78B4C3-BA47-2B47-8B84-4022815E3587}" dt="2019-05-14T13:34:18.851" v="46"/>
+        <pc:sldMkLst>
+          <pc:docMk/>
+          <pc:sldMk cId="2736486443" sldId="379"/>
+        </pc:sldMkLst>
+        <pc:spChg chg="del">
+          <ac:chgData name="Khattab, Sherif" userId="c83b1e15-36f3-4f46-aceb-05aac24c545e" providerId="ADAL" clId="{EE78B4C3-BA47-2B47-8B84-4022815E3587}" dt="2019-05-14T13:34:18.851" v="46"/>
+          <ac:spMkLst>
+            <pc:docMk/>
+            <pc:sldMk cId="2736486443" sldId="379"/>
+            <ac:spMk id="9" creationId="{68630AFF-8EA0-D641-8FA2-6949259437AD}"/>
+          </ac:spMkLst>
+        </pc:spChg>
+      </pc:sldChg>
+      <pc:sldChg chg="delSp add">
+        <pc:chgData name="Khattab, Sherif" userId="c83b1e15-36f3-4f46-aceb-05aac24c545e" providerId="ADAL" clId="{EE78B4C3-BA47-2B47-8B84-4022815E3587}" dt="2019-05-14T13:34:18.851" v="46"/>
+        <pc:sldMkLst>
+          <pc:docMk/>
+          <pc:sldMk cId="541381985" sldId="380"/>
+        </pc:sldMkLst>
+        <pc:spChg chg="del">
+          <ac:chgData name="Khattab, Sherif" userId="c83b1e15-36f3-4f46-aceb-05aac24c545e" providerId="ADAL" clId="{EE78B4C3-BA47-2B47-8B84-4022815E3587}" dt="2019-05-14T13:34:18.851" v="46"/>
+          <ac:spMkLst>
+            <pc:docMk/>
+            <pc:sldMk cId="541381985" sldId="380"/>
+            <ac:spMk id="25" creationId="{4D20C47B-3C18-E64F-95ED-21B263511FAD}"/>
+          </ac:spMkLst>
+        </pc:spChg>
+      </pc:sldChg>
+      <pc:sldChg chg="delSp add">
+        <pc:chgData name="Khattab, Sherif" userId="c83b1e15-36f3-4f46-aceb-05aac24c545e" providerId="ADAL" clId="{EE78B4C3-BA47-2B47-8B84-4022815E3587}" dt="2019-05-14T13:34:18.851" v="46"/>
+        <pc:sldMkLst>
+          <pc:docMk/>
+          <pc:sldMk cId="2235897330" sldId="381"/>
+        </pc:sldMkLst>
+        <pc:spChg chg="del">
+          <ac:chgData name="Khattab, Sherif" userId="c83b1e15-36f3-4f46-aceb-05aac24c545e" providerId="ADAL" clId="{EE78B4C3-BA47-2B47-8B84-4022815E3587}" dt="2019-05-14T13:34:18.851" v="46"/>
+          <ac:spMkLst>
+            <pc:docMk/>
+            <pc:sldMk cId="2235897330" sldId="381"/>
+            <ac:spMk id="8" creationId="{9D3BDADA-F567-BD4E-9F02-7C5462E120E7}"/>
+          </ac:spMkLst>
+        </pc:spChg>
+      </pc:sldChg>
+      <pc:sldChg chg="delSp add">
+        <pc:chgData name="Khattab, Sherif" userId="c83b1e15-36f3-4f46-aceb-05aac24c545e" providerId="ADAL" clId="{EE78B4C3-BA47-2B47-8B84-4022815E3587}" dt="2019-05-14T13:34:18.851" v="46"/>
+        <pc:sldMkLst>
+          <pc:docMk/>
+          <pc:sldMk cId="3360044446" sldId="382"/>
+        </pc:sldMkLst>
+        <pc:spChg chg="del">
+          <ac:chgData name="Khattab, Sherif" userId="c83b1e15-36f3-4f46-aceb-05aac24c545e" providerId="ADAL" clId="{EE78B4C3-BA47-2B47-8B84-4022815E3587}" dt="2019-05-14T13:34:18.851" v="46"/>
+          <ac:spMkLst>
+            <pc:docMk/>
+            <pc:sldMk cId="3360044446" sldId="382"/>
+            <ac:spMk id="8" creationId="{90688045-CAEF-334F-9E8D-5DE392BB31B7}"/>
+          </ac:spMkLst>
+        </pc:spChg>
+      </pc:sldChg>
+      <pc:sldChg chg="delSp add">
+        <pc:chgData name="Khattab, Sherif" userId="c83b1e15-36f3-4f46-aceb-05aac24c545e" providerId="ADAL" clId="{EE78B4C3-BA47-2B47-8B84-4022815E3587}" dt="2019-05-14T13:34:18.851" v="46"/>
+        <pc:sldMkLst>
+          <pc:docMk/>
+          <pc:sldMk cId="1954384084" sldId="383"/>
+        </pc:sldMkLst>
+        <pc:spChg chg="del">
+          <ac:chgData name="Khattab, Sherif" userId="c83b1e15-36f3-4f46-aceb-05aac24c545e" providerId="ADAL" clId="{EE78B4C3-BA47-2B47-8B84-4022815E3587}" dt="2019-05-14T13:34:18.851" v="46"/>
+          <ac:spMkLst>
+            <pc:docMk/>
+            <pc:sldMk cId="1954384084" sldId="383"/>
+            <ac:spMk id="8" creationId="{307391A8-557A-8A4A-8E68-85B54349ED8F}"/>
+          </ac:spMkLst>
+        </pc:spChg>
+      </pc:sldChg>
+      <pc:sldChg chg="delSp add">
+        <pc:chgData name="Khattab, Sherif" userId="c83b1e15-36f3-4f46-aceb-05aac24c545e" providerId="ADAL" clId="{EE78B4C3-BA47-2B47-8B84-4022815E3587}" dt="2019-05-14T13:34:18.851" v="46"/>
+        <pc:sldMkLst>
+          <pc:docMk/>
+          <pc:sldMk cId="220759689" sldId="384"/>
+        </pc:sldMkLst>
+        <pc:spChg chg="del">
+          <ac:chgData name="Khattab, Sherif" userId="c83b1e15-36f3-4f46-aceb-05aac24c545e" providerId="ADAL" clId="{EE78B4C3-BA47-2B47-8B84-4022815E3587}" dt="2019-05-14T13:34:18.851" v="46"/>
+          <ac:spMkLst>
+            <pc:docMk/>
+            <pc:sldMk cId="220759689" sldId="384"/>
+            <ac:spMk id="6" creationId="{E1DC0099-5926-8C42-9144-C73482BF1FE7}"/>
+          </ac:spMkLst>
+        </pc:spChg>
+      </pc:sldChg>
+      <pc:sldChg chg="delSp add">
+        <pc:chgData name="Khattab, Sherif" userId="c83b1e15-36f3-4f46-aceb-05aac24c545e" providerId="ADAL" clId="{EE78B4C3-BA47-2B47-8B84-4022815E3587}" dt="2019-05-14T13:34:18.851" v="46"/>
+        <pc:sldMkLst>
+          <pc:docMk/>
+          <pc:sldMk cId="2809799376" sldId="385"/>
+        </pc:sldMkLst>
+        <pc:spChg chg="del">
+          <ac:chgData name="Khattab, Sherif" userId="c83b1e15-36f3-4f46-aceb-05aac24c545e" providerId="ADAL" clId="{EE78B4C3-BA47-2B47-8B84-4022815E3587}" dt="2019-05-14T13:34:18.851" v="46"/>
+          <ac:spMkLst>
+            <pc:docMk/>
+            <pc:sldMk cId="2809799376" sldId="385"/>
+            <ac:spMk id="8" creationId="{0E14A1DC-F2CD-F64B-A516-0E10067BD269}"/>
+          </ac:spMkLst>
+        </pc:spChg>
       </pc:sldChg>
     </pc:docChg>
   </pc:docChgLst>
@@ -5305,802 +2985,1159 @@
     </pc:docChg>
   </pc:docChgLst>
   <pc:docChgLst>
-    <pc:chgData name="Khattab, Sherif" userId="c83b1e15-36f3-4f46-aceb-05aac24c545e" providerId="ADAL" clId="{EE78B4C3-BA47-2B47-8B84-4022815E3587}"/>
-    <pc:docChg chg="addSld delSld modSld">
-      <pc:chgData name="Khattab, Sherif" userId="c83b1e15-36f3-4f46-aceb-05aac24c545e" providerId="ADAL" clId="{EE78B4C3-BA47-2B47-8B84-4022815E3587}" dt="2019-05-14T13:34:18.851" v="46"/>
+    <pc:chgData name="Khattab, Sherif" userId="c83b1e15-36f3-4f46-aceb-05aac24c545e" providerId="ADAL" clId="{8940C15E-5880-1645-A257-37DD5B587715}"/>
+    <pc:docChg chg="undo custSel addSld delSld modSld">
+      <pc:chgData name="Khattab, Sherif" userId="c83b1e15-36f3-4f46-aceb-05aac24c545e" providerId="ADAL" clId="{8940C15E-5880-1645-A257-37DD5B587715}" dt="2021-02-09T15:55:14.754" v="597" actId="20577"/>
       <pc:docMkLst>
         <pc:docMk/>
       </pc:docMkLst>
+      <pc:sldChg chg="add del">
+        <pc:chgData name="Khattab, Sherif" userId="c83b1e15-36f3-4f46-aceb-05aac24c545e" providerId="ADAL" clId="{8940C15E-5880-1645-A257-37DD5B587715}" dt="2021-02-09T14:28:14" v="3" actId="2696"/>
+        <pc:sldMkLst>
+          <pc:docMk/>
+          <pc:sldMk cId="1806563943" sldId="342"/>
+        </pc:sldMkLst>
+      </pc:sldChg>
+      <pc:sldChg chg="add del">
+        <pc:chgData name="Khattab, Sherif" userId="c83b1e15-36f3-4f46-aceb-05aac24c545e" providerId="ADAL" clId="{8940C15E-5880-1645-A257-37DD5B587715}" dt="2021-02-09T14:28:14" v="3" actId="2696"/>
+        <pc:sldMkLst>
+          <pc:docMk/>
+          <pc:sldMk cId="1167711490" sldId="343"/>
+        </pc:sldMkLst>
+      </pc:sldChg>
+      <pc:sldChg chg="add del">
+        <pc:chgData name="Khattab, Sherif" userId="c83b1e15-36f3-4f46-aceb-05aac24c545e" providerId="ADAL" clId="{8940C15E-5880-1645-A257-37DD5B587715}" dt="2021-02-09T14:28:06.905" v="2" actId="2696"/>
+        <pc:sldMkLst>
+          <pc:docMk/>
+          <pc:sldMk cId="1271999567" sldId="349"/>
+        </pc:sldMkLst>
+      </pc:sldChg>
+      <pc:sldChg chg="modSp add del mod">
+        <pc:chgData name="Khattab, Sherif" userId="c83b1e15-36f3-4f46-aceb-05aac24c545e" providerId="ADAL" clId="{8940C15E-5880-1645-A257-37DD5B587715}" dt="2021-02-09T14:36:55.362" v="286" actId="20577"/>
+        <pc:sldMkLst>
+          <pc:docMk/>
+          <pc:sldMk cId="3990797458" sldId="378"/>
+        </pc:sldMkLst>
+        <pc:spChg chg="mod">
+          <ac:chgData name="Khattab, Sherif" userId="c83b1e15-36f3-4f46-aceb-05aac24c545e" providerId="ADAL" clId="{8940C15E-5880-1645-A257-37DD5B587715}" dt="2021-02-09T14:36:55.362" v="286" actId="20577"/>
+          <ac:spMkLst>
+            <pc:docMk/>
+            <pc:sldMk cId="3990797458" sldId="378"/>
+            <ac:spMk id="115715" creationId="{9CCF0D6A-3A12-D542-BC48-B9C95F39152F}"/>
+          </ac:spMkLst>
+        </pc:spChg>
+      </pc:sldChg>
+      <pc:sldChg chg="addSp delSp modSp add del mod">
+        <pc:chgData name="Khattab, Sherif" userId="c83b1e15-36f3-4f46-aceb-05aac24c545e" providerId="ADAL" clId="{8940C15E-5880-1645-A257-37DD5B587715}" dt="2021-02-09T15:39:25.850" v="315" actId="21"/>
+        <pc:sldMkLst>
+          <pc:docMk/>
+          <pc:sldMk cId="2736486443" sldId="379"/>
+        </pc:sldMkLst>
+        <pc:spChg chg="add del mod">
+          <ac:chgData name="Khattab, Sherif" userId="c83b1e15-36f3-4f46-aceb-05aac24c545e" providerId="ADAL" clId="{8940C15E-5880-1645-A257-37DD5B587715}" dt="2021-02-09T15:21:52.593" v="311"/>
+          <ac:spMkLst>
+            <pc:docMk/>
+            <pc:sldMk cId="2736486443" sldId="379"/>
+            <ac:spMk id="9" creationId="{7B926B20-3E21-C34E-8854-2B833C27E6C7}"/>
+          </ac:spMkLst>
+        </pc:spChg>
+        <pc:spChg chg="del">
+          <ac:chgData name="Khattab, Sherif" userId="c83b1e15-36f3-4f46-aceb-05aac24c545e" providerId="ADAL" clId="{8940C15E-5880-1645-A257-37DD5B587715}" dt="2021-02-09T15:17:10.908" v="297" actId="478"/>
+          <ac:spMkLst>
+            <pc:docMk/>
+            <pc:sldMk cId="2736486443" sldId="379"/>
+            <ac:spMk id="116738" creationId="{6C4CC1B2-2DDB-D94B-A612-25EB382E3F0D}"/>
+          </ac:spMkLst>
+        </pc:spChg>
+        <pc:spChg chg="del">
+          <ac:chgData name="Khattab, Sherif" userId="c83b1e15-36f3-4f46-aceb-05aac24c545e" providerId="ADAL" clId="{8940C15E-5880-1645-A257-37DD5B587715}" dt="2021-02-09T15:14:34.742" v="287" actId="478"/>
+          <ac:spMkLst>
+            <pc:docMk/>
+            <pc:sldMk cId="2736486443" sldId="379"/>
+            <ac:spMk id="116739" creationId="{388B7241-F07D-6540-A9FB-147E265C85E1}"/>
+          </ac:spMkLst>
+        </pc:spChg>
+        <pc:spChg chg="del">
+          <ac:chgData name="Khattab, Sherif" userId="c83b1e15-36f3-4f46-aceb-05aac24c545e" providerId="ADAL" clId="{8940C15E-5880-1645-A257-37DD5B587715}" dt="2021-02-09T15:21:50.860" v="309" actId="478"/>
+          <ac:spMkLst>
+            <pc:docMk/>
+            <pc:sldMk cId="2736486443" sldId="379"/>
+            <ac:spMk id="116740" creationId="{6A9576E6-97AF-1D49-9BC1-2C943B37C766}"/>
+          </ac:spMkLst>
+        </pc:spChg>
+        <pc:picChg chg="add del mod">
+          <ac:chgData name="Khattab, Sherif" userId="c83b1e15-36f3-4f46-aceb-05aac24c545e" providerId="ADAL" clId="{8940C15E-5880-1645-A257-37DD5B587715}" dt="2021-02-09T15:17:22.636" v="300" actId="478"/>
+          <ac:picMkLst>
+            <pc:docMk/>
+            <pc:sldMk cId="2736486443" sldId="379"/>
+            <ac:picMk id="2" creationId="{4990F0DC-223E-BE4F-97B1-FA5934DB7435}"/>
+          </ac:picMkLst>
+        </pc:picChg>
+        <pc:picChg chg="add del mod">
+          <ac:chgData name="Khattab, Sherif" userId="c83b1e15-36f3-4f46-aceb-05aac24c545e" providerId="ADAL" clId="{8940C15E-5880-1645-A257-37DD5B587715}" dt="2021-02-09T15:19:08.670" v="301" actId="478"/>
+          <ac:picMkLst>
+            <pc:docMk/>
+            <pc:sldMk cId="2736486443" sldId="379"/>
+            <ac:picMk id="3" creationId="{96BC8F2A-C8D2-DD44-B455-A4E9A20BA2FA}"/>
+          </ac:picMkLst>
+        </pc:picChg>
+        <pc:picChg chg="add mod">
+          <ac:chgData name="Khattab, Sherif" userId="c83b1e15-36f3-4f46-aceb-05aac24c545e" providerId="ADAL" clId="{8940C15E-5880-1645-A257-37DD5B587715}" dt="2021-02-09T15:19:12.461" v="303" actId="1076"/>
+          <ac:picMkLst>
+            <pc:docMk/>
+            <pc:sldMk cId="2736486443" sldId="379"/>
+            <ac:picMk id="4" creationId="{77910E5A-1921-F146-82EA-0FE11E122851}"/>
+          </ac:picMkLst>
+        </pc:picChg>
+        <pc:picChg chg="add del mod">
+          <ac:chgData name="Khattab, Sherif" userId="c83b1e15-36f3-4f46-aceb-05aac24c545e" providerId="ADAL" clId="{8940C15E-5880-1645-A257-37DD5B587715}" dt="2021-02-09T15:20:25.251" v="306" actId="478"/>
+          <ac:picMkLst>
+            <pc:docMk/>
+            <pc:sldMk cId="2736486443" sldId="379"/>
+            <ac:picMk id="5" creationId="{31888E85-2B03-1948-962A-1412E1A778F5}"/>
+          </ac:picMkLst>
+        </pc:picChg>
+        <pc:picChg chg="add mod">
+          <ac:chgData name="Khattab, Sherif" userId="c83b1e15-36f3-4f46-aceb-05aac24c545e" providerId="ADAL" clId="{8940C15E-5880-1645-A257-37DD5B587715}" dt="2021-02-09T15:20:33.109" v="308" actId="1076"/>
+          <ac:picMkLst>
+            <pc:docMk/>
+            <pc:sldMk cId="2736486443" sldId="379"/>
+            <ac:picMk id="6" creationId="{B855D752-950F-EC42-BA0B-168F4D95AF10}"/>
+          </ac:picMkLst>
+        </pc:picChg>
+        <pc:picChg chg="add mod">
+          <ac:chgData name="Khattab, Sherif" userId="c83b1e15-36f3-4f46-aceb-05aac24c545e" providerId="ADAL" clId="{8940C15E-5880-1645-A257-37DD5B587715}" dt="2021-02-09T15:22:01.491" v="313" actId="1076"/>
+          <ac:picMkLst>
+            <pc:docMk/>
+            <pc:sldMk cId="2736486443" sldId="379"/>
+            <ac:picMk id="10" creationId="{43F79090-4942-0947-BB02-9E09A5BC2C6F}"/>
+          </ac:picMkLst>
+        </pc:picChg>
+        <pc:picChg chg="add del">
+          <ac:chgData name="Khattab, Sherif" userId="c83b1e15-36f3-4f46-aceb-05aac24c545e" providerId="ADAL" clId="{8940C15E-5880-1645-A257-37DD5B587715}" dt="2021-02-09T15:39:25.850" v="315" actId="21"/>
+          <ac:picMkLst>
+            <pc:docMk/>
+            <pc:sldMk cId="2736486443" sldId="379"/>
+            <ac:picMk id="11" creationId="{F062DD8F-D89A-F448-AFC5-8CA88E532DC6}"/>
+          </ac:picMkLst>
+        </pc:picChg>
+      </pc:sldChg>
+      <pc:sldChg chg="add">
+        <pc:chgData name="Khattab, Sherif" userId="c83b1e15-36f3-4f46-aceb-05aac24c545e" providerId="ADAL" clId="{8940C15E-5880-1645-A257-37DD5B587715}" dt="2021-02-09T14:28:43.831" v="4"/>
+        <pc:sldMkLst>
+          <pc:docMk/>
+          <pc:sldMk cId="1615265174" sldId="380"/>
+        </pc:sldMkLst>
+      </pc:sldChg>
+      <pc:sldChg chg="add">
+        <pc:chgData name="Khattab, Sherif" userId="c83b1e15-36f3-4f46-aceb-05aac24c545e" providerId="ADAL" clId="{8940C15E-5880-1645-A257-37DD5B587715}" dt="2021-02-09T14:28:43.831" v="4"/>
+        <pc:sldMkLst>
+          <pc:docMk/>
+          <pc:sldMk cId="1337868689" sldId="381"/>
+        </pc:sldMkLst>
+      </pc:sldChg>
+      <pc:sldChg chg="add">
+        <pc:chgData name="Khattab, Sherif" userId="c83b1e15-36f3-4f46-aceb-05aac24c545e" providerId="ADAL" clId="{8940C15E-5880-1645-A257-37DD5B587715}" dt="2021-02-09T14:28:43.831" v="4"/>
+        <pc:sldMkLst>
+          <pc:docMk/>
+          <pc:sldMk cId="3851230975" sldId="382"/>
+        </pc:sldMkLst>
+      </pc:sldChg>
+      <pc:sldChg chg="add">
+        <pc:chgData name="Khattab, Sherif" userId="c83b1e15-36f3-4f46-aceb-05aac24c545e" providerId="ADAL" clId="{8940C15E-5880-1645-A257-37DD5B587715}" dt="2021-02-09T14:28:43.831" v="4"/>
+        <pc:sldMkLst>
+          <pc:docMk/>
+          <pc:sldMk cId="505724783" sldId="383"/>
+        </pc:sldMkLst>
+      </pc:sldChg>
+      <pc:sldChg chg="add">
+        <pc:chgData name="Khattab, Sherif" userId="c83b1e15-36f3-4f46-aceb-05aac24c545e" providerId="ADAL" clId="{8940C15E-5880-1645-A257-37DD5B587715}" dt="2021-02-09T14:28:43.831" v="4"/>
+        <pc:sldMkLst>
+          <pc:docMk/>
+          <pc:sldMk cId="1591837287" sldId="384"/>
+        </pc:sldMkLst>
+      </pc:sldChg>
+      <pc:sldChg chg="modSp add mod">
+        <pc:chgData name="Khattab, Sherif" userId="c83b1e15-36f3-4f46-aceb-05aac24c545e" providerId="ADAL" clId="{8940C15E-5880-1645-A257-37DD5B587715}" dt="2021-02-09T15:40:19.797" v="334" actId="20577"/>
+        <pc:sldMkLst>
+          <pc:docMk/>
+          <pc:sldMk cId="1898410716" sldId="385"/>
+        </pc:sldMkLst>
+        <pc:spChg chg="mod">
+          <ac:chgData name="Khattab, Sherif" userId="c83b1e15-36f3-4f46-aceb-05aac24c545e" providerId="ADAL" clId="{8940C15E-5880-1645-A257-37DD5B587715}" dt="2021-02-09T15:40:19.797" v="334" actId="20577"/>
+          <ac:spMkLst>
+            <pc:docMk/>
+            <pc:sldMk cId="1898410716" sldId="385"/>
+            <ac:spMk id="123908" creationId="{C668A016-F253-4840-9F6F-38C4323EE882}"/>
+          </ac:spMkLst>
+        </pc:spChg>
+      </pc:sldChg>
+      <pc:sldChg chg="modSp mod">
+        <pc:chgData name="Khattab, Sherif" userId="c83b1e15-36f3-4f46-aceb-05aac24c545e" providerId="ADAL" clId="{8940C15E-5880-1645-A257-37DD5B587715}" dt="2021-02-09T14:33:05.202" v="176" actId="20577"/>
+        <pc:sldMkLst>
+          <pc:docMk/>
+          <pc:sldMk cId="3903507516" sldId="498"/>
+        </pc:sldMkLst>
+        <pc:spChg chg="mod">
+          <ac:chgData name="Khattab, Sherif" userId="c83b1e15-36f3-4f46-aceb-05aac24c545e" providerId="ADAL" clId="{8940C15E-5880-1645-A257-37DD5B587715}" dt="2021-02-09T14:33:05.202" v="176" actId="20577"/>
+          <ac:spMkLst>
+            <pc:docMk/>
+            <pc:sldMk cId="3903507516" sldId="498"/>
+            <ac:spMk id="3" creationId="{2466C52D-9A48-4683-BE7F-268D8DB7FAAD}"/>
+          </ac:spMkLst>
+        </pc:spChg>
+      </pc:sldChg>
+      <pc:sldChg chg="modSp mod modAnim">
+        <pc:chgData name="Khattab, Sherif" userId="c83b1e15-36f3-4f46-aceb-05aac24c545e" providerId="ADAL" clId="{8940C15E-5880-1645-A257-37DD5B587715}" dt="2021-02-09T15:55:09.282" v="594" actId="20577"/>
+        <pc:sldMkLst>
+          <pc:docMk/>
+          <pc:sldMk cId="4202616107" sldId="500"/>
+        </pc:sldMkLst>
+        <pc:spChg chg="mod">
+          <ac:chgData name="Khattab, Sherif" userId="c83b1e15-36f3-4f46-aceb-05aac24c545e" providerId="ADAL" clId="{8940C15E-5880-1645-A257-37DD5B587715}" dt="2021-02-09T15:55:09.282" v="594" actId="20577"/>
+          <ac:spMkLst>
+            <pc:docMk/>
+            <pc:sldMk cId="4202616107" sldId="500"/>
+            <ac:spMk id="2" creationId="{6BF01C35-B7E9-AD43-99C8-95170559C8A0}"/>
+          </ac:spMkLst>
+        </pc:spChg>
+        <pc:spChg chg="mod">
+          <ac:chgData name="Khattab, Sherif" userId="c83b1e15-36f3-4f46-aceb-05aac24c545e" providerId="ADAL" clId="{8940C15E-5880-1645-A257-37DD5B587715}" dt="2021-02-09T15:54:32.794" v="549" actId="6549"/>
+          <ac:spMkLst>
+            <pc:docMk/>
+            <pc:sldMk cId="4202616107" sldId="500"/>
+            <ac:spMk id="3" creationId="{443F42C8-5750-0341-86AA-B64ED9D37EB6}"/>
+          </ac:spMkLst>
+        </pc:spChg>
+      </pc:sldChg>
       <pc:sldChg chg="modSp">
-        <pc:chgData name="Khattab, Sherif" userId="c83b1e15-36f3-4f46-aceb-05aac24c545e" providerId="ADAL" clId="{EE78B4C3-BA47-2B47-8B84-4022815E3587}" dt="2019-05-14T13:28:04.131" v="18" actId="20577"/>
-        <pc:sldMkLst>
-          <pc:docMk/>
-          <pc:sldMk cId="0" sldId="256"/>
-        </pc:sldMkLst>
-        <pc:spChg chg="mod">
-          <ac:chgData name="Khattab, Sherif" userId="c83b1e15-36f3-4f46-aceb-05aac24c545e" providerId="ADAL" clId="{EE78B4C3-BA47-2B47-8B84-4022815E3587}" dt="2019-05-14T13:28:04.131" v="18" actId="20577"/>
-          <ac:spMkLst>
-            <pc:docMk/>
-            <pc:sldMk cId="0" sldId="256"/>
-            <ac:spMk id="2" creationId="{00000000-0000-0000-0000-000000000000}"/>
-          </ac:spMkLst>
-        </pc:spChg>
-      </pc:sldChg>
-      <pc:sldChg chg="delSp">
-        <pc:chgData name="Khattab, Sherif" userId="c83b1e15-36f3-4f46-aceb-05aac24c545e" providerId="ADAL" clId="{EE78B4C3-BA47-2B47-8B84-4022815E3587}" dt="2019-05-14T13:30:07.468" v="20"/>
-        <pc:sldMkLst>
-          <pc:docMk/>
-          <pc:sldMk cId="1004035158" sldId="259"/>
-        </pc:sldMkLst>
-        <pc:spChg chg="del">
-          <ac:chgData name="Khattab, Sherif" userId="c83b1e15-36f3-4f46-aceb-05aac24c545e" providerId="ADAL" clId="{EE78B4C3-BA47-2B47-8B84-4022815E3587}" dt="2019-05-14T13:30:07.468" v="20"/>
-          <ac:spMkLst>
-            <pc:docMk/>
-            <pc:sldMk cId="1004035158" sldId="259"/>
-            <ac:spMk id="2" creationId="{00000000-0000-0000-0000-000000000000}"/>
-          </ac:spMkLst>
-        </pc:spChg>
-      </pc:sldChg>
-      <pc:sldChg chg="delSp">
-        <pc:chgData name="Khattab, Sherif" userId="c83b1e15-36f3-4f46-aceb-05aac24c545e" providerId="ADAL" clId="{EE78B4C3-BA47-2B47-8B84-4022815E3587}" dt="2019-05-14T13:30:07.468" v="20"/>
-        <pc:sldMkLst>
-          <pc:docMk/>
-          <pc:sldMk cId="1444142485" sldId="261"/>
-        </pc:sldMkLst>
-        <pc:spChg chg="del">
-          <ac:chgData name="Khattab, Sherif" userId="c83b1e15-36f3-4f46-aceb-05aac24c545e" providerId="ADAL" clId="{EE78B4C3-BA47-2B47-8B84-4022815E3587}" dt="2019-05-14T13:30:07.468" v="20"/>
-          <ac:spMkLst>
-            <pc:docMk/>
-            <pc:sldMk cId="1444142485" sldId="261"/>
-            <ac:spMk id="3" creationId="{00000000-0000-0000-0000-000000000000}"/>
-          </ac:spMkLst>
-        </pc:spChg>
-      </pc:sldChg>
-      <pc:sldChg chg="delSp">
-        <pc:chgData name="Khattab, Sherif" userId="c83b1e15-36f3-4f46-aceb-05aac24c545e" providerId="ADAL" clId="{EE78B4C3-BA47-2B47-8B84-4022815E3587}" dt="2019-05-14T13:30:07.468" v="20"/>
-        <pc:sldMkLst>
-          <pc:docMk/>
-          <pc:sldMk cId="516417489" sldId="262"/>
-        </pc:sldMkLst>
-        <pc:spChg chg="del">
-          <ac:chgData name="Khattab, Sherif" userId="c83b1e15-36f3-4f46-aceb-05aac24c545e" providerId="ADAL" clId="{EE78B4C3-BA47-2B47-8B84-4022815E3587}" dt="2019-05-14T13:30:07.468" v="20"/>
-          <ac:spMkLst>
-            <pc:docMk/>
-            <pc:sldMk cId="516417489" sldId="262"/>
-            <ac:spMk id="2" creationId="{00000000-0000-0000-0000-000000000000}"/>
-          </ac:spMkLst>
-        </pc:spChg>
-      </pc:sldChg>
-      <pc:sldChg chg="delSp">
-        <pc:chgData name="Khattab, Sherif" userId="c83b1e15-36f3-4f46-aceb-05aac24c545e" providerId="ADAL" clId="{EE78B4C3-BA47-2B47-8B84-4022815E3587}" dt="2019-05-14T13:30:07.468" v="20"/>
-        <pc:sldMkLst>
-          <pc:docMk/>
-          <pc:sldMk cId="561583903" sldId="263"/>
-        </pc:sldMkLst>
-        <pc:spChg chg="del">
-          <ac:chgData name="Khattab, Sherif" userId="c83b1e15-36f3-4f46-aceb-05aac24c545e" providerId="ADAL" clId="{EE78B4C3-BA47-2B47-8B84-4022815E3587}" dt="2019-05-14T13:30:07.468" v="20"/>
-          <ac:spMkLst>
-            <pc:docMk/>
-            <pc:sldMk cId="561583903" sldId="263"/>
-            <ac:spMk id="3" creationId="{00000000-0000-0000-0000-000000000000}"/>
-          </ac:spMkLst>
-        </pc:spChg>
-      </pc:sldChg>
-      <pc:sldChg chg="delSp">
-        <pc:chgData name="Khattab, Sherif" userId="c83b1e15-36f3-4f46-aceb-05aac24c545e" providerId="ADAL" clId="{EE78B4C3-BA47-2B47-8B84-4022815E3587}" dt="2019-05-14T13:30:07.468" v="20"/>
-        <pc:sldMkLst>
-          <pc:docMk/>
-          <pc:sldMk cId="982315759" sldId="264"/>
-        </pc:sldMkLst>
-        <pc:spChg chg="del">
-          <ac:chgData name="Khattab, Sherif" userId="c83b1e15-36f3-4f46-aceb-05aac24c545e" providerId="ADAL" clId="{EE78B4C3-BA47-2B47-8B84-4022815E3587}" dt="2019-05-14T13:30:07.468" v="20"/>
-          <ac:spMkLst>
-            <pc:docMk/>
-            <pc:sldMk cId="982315759" sldId="264"/>
-            <ac:spMk id="2" creationId="{00000000-0000-0000-0000-000000000000}"/>
-          </ac:spMkLst>
-        </pc:spChg>
-      </pc:sldChg>
-      <pc:sldChg chg="delSp modSp">
-        <pc:chgData name="Khattab, Sherif" userId="c83b1e15-36f3-4f46-aceb-05aac24c545e" providerId="ADAL" clId="{EE78B4C3-BA47-2B47-8B84-4022815E3587}" dt="2019-05-14T13:30:35.317" v="37" actId="20577"/>
-        <pc:sldMkLst>
-          <pc:docMk/>
-          <pc:sldMk cId="423130617" sldId="265"/>
-        </pc:sldMkLst>
-        <pc:spChg chg="del">
-          <ac:chgData name="Khattab, Sherif" userId="c83b1e15-36f3-4f46-aceb-05aac24c545e" providerId="ADAL" clId="{EE78B4C3-BA47-2B47-8B84-4022815E3587}" dt="2019-05-14T13:30:07.468" v="20"/>
-          <ac:spMkLst>
-            <pc:docMk/>
-            <pc:sldMk cId="423130617" sldId="265"/>
-            <ac:spMk id="3" creationId="{00000000-0000-0000-0000-000000000000}"/>
-          </ac:spMkLst>
-        </pc:spChg>
-        <pc:spChg chg="mod">
-          <ac:chgData name="Khattab, Sherif" userId="c83b1e15-36f3-4f46-aceb-05aac24c545e" providerId="ADAL" clId="{EE78B4C3-BA47-2B47-8B84-4022815E3587}" dt="2019-05-14T13:30:35.317" v="37" actId="20577"/>
-          <ac:spMkLst>
-            <pc:docMk/>
-            <pc:sldMk cId="423130617" sldId="265"/>
-            <ac:spMk id="12290" creationId="{00000000-0000-0000-0000-000000000000}"/>
-          </ac:spMkLst>
-        </pc:spChg>
-      </pc:sldChg>
-      <pc:sldChg chg="delSp">
-        <pc:chgData name="Khattab, Sherif" userId="c83b1e15-36f3-4f46-aceb-05aac24c545e" providerId="ADAL" clId="{EE78B4C3-BA47-2B47-8B84-4022815E3587}" dt="2019-05-14T13:30:07.468" v="20"/>
-        <pc:sldMkLst>
-          <pc:docMk/>
-          <pc:sldMk cId="661211275" sldId="267"/>
-        </pc:sldMkLst>
-        <pc:spChg chg="del">
-          <ac:chgData name="Khattab, Sherif" userId="c83b1e15-36f3-4f46-aceb-05aac24c545e" providerId="ADAL" clId="{EE78B4C3-BA47-2B47-8B84-4022815E3587}" dt="2019-05-14T13:30:07.468" v="20"/>
-          <ac:spMkLst>
-            <pc:docMk/>
-            <pc:sldMk cId="661211275" sldId="267"/>
-            <ac:spMk id="2" creationId="{00000000-0000-0000-0000-000000000000}"/>
-          </ac:spMkLst>
-        </pc:spChg>
-      </pc:sldChg>
-      <pc:sldChg chg="delSp">
-        <pc:chgData name="Khattab, Sherif" userId="c83b1e15-36f3-4f46-aceb-05aac24c545e" providerId="ADAL" clId="{EE78B4C3-BA47-2B47-8B84-4022815E3587}" dt="2019-05-14T13:30:07.468" v="20"/>
-        <pc:sldMkLst>
-          <pc:docMk/>
-          <pc:sldMk cId="1897509347" sldId="268"/>
-        </pc:sldMkLst>
-        <pc:spChg chg="del">
-          <ac:chgData name="Khattab, Sherif" userId="c83b1e15-36f3-4f46-aceb-05aac24c545e" providerId="ADAL" clId="{EE78B4C3-BA47-2B47-8B84-4022815E3587}" dt="2019-05-14T13:30:07.468" v="20"/>
-          <ac:spMkLst>
-            <pc:docMk/>
-            <pc:sldMk cId="1897509347" sldId="268"/>
-            <ac:spMk id="2" creationId="{00000000-0000-0000-0000-000000000000}"/>
-          </ac:spMkLst>
-        </pc:spChg>
-      </pc:sldChg>
-      <pc:sldChg chg="delSp">
-        <pc:chgData name="Khattab, Sherif" userId="c83b1e15-36f3-4f46-aceb-05aac24c545e" providerId="ADAL" clId="{EE78B4C3-BA47-2B47-8B84-4022815E3587}" dt="2019-05-14T13:30:07.468" v="20"/>
-        <pc:sldMkLst>
-          <pc:docMk/>
-          <pc:sldMk cId="1042310649" sldId="269"/>
-        </pc:sldMkLst>
-        <pc:spChg chg="del">
-          <ac:chgData name="Khattab, Sherif" userId="c83b1e15-36f3-4f46-aceb-05aac24c545e" providerId="ADAL" clId="{EE78B4C3-BA47-2B47-8B84-4022815E3587}" dt="2019-05-14T13:30:07.468" v="20"/>
-          <ac:spMkLst>
-            <pc:docMk/>
-            <pc:sldMk cId="1042310649" sldId="269"/>
-            <ac:spMk id="3" creationId="{00000000-0000-0000-0000-000000000000}"/>
-          </ac:spMkLst>
-        </pc:spChg>
-      </pc:sldChg>
-      <pc:sldChg chg="delSp">
-        <pc:chgData name="Khattab, Sherif" userId="c83b1e15-36f3-4f46-aceb-05aac24c545e" providerId="ADAL" clId="{EE78B4C3-BA47-2B47-8B84-4022815E3587}" dt="2019-05-14T13:30:07.468" v="20"/>
-        <pc:sldMkLst>
-          <pc:docMk/>
-          <pc:sldMk cId="703361262" sldId="270"/>
-        </pc:sldMkLst>
-        <pc:spChg chg="del">
-          <ac:chgData name="Khattab, Sherif" userId="c83b1e15-36f3-4f46-aceb-05aac24c545e" providerId="ADAL" clId="{EE78B4C3-BA47-2B47-8B84-4022815E3587}" dt="2019-05-14T13:30:07.468" v="20"/>
-          <ac:spMkLst>
-            <pc:docMk/>
-            <pc:sldMk cId="703361262" sldId="270"/>
-            <ac:spMk id="3" creationId="{00000000-0000-0000-0000-000000000000}"/>
-          </ac:spMkLst>
-        </pc:spChg>
-      </pc:sldChg>
-      <pc:sldChg chg="delSp">
-        <pc:chgData name="Khattab, Sherif" userId="c83b1e15-36f3-4f46-aceb-05aac24c545e" providerId="ADAL" clId="{EE78B4C3-BA47-2B47-8B84-4022815E3587}" dt="2019-05-14T13:30:07.468" v="20"/>
-        <pc:sldMkLst>
-          <pc:docMk/>
-          <pc:sldMk cId="1436808390" sldId="271"/>
-        </pc:sldMkLst>
-        <pc:spChg chg="del">
-          <ac:chgData name="Khattab, Sherif" userId="c83b1e15-36f3-4f46-aceb-05aac24c545e" providerId="ADAL" clId="{EE78B4C3-BA47-2B47-8B84-4022815E3587}" dt="2019-05-14T13:30:07.468" v="20"/>
-          <ac:spMkLst>
-            <pc:docMk/>
-            <pc:sldMk cId="1436808390" sldId="271"/>
-            <ac:spMk id="2" creationId="{00000000-0000-0000-0000-000000000000}"/>
-          </ac:spMkLst>
-        </pc:spChg>
-      </pc:sldChg>
-      <pc:sldChg chg="delSp">
-        <pc:chgData name="Khattab, Sherif" userId="c83b1e15-36f3-4f46-aceb-05aac24c545e" providerId="ADAL" clId="{EE78B4C3-BA47-2B47-8B84-4022815E3587}" dt="2019-05-14T13:30:07.468" v="20"/>
-        <pc:sldMkLst>
-          <pc:docMk/>
-          <pc:sldMk cId="1301683851" sldId="272"/>
-        </pc:sldMkLst>
-        <pc:spChg chg="del">
-          <ac:chgData name="Khattab, Sherif" userId="c83b1e15-36f3-4f46-aceb-05aac24c545e" providerId="ADAL" clId="{EE78B4C3-BA47-2B47-8B84-4022815E3587}" dt="2019-05-14T13:30:07.468" v="20"/>
-          <ac:spMkLst>
-            <pc:docMk/>
-            <pc:sldMk cId="1301683851" sldId="272"/>
-            <ac:spMk id="3" creationId="{00000000-0000-0000-0000-000000000000}"/>
-          </ac:spMkLst>
-        </pc:spChg>
-      </pc:sldChg>
-      <pc:sldChg chg="delSp">
-        <pc:chgData name="Khattab, Sherif" userId="c83b1e15-36f3-4f46-aceb-05aac24c545e" providerId="ADAL" clId="{EE78B4C3-BA47-2B47-8B84-4022815E3587}" dt="2019-05-14T13:30:07.468" v="20"/>
-        <pc:sldMkLst>
-          <pc:docMk/>
-          <pc:sldMk cId="55302999" sldId="274"/>
-        </pc:sldMkLst>
-        <pc:spChg chg="del">
-          <ac:chgData name="Khattab, Sherif" userId="c83b1e15-36f3-4f46-aceb-05aac24c545e" providerId="ADAL" clId="{EE78B4C3-BA47-2B47-8B84-4022815E3587}" dt="2019-05-14T13:30:07.468" v="20"/>
-          <ac:spMkLst>
-            <pc:docMk/>
-            <pc:sldMk cId="55302999" sldId="274"/>
-            <ac:spMk id="2" creationId="{00000000-0000-0000-0000-000000000000}"/>
-          </ac:spMkLst>
-        </pc:spChg>
-      </pc:sldChg>
-      <pc:sldChg chg="delSp">
-        <pc:chgData name="Khattab, Sherif" userId="c83b1e15-36f3-4f46-aceb-05aac24c545e" providerId="ADAL" clId="{EE78B4C3-BA47-2B47-8B84-4022815E3587}" dt="2019-05-14T13:30:07.468" v="20"/>
-        <pc:sldMkLst>
-          <pc:docMk/>
-          <pc:sldMk cId="2064114192" sldId="276"/>
-        </pc:sldMkLst>
-        <pc:spChg chg="del">
-          <ac:chgData name="Khattab, Sherif" userId="c83b1e15-36f3-4f46-aceb-05aac24c545e" providerId="ADAL" clId="{EE78B4C3-BA47-2B47-8B84-4022815E3587}" dt="2019-05-14T13:30:07.468" v="20"/>
-          <ac:spMkLst>
-            <pc:docMk/>
-            <pc:sldMk cId="2064114192" sldId="276"/>
-            <ac:spMk id="2" creationId="{00000000-0000-0000-0000-000000000000}"/>
-          </ac:spMkLst>
-        </pc:spChg>
-      </pc:sldChg>
-      <pc:sldChg chg="delSp">
-        <pc:chgData name="Khattab, Sherif" userId="c83b1e15-36f3-4f46-aceb-05aac24c545e" providerId="ADAL" clId="{EE78B4C3-BA47-2B47-8B84-4022815E3587}" dt="2019-05-14T13:30:07.468" v="20"/>
-        <pc:sldMkLst>
-          <pc:docMk/>
-          <pc:sldMk cId="1000435174" sldId="278"/>
-        </pc:sldMkLst>
-        <pc:spChg chg="del">
-          <ac:chgData name="Khattab, Sherif" userId="c83b1e15-36f3-4f46-aceb-05aac24c545e" providerId="ADAL" clId="{EE78B4C3-BA47-2B47-8B84-4022815E3587}" dt="2019-05-14T13:30:07.468" v="20"/>
-          <ac:spMkLst>
-            <pc:docMk/>
-            <pc:sldMk cId="1000435174" sldId="278"/>
-            <ac:spMk id="2" creationId="{00000000-0000-0000-0000-000000000000}"/>
-          </ac:spMkLst>
-        </pc:spChg>
-      </pc:sldChg>
-      <pc:sldChg chg="delSp">
-        <pc:chgData name="Khattab, Sherif" userId="c83b1e15-36f3-4f46-aceb-05aac24c545e" providerId="ADAL" clId="{EE78B4C3-BA47-2B47-8B84-4022815E3587}" dt="2019-05-14T13:30:07.468" v="20"/>
-        <pc:sldMkLst>
-          <pc:docMk/>
-          <pc:sldMk cId="2080017563" sldId="279"/>
-        </pc:sldMkLst>
-        <pc:spChg chg="del">
-          <ac:chgData name="Khattab, Sherif" userId="c83b1e15-36f3-4f46-aceb-05aac24c545e" providerId="ADAL" clId="{EE78B4C3-BA47-2B47-8B84-4022815E3587}" dt="2019-05-14T13:30:07.468" v="20"/>
-          <ac:spMkLst>
-            <pc:docMk/>
-            <pc:sldMk cId="2080017563" sldId="279"/>
-            <ac:spMk id="3" creationId="{00000000-0000-0000-0000-000000000000}"/>
-          </ac:spMkLst>
-        </pc:spChg>
-      </pc:sldChg>
-      <pc:sldChg chg="delSp">
-        <pc:chgData name="Khattab, Sherif" userId="c83b1e15-36f3-4f46-aceb-05aac24c545e" providerId="ADAL" clId="{EE78B4C3-BA47-2B47-8B84-4022815E3587}" dt="2019-05-14T13:30:07.468" v="20"/>
-        <pc:sldMkLst>
-          <pc:docMk/>
-          <pc:sldMk cId="1445345591" sldId="281"/>
-        </pc:sldMkLst>
-        <pc:spChg chg="del">
-          <ac:chgData name="Khattab, Sherif" userId="c83b1e15-36f3-4f46-aceb-05aac24c545e" providerId="ADAL" clId="{EE78B4C3-BA47-2B47-8B84-4022815E3587}" dt="2019-05-14T13:30:07.468" v="20"/>
-          <ac:spMkLst>
-            <pc:docMk/>
-            <pc:sldMk cId="1445345591" sldId="281"/>
-            <ac:spMk id="2" creationId="{00000000-0000-0000-0000-000000000000}"/>
-          </ac:spMkLst>
-        </pc:spChg>
-      </pc:sldChg>
-      <pc:sldChg chg="delSp">
-        <pc:chgData name="Khattab, Sherif" userId="c83b1e15-36f3-4f46-aceb-05aac24c545e" providerId="ADAL" clId="{EE78B4C3-BA47-2B47-8B84-4022815E3587}" dt="2019-05-14T13:30:07.468" v="20"/>
-        <pc:sldMkLst>
-          <pc:docMk/>
-          <pc:sldMk cId="306268545" sldId="282"/>
-        </pc:sldMkLst>
-        <pc:spChg chg="del">
-          <ac:chgData name="Khattab, Sherif" userId="c83b1e15-36f3-4f46-aceb-05aac24c545e" providerId="ADAL" clId="{EE78B4C3-BA47-2B47-8B84-4022815E3587}" dt="2019-05-14T13:30:07.468" v="20"/>
-          <ac:spMkLst>
-            <pc:docMk/>
-            <pc:sldMk cId="306268545" sldId="282"/>
-            <ac:spMk id="2" creationId="{00000000-0000-0000-0000-000000000000}"/>
-          </ac:spMkLst>
-        </pc:spChg>
-      </pc:sldChg>
-      <pc:sldChg chg="delSp add">
-        <pc:chgData name="Khattab, Sherif" userId="c83b1e15-36f3-4f46-aceb-05aac24c545e" providerId="ADAL" clId="{EE78B4C3-BA47-2B47-8B84-4022815E3587}" dt="2019-05-14T13:34:18.851" v="46"/>
-        <pc:sldMkLst>
-          <pc:docMk/>
-          <pc:sldMk cId="2710637777" sldId="322"/>
-        </pc:sldMkLst>
-        <pc:spChg chg="del">
-          <ac:chgData name="Khattab, Sherif" userId="c83b1e15-36f3-4f46-aceb-05aac24c545e" providerId="ADAL" clId="{EE78B4C3-BA47-2B47-8B84-4022815E3587}" dt="2019-05-14T13:34:18.851" v="46"/>
-          <ac:spMkLst>
-            <pc:docMk/>
-            <pc:sldMk cId="2710637777" sldId="322"/>
-            <ac:spMk id="6" creationId="{0700C6EC-DCCB-614E-A0F4-3418D2D78AC7}"/>
-          </ac:spMkLst>
-        </pc:spChg>
-      </pc:sldChg>
-      <pc:sldChg chg="delSp add">
-        <pc:chgData name="Khattab, Sherif" userId="c83b1e15-36f3-4f46-aceb-05aac24c545e" providerId="ADAL" clId="{EE78B4C3-BA47-2B47-8B84-4022815E3587}" dt="2019-05-14T13:34:18.851" v="46"/>
-        <pc:sldMkLst>
-          <pc:docMk/>
-          <pc:sldMk cId="3292918179" sldId="324"/>
-        </pc:sldMkLst>
-        <pc:spChg chg="del">
-          <ac:chgData name="Khattab, Sherif" userId="c83b1e15-36f3-4f46-aceb-05aac24c545e" providerId="ADAL" clId="{EE78B4C3-BA47-2B47-8B84-4022815E3587}" dt="2019-05-14T13:34:18.851" v="46"/>
-          <ac:spMkLst>
-            <pc:docMk/>
-            <pc:sldMk cId="3292918179" sldId="324"/>
-            <ac:spMk id="26" creationId="{3729950E-4F02-6B44-A5A4-B6238ABBD35B}"/>
-          </ac:spMkLst>
-        </pc:spChg>
-      </pc:sldChg>
-      <pc:sldChg chg="delSp add">
-        <pc:chgData name="Khattab, Sherif" userId="c83b1e15-36f3-4f46-aceb-05aac24c545e" providerId="ADAL" clId="{EE78B4C3-BA47-2B47-8B84-4022815E3587}" dt="2019-05-14T13:34:18.851" v="46"/>
-        <pc:sldMkLst>
-          <pc:docMk/>
-          <pc:sldMk cId="355119911" sldId="338"/>
-        </pc:sldMkLst>
-        <pc:spChg chg="del">
-          <ac:chgData name="Khattab, Sherif" userId="c83b1e15-36f3-4f46-aceb-05aac24c545e" providerId="ADAL" clId="{EE78B4C3-BA47-2B47-8B84-4022815E3587}" dt="2019-05-14T13:34:18.851" v="46"/>
-          <ac:spMkLst>
-            <pc:docMk/>
-            <pc:sldMk cId="355119911" sldId="338"/>
-            <ac:spMk id="7" creationId="{AC4B9F18-B1E5-C341-B953-6D96BAA0EB6C}"/>
-          </ac:spMkLst>
-        </pc:spChg>
-      </pc:sldChg>
-      <pc:sldChg chg="delSp add">
-        <pc:chgData name="Khattab, Sherif" userId="c83b1e15-36f3-4f46-aceb-05aac24c545e" providerId="ADAL" clId="{EE78B4C3-BA47-2B47-8B84-4022815E3587}" dt="2019-05-14T13:34:18.851" v="46"/>
-        <pc:sldMkLst>
-          <pc:docMk/>
-          <pc:sldMk cId="4223572414" sldId="339"/>
-        </pc:sldMkLst>
-        <pc:spChg chg="del">
-          <ac:chgData name="Khattab, Sherif" userId="c83b1e15-36f3-4f46-aceb-05aac24c545e" providerId="ADAL" clId="{EE78B4C3-BA47-2B47-8B84-4022815E3587}" dt="2019-05-14T13:34:18.851" v="46"/>
-          <ac:spMkLst>
-            <pc:docMk/>
-            <pc:sldMk cId="4223572414" sldId="339"/>
-            <ac:spMk id="6" creationId="{48879884-318D-6C49-B6B8-463E617B85F1}"/>
-          </ac:spMkLst>
-        </pc:spChg>
-      </pc:sldChg>
-      <pc:sldChg chg="delSp add">
-        <pc:chgData name="Khattab, Sherif" userId="c83b1e15-36f3-4f46-aceb-05aac24c545e" providerId="ADAL" clId="{EE78B4C3-BA47-2B47-8B84-4022815E3587}" dt="2019-05-14T13:34:18.851" v="46"/>
-        <pc:sldMkLst>
-          <pc:docMk/>
-          <pc:sldMk cId="470668490" sldId="340"/>
-        </pc:sldMkLst>
-        <pc:spChg chg="del">
-          <ac:chgData name="Khattab, Sherif" userId="c83b1e15-36f3-4f46-aceb-05aac24c545e" providerId="ADAL" clId="{EE78B4C3-BA47-2B47-8B84-4022815E3587}" dt="2019-05-14T13:34:18.851" v="46"/>
-          <ac:spMkLst>
-            <pc:docMk/>
-            <pc:sldMk cId="470668490" sldId="340"/>
-            <ac:spMk id="6" creationId="{32D0E818-62B1-0A49-9CFC-1DC58F40FEBE}"/>
-          </ac:spMkLst>
-        </pc:spChg>
-      </pc:sldChg>
-      <pc:sldChg chg="delSp add">
-        <pc:chgData name="Khattab, Sherif" userId="c83b1e15-36f3-4f46-aceb-05aac24c545e" providerId="ADAL" clId="{EE78B4C3-BA47-2B47-8B84-4022815E3587}" dt="2019-05-14T13:34:18.851" v="46"/>
-        <pc:sldMkLst>
-          <pc:docMk/>
-          <pc:sldMk cId="1205868326" sldId="341"/>
-        </pc:sldMkLst>
-        <pc:spChg chg="del">
-          <ac:chgData name="Khattab, Sherif" userId="c83b1e15-36f3-4f46-aceb-05aac24c545e" providerId="ADAL" clId="{EE78B4C3-BA47-2B47-8B84-4022815E3587}" dt="2019-05-14T13:34:18.851" v="46"/>
-          <ac:spMkLst>
-            <pc:docMk/>
-            <pc:sldMk cId="1205868326" sldId="341"/>
-            <ac:spMk id="6" creationId="{918B0854-EAA5-9D49-9ED0-EA7684377156}"/>
-          </ac:spMkLst>
-        </pc:spChg>
-      </pc:sldChg>
-      <pc:sldChg chg="delSp add">
-        <pc:chgData name="Khattab, Sherif" userId="c83b1e15-36f3-4f46-aceb-05aac24c545e" providerId="ADAL" clId="{EE78B4C3-BA47-2B47-8B84-4022815E3587}" dt="2019-05-14T13:34:18.851" v="46"/>
-        <pc:sldMkLst>
-          <pc:docMk/>
-          <pc:sldMk cId="1806563943" sldId="342"/>
-        </pc:sldMkLst>
-        <pc:spChg chg="del">
-          <ac:chgData name="Khattab, Sherif" userId="c83b1e15-36f3-4f46-aceb-05aac24c545e" providerId="ADAL" clId="{EE78B4C3-BA47-2B47-8B84-4022815E3587}" dt="2019-05-14T13:34:18.851" v="46"/>
-          <ac:spMkLst>
-            <pc:docMk/>
-            <pc:sldMk cId="1806563943" sldId="342"/>
-            <ac:spMk id="9" creationId="{712AC7F1-3CB0-3140-8620-EAE2154DEBDF}"/>
-          </ac:spMkLst>
-        </pc:spChg>
-      </pc:sldChg>
-      <pc:sldChg chg="delSp add">
-        <pc:chgData name="Khattab, Sherif" userId="c83b1e15-36f3-4f46-aceb-05aac24c545e" providerId="ADAL" clId="{EE78B4C3-BA47-2B47-8B84-4022815E3587}" dt="2019-05-14T13:34:18.851" v="46"/>
-        <pc:sldMkLst>
-          <pc:docMk/>
-          <pc:sldMk cId="1167711490" sldId="343"/>
-        </pc:sldMkLst>
-        <pc:spChg chg="del">
-          <ac:chgData name="Khattab, Sherif" userId="c83b1e15-36f3-4f46-aceb-05aac24c545e" providerId="ADAL" clId="{EE78B4C3-BA47-2B47-8B84-4022815E3587}" dt="2019-05-14T13:34:18.851" v="46"/>
-          <ac:spMkLst>
-            <pc:docMk/>
-            <pc:sldMk cId="1167711490" sldId="343"/>
-            <ac:spMk id="9" creationId="{7277E941-6A46-A141-896C-8CF8D763337C}"/>
-          </ac:spMkLst>
-        </pc:spChg>
-      </pc:sldChg>
-      <pc:sldChg chg="delSp add">
-        <pc:chgData name="Khattab, Sherif" userId="c83b1e15-36f3-4f46-aceb-05aac24c545e" providerId="ADAL" clId="{EE78B4C3-BA47-2B47-8B84-4022815E3587}" dt="2019-05-14T13:34:18.851" v="46"/>
-        <pc:sldMkLst>
-          <pc:docMk/>
-          <pc:sldMk cId="1271999567" sldId="349"/>
-        </pc:sldMkLst>
-        <pc:spChg chg="del">
-          <ac:chgData name="Khattab, Sherif" userId="c83b1e15-36f3-4f46-aceb-05aac24c545e" providerId="ADAL" clId="{EE78B4C3-BA47-2B47-8B84-4022815E3587}" dt="2019-05-14T13:34:18.851" v="46"/>
-          <ac:spMkLst>
-            <pc:docMk/>
-            <pc:sldMk cId="1271999567" sldId="349"/>
-            <ac:spMk id="8" creationId="{7BD79B2E-E2F2-FE40-AF15-AA838FE67060}"/>
-          </ac:spMkLst>
-        </pc:spChg>
-      </pc:sldChg>
-      <pc:sldChg chg="delSp add">
-        <pc:chgData name="Khattab, Sherif" userId="c83b1e15-36f3-4f46-aceb-05aac24c545e" providerId="ADAL" clId="{EE78B4C3-BA47-2B47-8B84-4022815E3587}" dt="2019-05-14T13:34:18.851" v="46"/>
-        <pc:sldMkLst>
-          <pc:docMk/>
-          <pc:sldMk cId="434376579" sldId="363"/>
-        </pc:sldMkLst>
-        <pc:spChg chg="del">
-          <ac:chgData name="Khattab, Sherif" userId="c83b1e15-36f3-4f46-aceb-05aac24c545e" providerId="ADAL" clId="{EE78B4C3-BA47-2B47-8B84-4022815E3587}" dt="2019-05-14T13:34:18.851" v="46"/>
-          <ac:spMkLst>
-            <pc:docMk/>
-            <pc:sldMk cId="434376579" sldId="363"/>
-            <ac:spMk id="15" creationId="{1190D209-83D1-A548-8C7B-C35DE4396F91}"/>
-          </ac:spMkLst>
-        </pc:spChg>
-      </pc:sldChg>
-      <pc:sldChg chg="delSp add">
-        <pc:chgData name="Khattab, Sherif" userId="c83b1e15-36f3-4f46-aceb-05aac24c545e" providerId="ADAL" clId="{EE78B4C3-BA47-2B47-8B84-4022815E3587}" dt="2019-05-14T13:34:18.851" v="46"/>
-        <pc:sldMkLst>
-          <pc:docMk/>
-          <pc:sldMk cId="815621424" sldId="364"/>
-        </pc:sldMkLst>
-        <pc:spChg chg="del">
-          <ac:chgData name="Khattab, Sherif" userId="c83b1e15-36f3-4f46-aceb-05aac24c545e" providerId="ADAL" clId="{EE78B4C3-BA47-2B47-8B84-4022815E3587}" dt="2019-05-14T13:34:18.851" v="46"/>
-          <ac:spMkLst>
-            <pc:docMk/>
-            <pc:sldMk cId="815621424" sldId="364"/>
-            <ac:spMk id="29" creationId="{6D10D6C8-49C6-BE4E-9E3F-EEC76AE056AA}"/>
-          </ac:spMkLst>
-        </pc:spChg>
-      </pc:sldChg>
-      <pc:sldChg chg="delSp add">
-        <pc:chgData name="Khattab, Sherif" userId="c83b1e15-36f3-4f46-aceb-05aac24c545e" providerId="ADAL" clId="{EE78B4C3-BA47-2B47-8B84-4022815E3587}" dt="2019-05-14T13:34:18.851" v="46"/>
-        <pc:sldMkLst>
-          <pc:docMk/>
-          <pc:sldMk cId="1934104099" sldId="365"/>
-        </pc:sldMkLst>
-        <pc:spChg chg="del">
-          <ac:chgData name="Khattab, Sherif" userId="c83b1e15-36f3-4f46-aceb-05aac24c545e" providerId="ADAL" clId="{EE78B4C3-BA47-2B47-8B84-4022815E3587}" dt="2019-05-14T13:34:18.851" v="46"/>
-          <ac:spMkLst>
-            <pc:docMk/>
-            <pc:sldMk cId="1934104099" sldId="365"/>
-            <ac:spMk id="10" creationId="{87886125-1D5E-014B-A276-636801877DB6}"/>
-          </ac:spMkLst>
-        </pc:spChg>
-      </pc:sldChg>
-      <pc:sldChg chg="delSp add">
-        <pc:chgData name="Khattab, Sherif" userId="c83b1e15-36f3-4f46-aceb-05aac24c545e" providerId="ADAL" clId="{EE78B4C3-BA47-2B47-8B84-4022815E3587}" dt="2019-05-14T13:34:18.851" v="46"/>
-        <pc:sldMkLst>
-          <pc:docMk/>
-          <pc:sldMk cId="2782429159" sldId="366"/>
-        </pc:sldMkLst>
-        <pc:spChg chg="del">
-          <ac:chgData name="Khattab, Sherif" userId="c83b1e15-36f3-4f46-aceb-05aac24c545e" providerId="ADAL" clId="{EE78B4C3-BA47-2B47-8B84-4022815E3587}" dt="2019-05-14T13:34:18.851" v="46"/>
-          <ac:spMkLst>
-            <pc:docMk/>
-            <pc:sldMk cId="2782429159" sldId="366"/>
-            <ac:spMk id="6" creationId="{35E278D3-0A71-264A-B99D-056EBFA58F06}"/>
-          </ac:spMkLst>
-        </pc:spChg>
-      </pc:sldChg>
-      <pc:sldChg chg="delSp add">
-        <pc:chgData name="Khattab, Sherif" userId="c83b1e15-36f3-4f46-aceb-05aac24c545e" providerId="ADAL" clId="{EE78B4C3-BA47-2B47-8B84-4022815E3587}" dt="2019-05-14T13:34:18.851" v="46"/>
-        <pc:sldMkLst>
-          <pc:docMk/>
-          <pc:sldMk cId="2251973667" sldId="367"/>
-        </pc:sldMkLst>
-        <pc:spChg chg="del">
-          <ac:chgData name="Khattab, Sherif" userId="c83b1e15-36f3-4f46-aceb-05aac24c545e" providerId="ADAL" clId="{EE78B4C3-BA47-2B47-8B84-4022815E3587}" dt="2019-05-14T13:34:18.851" v="46"/>
-          <ac:spMkLst>
-            <pc:docMk/>
-            <pc:sldMk cId="2251973667" sldId="367"/>
-            <ac:spMk id="6" creationId="{156F37D5-7C3B-D446-B495-19F8366B5AD6}"/>
-          </ac:spMkLst>
-        </pc:spChg>
-      </pc:sldChg>
-      <pc:sldChg chg="delSp add">
-        <pc:chgData name="Khattab, Sherif" userId="c83b1e15-36f3-4f46-aceb-05aac24c545e" providerId="ADAL" clId="{EE78B4C3-BA47-2B47-8B84-4022815E3587}" dt="2019-05-14T13:34:18.851" v="46"/>
-        <pc:sldMkLst>
-          <pc:docMk/>
-          <pc:sldMk cId="3138501136" sldId="368"/>
-        </pc:sldMkLst>
-        <pc:spChg chg="del">
-          <ac:chgData name="Khattab, Sherif" userId="c83b1e15-36f3-4f46-aceb-05aac24c545e" providerId="ADAL" clId="{EE78B4C3-BA47-2B47-8B84-4022815E3587}" dt="2019-05-14T13:34:18.851" v="46"/>
-          <ac:spMkLst>
-            <pc:docMk/>
-            <pc:sldMk cId="3138501136" sldId="368"/>
-            <ac:spMk id="9" creationId="{2996EA4B-3DC2-9F42-B065-0840F656E48E}"/>
-          </ac:spMkLst>
-        </pc:spChg>
-      </pc:sldChg>
-      <pc:sldChg chg="delSp add">
-        <pc:chgData name="Khattab, Sherif" userId="c83b1e15-36f3-4f46-aceb-05aac24c545e" providerId="ADAL" clId="{EE78B4C3-BA47-2B47-8B84-4022815E3587}" dt="2019-05-14T13:34:18.851" v="46"/>
-        <pc:sldMkLst>
-          <pc:docMk/>
-          <pc:sldMk cId="3210992163" sldId="369"/>
-        </pc:sldMkLst>
-        <pc:spChg chg="del">
-          <ac:chgData name="Khattab, Sherif" userId="c83b1e15-36f3-4f46-aceb-05aac24c545e" providerId="ADAL" clId="{EE78B4C3-BA47-2B47-8B84-4022815E3587}" dt="2019-05-14T13:34:18.851" v="46"/>
-          <ac:spMkLst>
-            <pc:docMk/>
-            <pc:sldMk cId="3210992163" sldId="369"/>
-            <ac:spMk id="6" creationId="{B0B02CAE-6A9B-A441-9498-BF8F3DB626EB}"/>
-          </ac:spMkLst>
-        </pc:spChg>
-      </pc:sldChg>
-      <pc:sldChg chg="delSp add">
-        <pc:chgData name="Khattab, Sherif" userId="c83b1e15-36f3-4f46-aceb-05aac24c545e" providerId="ADAL" clId="{EE78B4C3-BA47-2B47-8B84-4022815E3587}" dt="2019-05-14T13:34:18.851" v="46"/>
-        <pc:sldMkLst>
-          <pc:docMk/>
-          <pc:sldMk cId="4013065491" sldId="370"/>
-        </pc:sldMkLst>
-        <pc:spChg chg="del">
-          <ac:chgData name="Khattab, Sherif" userId="c83b1e15-36f3-4f46-aceb-05aac24c545e" providerId="ADAL" clId="{EE78B4C3-BA47-2B47-8B84-4022815E3587}" dt="2019-05-14T13:34:18.851" v="46"/>
-          <ac:spMkLst>
-            <pc:docMk/>
-            <pc:sldMk cId="4013065491" sldId="370"/>
-            <ac:spMk id="8" creationId="{D0EF7B2F-C2A6-4E4A-BA48-98165068EB9D}"/>
-          </ac:spMkLst>
-        </pc:spChg>
-      </pc:sldChg>
-      <pc:sldChg chg="delSp add">
-        <pc:chgData name="Khattab, Sherif" userId="c83b1e15-36f3-4f46-aceb-05aac24c545e" providerId="ADAL" clId="{EE78B4C3-BA47-2B47-8B84-4022815E3587}" dt="2019-05-14T13:34:18.851" v="46"/>
-        <pc:sldMkLst>
-          <pc:docMk/>
-          <pc:sldMk cId="2592968416" sldId="371"/>
-        </pc:sldMkLst>
-        <pc:spChg chg="del">
-          <ac:chgData name="Khattab, Sherif" userId="c83b1e15-36f3-4f46-aceb-05aac24c545e" providerId="ADAL" clId="{EE78B4C3-BA47-2B47-8B84-4022815E3587}" dt="2019-05-14T13:34:18.851" v="46"/>
-          <ac:spMkLst>
-            <pc:docMk/>
-            <pc:sldMk cId="2592968416" sldId="371"/>
-            <ac:spMk id="8" creationId="{61F73BD1-10AC-B146-B4D6-4D1B879CEAE3}"/>
-          </ac:spMkLst>
-        </pc:spChg>
-      </pc:sldChg>
-      <pc:sldChg chg="delSp add">
-        <pc:chgData name="Khattab, Sherif" userId="c83b1e15-36f3-4f46-aceb-05aac24c545e" providerId="ADAL" clId="{EE78B4C3-BA47-2B47-8B84-4022815E3587}" dt="2019-05-14T13:34:18.851" v="46"/>
-        <pc:sldMkLst>
-          <pc:docMk/>
-          <pc:sldMk cId="3848335379" sldId="372"/>
-        </pc:sldMkLst>
-        <pc:spChg chg="del">
-          <ac:chgData name="Khattab, Sherif" userId="c83b1e15-36f3-4f46-aceb-05aac24c545e" providerId="ADAL" clId="{EE78B4C3-BA47-2B47-8B84-4022815E3587}" dt="2019-05-14T13:34:18.851" v="46"/>
-          <ac:spMkLst>
-            <pc:docMk/>
-            <pc:sldMk cId="3848335379" sldId="372"/>
-            <ac:spMk id="9" creationId="{A9CB262F-7565-A04A-9FDE-A27BCA955EC0}"/>
-          </ac:spMkLst>
-        </pc:spChg>
-      </pc:sldChg>
-      <pc:sldChg chg="delSp add">
-        <pc:chgData name="Khattab, Sherif" userId="c83b1e15-36f3-4f46-aceb-05aac24c545e" providerId="ADAL" clId="{EE78B4C3-BA47-2B47-8B84-4022815E3587}" dt="2019-05-14T13:34:18.851" v="46"/>
-        <pc:sldMkLst>
-          <pc:docMk/>
-          <pc:sldMk cId="3161117264" sldId="373"/>
-        </pc:sldMkLst>
-        <pc:spChg chg="del">
-          <ac:chgData name="Khattab, Sherif" userId="c83b1e15-36f3-4f46-aceb-05aac24c545e" providerId="ADAL" clId="{EE78B4C3-BA47-2B47-8B84-4022815E3587}" dt="2019-05-14T13:34:18.851" v="46"/>
-          <ac:spMkLst>
-            <pc:docMk/>
-            <pc:sldMk cId="3161117264" sldId="373"/>
-            <ac:spMk id="6" creationId="{E9F1DC46-4FA4-D444-A7D6-705144867080}"/>
-          </ac:spMkLst>
-        </pc:spChg>
-      </pc:sldChg>
-      <pc:sldChg chg="delSp add">
-        <pc:chgData name="Khattab, Sherif" userId="c83b1e15-36f3-4f46-aceb-05aac24c545e" providerId="ADAL" clId="{EE78B4C3-BA47-2B47-8B84-4022815E3587}" dt="2019-05-14T13:34:18.851" v="46"/>
-        <pc:sldMkLst>
-          <pc:docMk/>
-          <pc:sldMk cId="1542066946" sldId="374"/>
-        </pc:sldMkLst>
-        <pc:spChg chg="del">
-          <ac:chgData name="Khattab, Sherif" userId="c83b1e15-36f3-4f46-aceb-05aac24c545e" providerId="ADAL" clId="{EE78B4C3-BA47-2B47-8B84-4022815E3587}" dt="2019-05-14T13:34:18.851" v="46"/>
-          <ac:spMkLst>
-            <pc:docMk/>
-            <pc:sldMk cId="1542066946" sldId="374"/>
-            <ac:spMk id="6" creationId="{D50D1AE2-A719-F648-ABE5-1D2605CF399A}"/>
-          </ac:spMkLst>
-        </pc:spChg>
-      </pc:sldChg>
-      <pc:sldChg chg="delSp add">
-        <pc:chgData name="Khattab, Sherif" userId="c83b1e15-36f3-4f46-aceb-05aac24c545e" providerId="ADAL" clId="{EE78B4C3-BA47-2B47-8B84-4022815E3587}" dt="2019-05-14T13:34:18.851" v="46"/>
-        <pc:sldMkLst>
-          <pc:docMk/>
-          <pc:sldMk cId="834112894" sldId="375"/>
-        </pc:sldMkLst>
-        <pc:spChg chg="del">
-          <ac:chgData name="Khattab, Sherif" userId="c83b1e15-36f3-4f46-aceb-05aac24c545e" providerId="ADAL" clId="{EE78B4C3-BA47-2B47-8B84-4022815E3587}" dt="2019-05-14T13:34:18.851" v="46"/>
-          <ac:spMkLst>
-            <pc:docMk/>
-            <pc:sldMk cId="834112894" sldId="375"/>
-            <ac:spMk id="6" creationId="{429B8308-B899-EF4A-97A6-3EEDF546FBBB}"/>
-          </ac:spMkLst>
-        </pc:spChg>
-      </pc:sldChg>
-      <pc:sldChg chg="delSp add">
-        <pc:chgData name="Khattab, Sherif" userId="c83b1e15-36f3-4f46-aceb-05aac24c545e" providerId="ADAL" clId="{EE78B4C3-BA47-2B47-8B84-4022815E3587}" dt="2019-05-14T13:34:18.851" v="46"/>
-        <pc:sldMkLst>
-          <pc:docMk/>
-          <pc:sldMk cId="1165577892" sldId="376"/>
-        </pc:sldMkLst>
-        <pc:spChg chg="del">
-          <ac:chgData name="Khattab, Sherif" userId="c83b1e15-36f3-4f46-aceb-05aac24c545e" providerId="ADAL" clId="{EE78B4C3-BA47-2B47-8B84-4022815E3587}" dt="2019-05-14T13:34:18.851" v="46"/>
-          <ac:spMkLst>
-            <pc:docMk/>
-            <pc:sldMk cId="1165577892" sldId="376"/>
-            <ac:spMk id="42" creationId="{27F42901-D1CE-084B-9E38-96413317B8CF}"/>
-          </ac:spMkLst>
-        </pc:spChg>
-      </pc:sldChg>
-      <pc:sldChg chg="delSp add">
-        <pc:chgData name="Khattab, Sherif" userId="c83b1e15-36f3-4f46-aceb-05aac24c545e" providerId="ADAL" clId="{EE78B4C3-BA47-2B47-8B84-4022815E3587}" dt="2019-05-14T13:34:18.851" v="46"/>
-        <pc:sldMkLst>
-          <pc:docMk/>
-          <pc:sldMk cId="1942139729" sldId="377"/>
-        </pc:sldMkLst>
-        <pc:spChg chg="del">
-          <ac:chgData name="Khattab, Sherif" userId="c83b1e15-36f3-4f46-aceb-05aac24c545e" providerId="ADAL" clId="{EE78B4C3-BA47-2B47-8B84-4022815E3587}" dt="2019-05-14T13:34:18.851" v="46"/>
-          <ac:spMkLst>
-            <pc:docMk/>
-            <pc:sldMk cId="1942139729" sldId="377"/>
-            <ac:spMk id="9" creationId="{68716DFF-FDE6-F443-A890-77FBFB539BEB}"/>
-          </ac:spMkLst>
-        </pc:spChg>
-      </pc:sldChg>
-      <pc:sldChg chg="delSp add">
-        <pc:chgData name="Khattab, Sherif" userId="c83b1e15-36f3-4f46-aceb-05aac24c545e" providerId="ADAL" clId="{EE78B4C3-BA47-2B47-8B84-4022815E3587}" dt="2019-05-14T13:34:18.851" v="46"/>
-        <pc:sldMkLst>
-          <pc:docMk/>
-          <pc:sldMk cId="3990797458" sldId="378"/>
-        </pc:sldMkLst>
-        <pc:spChg chg="del">
-          <ac:chgData name="Khattab, Sherif" userId="c83b1e15-36f3-4f46-aceb-05aac24c545e" providerId="ADAL" clId="{EE78B4C3-BA47-2B47-8B84-4022815E3587}" dt="2019-05-14T13:34:18.851" v="46"/>
-          <ac:spMkLst>
-            <pc:docMk/>
-            <pc:sldMk cId="3990797458" sldId="378"/>
-            <ac:spMk id="6" creationId="{ADE8E4C1-F96E-1346-A961-80E2D6A49C9A}"/>
-          </ac:spMkLst>
-        </pc:spChg>
-      </pc:sldChg>
-      <pc:sldChg chg="delSp add">
-        <pc:chgData name="Khattab, Sherif" userId="c83b1e15-36f3-4f46-aceb-05aac24c545e" providerId="ADAL" clId="{EE78B4C3-BA47-2B47-8B84-4022815E3587}" dt="2019-05-14T13:34:18.851" v="46"/>
-        <pc:sldMkLst>
-          <pc:docMk/>
-          <pc:sldMk cId="2736486443" sldId="379"/>
-        </pc:sldMkLst>
-        <pc:spChg chg="del">
-          <ac:chgData name="Khattab, Sherif" userId="c83b1e15-36f3-4f46-aceb-05aac24c545e" providerId="ADAL" clId="{EE78B4C3-BA47-2B47-8B84-4022815E3587}" dt="2019-05-14T13:34:18.851" v="46"/>
-          <ac:spMkLst>
-            <pc:docMk/>
-            <pc:sldMk cId="2736486443" sldId="379"/>
-            <ac:spMk id="9" creationId="{68630AFF-8EA0-D641-8FA2-6949259437AD}"/>
-          </ac:spMkLst>
-        </pc:spChg>
-      </pc:sldChg>
-      <pc:sldChg chg="delSp add">
-        <pc:chgData name="Khattab, Sherif" userId="c83b1e15-36f3-4f46-aceb-05aac24c545e" providerId="ADAL" clId="{EE78B4C3-BA47-2B47-8B84-4022815E3587}" dt="2019-05-14T13:34:18.851" v="46"/>
-        <pc:sldMkLst>
-          <pc:docMk/>
-          <pc:sldMk cId="541381985" sldId="380"/>
-        </pc:sldMkLst>
-        <pc:spChg chg="del">
-          <ac:chgData name="Khattab, Sherif" userId="c83b1e15-36f3-4f46-aceb-05aac24c545e" providerId="ADAL" clId="{EE78B4C3-BA47-2B47-8B84-4022815E3587}" dt="2019-05-14T13:34:18.851" v="46"/>
-          <ac:spMkLst>
-            <pc:docMk/>
-            <pc:sldMk cId="541381985" sldId="380"/>
-            <ac:spMk id="25" creationId="{4D20C47B-3C18-E64F-95ED-21B263511FAD}"/>
-          </ac:spMkLst>
-        </pc:spChg>
-      </pc:sldChg>
-      <pc:sldChg chg="delSp add">
-        <pc:chgData name="Khattab, Sherif" userId="c83b1e15-36f3-4f46-aceb-05aac24c545e" providerId="ADAL" clId="{EE78B4C3-BA47-2B47-8B84-4022815E3587}" dt="2019-05-14T13:34:18.851" v="46"/>
-        <pc:sldMkLst>
-          <pc:docMk/>
-          <pc:sldMk cId="2235897330" sldId="381"/>
-        </pc:sldMkLst>
-        <pc:spChg chg="del">
-          <ac:chgData name="Khattab, Sherif" userId="c83b1e15-36f3-4f46-aceb-05aac24c545e" providerId="ADAL" clId="{EE78B4C3-BA47-2B47-8B84-4022815E3587}" dt="2019-05-14T13:34:18.851" v="46"/>
-          <ac:spMkLst>
-            <pc:docMk/>
-            <pc:sldMk cId="2235897330" sldId="381"/>
-            <ac:spMk id="8" creationId="{9D3BDADA-F567-BD4E-9F02-7C5462E120E7}"/>
-          </ac:spMkLst>
-        </pc:spChg>
-      </pc:sldChg>
-      <pc:sldChg chg="delSp add">
-        <pc:chgData name="Khattab, Sherif" userId="c83b1e15-36f3-4f46-aceb-05aac24c545e" providerId="ADAL" clId="{EE78B4C3-BA47-2B47-8B84-4022815E3587}" dt="2019-05-14T13:34:18.851" v="46"/>
-        <pc:sldMkLst>
-          <pc:docMk/>
-          <pc:sldMk cId="3360044446" sldId="382"/>
-        </pc:sldMkLst>
-        <pc:spChg chg="del">
-          <ac:chgData name="Khattab, Sherif" userId="c83b1e15-36f3-4f46-aceb-05aac24c545e" providerId="ADAL" clId="{EE78B4C3-BA47-2B47-8B84-4022815E3587}" dt="2019-05-14T13:34:18.851" v="46"/>
-          <ac:spMkLst>
-            <pc:docMk/>
-            <pc:sldMk cId="3360044446" sldId="382"/>
-            <ac:spMk id="8" creationId="{90688045-CAEF-334F-9E8D-5DE392BB31B7}"/>
-          </ac:spMkLst>
-        </pc:spChg>
-      </pc:sldChg>
-      <pc:sldChg chg="delSp add">
-        <pc:chgData name="Khattab, Sherif" userId="c83b1e15-36f3-4f46-aceb-05aac24c545e" providerId="ADAL" clId="{EE78B4C3-BA47-2B47-8B84-4022815E3587}" dt="2019-05-14T13:34:18.851" v="46"/>
-        <pc:sldMkLst>
-          <pc:docMk/>
-          <pc:sldMk cId="1954384084" sldId="383"/>
-        </pc:sldMkLst>
-        <pc:spChg chg="del">
-          <ac:chgData name="Khattab, Sherif" userId="c83b1e15-36f3-4f46-aceb-05aac24c545e" providerId="ADAL" clId="{EE78B4C3-BA47-2B47-8B84-4022815E3587}" dt="2019-05-14T13:34:18.851" v="46"/>
-          <ac:spMkLst>
-            <pc:docMk/>
-            <pc:sldMk cId="1954384084" sldId="383"/>
-            <ac:spMk id="8" creationId="{307391A8-557A-8A4A-8E68-85B54349ED8F}"/>
-          </ac:spMkLst>
-        </pc:spChg>
-      </pc:sldChg>
-      <pc:sldChg chg="delSp add">
-        <pc:chgData name="Khattab, Sherif" userId="c83b1e15-36f3-4f46-aceb-05aac24c545e" providerId="ADAL" clId="{EE78B4C3-BA47-2B47-8B84-4022815E3587}" dt="2019-05-14T13:34:18.851" v="46"/>
-        <pc:sldMkLst>
-          <pc:docMk/>
-          <pc:sldMk cId="220759689" sldId="384"/>
-        </pc:sldMkLst>
-        <pc:spChg chg="del">
-          <ac:chgData name="Khattab, Sherif" userId="c83b1e15-36f3-4f46-aceb-05aac24c545e" providerId="ADAL" clId="{EE78B4C3-BA47-2B47-8B84-4022815E3587}" dt="2019-05-14T13:34:18.851" v="46"/>
-          <ac:spMkLst>
-            <pc:docMk/>
-            <pc:sldMk cId="220759689" sldId="384"/>
-            <ac:spMk id="6" creationId="{E1DC0099-5926-8C42-9144-C73482BF1FE7}"/>
-          </ac:spMkLst>
-        </pc:spChg>
-      </pc:sldChg>
-      <pc:sldChg chg="delSp add">
-        <pc:chgData name="Khattab, Sherif" userId="c83b1e15-36f3-4f46-aceb-05aac24c545e" providerId="ADAL" clId="{EE78B4C3-BA47-2B47-8B84-4022815E3587}" dt="2019-05-14T13:34:18.851" v="46"/>
-        <pc:sldMkLst>
-          <pc:docMk/>
-          <pc:sldMk cId="2809799376" sldId="385"/>
-        </pc:sldMkLst>
-        <pc:spChg chg="del">
-          <ac:chgData name="Khattab, Sherif" userId="c83b1e15-36f3-4f46-aceb-05aac24c545e" providerId="ADAL" clId="{EE78B4C3-BA47-2B47-8B84-4022815E3587}" dt="2019-05-14T13:34:18.851" v="46"/>
-          <ac:spMkLst>
-            <pc:docMk/>
-            <pc:sldMk cId="2809799376" sldId="385"/>
-            <ac:spMk id="8" creationId="{0E14A1DC-F2CD-F64B-A516-0E10067BD269}"/>
-          </ac:spMkLst>
-        </pc:spChg>
+        <pc:chgData name="Khattab, Sherif" userId="c83b1e15-36f3-4f46-aceb-05aac24c545e" providerId="ADAL" clId="{8940C15E-5880-1645-A257-37DD5B587715}" dt="2021-02-09T14:35:39.113" v="178"/>
+        <pc:sldMkLst>
+          <pc:docMk/>
+          <pc:sldMk cId="2116864396" sldId="505"/>
+        </pc:sldMkLst>
+        <pc:spChg chg="mod">
+          <ac:chgData name="Khattab, Sherif" userId="c83b1e15-36f3-4f46-aceb-05aac24c545e" providerId="ADAL" clId="{8940C15E-5880-1645-A257-37DD5B587715}" dt="2021-02-09T14:35:39.113" v="178"/>
+          <ac:spMkLst>
+            <pc:docMk/>
+            <pc:sldMk cId="2116864396" sldId="505"/>
+            <ac:spMk id="3" creationId="{9FDE3B14-90B9-4B5A-83C7-6E633E32EA28}"/>
+          </ac:spMkLst>
+        </pc:spChg>
+      </pc:sldChg>
+      <pc:sldChg chg="modSp mod">
+        <pc:chgData name="Khattab, Sherif" userId="c83b1e15-36f3-4f46-aceb-05aac24c545e" providerId="ADAL" clId="{8940C15E-5880-1645-A257-37DD5B587715}" dt="2021-02-09T14:36:00.200" v="234" actId="20577"/>
+        <pc:sldMkLst>
+          <pc:docMk/>
+          <pc:sldMk cId="3652489610" sldId="506"/>
+        </pc:sldMkLst>
+        <pc:spChg chg="mod">
+          <ac:chgData name="Khattab, Sherif" userId="c83b1e15-36f3-4f46-aceb-05aac24c545e" providerId="ADAL" clId="{8940C15E-5880-1645-A257-37DD5B587715}" dt="2021-02-09T14:36:00.200" v="234" actId="20577"/>
+          <ac:spMkLst>
+            <pc:docMk/>
+            <pc:sldMk cId="3652489610" sldId="506"/>
+            <ac:spMk id="3" creationId="{9FDE3B14-90B9-4B5A-83C7-6E633E32EA28}"/>
+          </ac:spMkLst>
+        </pc:spChg>
+      </pc:sldChg>
+      <pc:sldChg chg="add del">
+        <pc:chgData name="Khattab, Sherif" userId="c83b1e15-36f3-4f46-aceb-05aac24c545e" providerId="ADAL" clId="{8940C15E-5880-1645-A257-37DD5B587715}" dt="2021-02-09T14:28:14" v="3" actId="2696"/>
+        <pc:sldMkLst>
+          <pc:docMk/>
+          <pc:sldMk cId="4218373473" sldId="507"/>
+        </pc:sldMkLst>
+      </pc:sldChg>
+      <pc:sldChg chg="add del">
+        <pc:chgData name="Khattab, Sherif" userId="c83b1e15-36f3-4f46-aceb-05aac24c545e" providerId="ADAL" clId="{8940C15E-5880-1645-A257-37DD5B587715}" dt="2021-02-09T14:28:14" v="3" actId="2696"/>
+        <pc:sldMkLst>
+          <pc:docMk/>
+          <pc:sldMk cId="2005153346" sldId="508"/>
+        </pc:sldMkLst>
+      </pc:sldChg>
+      <pc:sldChg chg="add del">
+        <pc:chgData name="Khattab, Sherif" userId="c83b1e15-36f3-4f46-aceb-05aac24c545e" providerId="ADAL" clId="{8940C15E-5880-1645-A257-37DD5B587715}" dt="2021-02-09T14:28:14" v="3" actId="2696"/>
+        <pc:sldMkLst>
+          <pc:docMk/>
+          <pc:sldMk cId="707882026" sldId="509"/>
+        </pc:sldMkLst>
+      </pc:sldChg>
+      <pc:sldChg chg="add del">
+        <pc:chgData name="Khattab, Sherif" userId="c83b1e15-36f3-4f46-aceb-05aac24c545e" providerId="ADAL" clId="{8940C15E-5880-1645-A257-37DD5B587715}" dt="2021-02-09T14:28:14" v="3" actId="2696"/>
+        <pc:sldMkLst>
+          <pc:docMk/>
+          <pc:sldMk cId="2108493189" sldId="510"/>
+        </pc:sldMkLst>
+      </pc:sldChg>
+      <pc:sldChg chg="add del">
+        <pc:chgData name="Khattab, Sherif" userId="c83b1e15-36f3-4f46-aceb-05aac24c545e" providerId="ADAL" clId="{8940C15E-5880-1645-A257-37DD5B587715}" dt="2021-02-09T14:28:14" v="3" actId="2696"/>
+        <pc:sldMkLst>
+          <pc:docMk/>
+          <pc:sldMk cId="2618280309" sldId="511"/>
+        </pc:sldMkLst>
+      </pc:sldChg>
+      <pc:sldChg chg="add del">
+        <pc:chgData name="Khattab, Sherif" userId="c83b1e15-36f3-4f46-aceb-05aac24c545e" providerId="ADAL" clId="{8940C15E-5880-1645-A257-37DD5B587715}" dt="2021-02-09T14:28:14" v="3" actId="2696"/>
+        <pc:sldMkLst>
+          <pc:docMk/>
+          <pc:sldMk cId="3748394407" sldId="512"/>
+        </pc:sldMkLst>
+      </pc:sldChg>
+      <pc:sldChg chg="add del">
+        <pc:chgData name="Khattab, Sherif" userId="c83b1e15-36f3-4f46-aceb-05aac24c545e" providerId="ADAL" clId="{8940C15E-5880-1645-A257-37DD5B587715}" dt="2021-02-09T14:28:14" v="3" actId="2696"/>
+        <pc:sldMkLst>
+          <pc:docMk/>
+          <pc:sldMk cId="1413167954" sldId="513"/>
+        </pc:sldMkLst>
+      </pc:sldChg>
+      <pc:sldChg chg="add">
+        <pc:chgData name="Khattab, Sherif" userId="c83b1e15-36f3-4f46-aceb-05aac24c545e" providerId="ADAL" clId="{8940C15E-5880-1645-A257-37DD5B587715}" dt="2021-02-09T14:28:52.172" v="6"/>
+        <pc:sldMkLst>
+          <pc:docMk/>
+          <pc:sldMk cId="1468641068" sldId="514"/>
+        </pc:sldMkLst>
+      </pc:sldChg>
+      <pc:sldChg chg="del">
+        <pc:chgData name="Khattab, Sherif" userId="c83b1e15-36f3-4f46-aceb-05aac24c545e" providerId="ADAL" clId="{8940C15E-5880-1645-A257-37DD5B587715}" dt="2021-02-09T14:28:46.880" v="5" actId="2696"/>
+        <pc:sldMkLst>
+          <pc:docMk/>
+          <pc:sldMk cId="1560097293" sldId="514"/>
+        </pc:sldMkLst>
+      </pc:sldChg>
+      <pc:sldChg chg="addSp modSp new mod">
+        <pc:chgData name="Khattab, Sherif" userId="c83b1e15-36f3-4f46-aceb-05aac24c545e" providerId="ADAL" clId="{8940C15E-5880-1645-A257-37DD5B587715}" dt="2021-02-09T15:39:39.611" v="332" actId="20577"/>
+        <pc:sldMkLst>
+          <pc:docMk/>
+          <pc:sldMk cId="2793897325" sldId="515"/>
+        </pc:sldMkLst>
+        <pc:spChg chg="mod">
+          <ac:chgData name="Khattab, Sherif" userId="c83b1e15-36f3-4f46-aceb-05aac24c545e" providerId="ADAL" clId="{8940C15E-5880-1645-A257-37DD5B587715}" dt="2021-02-09T15:39:39.611" v="332" actId="20577"/>
+          <ac:spMkLst>
+            <pc:docMk/>
+            <pc:sldMk cId="2793897325" sldId="515"/>
+            <ac:spMk id="2" creationId="{455263C7-A3DF-8E4A-88D3-1D297A353CA7}"/>
+          </ac:spMkLst>
+        </pc:spChg>
+        <pc:picChg chg="add mod">
+          <ac:chgData name="Khattab, Sherif" userId="c83b1e15-36f3-4f46-aceb-05aac24c545e" providerId="ADAL" clId="{8940C15E-5880-1645-A257-37DD5B587715}" dt="2021-02-09T15:39:29.594" v="317"/>
+          <ac:picMkLst>
+            <pc:docMk/>
+            <pc:sldMk cId="2793897325" sldId="515"/>
+            <ac:picMk id="6" creationId="{863D34F3-D006-094E-92E3-E25E1BB74073}"/>
+          </ac:picMkLst>
+        </pc:picChg>
+      </pc:sldChg>
+      <pc:sldChg chg="modSp new mod">
+        <pc:chgData name="Khattab, Sherif" userId="c83b1e15-36f3-4f46-aceb-05aac24c545e" providerId="ADAL" clId="{8940C15E-5880-1645-A257-37DD5B587715}" dt="2021-02-09T15:55:14.754" v="597" actId="20577"/>
+        <pc:sldMkLst>
+          <pc:docMk/>
+          <pc:sldMk cId="2487721040" sldId="516"/>
+        </pc:sldMkLst>
+        <pc:spChg chg="mod">
+          <ac:chgData name="Khattab, Sherif" userId="c83b1e15-36f3-4f46-aceb-05aac24c545e" providerId="ADAL" clId="{8940C15E-5880-1645-A257-37DD5B587715}" dt="2021-02-09T15:55:14.754" v="597" actId="20577"/>
+          <ac:spMkLst>
+            <pc:docMk/>
+            <pc:sldMk cId="2487721040" sldId="516"/>
+            <ac:spMk id="2" creationId="{8F0D0240-9749-9A4C-AFD0-B00F3A6D8FB6}"/>
+          </ac:spMkLst>
+        </pc:spChg>
+        <pc:spChg chg="mod">
+          <ac:chgData name="Khattab, Sherif" userId="c83b1e15-36f3-4f46-aceb-05aac24c545e" providerId="ADAL" clId="{8940C15E-5880-1645-A257-37DD5B587715}" dt="2021-02-09T15:54:46.203" v="557" actId="27636"/>
+          <ac:spMkLst>
+            <pc:docMk/>
+            <pc:sldMk cId="2487721040" sldId="516"/>
+            <ac:spMk id="3" creationId="{CBB5D1A1-A1C5-4D4A-9051-CB104F0E3B4F}"/>
+          </ac:spMkLst>
+        </pc:spChg>
+      </pc:sldChg>
+      <pc:sldChg chg="modSp new mod">
+        <pc:chgData name="Khattab, Sherif" userId="c83b1e15-36f3-4f46-aceb-05aac24c545e" providerId="ADAL" clId="{8940C15E-5880-1645-A257-37DD5B587715}" dt="2021-02-09T15:55:01.222" v="592" actId="20577"/>
+        <pc:sldMkLst>
+          <pc:docMk/>
+          <pc:sldMk cId="3114182525" sldId="517"/>
+        </pc:sldMkLst>
+        <pc:spChg chg="mod">
+          <ac:chgData name="Khattab, Sherif" userId="c83b1e15-36f3-4f46-aceb-05aac24c545e" providerId="ADAL" clId="{8940C15E-5880-1645-A257-37DD5B587715}" dt="2021-02-09T15:54:58.493" v="589" actId="20577"/>
+          <ac:spMkLst>
+            <pc:docMk/>
+            <pc:sldMk cId="3114182525" sldId="517"/>
+            <ac:spMk id="2" creationId="{919C70E9-8DDA-5A44-B755-777D2DE8DA9E}"/>
+          </ac:spMkLst>
+        </pc:spChg>
+        <pc:spChg chg="mod">
+          <ac:chgData name="Khattab, Sherif" userId="c83b1e15-36f3-4f46-aceb-05aac24c545e" providerId="ADAL" clId="{8940C15E-5880-1645-A257-37DD5B587715}" dt="2021-02-09T15:55:01.222" v="592" actId="20577"/>
+          <ac:spMkLst>
+            <pc:docMk/>
+            <pc:sldMk cId="3114182525" sldId="517"/>
+            <ac:spMk id="3" creationId="{27042AA4-C4FA-CA41-9597-12A83EBA22E3}"/>
+          </ac:spMkLst>
+        </pc:spChg>
+      </pc:sldChg>
+      <pc:sldChg chg="add del">
+        <pc:chgData name="Khattab, Sherif" userId="c83b1e15-36f3-4f46-aceb-05aac24c545e" providerId="ADAL" clId="{8940C15E-5880-1645-A257-37DD5B587715}" dt="2021-02-09T14:28:14" v="3" actId="2696"/>
+        <pc:sldMkLst>
+          <pc:docMk/>
+          <pc:sldMk cId="3718964789" sldId="517"/>
+        </pc:sldMkLst>
+      </pc:sldChg>
+      <pc:sldChg chg="del">
+        <pc:chgData name="Khattab, Sherif" userId="c83b1e15-36f3-4f46-aceb-05aac24c545e" providerId="ADAL" clId="{8940C15E-5880-1645-A257-37DD5B587715}" dt="2021-02-09T14:27:57.549" v="0" actId="2696"/>
+        <pc:sldMkLst>
+          <pc:docMk/>
+          <pc:sldMk cId="2915741044" sldId="518"/>
+        </pc:sldMkLst>
       </pc:sldChg>
     </pc:docChg>
   </pc:docChgLst>
   <pc:docChgLst>
-    <pc:chgData name="Khattab, Sherif" userId="c83b1e15-36f3-4f46-aceb-05aac24c545e" providerId="ADAL" clId="{435C15CD-3872-3940-BF6F-A860DC6B787C}"/>
-    <pc:docChg chg="modSld">
-      <pc:chgData name="Khattab, Sherif" userId="c83b1e15-36f3-4f46-aceb-05aac24c545e" providerId="ADAL" clId="{435C15CD-3872-3940-BF6F-A860DC6B787C}" dt="2021-02-11T19:36:10.584" v="22" actId="20577"/>
+    <pc:chgData name="Khattab, Sherif" userId="c83b1e15-36f3-4f46-aceb-05aac24c545e" providerId="ADAL" clId="{DB115453-F3AC-CA4C-A104-E84842BDF35F}"/>
+    <pc:docChg chg="undo custSel addSld delSld modSld sldOrd">
+      <pc:chgData name="Khattab, Sherif" userId="c83b1e15-36f3-4f46-aceb-05aac24c545e" providerId="ADAL" clId="{DB115453-F3AC-CA4C-A104-E84842BDF35F}" dt="2021-02-04T15:47:51.327" v="632" actId="20577"/>
       <pc:docMkLst>
         <pc:docMk/>
       </pc:docMkLst>
-      <pc:sldChg chg="modSp mod">
-        <pc:chgData name="Khattab, Sherif" userId="c83b1e15-36f3-4f46-aceb-05aac24c545e" providerId="ADAL" clId="{435C15CD-3872-3940-BF6F-A860DC6B787C}" dt="2021-02-11T17:37:30.575" v="21" actId="20577"/>
+      <pc:sldChg chg="del">
+        <pc:chgData name="Khattab, Sherif" userId="c83b1e15-36f3-4f46-aceb-05aac24c545e" providerId="ADAL" clId="{DB115453-F3AC-CA4C-A104-E84842BDF35F}" dt="2021-02-04T15:33:43.441" v="248" actId="2696"/>
+        <pc:sldMkLst>
+          <pc:docMk/>
+          <pc:sldMk cId="3681208715" sldId="257"/>
+        </pc:sldMkLst>
+      </pc:sldChg>
+      <pc:sldChg chg="del">
+        <pc:chgData name="Khattab, Sherif" userId="c83b1e15-36f3-4f46-aceb-05aac24c545e" providerId="ADAL" clId="{DB115453-F3AC-CA4C-A104-E84842BDF35F}" dt="2021-02-04T15:33:43.441" v="248" actId="2696"/>
+        <pc:sldMkLst>
+          <pc:docMk/>
+          <pc:sldMk cId="1664517503" sldId="258"/>
+        </pc:sldMkLst>
+      </pc:sldChg>
+      <pc:sldChg chg="del">
+        <pc:chgData name="Khattab, Sherif" userId="c83b1e15-36f3-4f46-aceb-05aac24c545e" providerId="ADAL" clId="{DB115453-F3AC-CA4C-A104-E84842BDF35F}" dt="2021-02-04T14:40:10.021" v="0" actId="2696"/>
+        <pc:sldMkLst>
+          <pc:docMk/>
+          <pc:sldMk cId="1004035158" sldId="259"/>
+        </pc:sldMkLst>
+      </pc:sldChg>
+      <pc:sldChg chg="del">
+        <pc:chgData name="Khattab, Sherif" userId="c83b1e15-36f3-4f46-aceb-05aac24c545e" providerId="ADAL" clId="{DB115453-F3AC-CA4C-A104-E84842BDF35F}" dt="2021-02-04T15:33:43.441" v="248" actId="2696"/>
+        <pc:sldMkLst>
+          <pc:docMk/>
+          <pc:sldMk cId="3230569327" sldId="260"/>
+        </pc:sldMkLst>
+      </pc:sldChg>
+      <pc:sldChg chg="del">
+        <pc:chgData name="Khattab, Sherif" userId="c83b1e15-36f3-4f46-aceb-05aac24c545e" providerId="ADAL" clId="{DB115453-F3AC-CA4C-A104-E84842BDF35F}" dt="2021-02-04T14:40:10.021" v="0" actId="2696"/>
+        <pc:sldMkLst>
+          <pc:docMk/>
+          <pc:sldMk cId="1444142485" sldId="261"/>
+        </pc:sldMkLst>
+      </pc:sldChg>
+      <pc:sldChg chg="del">
+        <pc:chgData name="Khattab, Sherif" userId="c83b1e15-36f3-4f46-aceb-05aac24c545e" providerId="ADAL" clId="{DB115453-F3AC-CA4C-A104-E84842BDF35F}" dt="2021-02-04T14:40:10.021" v="0" actId="2696"/>
+        <pc:sldMkLst>
+          <pc:docMk/>
+          <pc:sldMk cId="516417489" sldId="262"/>
+        </pc:sldMkLst>
+      </pc:sldChg>
+      <pc:sldChg chg="del">
+        <pc:chgData name="Khattab, Sherif" userId="c83b1e15-36f3-4f46-aceb-05aac24c545e" providerId="ADAL" clId="{DB115453-F3AC-CA4C-A104-E84842BDF35F}" dt="2021-02-04T14:40:10.021" v="0" actId="2696"/>
+        <pc:sldMkLst>
+          <pc:docMk/>
+          <pc:sldMk cId="561583903" sldId="263"/>
+        </pc:sldMkLst>
+      </pc:sldChg>
+      <pc:sldChg chg="del">
+        <pc:chgData name="Khattab, Sherif" userId="c83b1e15-36f3-4f46-aceb-05aac24c545e" providerId="ADAL" clId="{DB115453-F3AC-CA4C-A104-E84842BDF35F}" dt="2021-02-04T14:40:10.021" v="0" actId="2696"/>
+        <pc:sldMkLst>
+          <pc:docMk/>
+          <pc:sldMk cId="982315759" sldId="264"/>
+        </pc:sldMkLst>
+      </pc:sldChg>
+      <pc:sldChg chg="del">
+        <pc:chgData name="Khattab, Sherif" userId="c83b1e15-36f3-4f46-aceb-05aac24c545e" providerId="ADAL" clId="{DB115453-F3AC-CA4C-A104-E84842BDF35F}" dt="2021-02-04T14:40:10.021" v="0" actId="2696"/>
+        <pc:sldMkLst>
+          <pc:docMk/>
+          <pc:sldMk cId="423130617" sldId="265"/>
+        </pc:sldMkLst>
+      </pc:sldChg>
+      <pc:sldChg chg="del">
+        <pc:chgData name="Khattab, Sherif" userId="c83b1e15-36f3-4f46-aceb-05aac24c545e" providerId="ADAL" clId="{DB115453-F3AC-CA4C-A104-E84842BDF35F}" dt="2021-02-04T15:33:43.441" v="248" actId="2696"/>
+        <pc:sldMkLst>
+          <pc:docMk/>
+          <pc:sldMk cId="386763112" sldId="266"/>
+        </pc:sldMkLst>
+      </pc:sldChg>
+      <pc:sldChg chg="del">
+        <pc:chgData name="Khattab, Sherif" userId="c83b1e15-36f3-4f46-aceb-05aac24c545e" providerId="ADAL" clId="{DB115453-F3AC-CA4C-A104-E84842BDF35F}" dt="2021-02-04T14:40:10.021" v="0" actId="2696"/>
+        <pc:sldMkLst>
+          <pc:docMk/>
+          <pc:sldMk cId="661211275" sldId="267"/>
+        </pc:sldMkLst>
+      </pc:sldChg>
+      <pc:sldChg chg="del">
+        <pc:chgData name="Khattab, Sherif" userId="c83b1e15-36f3-4f46-aceb-05aac24c545e" providerId="ADAL" clId="{DB115453-F3AC-CA4C-A104-E84842BDF35F}" dt="2021-02-04T14:40:10.021" v="0" actId="2696"/>
+        <pc:sldMkLst>
+          <pc:docMk/>
+          <pc:sldMk cId="1897509347" sldId="268"/>
+        </pc:sldMkLst>
+      </pc:sldChg>
+      <pc:sldChg chg="del">
+        <pc:chgData name="Khattab, Sherif" userId="c83b1e15-36f3-4f46-aceb-05aac24c545e" providerId="ADAL" clId="{DB115453-F3AC-CA4C-A104-E84842BDF35F}" dt="2021-02-04T14:40:10.021" v="0" actId="2696"/>
+        <pc:sldMkLst>
+          <pc:docMk/>
+          <pc:sldMk cId="1042310649" sldId="269"/>
+        </pc:sldMkLst>
+      </pc:sldChg>
+      <pc:sldChg chg="del">
+        <pc:chgData name="Khattab, Sherif" userId="c83b1e15-36f3-4f46-aceb-05aac24c545e" providerId="ADAL" clId="{DB115453-F3AC-CA4C-A104-E84842BDF35F}" dt="2021-02-04T14:40:10.021" v="0" actId="2696"/>
+        <pc:sldMkLst>
+          <pc:docMk/>
+          <pc:sldMk cId="703361262" sldId="270"/>
+        </pc:sldMkLst>
+      </pc:sldChg>
+      <pc:sldChg chg="del">
+        <pc:chgData name="Khattab, Sherif" userId="c83b1e15-36f3-4f46-aceb-05aac24c545e" providerId="ADAL" clId="{DB115453-F3AC-CA4C-A104-E84842BDF35F}" dt="2021-02-04T14:40:10.021" v="0" actId="2696"/>
+        <pc:sldMkLst>
+          <pc:docMk/>
+          <pc:sldMk cId="1436808390" sldId="271"/>
+        </pc:sldMkLst>
+      </pc:sldChg>
+      <pc:sldChg chg="del">
+        <pc:chgData name="Khattab, Sherif" userId="c83b1e15-36f3-4f46-aceb-05aac24c545e" providerId="ADAL" clId="{DB115453-F3AC-CA4C-A104-E84842BDF35F}" dt="2021-02-04T14:40:10.021" v="0" actId="2696"/>
+        <pc:sldMkLst>
+          <pc:docMk/>
+          <pc:sldMk cId="1301683851" sldId="272"/>
+        </pc:sldMkLst>
+      </pc:sldChg>
+      <pc:sldChg chg="del">
+        <pc:chgData name="Khattab, Sherif" userId="c83b1e15-36f3-4f46-aceb-05aac24c545e" providerId="ADAL" clId="{DB115453-F3AC-CA4C-A104-E84842BDF35F}" dt="2021-02-04T15:33:43.441" v="248" actId="2696"/>
+        <pc:sldMkLst>
+          <pc:docMk/>
+          <pc:sldMk cId="1920820884" sldId="273"/>
+        </pc:sldMkLst>
+      </pc:sldChg>
+      <pc:sldChg chg="del">
+        <pc:chgData name="Khattab, Sherif" userId="c83b1e15-36f3-4f46-aceb-05aac24c545e" providerId="ADAL" clId="{DB115453-F3AC-CA4C-A104-E84842BDF35F}" dt="2021-02-04T14:40:10.021" v="0" actId="2696"/>
+        <pc:sldMkLst>
+          <pc:docMk/>
+          <pc:sldMk cId="55302999" sldId="274"/>
+        </pc:sldMkLst>
+      </pc:sldChg>
+      <pc:sldChg chg="del">
+        <pc:chgData name="Khattab, Sherif" userId="c83b1e15-36f3-4f46-aceb-05aac24c545e" providerId="ADAL" clId="{DB115453-F3AC-CA4C-A104-E84842BDF35F}" dt="2021-02-04T14:40:10.021" v="0" actId="2696"/>
+        <pc:sldMkLst>
+          <pc:docMk/>
+          <pc:sldMk cId="2064114192" sldId="276"/>
+        </pc:sldMkLst>
+      </pc:sldChg>
+      <pc:sldChg chg="del">
+        <pc:chgData name="Khattab, Sherif" userId="c83b1e15-36f3-4f46-aceb-05aac24c545e" providerId="ADAL" clId="{DB115453-F3AC-CA4C-A104-E84842BDF35F}" dt="2021-02-04T15:33:43.441" v="248" actId="2696"/>
+        <pc:sldMkLst>
+          <pc:docMk/>
+          <pc:sldMk cId="2017417480" sldId="277"/>
+        </pc:sldMkLst>
+      </pc:sldChg>
+      <pc:sldChg chg="del">
+        <pc:chgData name="Khattab, Sherif" userId="c83b1e15-36f3-4f46-aceb-05aac24c545e" providerId="ADAL" clId="{DB115453-F3AC-CA4C-A104-E84842BDF35F}" dt="2021-02-04T14:40:10.021" v="0" actId="2696"/>
+        <pc:sldMkLst>
+          <pc:docMk/>
+          <pc:sldMk cId="1000435174" sldId="278"/>
+        </pc:sldMkLst>
+      </pc:sldChg>
+      <pc:sldChg chg="del">
+        <pc:chgData name="Khattab, Sherif" userId="c83b1e15-36f3-4f46-aceb-05aac24c545e" providerId="ADAL" clId="{DB115453-F3AC-CA4C-A104-E84842BDF35F}" dt="2021-02-04T14:40:10.021" v="0" actId="2696"/>
+        <pc:sldMkLst>
+          <pc:docMk/>
+          <pc:sldMk cId="2080017563" sldId="279"/>
+        </pc:sldMkLst>
+      </pc:sldChg>
+      <pc:sldChg chg="del">
+        <pc:chgData name="Khattab, Sherif" userId="c83b1e15-36f3-4f46-aceb-05aac24c545e" providerId="ADAL" clId="{DB115453-F3AC-CA4C-A104-E84842BDF35F}" dt="2021-02-04T15:33:43.441" v="248" actId="2696"/>
+        <pc:sldMkLst>
+          <pc:docMk/>
+          <pc:sldMk cId="2773510753" sldId="280"/>
+        </pc:sldMkLst>
+      </pc:sldChg>
+      <pc:sldChg chg="del">
+        <pc:chgData name="Khattab, Sherif" userId="c83b1e15-36f3-4f46-aceb-05aac24c545e" providerId="ADAL" clId="{DB115453-F3AC-CA4C-A104-E84842BDF35F}" dt="2021-02-04T14:40:10.021" v="0" actId="2696"/>
+        <pc:sldMkLst>
+          <pc:docMk/>
+          <pc:sldMk cId="1445345591" sldId="281"/>
+        </pc:sldMkLst>
+      </pc:sldChg>
+      <pc:sldChg chg="del">
+        <pc:chgData name="Khattab, Sherif" userId="c83b1e15-36f3-4f46-aceb-05aac24c545e" providerId="ADAL" clId="{DB115453-F3AC-CA4C-A104-E84842BDF35F}" dt="2021-02-04T14:40:10.021" v="0" actId="2696"/>
+        <pc:sldMkLst>
+          <pc:docMk/>
+          <pc:sldMk cId="306268545" sldId="282"/>
+        </pc:sldMkLst>
+      </pc:sldChg>
+      <pc:sldChg chg="del">
+        <pc:chgData name="Khattab, Sherif" userId="c83b1e15-36f3-4f46-aceb-05aac24c545e" providerId="ADAL" clId="{DB115453-F3AC-CA4C-A104-E84842BDF35F}" dt="2021-02-04T15:33:43.441" v="248" actId="2696"/>
+        <pc:sldMkLst>
+          <pc:docMk/>
+          <pc:sldMk cId="171235497" sldId="283"/>
+        </pc:sldMkLst>
+      </pc:sldChg>
+      <pc:sldChg chg="del">
+        <pc:chgData name="Khattab, Sherif" userId="c83b1e15-36f3-4f46-aceb-05aac24c545e" providerId="ADAL" clId="{DB115453-F3AC-CA4C-A104-E84842BDF35F}" dt="2021-02-04T15:33:43.441" v="248" actId="2696"/>
+        <pc:sldMkLst>
+          <pc:docMk/>
+          <pc:sldMk cId="2099089282" sldId="284"/>
+        </pc:sldMkLst>
+      </pc:sldChg>
+      <pc:sldChg chg="del">
+        <pc:chgData name="Khattab, Sherif" userId="c83b1e15-36f3-4f46-aceb-05aac24c545e" providerId="ADAL" clId="{DB115453-F3AC-CA4C-A104-E84842BDF35F}" dt="2021-02-04T15:33:43.441" v="248" actId="2696"/>
+        <pc:sldMkLst>
+          <pc:docMk/>
+          <pc:sldMk cId="1136622862" sldId="285"/>
+        </pc:sldMkLst>
+      </pc:sldChg>
+      <pc:sldChg chg="del">
+        <pc:chgData name="Khattab, Sherif" userId="c83b1e15-36f3-4f46-aceb-05aac24c545e" providerId="ADAL" clId="{DB115453-F3AC-CA4C-A104-E84842BDF35F}" dt="2021-02-04T15:33:43.441" v="248" actId="2696"/>
+        <pc:sldMkLst>
+          <pc:docMk/>
+          <pc:sldMk cId="3949722242" sldId="286"/>
+        </pc:sldMkLst>
+      </pc:sldChg>
+      <pc:sldChg chg="del">
+        <pc:chgData name="Khattab, Sherif" userId="c83b1e15-36f3-4f46-aceb-05aac24c545e" providerId="ADAL" clId="{DB115453-F3AC-CA4C-A104-E84842BDF35F}" dt="2021-02-04T15:33:43.441" v="248" actId="2696"/>
+        <pc:sldMkLst>
+          <pc:docMk/>
+          <pc:sldMk cId="1032220564" sldId="287"/>
+        </pc:sldMkLst>
+      </pc:sldChg>
+      <pc:sldChg chg="del">
+        <pc:chgData name="Khattab, Sherif" userId="c83b1e15-36f3-4f46-aceb-05aac24c545e" providerId="ADAL" clId="{DB115453-F3AC-CA4C-A104-E84842BDF35F}" dt="2021-02-04T15:33:43.441" v="248" actId="2696"/>
+        <pc:sldMkLst>
+          <pc:docMk/>
+          <pc:sldMk cId="1268007695" sldId="288"/>
+        </pc:sldMkLst>
+      </pc:sldChg>
+      <pc:sldChg chg="del">
+        <pc:chgData name="Khattab, Sherif" userId="c83b1e15-36f3-4f46-aceb-05aac24c545e" providerId="ADAL" clId="{DB115453-F3AC-CA4C-A104-E84842BDF35F}" dt="2021-02-04T15:33:43.441" v="248" actId="2696"/>
+        <pc:sldMkLst>
+          <pc:docMk/>
+          <pc:sldMk cId="463012687" sldId="289"/>
+        </pc:sldMkLst>
+      </pc:sldChg>
+      <pc:sldChg chg="del">
+        <pc:chgData name="Khattab, Sherif" userId="c83b1e15-36f3-4f46-aceb-05aac24c545e" providerId="ADAL" clId="{DB115453-F3AC-CA4C-A104-E84842BDF35F}" dt="2021-02-04T15:33:43.441" v="248" actId="2696"/>
+        <pc:sldMkLst>
+          <pc:docMk/>
+          <pc:sldMk cId="442392580" sldId="290"/>
+        </pc:sldMkLst>
+      </pc:sldChg>
+      <pc:sldChg chg="del">
+        <pc:chgData name="Khattab, Sherif" userId="c83b1e15-36f3-4f46-aceb-05aac24c545e" providerId="ADAL" clId="{DB115453-F3AC-CA4C-A104-E84842BDF35F}" dt="2021-02-04T14:40:10.021" v="0" actId="2696"/>
+        <pc:sldMkLst>
+          <pc:docMk/>
+          <pc:sldMk cId="2710637777" sldId="322"/>
+        </pc:sldMkLst>
+      </pc:sldChg>
+      <pc:sldChg chg="del">
+        <pc:chgData name="Khattab, Sherif" userId="c83b1e15-36f3-4f46-aceb-05aac24c545e" providerId="ADAL" clId="{DB115453-F3AC-CA4C-A104-E84842BDF35F}" dt="2021-02-04T14:40:10.021" v="0" actId="2696"/>
+        <pc:sldMkLst>
+          <pc:docMk/>
+          <pc:sldMk cId="3292918179" sldId="324"/>
+        </pc:sldMkLst>
+      </pc:sldChg>
+      <pc:sldChg chg="add del">
+        <pc:chgData name="Khattab, Sherif" userId="c83b1e15-36f3-4f46-aceb-05aac24c545e" providerId="ADAL" clId="{DB115453-F3AC-CA4C-A104-E84842BDF35F}" dt="2021-02-04T15:31:06.397" v="140" actId="2696"/>
+        <pc:sldMkLst>
+          <pc:docMk/>
+          <pc:sldMk cId="355119911" sldId="338"/>
+        </pc:sldMkLst>
+      </pc:sldChg>
+      <pc:sldChg chg="del">
+        <pc:chgData name="Khattab, Sherif" userId="c83b1e15-36f3-4f46-aceb-05aac24c545e" providerId="ADAL" clId="{DB115453-F3AC-CA4C-A104-E84842BDF35F}" dt="2021-02-04T15:31:07.222" v="141" actId="2696"/>
+        <pc:sldMkLst>
+          <pc:docMk/>
+          <pc:sldMk cId="4223572414" sldId="339"/>
+        </pc:sldMkLst>
+      </pc:sldChg>
+      <pc:sldChg chg="del">
+        <pc:chgData name="Khattab, Sherif" userId="c83b1e15-36f3-4f46-aceb-05aac24c545e" providerId="ADAL" clId="{DB115453-F3AC-CA4C-A104-E84842BDF35F}" dt="2021-02-04T15:31:08.334" v="142" actId="2696"/>
+        <pc:sldMkLst>
+          <pc:docMk/>
+          <pc:sldMk cId="470668490" sldId="340"/>
+        </pc:sldMkLst>
+      </pc:sldChg>
+      <pc:sldChg chg="del">
+        <pc:chgData name="Khattab, Sherif" userId="c83b1e15-36f3-4f46-aceb-05aac24c545e" providerId="ADAL" clId="{DB115453-F3AC-CA4C-A104-E84842BDF35F}" dt="2021-02-04T15:31:11.058" v="143" actId="2696"/>
+        <pc:sldMkLst>
+          <pc:docMk/>
+          <pc:sldMk cId="1205868326" sldId="341"/>
+        </pc:sldMkLst>
+      </pc:sldChg>
+      <pc:sldChg chg="del">
+        <pc:chgData name="Khattab, Sherif" userId="c83b1e15-36f3-4f46-aceb-05aac24c545e" providerId="ADAL" clId="{DB115453-F3AC-CA4C-A104-E84842BDF35F}" dt="2021-02-04T14:40:10.021" v="0" actId="2696"/>
+        <pc:sldMkLst>
+          <pc:docMk/>
+          <pc:sldMk cId="434376579" sldId="363"/>
+        </pc:sldMkLst>
+      </pc:sldChg>
+      <pc:sldChg chg="del">
+        <pc:chgData name="Khattab, Sherif" userId="c83b1e15-36f3-4f46-aceb-05aac24c545e" providerId="ADAL" clId="{DB115453-F3AC-CA4C-A104-E84842BDF35F}" dt="2021-02-04T14:40:10.021" v="0" actId="2696"/>
+        <pc:sldMkLst>
+          <pc:docMk/>
+          <pc:sldMk cId="815621424" sldId="364"/>
+        </pc:sldMkLst>
+      </pc:sldChg>
+      <pc:sldChg chg="del">
+        <pc:chgData name="Khattab, Sherif" userId="c83b1e15-36f3-4f46-aceb-05aac24c545e" providerId="ADAL" clId="{DB115453-F3AC-CA4C-A104-E84842BDF35F}" dt="2021-02-04T14:40:10.021" v="0" actId="2696"/>
+        <pc:sldMkLst>
+          <pc:docMk/>
+          <pc:sldMk cId="1934104099" sldId="365"/>
+        </pc:sldMkLst>
+      </pc:sldChg>
+      <pc:sldChg chg="del">
+        <pc:chgData name="Khattab, Sherif" userId="c83b1e15-36f3-4f46-aceb-05aac24c545e" providerId="ADAL" clId="{DB115453-F3AC-CA4C-A104-E84842BDF35F}" dt="2021-02-04T14:40:10.021" v="0" actId="2696"/>
+        <pc:sldMkLst>
+          <pc:docMk/>
+          <pc:sldMk cId="2782429159" sldId="366"/>
+        </pc:sldMkLst>
+      </pc:sldChg>
+      <pc:sldChg chg="del">
+        <pc:chgData name="Khattab, Sherif" userId="c83b1e15-36f3-4f46-aceb-05aac24c545e" providerId="ADAL" clId="{DB115453-F3AC-CA4C-A104-E84842BDF35F}" dt="2021-02-04T14:40:10.021" v="0" actId="2696"/>
+        <pc:sldMkLst>
+          <pc:docMk/>
+          <pc:sldMk cId="2251973667" sldId="367"/>
+        </pc:sldMkLst>
+      </pc:sldChg>
+      <pc:sldChg chg="del">
+        <pc:chgData name="Khattab, Sherif" userId="c83b1e15-36f3-4f46-aceb-05aac24c545e" providerId="ADAL" clId="{DB115453-F3AC-CA4C-A104-E84842BDF35F}" dt="2021-02-04T14:40:10.021" v="0" actId="2696"/>
+        <pc:sldMkLst>
+          <pc:docMk/>
+          <pc:sldMk cId="3138501136" sldId="368"/>
+        </pc:sldMkLst>
+      </pc:sldChg>
+      <pc:sldChg chg="del">
+        <pc:chgData name="Khattab, Sherif" userId="c83b1e15-36f3-4f46-aceb-05aac24c545e" providerId="ADAL" clId="{DB115453-F3AC-CA4C-A104-E84842BDF35F}" dt="2021-02-04T14:40:10.021" v="0" actId="2696"/>
+        <pc:sldMkLst>
+          <pc:docMk/>
+          <pc:sldMk cId="3210992163" sldId="369"/>
+        </pc:sldMkLst>
+      </pc:sldChg>
+      <pc:sldChg chg="del">
+        <pc:chgData name="Khattab, Sherif" userId="c83b1e15-36f3-4f46-aceb-05aac24c545e" providerId="ADAL" clId="{DB115453-F3AC-CA4C-A104-E84842BDF35F}" dt="2021-02-04T14:40:10.021" v="0" actId="2696"/>
+        <pc:sldMkLst>
+          <pc:docMk/>
+          <pc:sldMk cId="4013065491" sldId="370"/>
+        </pc:sldMkLst>
+      </pc:sldChg>
+      <pc:sldChg chg="del">
+        <pc:chgData name="Khattab, Sherif" userId="c83b1e15-36f3-4f46-aceb-05aac24c545e" providerId="ADAL" clId="{DB115453-F3AC-CA4C-A104-E84842BDF35F}" dt="2021-02-04T14:40:10.021" v="0" actId="2696"/>
+        <pc:sldMkLst>
+          <pc:docMk/>
+          <pc:sldMk cId="2592968416" sldId="371"/>
+        </pc:sldMkLst>
+      </pc:sldChg>
+      <pc:sldChg chg="del">
+        <pc:chgData name="Khattab, Sherif" userId="c83b1e15-36f3-4f46-aceb-05aac24c545e" providerId="ADAL" clId="{DB115453-F3AC-CA4C-A104-E84842BDF35F}" dt="2021-02-04T14:40:10.021" v="0" actId="2696"/>
+        <pc:sldMkLst>
+          <pc:docMk/>
+          <pc:sldMk cId="3848335379" sldId="372"/>
+        </pc:sldMkLst>
+      </pc:sldChg>
+      <pc:sldChg chg="del">
+        <pc:chgData name="Khattab, Sherif" userId="c83b1e15-36f3-4f46-aceb-05aac24c545e" providerId="ADAL" clId="{DB115453-F3AC-CA4C-A104-E84842BDF35F}" dt="2021-02-04T14:40:10.021" v="0" actId="2696"/>
+        <pc:sldMkLst>
+          <pc:docMk/>
+          <pc:sldMk cId="3161117264" sldId="373"/>
+        </pc:sldMkLst>
+      </pc:sldChg>
+      <pc:sldChg chg="add del">
+        <pc:chgData name="Khattab, Sherif" userId="c83b1e15-36f3-4f46-aceb-05aac24c545e" providerId="ADAL" clId="{DB115453-F3AC-CA4C-A104-E84842BDF35F}" dt="2021-02-04T15:31:05.603" v="139" actId="2696"/>
+        <pc:sldMkLst>
+          <pc:docMk/>
+          <pc:sldMk cId="1542066946" sldId="374"/>
+        </pc:sldMkLst>
+      </pc:sldChg>
+      <pc:sldChg chg="del">
+        <pc:chgData name="Khattab, Sherif" userId="c83b1e15-36f3-4f46-aceb-05aac24c545e" providerId="ADAL" clId="{DB115453-F3AC-CA4C-A104-E84842BDF35F}" dt="2021-02-04T15:31:16.315" v="144" actId="2696"/>
+        <pc:sldMkLst>
+          <pc:docMk/>
+          <pc:sldMk cId="834112894" sldId="375"/>
+        </pc:sldMkLst>
+      </pc:sldChg>
+      <pc:sldChg chg="del">
+        <pc:chgData name="Khattab, Sherif" userId="c83b1e15-36f3-4f46-aceb-05aac24c545e" providerId="ADAL" clId="{DB115453-F3AC-CA4C-A104-E84842BDF35F}" dt="2021-02-04T15:31:17.212" v="145" actId="2696"/>
+        <pc:sldMkLst>
+          <pc:docMk/>
+          <pc:sldMk cId="1165577892" sldId="376"/>
+        </pc:sldMkLst>
+      </pc:sldChg>
+      <pc:sldChg chg="del">
+        <pc:chgData name="Khattab, Sherif" userId="c83b1e15-36f3-4f46-aceb-05aac24c545e" providerId="ADAL" clId="{DB115453-F3AC-CA4C-A104-E84842BDF35F}" dt="2021-02-04T14:40:10.021" v="0" actId="2696"/>
+        <pc:sldMkLst>
+          <pc:docMk/>
+          <pc:sldMk cId="583513582" sldId="377"/>
+        </pc:sldMkLst>
+      </pc:sldChg>
+      <pc:sldChg chg="del">
+        <pc:chgData name="Khattab, Sherif" userId="c83b1e15-36f3-4f46-aceb-05aac24c545e" providerId="ADAL" clId="{DB115453-F3AC-CA4C-A104-E84842BDF35F}" dt="2021-02-04T15:33:43.441" v="248" actId="2696"/>
+        <pc:sldMkLst>
+          <pc:docMk/>
+          <pc:sldMk cId="541381985" sldId="380"/>
+        </pc:sldMkLst>
+      </pc:sldChg>
+      <pc:sldChg chg="del">
+        <pc:chgData name="Khattab, Sherif" userId="c83b1e15-36f3-4f46-aceb-05aac24c545e" providerId="ADAL" clId="{DB115453-F3AC-CA4C-A104-E84842BDF35F}" dt="2021-02-04T15:33:43.441" v="248" actId="2696"/>
+        <pc:sldMkLst>
+          <pc:docMk/>
+          <pc:sldMk cId="2235897330" sldId="381"/>
+        </pc:sldMkLst>
+      </pc:sldChg>
+      <pc:sldChg chg="del">
+        <pc:chgData name="Khattab, Sherif" userId="c83b1e15-36f3-4f46-aceb-05aac24c545e" providerId="ADAL" clId="{DB115453-F3AC-CA4C-A104-E84842BDF35F}" dt="2021-02-04T15:33:43.441" v="248" actId="2696"/>
+        <pc:sldMkLst>
+          <pc:docMk/>
+          <pc:sldMk cId="3360044446" sldId="382"/>
+        </pc:sldMkLst>
+      </pc:sldChg>
+      <pc:sldChg chg="del">
+        <pc:chgData name="Khattab, Sherif" userId="c83b1e15-36f3-4f46-aceb-05aac24c545e" providerId="ADAL" clId="{DB115453-F3AC-CA4C-A104-E84842BDF35F}" dt="2021-02-04T15:33:43.441" v="248" actId="2696"/>
+        <pc:sldMkLst>
+          <pc:docMk/>
+          <pc:sldMk cId="1954384084" sldId="383"/>
+        </pc:sldMkLst>
+      </pc:sldChg>
+      <pc:sldChg chg="del">
+        <pc:chgData name="Khattab, Sherif" userId="c83b1e15-36f3-4f46-aceb-05aac24c545e" providerId="ADAL" clId="{DB115453-F3AC-CA4C-A104-E84842BDF35F}" dt="2021-02-04T15:33:43.441" v="248" actId="2696"/>
+        <pc:sldMkLst>
+          <pc:docMk/>
+          <pc:sldMk cId="220759689" sldId="384"/>
+        </pc:sldMkLst>
+      </pc:sldChg>
+      <pc:sldChg chg="del">
+        <pc:chgData name="Khattab, Sherif" userId="c83b1e15-36f3-4f46-aceb-05aac24c545e" providerId="ADAL" clId="{DB115453-F3AC-CA4C-A104-E84842BDF35F}" dt="2021-02-04T15:33:43.441" v="248" actId="2696"/>
+        <pc:sldMkLst>
+          <pc:docMk/>
+          <pc:sldMk cId="2809799376" sldId="385"/>
+        </pc:sldMkLst>
+      </pc:sldChg>
+      <pc:sldChg chg="del">
+        <pc:chgData name="Khattab, Sherif" userId="c83b1e15-36f3-4f46-aceb-05aac24c545e" providerId="ADAL" clId="{DB115453-F3AC-CA4C-A104-E84842BDF35F}" dt="2021-02-04T14:40:10.021" v="0" actId="2696"/>
+        <pc:sldMkLst>
+          <pc:docMk/>
+          <pc:sldMk cId="2329144619" sldId="445"/>
+        </pc:sldMkLst>
+      </pc:sldChg>
+      <pc:sldChg chg="del">
+        <pc:chgData name="Khattab, Sherif" userId="c83b1e15-36f3-4f46-aceb-05aac24c545e" providerId="ADAL" clId="{DB115453-F3AC-CA4C-A104-E84842BDF35F}" dt="2021-02-04T14:40:10.021" v="0" actId="2696"/>
+        <pc:sldMkLst>
+          <pc:docMk/>
+          <pc:sldMk cId="1783368962" sldId="448"/>
+        </pc:sldMkLst>
+      </pc:sldChg>
+      <pc:sldChg chg="del">
+        <pc:chgData name="Khattab, Sherif" userId="c83b1e15-36f3-4f46-aceb-05aac24c545e" providerId="ADAL" clId="{DB115453-F3AC-CA4C-A104-E84842BDF35F}" dt="2021-02-04T14:40:10.021" v="0" actId="2696"/>
+        <pc:sldMkLst>
+          <pc:docMk/>
+          <pc:sldMk cId="2276002102" sldId="451"/>
+        </pc:sldMkLst>
+      </pc:sldChg>
+      <pc:sldChg chg="del">
+        <pc:chgData name="Khattab, Sherif" userId="c83b1e15-36f3-4f46-aceb-05aac24c545e" providerId="ADAL" clId="{DB115453-F3AC-CA4C-A104-E84842BDF35F}" dt="2021-02-04T15:33:43.441" v="248" actId="2696"/>
+        <pc:sldMkLst>
+          <pc:docMk/>
+          <pc:sldMk cId="2163467695" sldId="455"/>
+        </pc:sldMkLst>
+      </pc:sldChg>
+      <pc:sldChg chg="del">
+        <pc:chgData name="Khattab, Sherif" userId="c83b1e15-36f3-4f46-aceb-05aac24c545e" providerId="ADAL" clId="{DB115453-F3AC-CA4C-A104-E84842BDF35F}" dt="2021-02-04T15:33:43.441" v="248" actId="2696"/>
+        <pc:sldMkLst>
+          <pc:docMk/>
+          <pc:sldMk cId="3400641916" sldId="456"/>
+        </pc:sldMkLst>
+      </pc:sldChg>
+      <pc:sldChg chg="del">
+        <pc:chgData name="Khattab, Sherif" userId="c83b1e15-36f3-4f46-aceb-05aac24c545e" providerId="ADAL" clId="{DB115453-F3AC-CA4C-A104-E84842BDF35F}" dt="2021-02-04T15:33:43.441" v="248" actId="2696"/>
+        <pc:sldMkLst>
+          <pc:docMk/>
+          <pc:sldMk cId="2840639230" sldId="457"/>
+        </pc:sldMkLst>
+      </pc:sldChg>
+      <pc:sldChg chg="del">
+        <pc:chgData name="Khattab, Sherif" userId="c83b1e15-36f3-4f46-aceb-05aac24c545e" providerId="ADAL" clId="{DB115453-F3AC-CA4C-A104-E84842BDF35F}" dt="2021-02-04T15:33:43.441" v="248" actId="2696"/>
+        <pc:sldMkLst>
+          <pc:docMk/>
+          <pc:sldMk cId="2116012598" sldId="458"/>
+        </pc:sldMkLst>
+      </pc:sldChg>
+      <pc:sldChg chg="del">
+        <pc:chgData name="Khattab, Sherif" userId="c83b1e15-36f3-4f46-aceb-05aac24c545e" providerId="ADAL" clId="{DB115453-F3AC-CA4C-A104-E84842BDF35F}" dt="2021-02-04T15:33:43.441" v="248" actId="2696"/>
+        <pc:sldMkLst>
+          <pc:docMk/>
+          <pc:sldMk cId="1816629761" sldId="459"/>
+        </pc:sldMkLst>
+      </pc:sldChg>
+      <pc:sldChg chg="del">
+        <pc:chgData name="Khattab, Sherif" userId="c83b1e15-36f3-4f46-aceb-05aac24c545e" providerId="ADAL" clId="{DB115453-F3AC-CA4C-A104-E84842BDF35F}" dt="2021-02-04T15:33:43.441" v="248" actId="2696"/>
+        <pc:sldMkLst>
+          <pc:docMk/>
+          <pc:sldMk cId="4107670357" sldId="460"/>
+        </pc:sldMkLst>
+      </pc:sldChg>
+      <pc:sldChg chg="del">
+        <pc:chgData name="Khattab, Sherif" userId="c83b1e15-36f3-4f46-aceb-05aac24c545e" providerId="ADAL" clId="{DB115453-F3AC-CA4C-A104-E84842BDF35F}" dt="2021-02-04T15:33:43.441" v="248" actId="2696"/>
+        <pc:sldMkLst>
+          <pc:docMk/>
+          <pc:sldMk cId="3714784862" sldId="461"/>
+        </pc:sldMkLst>
+      </pc:sldChg>
+      <pc:sldChg chg="del">
+        <pc:chgData name="Khattab, Sherif" userId="c83b1e15-36f3-4f46-aceb-05aac24c545e" providerId="ADAL" clId="{DB115453-F3AC-CA4C-A104-E84842BDF35F}" dt="2021-02-04T15:33:43.441" v="248" actId="2696"/>
+        <pc:sldMkLst>
+          <pc:docMk/>
+          <pc:sldMk cId="931898487" sldId="462"/>
+        </pc:sldMkLst>
+      </pc:sldChg>
+      <pc:sldChg chg="del">
+        <pc:chgData name="Khattab, Sherif" userId="c83b1e15-36f3-4f46-aceb-05aac24c545e" providerId="ADAL" clId="{DB115453-F3AC-CA4C-A104-E84842BDF35F}" dt="2021-02-04T15:33:43.441" v="248" actId="2696"/>
+        <pc:sldMkLst>
+          <pc:docMk/>
+          <pc:sldMk cId="1471081860" sldId="463"/>
+        </pc:sldMkLst>
+      </pc:sldChg>
+      <pc:sldChg chg="del">
+        <pc:chgData name="Khattab, Sherif" userId="c83b1e15-36f3-4f46-aceb-05aac24c545e" providerId="ADAL" clId="{DB115453-F3AC-CA4C-A104-E84842BDF35F}" dt="2021-02-04T15:33:43.441" v="248" actId="2696"/>
+        <pc:sldMkLst>
+          <pc:docMk/>
+          <pc:sldMk cId="574001865" sldId="464"/>
+        </pc:sldMkLst>
+      </pc:sldChg>
+      <pc:sldChg chg="del">
+        <pc:chgData name="Khattab, Sherif" userId="c83b1e15-36f3-4f46-aceb-05aac24c545e" providerId="ADAL" clId="{DB115453-F3AC-CA4C-A104-E84842BDF35F}" dt="2021-02-04T15:33:43.441" v="248" actId="2696"/>
+        <pc:sldMkLst>
+          <pc:docMk/>
+          <pc:sldMk cId="2156977365" sldId="465"/>
+        </pc:sldMkLst>
+      </pc:sldChg>
+      <pc:sldChg chg="del">
+        <pc:chgData name="Khattab, Sherif" userId="c83b1e15-36f3-4f46-aceb-05aac24c545e" providerId="ADAL" clId="{DB115453-F3AC-CA4C-A104-E84842BDF35F}" dt="2021-02-04T15:33:43.441" v="248" actId="2696"/>
+        <pc:sldMkLst>
+          <pc:docMk/>
+          <pc:sldMk cId="117329803" sldId="466"/>
+        </pc:sldMkLst>
+      </pc:sldChg>
+      <pc:sldChg chg="del">
+        <pc:chgData name="Khattab, Sherif" userId="c83b1e15-36f3-4f46-aceb-05aac24c545e" providerId="ADAL" clId="{DB115453-F3AC-CA4C-A104-E84842BDF35F}" dt="2021-02-04T15:33:43.441" v="248" actId="2696"/>
+        <pc:sldMkLst>
+          <pc:docMk/>
+          <pc:sldMk cId="3643915362" sldId="467"/>
+        </pc:sldMkLst>
+      </pc:sldChg>
+      <pc:sldChg chg="del">
+        <pc:chgData name="Khattab, Sherif" userId="c83b1e15-36f3-4f46-aceb-05aac24c545e" providerId="ADAL" clId="{DB115453-F3AC-CA4C-A104-E84842BDF35F}" dt="2021-02-04T15:33:43.441" v="248" actId="2696"/>
+        <pc:sldMkLst>
+          <pc:docMk/>
+          <pc:sldMk cId="1593910045" sldId="468"/>
+        </pc:sldMkLst>
+      </pc:sldChg>
+      <pc:sldChg chg="del">
+        <pc:chgData name="Khattab, Sherif" userId="c83b1e15-36f3-4f46-aceb-05aac24c545e" providerId="ADAL" clId="{DB115453-F3AC-CA4C-A104-E84842BDF35F}" dt="2021-02-04T15:33:43.441" v="248" actId="2696"/>
+        <pc:sldMkLst>
+          <pc:docMk/>
+          <pc:sldMk cId="3392020218" sldId="469"/>
+        </pc:sldMkLst>
+      </pc:sldChg>
+      <pc:sldChg chg="del">
+        <pc:chgData name="Khattab, Sherif" userId="c83b1e15-36f3-4f46-aceb-05aac24c545e" providerId="ADAL" clId="{DB115453-F3AC-CA4C-A104-E84842BDF35F}" dt="2021-02-04T15:33:43.441" v="248" actId="2696"/>
+        <pc:sldMkLst>
+          <pc:docMk/>
+          <pc:sldMk cId="3824051756" sldId="470"/>
+        </pc:sldMkLst>
+      </pc:sldChg>
+      <pc:sldChg chg="del">
+        <pc:chgData name="Khattab, Sherif" userId="c83b1e15-36f3-4f46-aceb-05aac24c545e" providerId="ADAL" clId="{DB115453-F3AC-CA4C-A104-E84842BDF35F}" dt="2021-02-04T15:33:43.441" v="248" actId="2696"/>
+        <pc:sldMkLst>
+          <pc:docMk/>
+          <pc:sldMk cId="1025764700" sldId="471"/>
+        </pc:sldMkLst>
+      </pc:sldChg>
+      <pc:sldChg chg="del">
+        <pc:chgData name="Khattab, Sherif" userId="c83b1e15-36f3-4f46-aceb-05aac24c545e" providerId="ADAL" clId="{DB115453-F3AC-CA4C-A104-E84842BDF35F}" dt="2021-02-04T15:33:43.441" v="248" actId="2696"/>
+        <pc:sldMkLst>
+          <pc:docMk/>
+          <pc:sldMk cId="3109107092" sldId="472"/>
+        </pc:sldMkLst>
+      </pc:sldChg>
+      <pc:sldChg chg="del">
+        <pc:chgData name="Khattab, Sherif" userId="c83b1e15-36f3-4f46-aceb-05aac24c545e" providerId="ADAL" clId="{DB115453-F3AC-CA4C-A104-E84842BDF35F}" dt="2021-02-04T15:33:43.441" v="248" actId="2696"/>
+        <pc:sldMkLst>
+          <pc:docMk/>
+          <pc:sldMk cId="2185675405" sldId="473"/>
+        </pc:sldMkLst>
+      </pc:sldChg>
+      <pc:sldChg chg="del">
+        <pc:chgData name="Khattab, Sherif" userId="c83b1e15-36f3-4f46-aceb-05aac24c545e" providerId="ADAL" clId="{DB115453-F3AC-CA4C-A104-E84842BDF35F}" dt="2021-02-04T15:33:43.441" v="248" actId="2696"/>
+        <pc:sldMkLst>
+          <pc:docMk/>
+          <pc:sldMk cId="1719184921" sldId="474"/>
+        </pc:sldMkLst>
+      </pc:sldChg>
+      <pc:sldChg chg="del">
+        <pc:chgData name="Khattab, Sherif" userId="c83b1e15-36f3-4f46-aceb-05aac24c545e" providerId="ADAL" clId="{DB115453-F3AC-CA4C-A104-E84842BDF35F}" dt="2021-02-04T15:33:43.441" v="248" actId="2696"/>
+        <pc:sldMkLst>
+          <pc:docMk/>
+          <pc:sldMk cId="3632958702" sldId="475"/>
+        </pc:sldMkLst>
+      </pc:sldChg>
+      <pc:sldChg chg="del">
+        <pc:chgData name="Khattab, Sherif" userId="c83b1e15-36f3-4f46-aceb-05aac24c545e" providerId="ADAL" clId="{DB115453-F3AC-CA4C-A104-E84842BDF35F}" dt="2021-02-04T15:33:43.441" v="248" actId="2696"/>
+        <pc:sldMkLst>
+          <pc:docMk/>
+          <pc:sldMk cId="2634117846" sldId="476"/>
+        </pc:sldMkLst>
+      </pc:sldChg>
+      <pc:sldChg chg="del">
+        <pc:chgData name="Khattab, Sherif" userId="c83b1e15-36f3-4f46-aceb-05aac24c545e" providerId="ADAL" clId="{DB115453-F3AC-CA4C-A104-E84842BDF35F}" dt="2021-02-04T15:33:43.441" v="248" actId="2696"/>
+        <pc:sldMkLst>
+          <pc:docMk/>
+          <pc:sldMk cId="4038969182" sldId="477"/>
+        </pc:sldMkLst>
+      </pc:sldChg>
+      <pc:sldChg chg="del">
+        <pc:chgData name="Khattab, Sherif" userId="c83b1e15-36f3-4f46-aceb-05aac24c545e" providerId="ADAL" clId="{DB115453-F3AC-CA4C-A104-E84842BDF35F}" dt="2021-02-04T15:33:43.441" v="248" actId="2696"/>
+        <pc:sldMkLst>
+          <pc:docMk/>
+          <pc:sldMk cId="326259628" sldId="478"/>
+        </pc:sldMkLst>
+      </pc:sldChg>
+      <pc:sldChg chg="del">
+        <pc:chgData name="Khattab, Sherif" userId="c83b1e15-36f3-4f46-aceb-05aac24c545e" providerId="ADAL" clId="{DB115453-F3AC-CA4C-A104-E84842BDF35F}" dt="2021-02-04T15:33:43.441" v="248" actId="2696"/>
+        <pc:sldMkLst>
+          <pc:docMk/>
+          <pc:sldMk cId="873856523" sldId="479"/>
+        </pc:sldMkLst>
+      </pc:sldChg>
+      <pc:sldChg chg="del">
+        <pc:chgData name="Khattab, Sherif" userId="c83b1e15-36f3-4f46-aceb-05aac24c545e" providerId="ADAL" clId="{DB115453-F3AC-CA4C-A104-E84842BDF35F}" dt="2021-02-04T15:33:43.441" v="248" actId="2696"/>
+        <pc:sldMkLst>
+          <pc:docMk/>
+          <pc:sldMk cId="3465344065" sldId="480"/>
+        </pc:sldMkLst>
+      </pc:sldChg>
+      <pc:sldChg chg="del">
+        <pc:chgData name="Khattab, Sherif" userId="c83b1e15-36f3-4f46-aceb-05aac24c545e" providerId="ADAL" clId="{DB115453-F3AC-CA4C-A104-E84842BDF35F}" dt="2021-02-04T15:33:43.441" v="248" actId="2696"/>
+        <pc:sldMkLst>
+          <pc:docMk/>
+          <pc:sldMk cId="2002489455" sldId="481"/>
+        </pc:sldMkLst>
+      </pc:sldChg>
+      <pc:sldChg chg="del">
+        <pc:chgData name="Khattab, Sherif" userId="c83b1e15-36f3-4f46-aceb-05aac24c545e" providerId="ADAL" clId="{DB115453-F3AC-CA4C-A104-E84842BDF35F}" dt="2021-02-04T15:33:43.441" v="248" actId="2696"/>
+        <pc:sldMkLst>
+          <pc:docMk/>
+          <pc:sldMk cId="1560930406" sldId="482"/>
+        </pc:sldMkLst>
+      </pc:sldChg>
+      <pc:sldChg chg="del">
+        <pc:chgData name="Khattab, Sherif" userId="c83b1e15-36f3-4f46-aceb-05aac24c545e" providerId="ADAL" clId="{DB115453-F3AC-CA4C-A104-E84842BDF35F}" dt="2021-02-04T15:33:43.441" v="248" actId="2696"/>
+        <pc:sldMkLst>
+          <pc:docMk/>
+          <pc:sldMk cId="1387835057" sldId="483"/>
+        </pc:sldMkLst>
+      </pc:sldChg>
+      <pc:sldChg chg="del">
+        <pc:chgData name="Khattab, Sherif" userId="c83b1e15-36f3-4f46-aceb-05aac24c545e" providerId="ADAL" clId="{DB115453-F3AC-CA4C-A104-E84842BDF35F}" dt="2021-02-04T15:33:43.441" v="248" actId="2696"/>
+        <pc:sldMkLst>
+          <pc:docMk/>
+          <pc:sldMk cId="1948397067" sldId="484"/>
+        </pc:sldMkLst>
+      </pc:sldChg>
+      <pc:sldChg chg="del">
+        <pc:chgData name="Khattab, Sherif" userId="c83b1e15-36f3-4f46-aceb-05aac24c545e" providerId="ADAL" clId="{DB115453-F3AC-CA4C-A104-E84842BDF35F}" dt="2021-02-04T15:33:43.441" v="248" actId="2696"/>
+        <pc:sldMkLst>
+          <pc:docMk/>
+          <pc:sldMk cId="3473693154" sldId="485"/>
+        </pc:sldMkLst>
+      </pc:sldChg>
+      <pc:sldChg chg="del">
+        <pc:chgData name="Khattab, Sherif" userId="c83b1e15-36f3-4f46-aceb-05aac24c545e" providerId="ADAL" clId="{DB115453-F3AC-CA4C-A104-E84842BDF35F}" dt="2021-02-04T15:33:43.441" v="248" actId="2696"/>
+        <pc:sldMkLst>
+          <pc:docMk/>
+          <pc:sldMk cId="2983945636" sldId="486"/>
+        </pc:sldMkLst>
+      </pc:sldChg>
+      <pc:sldChg chg="del">
+        <pc:chgData name="Khattab, Sherif" userId="c83b1e15-36f3-4f46-aceb-05aac24c545e" providerId="ADAL" clId="{DB115453-F3AC-CA4C-A104-E84842BDF35F}" dt="2021-02-04T15:33:43.441" v="248" actId="2696"/>
+        <pc:sldMkLst>
+          <pc:docMk/>
+          <pc:sldMk cId="3673539870" sldId="487"/>
+        </pc:sldMkLst>
+      </pc:sldChg>
+      <pc:sldChg chg="del">
+        <pc:chgData name="Khattab, Sherif" userId="c83b1e15-36f3-4f46-aceb-05aac24c545e" providerId="ADAL" clId="{DB115453-F3AC-CA4C-A104-E84842BDF35F}" dt="2021-02-04T15:33:43.441" v="248" actId="2696"/>
+        <pc:sldMkLst>
+          <pc:docMk/>
+          <pc:sldMk cId="1363323927" sldId="488"/>
+        </pc:sldMkLst>
+      </pc:sldChg>
+      <pc:sldChg chg="del">
+        <pc:chgData name="Khattab, Sherif" userId="c83b1e15-36f3-4f46-aceb-05aac24c545e" providerId="ADAL" clId="{DB115453-F3AC-CA4C-A104-E84842BDF35F}" dt="2021-02-04T15:33:43.441" v="248" actId="2696"/>
+        <pc:sldMkLst>
+          <pc:docMk/>
+          <pc:sldMk cId="936409682" sldId="489"/>
+        </pc:sldMkLst>
+      </pc:sldChg>
+      <pc:sldChg chg="del">
+        <pc:chgData name="Khattab, Sherif" userId="c83b1e15-36f3-4f46-aceb-05aac24c545e" providerId="ADAL" clId="{DB115453-F3AC-CA4C-A104-E84842BDF35F}" dt="2021-02-04T15:33:43.441" v="248" actId="2696"/>
+        <pc:sldMkLst>
+          <pc:docMk/>
+          <pc:sldMk cId="3252833104" sldId="490"/>
+        </pc:sldMkLst>
+      </pc:sldChg>
+      <pc:sldChg chg="del">
+        <pc:chgData name="Khattab, Sherif" userId="c83b1e15-36f3-4f46-aceb-05aac24c545e" providerId="ADAL" clId="{DB115453-F3AC-CA4C-A104-E84842BDF35F}" dt="2021-02-04T15:33:43.441" v="248" actId="2696"/>
+        <pc:sldMkLst>
+          <pc:docMk/>
+          <pc:sldMk cId="3413759872" sldId="491"/>
+        </pc:sldMkLst>
+      </pc:sldChg>
+      <pc:sldChg chg="del">
+        <pc:chgData name="Khattab, Sherif" userId="c83b1e15-36f3-4f46-aceb-05aac24c545e" providerId="ADAL" clId="{DB115453-F3AC-CA4C-A104-E84842BDF35F}" dt="2021-02-04T15:33:43.441" v="248" actId="2696"/>
+        <pc:sldMkLst>
+          <pc:docMk/>
+          <pc:sldMk cId="1930502979" sldId="492"/>
+        </pc:sldMkLst>
+      </pc:sldChg>
+      <pc:sldChg chg="del">
+        <pc:chgData name="Khattab, Sherif" userId="c83b1e15-36f3-4f46-aceb-05aac24c545e" providerId="ADAL" clId="{DB115453-F3AC-CA4C-A104-E84842BDF35F}" dt="2021-02-04T15:33:43.441" v="248" actId="2696"/>
+        <pc:sldMkLst>
+          <pc:docMk/>
+          <pc:sldMk cId="220106575" sldId="493"/>
+        </pc:sldMkLst>
+      </pc:sldChg>
+      <pc:sldChg chg="del">
+        <pc:chgData name="Khattab, Sherif" userId="c83b1e15-36f3-4f46-aceb-05aac24c545e" providerId="ADAL" clId="{DB115453-F3AC-CA4C-A104-E84842BDF35F}" dt="2021-02-04T15:33:43.441" v="248" actId="2696"/>
+        <pc:sldMkLst>
+          <pc:docMk/>
+          <pc:sldMk cId="3447713174" sldId="494"/>
+        </pc:sldMkLst>
+      </pc:sldChg>
+      <pc:sldChg chg="del">
+        <pc:chgData name="Khattab, Sherif" userId="c83b1e15-36f3-4f46-aceb-05aac24c545e" providerId="ADAL" clId="{DB115453-F3AC-CA4C-A104-E84842BDF35F}" dt="2021-02-04T15:33:43.441" v="248" actId="2696"/>
+        <pc:sldMkLst>
+          <pc:docMk/>
+          <pc:sldMk cId="2129126942" sldId="495"/>
+        </pc:sldMkLst>
+      </pc:sldChg>
+      <pc:sldChg chg="del">
+        <pc:chgData name="Khattab, Sherif" userId="c83b1e15-36f3-4f46-aceb-05aac24c545e" providerId="ADAL" clId="{DB115453-F3AC-CA4C-A104-E84842BDF35F}" dt="2021-02-04T15:27:42.361" v="1" actId="2696"/>
+        <pc:sldMkLst>
+          <pc:docMk/>
+          <pc:sldMk cId="702367729" sldId="496"/>
+        </pc:sldMkLst>
+      </pc:sldChg>
+      <pc:sldChg chg="modSp add mod">
+        <pc:chgData name="Khattab, Sherif" userId="c83b1e15-36f3-4f46-aceb-05aac24c545e" providerId="ADAL" clId="{DB115453-F3AC-CA4C-A104-E84842BDF35F}" dt="2021-02-04T15:28:43.918" v="56" actId="27636"/>
         <pc:sldMkLst>
           <pc:docMk/>
           <pc:sldMk cId="3903507516" sldId="498"/>
         </pc:sldMkLst>
         <pc:spChg chg="mod">
-          <ac:chgData name="Khattab, Sherif" userId="c83b1e15-36f3-4f46-aceb-05aac24c545e" providerId="ADAL" clId="{435C15CD-3872-3940-BF6F-A860DC6B787C}" dt="2021-02-11T17:37:30.575" v="21" actId="20577"/>
+          <ac:chgData name="Khattab, Sherif" userId="c83b1e15-36f3-4f46-aceb-05aac24c545e" providerId="ADAL" clId="{DB115453-F3AC-CA4C-A104-E84842BDF35F}" dt="2021-02-04T15:28:43.918" v="56" actId="27636"/>
           <ac:spMkLst>
             <pc:docMk/>
             <pc:sldMk cId="3903507516" sldId="498"/>
@@ -6108,18 +4145,187 @@
           </ac:spMkLst>
         </pc:spChg>
       </pc:sldChg>
-      <pc:sldChg chg="modSp mod">
-        <pc:chgData name="Khattab, Sherif" userId="c83b1e15-36f3-4f46-aceb-05aac24c545e" providerId="ADAL" clId="{435C15CD-3872-3940-BF6F-A860DC6B787C}" dt="2021-02-11T19:36:10.584" v="22" actId="20577"/>
-        <pc:sldMkLst>
-          <pc:docMk/>
-          <pc:sldMk cId="1616471687" sldId="518"/>
-        </pc:sldMkLst>
-        <pc:spChg chg="mod">
-          <ac:chgData name="Khattab, Sherif" userId="c83b1e15-36f3-4f46-aceb-05aac24c545e" providerId="ADAL" clId="{435C15CD-3872-3940-BF6F-A860DC6B787C}" dt="2021-02-11T19:36:10.584" v="22" actId="20577"/>
-          <ac:spMkLst>
-            <pc:docMk/>
-            <pc:sldMk cId="1616471687" sldId="518"/>
-            <ac:spMk id="3" creationId="{E4EE9F6E-8491-D241-9B4D-EB09A47CA615}"/>
+      <pc:sldChg chg="modSp add mod modAnim">
+        <pc:chgData name="Khattab, Sherif" userId="c83b1e15-36f3-4f46-aceb-05aac24c545e" providerId="ADAL" clId="{DB115453-F3AC-CA4C-A104-E84842BDF35F}" dt="2021-02-04T15:47:09.746" v="608" actId="20577"/>
+        <pc:sldMkLst>
+          <pc:docMk/>
+          <pc:sldMk cId="4202616107" sldId="500"/>
+        </pc:sldMkLst>
+        <pc:spChg chg="mod">
+          <ac:chgData name="Khattab, Sherif" userId="c83b1e15-36f3-4f46-aceb-05aac24c545e" providerId="ADAL" clId="{DB115453-F3AC-CA4C-A104-E84842BDF35F}" dt="2021-02-04T15:47:09.746" v="608" actId="20577"/>
+          <ac:spMkLst>
+            <pc:docMk/>
+            <pc:sldMk cId="4202616107" sldId="500"/>
+            <ac:spMk id="2" creationId="{6BF01C35-B7E9-AD43-99C8-95170559C8A0}"/>
+          </ac:spMkLst>
+        </pc:spChg>
+        <pc:spChg chg="mod">
+          <ac:chgData name="Khattab, Sherif" userId="c83b1e15-36f3-4f46-aceb-05aac24c545e" providerId="ADAL" clId="{DB115453-F3AC-CA4C-A104-E84842BDF35F}" dt="2021-02-04T15:46:50.286" v="600" actId="255"/>
+          <ac:spMkLst>
+            <pc:docMk/>
+            <pc:sldMk cId="4202616107" sldId="500"/>
+            <ac:spMk id="3" creationId="{443F42C8-5750-0341-86AA-B64ED9D37EB6}"/>
+          </ac:spMkLst>
+        </pc:spChg>
+      </pc:sldChg>
+      <pc:sldChg chg="modSp add mod">
+        <pc:chgData name="Khattab, Sherif" userId="c83b1e15-36f3-4f46-aceb-05aac24c545e" providerId="ADAL" clId="{DB115453-F3AC-CA4C-A104-E84842BDF35F}" dt="2021-02-04T15:29:15.709" v="79" actId="20577"/>
+        <pc:sldMkLst>
+          <pc:docMk/>
+          <pc:sldMk cId="2116864396" sldId="505"/>
+        </pc:sldMkLst>
+        <pc:spChg chg="mod">
+          <ac:chgData name="Khattab, Sherif" userId="c83b1e15-36f3-4f46-aceb-05aac24c545e" providerId="ADAL" clId="{DB115453-F3AC-CA4C-A104-E84842BDF35F}" dt="2021-02-04T15:29:08.408" v="76" actId="20577"/>
+          <ac:spMkLst>
+            <pc:docMk/>
+            <pc:sldMk cId="2116864396" sldId="505"/>
+            <ac:spMk id="2" creationId="{4697D5D8-73B6-46FE-9121-07FEE70D566F}"/>
+          </ac:spMkLst>
+        </pc:spChg>
+        <pc:spChg chg="mod">
+          <ac:chgData name="Khattab, Sherif" userId="c83b1e15-36f3-4f46-aceb-05aac24c545e" providerId="ADAL" clId="{DB115453-F3AC-CA4C-A104-E84842BDF35F}" dt="2021-02-04T15:29:15.709" v="79" actId="20577"/>
+          <ac:spMkLst>
+            <pc:docMk/>
+            <pc:sldMk cId="2116864396" sldId="505"/>
+            <ac:spMk id="3" creationId="{9FDE3B14-90B9-4B5A-83C7-6E633E32EA28}"/>
+          </ac:spMkLst>
+        </pc:spChg>
+      </pc:sldChg>
+      <pc:sldChg chg="modSp add mod">
+        <pc:chgData name="Khattab, Sherif" userId="c83b1e15-36f3-4f46-aceb-05aac24c545e" providerId="ADAL" clId="{DB115453-F3AC-CA4C-A104-E84842BDF35F}" dt="2021-02-04T15:31:59.274" v="224" actId="20577"/>
+        <pc:sldMkLst>
+          <pc:docMk/>
+          <pc:sldMk cId="3652489610" sldId="506"/>
+        </pc:sldMkLst>
+        <pc:spChg chg="mod">
+          <ac:chgData name="Khattab, Sherif" userId="c83b1e15-36f3-4f46-aceb-05aac24c545e" providerId="ADAL" clId="{DB115453-F3AC-CA4C-A104-E84842BDF35F}" dt="2021-02-04T15:31:59.274" v="224" actId="20577"/>
+          <ac:spMkLst>
+            <pc:docMk/>
+            <pc:sldMk cId="3652489610" sldId="506"/>
+            <ac:spMk id="3" creationId="{9FDE3B14-90B9-4B5A-83C7-6E633E32EA28}"/>
+          </ac:spMkLst>
+        </pc:spChg>
+      </pc:sldChg>
+      <pc:sldChg chg="add">
+        <pc:chgData name="Khattab, Sherif" userId="c83b1e15-36f3-4f46-aceb-05aac24c545e" providerId="ADAL" clId="{DB115453-F3AC-CA4C-A104-E84842BDF35F}" dt="2021-02-04T15:30:24.998" v="136"/>
+        <pc:sldMkLst>
+          <pc:docMk/>
+          <pc:sldMk cId="4218373473" sldId="507"/>
+        </pc:sldMkLst>
+      </pc:sldChg>
+      <pc:sldChg chg="add">
+        <pc:chgData name="Khattab, Sherif" userId="c83b1e15-36f3-4f46-aceb-05aac24c545e" providerId="ADAL" clId="{DB115453-F3AC-CA4C-A104-E84842BDF35F}" dt="2021-02-04T15:30:24.998" v="136"/>
+        <pc:sldMkLst>
+          <pc:docMk/>
+          <pc:sldMk cId="2005153346" sldId="508"/>
+        </pc:sldMkLst>
+      </pc:sldChg>
+      <pc:sldChg chg="add">
+        <pc:chgData name="Khattab, Sherif" userId="c83b1e15-36f3-4f46-aceb-05aac24c545e" providerId="ADAL" clId="{DB115453-F3AC-CA4C-A104-E84842BDF35F}" dt="2021-02-04T15:30:24.998" v="136"/>
+        <pc:sldMkLst>
+          <pc:docMk/>
+          <pc:sldMk cId="707882026" sldId="509"/>
+        </pc:sldMkLst>
+      </pc:sldChg>
+      <pc:sldChg chg="add">
+        <pc:chgData name="Khattab, Sherif" userId="c83b1e15-36f3-4f46-aceb-05aac24c545e" providerId="ADAL" clId="{DB115453-F3AC-CA4C-A104-E84842BDF35F}" dt="2021-02-04T15:30:24.998" v="136"/>
+        <pc:sldMkLst>
+          <pc:docMk/>
+          <pc:sldMk cId="2108493189" sldId="510"/>
+        </pc:sldMkLst>
+      </pc:sldChg>
+      <pc:sldChg chg="add">
+        <pc:chgData name="Khattab, Sherif" userId="c83b1e15-36f3-4f46-aceb-05aac24c545e" providerId="ADAL" clId="{DB115453-F3AC-CA4C-A104-E84842BDF35F}" dt="2021-02-04T15:30:24.998" v="136"/>
+        <pc:sldMkLst>
+          <pc:docMk/>
+          <pc:sldMk cId="2618280309" sldId="511"/>
+        </pc:sldMkLst>
+      </pc:sldChg>
+      <pc:sldChg chg="add">
+        <pc:chgData name="Khattab, Sherif" userId="c83b1e15-36f3-4f46-aceb-05aac24c545e" providerId="ADAL" clId="{DB115453-F3AC-CA4C-A104-E84842BDF35F}" dt="2021-02-04T15:30:24.998" v="136"/>
+        <pc:sldMkLst>
+          <pc:docMk/>
+          <pc:sldMk cId="3748394407" sldId="512"/>
+        </pc:sldMkLst>
+      </pc:sldChg>
+      <pc:sldChg chg="add">
+        <pc:chgData name="Khattab, Sherif" userId="c83b1e15-36f3-4f46-aceb-05aac24c545e" providerId="ADAL" clId="{DB115453-F3AC-CA4C-A104-E84842BDF35F}" dt="2021-02-04T15:30:24.998" v="136"/>
+        <pc:sldMkLst>
+          <pc:docMk/>
+          <pc:sldMk cId="1413167954" sldId="513"/>
+        </pc:sldMkLst>
+      </pc:sldChg>
+      <pc:sldChg chg="add del ord">
+        <pc:chgData name="Khattab, Sherif" userId="c83b1e15-36f3-4f46-aceb-05aac24c545e" providerId="ADAL" clId="{DB115453-F3AC-CA4C-A104-E84842BDF35F}" dt="2021-02-04T15:47:37.779" v="610" actId="2696"/>
+        <pc:sldMkLst>
+          <pc:docMk/>
+          <pc:sldMk cId="1518151792" sldId="514"/>
+        </pc:sldMkLst>
+      </pc:sldChg>
+      <pc:sldChg chg="modSp add mod">
+        <pc:chgData name="Khattab, Sherif" userId="c83b1e15-36f3-4f46-aceb-05aac24c545e" providerId="ADAL" clId="{DB115453-F3AC-CA4C-A104-E84842BDF35F}" dt="2021-02-04T15:47:51.327" v="632" actId="20577"/>
+        <pc:sldMkLst>
+          <pc:docMk/>
+          <pc:sldMk cId="1560097293" sldId="514"/>
+        </pc:sldMkLst>
+        <pc:spChg chg="mod">
+          <ac:chgData name="Khattab, Sherif" userId="c83b1e15-36f3-4f46-aceb-05aac24c545e" providerId="ADAL" clId="{DB115453-F3AC-CA4C-A104-E84842BDF35F}" dt="2021-02-04T15:47:51.327" v="632" actId="20577"/>
+          <ac:spMkLst>
+            <pc:docMk/>
+            <pc:sldMk cId="1560097293" sldId="514"/>
+            <ac:spMk id="3" creationId="{C62B6C5A-CC0C-40C3-BD2B-60F0CF3EE1C4}"/>
+          </ac:spMkLst>
+        </pc:spChg>
+      </pc:sldChg>
+      <pc:sldChg chg="add del">
+        <pc:chgData name="Khattab, Sherif" userId="c83b1e15-36f3-4f46-aceb-05aac24c545e" providerId="ADAL" clId="{DB115453-F3AC-CA4C-A104-E84842BDF35F}" dt="2021-02-04T15:47:34.401" v="609" actId="2696"/>
+        <pc:sldMkLst>
+          <pc:docMk/>
+          <pc:sldMk cId="2968036977" sldId="515"/>
+        </pc:sldMkLst>
+      </pc:sldChg>
+      <pc:sldChg chg="add del">
+        <pc:chgData name="Khattab, Sherif" userId="c83b1e15-36f3-4f46-aceb-05aac24c545e" providerId="ADAL" clId="{DB115453-F3AC-CA4C-A104-E84842BDF35F}" dt="2021-02-04T15:33:20.482" v="247" actId="2696"/>
+        <pc:sldMkLst>
+          <pc:docMk/>
+          <pc:sldMk cId="1720773840" sldId="516"/>
+        </pc:sldMkLst>
+      </pc:sldChg>
+      <pc:sldChg chg="modSp add mod modAnim">
+        <pc:chgData name="Khattab, Sherif" userId="c83b1e15-36f3-4f46-aceb-05aac24c545e" providerId="ADAL" clId="{DB115453-F3AC-CA4C-A104-E84842BDF35F}" dt="2021-02-04T15:35:54.222" v="318"/>
+        <pc:sldMkLst>
+          <pc:docMk/>
+          <pc:sldMk cId="3718964789" sldId="517"/>
+        </pc:sldMkLst>
+        <pc:spChg chg="mod">
+          <ac:chgData name="Khattab, Sherif" userId="c83b1e15-36f3-4f46-aceb-05aac24c545e" providerId="ADAL" clId="{DB115453-F3AC-CA4C-A104-E84842BDF35F}" dt="2021-02-04T15:34:14.349" v="311" actId="20577"/>
+          <ac:spMkLst>
+            <pc:docMk/>
+            <pc:sldMk cId="3718964789" sldId="517"/>
+            <ac:spMk id="109571" creationId="{EB65A8A9-691B-3D4F-B0AA-00914900DB3A}"/>
+          </ac:spMkLst>
+        </pc:spChg>
+      </pc:sldChg>
+      <pc:sldChg chg="modSp new mod modAnim">
+        <pc:chgData name="Khattab, Sherif" userId="c83b1e15-36f3-4f46-aceb-05aac24c545e" providerId="ADAL" clId="{DB115453-F3AC-CA4C-A104-E84842BDF35F}" dt="2021-02-04T15:46:14.474" v="584"/>
+        <pc:sldMkLst>
+          <pc:docMk/>
+          <pc:sldMk cId="2915741044" sldId="518"/>
+        </pc:sldMkLst>
+        <pc:spChg chg="mod">
+          <ac:chgData name="Khattab, Sherif" userId="c83b1e15-36f3-4f46-aceb-05aac24c545e" providerId="ADAL" clId="{DB115453-F3AC-CA4C-A104-E84842BDF35F}" dt="2021-02-04T15:46:07.217" v="582" actId="20577"/>
+          <ac:spMkLst>
+            <pc:docMk/>
+            <pc:sldMk cId="2915741044" sldId="518"/>
+            <ac:spMk id="2" creationId="{8667BC04-66FF-6645-BF3B-C1E3661A415F}"/>
+          </ac:spMkLst>
+        </pc:spChg>
+        <pc:spChg chg="mod">
+          <ac:chgData name="Khattab, Sherif" userId="c83b1e15-36f3-4f46-aceb-05aac24c545e" providerId="ADAL" clId="{DB115453-F3AC-CA4C-A104-E84842BDF35F}" dt="2021-02-04T15:46:03.248" v="576" actId="27636"/>
+          <ac:spMkLst>
+            <pc:docMk/>
+            <pc:sldMk cId="2915741044" sldId="518"/>
+            <ac:spMk id="3" creationId="{D88A941B-7884-4C45-841F-6BCCC7534788}"/>
           </ac:spMkLst>
         </pc:spChg>
       </pc:sldChg>
@@ -6546,6 +4752,177 @@
     </pc:docChg>
   </pc:docChgLst>
   <pc:docChgLst>
+    <pc:chgData name="Khattab, Sherif" userId="c83b1e15-36f3-4f46-aceb-05aac24c545e" providerId="ADAL" clId="{CAB01572-1BB4-034B-A91E-B51F46EBD1BB}"/>
+    <pc:docChg chg="undo custSel addSld delSld modSld">
+      <pc:chgData name="Khattab, Sherif" userId="c83b1e15-36f3-4f46-aceb-05aac24c545e" providerId="ADAL" clId="{CAB01572-1BB4-034B-A91E-B51F46EBD1BB}" dt="2021-02-11T15:51:01.498" v="552"/>
+      <pc:docMkLst>
+        <pc:docMk/>
+      </pc:docMkLst>
+      <pc:sldChg chg="del">
+        <pc:chgData name="Khattab, Sherif" userId="c83b1e15-36f3-4f46-aceb-05aac24c545e" providerId="ADAL" clId="{CAB01572-1BB4-034B-A91E-B51F46EBD1BB}" dt="2021-02-11T15:11:26.862" v="269" actId="2696"/>
+        <pc:sldMkLst>
+          <pc:docMk/>
+          <pc:sldMk cId="1271999567" sldId="349"/>
+        </pc:sldMkLst>
+      </pc:sldChg>
+      <pc:sldChg chg="del">
+        <pc:chgData name="Khattab, Sherif" userId="c83b1e15-36f3-4f46-aceb-05aac24c545e" providerId="ADAL" clId="{CAB01572-1BB4-034B-A91E-B51F46EBD1BB}" dt="2021-02-11T15:11:24.948" v="266" actId="2696"/>
+        <pc:sldMkLst>
+          <pc:docMk/>
+          <pc:sldMk cId="3990797458" sldId="378"/>
+        </pc:sldMkLst>
+      </pc:sldChg>
+      <pc:sldChg chg="del">
+        <pc:chgData name="Khattab, Sherif" userId="c83b1e15-36f3-4f46-aceb-05aac24c545e" providerId="ADAL" clId="{CAB01572-1BB4-034B-A91E-B51F46EBD1BB}" dt="2021-02-11T15:11:25.358" v="267" actId="2696"/>
+        <pc:sldMkLst>
+          <pc:docMk/>
+          <pc:sldMk cId="2736486443" sldId="379"/>
+        </pc:sldMkLst>
+      </pc:sldChg>
+      <pc:sldChg chg="del">
+        <pc:chgData name="Khattab, Sherif" userId="c83b1e15-36f3-4f46-aceb-05aac24c545e" providerId="ADAL" clId="{CAB01572-1BB4-034B-A91E-B51F46EBD1BB}" dt="2021-02-11T15:11:31.225" v="270" actId="2696"/>
+        <pc:sldMkLst>
+          <pc:docMk/>
+          <pc:sldMk cId="1337868689" sldId="381"/>
+        </pc:sldMkLst>
+      </pc:sldChg>
+      <pc:sldChg chg="del">
+        <pc:chgData name="Khattab, Sherif" userId="c83b1e15-36f3-4f46-aceb-05aac24c545e" providerId="ADAL" clId="{CAB01572-1BB4-034B-A91E-B51F46EBD1BB}" dt="2021-02-11T15:11:37.695" v="271" actId="2696"/>
+        <pc:sldMkLst>
+          <pc:docMk/>
+          <pc:sldMk cId="505724783" sldId="383"/>
+        </pc:sldMkLst>
+      </pc:sldChg>
+      <pc:sldChg chg="modSp mod">
+        <pc:chgData name="Khattab, Sherif" userId="c83b1e15-36f3-4f46-aceb-05aac24c545e" providerId="ADAL" clId="{CAB01572-1BB4-034B-A91E-B51F46EBD1BB}" dt="2021-02-11T15:09:30.974" v="111" actId="20577"/>
+        <pc:sldMkLst>
+          <pc:docMk/>
+          <pc:sldMk cId="3903507516" sldId="498"/>
+        </pc:sldMkLst>
+        <pc:spChg chg="mod">
+          <ac:chgData name="Khattab, Sherif" userId="c83b1e15-36f3-4f46-aceb-05aac24c545e" providerId="ADAL" clId="{CAB01572-1BB4-034B-A91E-B51F46EBD1BB}" dt="2021-02-11T15:09:30.974" v="111" actId="20577"/>
+          <ac:spMkLst>
+            <pc:docMk/>
+            <pc:sldMk cId="3903507516" sldId="498"/>
+            <ac:spMk id="3" creationId="{2466C52D-9A48-4683-BE7F-268D8DB7FAAD}"/>
+          </ac:spMkLst>
+        </pc:spChg>
+      </pc:sldChg>
+      <pc:sldChg chg="modSp mod modAnim">
+        <pc:chgData name="Khattab, Sherif" userId="c83b1e15-36f3-4f46-aceb-05aac24c545e" providerId="ADAL" clId="{CAB01572-1BB4-034B-A91E-B51F46EBD1BB}" dt="2021-02-11T15:50:47.706" v="549"/>
+        <pc:sldMkLst>
+          <pc:docMk/>
+          <pc:sldMk cId="4202616107" sldId="500"/>
+        </pc:sldMkLst>
+        <pc:spChg chg="mod">
+          <ac:chgData name="Khattab, Sherif" userId="c83b1e15-36f3-4f46-aceb-05aac24c545e" providerId="ADAL" clId="{CAB01572-1BB4-034B-A91E-B51F46EBD1BB}" dt="2021-02-11T15:50:37.509" v="547" actId="27636"/>
+          <ac:spMkLst>
+            <pc:docMk/>
+            <pc:sldMk cId="4202616107" sldId="500"/>
+            <ac:spMk id="3" creationId="{443F42C8-5750-0341-86AA-B64ED9D37EB6}"/>
+          </ac:spMkLst>
+        </pc:spChg>
+      </pc:sldChg>
+      <pc:sldChg chg="modSp mod">
+        <pc:chgData name="Khattab, Sherif" userId="c83b1e15-36f3-4f46-aceb-05aac24c545e" providerId="ADAL" clId="{CAB01572-1BB4-034B-A91E-B51F46EBD1BB}" dt="2021-02-11T15:10:11.225" v="145" actId="20577"/>
+        <pc:sldMkLst>
+          <pc:docMk/>
+          <pc:sldMk cId="2116864396" sldId="505"/>
+        </pc:sldMkLst>
+        <pc:spChg chg="mod">
+          <ac:chgData name="Khattab, Sherif" userId="c83b1e15-36f3-4f46-aceb-05aac24c545e" providerId="ADAL" clId="{CAB01572-1BB4-034B-A91E-B51F46EBD1BB}" dt="2021-02-11T15:10:11.225" v="145" actId="20577"/>
+          <ac:spMkLst>
+            <pc:docMk/>
+            <pc:sldMk cId="2116864396" sldId="505"/>
+            <ac:spMk id="3" creationId="{9FDE3B14-90B9-4B5A-83C7-6E633E32EA28}"/>
+          </ac:spMkLst>
+        </pc:spChg>
+      </pc:sldChg>
+      <pc:sldChg chg="modSp mod">
+        <pc:chgData name="Khattab, Sherif" userId="c83b1e15-36f3-4f46-aceb-05aac24c545e" providerId="ADAL" clId="{CAB01572-1BB4-034B-A91E-B51F46EBD1BB}" dt="2021-02-11T15:11:12.129" v="264" actId="20577"/>
+        <pc:sldMkLst>
+          <pc:docMk/>
+          <pc:sldMk cId="3652489610" sldId="506"/>
+        </pc:sldMkLst>
+        <pc:spChg chg="mod">
+          <ac:chgData name="Khattab, Sherif" userId="c83b1e15-36f3-4f46-aceb-05aac24c545e" providerId="ADAL" clId="{CAB01572-1BB4-034B-A91E-B51F46EBD1BB}" dt="2021-02-11T15:11:12.129" v="264" actId="20577"/>
+          <ac:spMkLst>
+            <pc:docMk/>
+            <pc:sldMk cId="3652489610" sldId="506"/>
+            <ac:spMk id="3" creationId="{9FDE3B14-90B9-4B5A-83C7-6E633E32EA28}"/>
+          </ac:spMkLst>
+        </pc:spChg>
+      </pc:sldChg>
+      <pc:sldChg chg="del">
+        <pc:chgData name="Khattab, Sherif" userId="c83b1e15-36f3-4f46-aceb-05aac24c545e" providerId="ADAL" clId="{CAB01572-1BB4-034B-A91E-B51F46EBD1BB}" dt="2021-02-11T15:11:22.256" v="265" actId="2696"/>
+        <pc:sldMkLst>
+          <pc:docMk/>
+          <pc:sldMk cId="1468641068" sldId="514"/>
+        </pc:sldMkLst>
+      </pc:sldChg>
+      <pc:sldChg chg="del">
+        <pc:chgData name="Khattab, Sherif" userId="c83b1e15-36f3-4f46-aceb-05aac24c545e" providerId="ADAL" clId="{CAB01572-1BB4-034B-A91E-B51F46EBD1BB}" dt="2021-02-11T15:11:25.940" v="268" actId="2696"/>
+        <pc:sldMkLst>
+          <pc:docMk/>
+          <pc:sldMk cId="2793897325" sldId="515"/>
+        </pc:sldMkLst>
+      </pc:sldChg>
+      <pc:sldChg chg="modSp mod modAnim">
+        <pc:chgData name="Khattab, Sherif" userId="c83b1e15-36f3-4f46-aceb-05aac24c545e" providerId="ADAL" clId="{CAB01572-1BB4-034B-A91E-B51F46EBD1BB}" dt="2021-02-11T15:50:52.111" v="550"/>
+        <pc:sldMkLst>
+          <pc:docMk/>
+          <pc:sldMk cId="2487721040" sldId="516"/>
+        </pc:sldMkLst>
+        <pc:spChg chg="mod">
+          <ac:chgData name="Khattab, Sherif" userId="c83b1e15-36f3-4f46-aceb-05aac24c545e" providerId="ADAL" clId="{CAB01572-1BB4-034B-A91E-B51F46EBD1BB}" dt="2021-02-11T15:49:42.577" v="518" actId="5793"/>
+          <ac:spMkLst>
+            <pc:docMk/>
+            <pc:sldMk cId="2487721040" sldId="516"/>
+            <ac:spMk id="3" creationId="{CBB5D1A1-A1C5-4D4A-9051-CB104F0E3B4F}"/>
+          </ac:spMkLst>
+        </pc:spChg>
+      </pc:sldChg>
+      <pc:sldChg chg="modSp mod modAnim">
+        <pc:chgData name="Khattab, Sherif" userId="c83b1e15-36f3-4f46-aceb-05aac24c545e" providerId="ADAL" clId="{CAB01572-1BB4-034B-A91E-B51F46EBD1BB}" dt="2021-02-11T15:51:01.498" v="552"/>
+        <pc:sldMkLst>
+          <pc:docMk/>
+          <pc:sldMk cId="3114182525" sldId="517"/>
+        </pc:sldMkLst>
+        <pc:spChg chg="mod">
+          <ac:chgData name="Khattab, Sherif" userId="c83b1e15-36f3-4f46-aceb-05aac24c545e" providerId="ADAL" clId="{CAB01572-1BB4-034B-A91E-B51F46EBD1BB}" dt="2021-02-11T15:50:30.629" v="545" actId="20577"/>
+          <ac:spMkLst>
+            <pc:docMk/>
+            <pc:sldMk cId="3114182525" sldId="517"/>
+            <ac:spMk id="3" creationId="{27042AA4-C4FA-CA41-9597-12A83EBA22E3}"/>
+          </ac:spMkLst>
+        </pc:spChg>
+      </pc:sldChg>
+      <pc:sldChg chg="modSp new mod">
+        <pc:chgData name="Khattab, Sherif" userId="c83b1e15-36f3-4f46-aceb-05aac24c545e" providerId="ADAL" clId="{CAB01572-1BB4-034B-A91E-B51F46EBD1BB}" dt="2021-02-11T15:44:46.739" v="339" actId="20577"/>
+        <pc:sldMkLst>
+          <pc:docMk/>
+          <pc:sldMk cId="1616471687" sldId="518"/>
+        </pc:sldMkLst>
+        <pc:spChg chg="mod">
+          <ac:chgData name="Khattab, Sherif" userId="c83b1e15-36f3-4f46-aceb-05aac24c545e" providerId="ADAL" clId="{CAB01572-1BB4-034B-A91E-B51F46EBD1BB}" dt="2021-02-11T15:44:17.302" v="295" actId="20577"/>
+          <ac:spMkLst>
+            <pc:docMk/>
+            <pc:sldMk cId="1616471687" sldId="518"/>
+            <ac:spMk id="2" creationId="{CFEEB588-7AFC-234D-8AC0-9C6E7268F1E5}"/>
+          </ac:spMkLst>
+        </pc:spChg>
+        <pc:spChg chg="mod">
+          <ac:chgData name="Khattab, Sherif" userId="c83b1e15-36f3-4f46-aceb-05aac24c545e" providerId="ADAL" clId="{CAB01572-1BB4-034B-A91E-B51F46EBD1BB}" dt="2021-02-11T15:44:46.739" v="339" actId="20577"/>
+          <ac:spMkLst>
+            <pc:docMk/>
+            <pc:sldMk cId="1616471687" sldId="518"/>
+            <ac:spMk id="3" creationId="{E4EE9F6E-8491-D241-9B4D-EB09A47CA615}"/>
+          </ac:spMkLst>
+        </pc:spChg>
+      </pc:sldChg>
+    </pc:docChg>
+  </pc:docChgLst>
+  <pc:docChgLst>
     <pc:chgData name="Khattab, Sherif" userId="c83b1e15-36f3-4f46-aceb-05aac24c545e" providerId="ADAL" clId="{FD5AE8AC-1844-6342-9A28-590C7FAFB8A2}"/>
     <pc:docChg chg="modSld">
       <pc:chgData name="Khattab, Sherif" userId="c83b1e15-36f3-4f46-aceb-05aac24c545e" providerId="ADAL" clId="{FD5AE8AC-1844-6342-9A28-590C7FAFB8A2}" dt="2021-02-09T19:03:12.921" v="0" actId="20577"/>
@@ -6564,6 +4941,1583 @@
             <pc:docMk/>
             <pc:sldMk cId="3652489610" sldId="506"/>
             <ac:spMk id="3" creationId="{9FDE3B14-90B9-4B5A-83C7-6E633E32EA28}"/>
+          </ac:spMkLst>
+        </pc:spChg>
+      </pc:sldChg>
+    </pc:docChg>
+  </pc:docChgLst>
+  <pc:docChgLst>
+    <pc:chgData name="Khattab, Sherif" userId="c83b1e15-36f3-4f46-aceb-05aac24c545e" providerId="ADAL" clId="{7F6D9211-5523-4AC2-A075-9833E6091579}"/>
+    <pc:docChg chg="modSld">
+      <pc:chgData name="Khattab, Sherif" userId="c83b1e15-36f3-4f46-aceb-05aac24c545e" providerId="ADAL" clId="{7F6D9211-5523-4AC2-A075-9833E6091579}" dt="2023-01-12T18:44:53.064" v="4" actId="20577"/>
+      <pc:docMkLst>
+        <pc:docMk/>
+      </pc:docMkLst>
+      <pc:sldChg chg="addSp modSp mod">
+        <pc:chgData name="Khattab, Sherif" userId="c83b1e15-36f3-4f46-aceb-05aac24c545e" providerId="ADAL" clId="{7F6D9211-5523-4AC2-A075-9833E6091579}" dt="2023-01-12T18:44:53.064" v="4" actId="20577"/>
+        <pc:sldMkLst>
+          <pc:docMk/>
+          <pc:sldMk cId="1330366002" sldId="454"/>
+        </pc:sldMkLst>
+        <pc:spChg chg="mod">
+          <ac:chgData name="Khattab, Sherif" userId="c83b1e15-36f3-4f46-aceb-05aac24c545e" providerId="ADAL" clId="{7F6D9211-5523-4AC2-A075-9833E6091579}" dt="2023-01-12T18:44:49.565" v="1" actId="20577"/>
+          <ac:spMkLst>
+            <pc:docMk/>
+            <pc:sldMk cId="1330366002" sldId="454"/>
+            <ac:spMk id="2" creationId="{00000000-0000-0000-0000-000000000000}"/>
+          </ac:spMkLst>
+        </pc:spChg>
+        <pc:spChg chg="mod">
+          <ac:chgData name="Khattab, Sherif" userId="c83b1e15-36f3-4f46-aceb-05aac24c545e" providerId="ADAL" clId="{7F6D9211-5523-4AC2-A075-9833E6091579}" dt="2023-01-12T18:44:53.064" v="4" actId="20577"/>
+          <ac:spMkLst>
+            <pc:docMk/>
+            <pc:sldMk cId="1330366002" sldId="454"/>
+            <ac:spMk id="3" creationId="{00000000-0000-0000-0000-000000000000}"/>
+          </ac:spMkLst>
+        </pc:spChg>
+        <pc:picChg chg="add mod">
+          <ac:chgData name="Khattab, Sherif" userId="c83b1e15-36f3-4f46-aceb-05aac24c545e" providerId="ADAL" clId="{7F6D9211-5523-4AC2-A075-9833E6091579}" dt="2023-01-12T18:44:50.253" v="2"/>
+          <ac:picMkLst>
+            <pc:docMk/>
+            <pc:sldMk cId="1330366002" sldId="454"/>
+            <ac:picMk id="5" creationId="{786E5D3E-1FA3-738C-9D1D-D01FEC85B2D8}"/>
+          </ac:picMkLst>
+        </pc:picChg>
+      </pc:sldChg>
+    </pc:docChg>
+  </pc:docChgLst>
+  <pc:docChgLst>
+    <pc:chgData name="Khattab, Sherif" userId="c83b1e15-36f3-4f46-aceb-05aac24c545e" providerId="ADAL" clId="{5F2F6BF5-D84C-49C2-A88A-A14AEB5A6666}"/>
+    <pc:docChg chg="undo custSel addSld delSld modSld">
+      <pc:chgData name="Khattab, Sherif" userId="c83b1e15-36f3-4f46-aceb-05aac24c545e" providerId="ADAL" clId="{5F2F6BF5-D84C-49C2-A88A-A14AEB5A6666}" dt="2022-02-03T19:22:00.267" v="1647" actId="1076"/>
+      <pc:docMkLst>
+        <pc:docMk/>
+      </pc:docMkLst>
+      <pc:sldChg chg="modSp mod">
+        <pc:chgData name="Khattab, Sherif" userId="c83b1e15-36f3-4f46-aceb-05aac24c545e" providerId="ADAL" clId="{5F2F6BF5-D84C-49C2-A88A-A14AEB5A6666}" dt="2022-02-03T14:11:59.137" v="6"/>
+        <pc:sldMkLst>
+          <pc:docMk/>
+          <pc:sldMk cId="1330366002" sldId="454"/>
+        </pc:sldMkLst>
+        <pc:spChg chg="mod">
+          <ac:chgData name="Khattab, Sherif" userId="c83b1e15-36f3-4f46-aceb-05aac24c545e" providerId="ADAL" clId="{5F2F6BF5-D84C-49C2-A88A-A14AEB5A6666}" dt="2022-02-03T14:11:59.137" v="6"/>
+          <ac:spMkLst>
+            <pc:docMk/>
+            <pc:sldMk cId="1330366002" sldId="454"/>
+            <ac:spMk id="3" creationId="{00000000-0000-0000-0000-000000000000}"/>
+          </ac:spMkLst>
+        </pc:spChg>
+      </pc:sldChg>
+      <pc:sldChg chg="modSp add del">
+        <pc:chgData name="Khattab, Sherif" userId="c83b1e15-36f3-4f46-aceb-05aac24c545e" providerId="ADAL" clId="{5F2F6BF5-D84C-49C2-A88A-A14AEB5A6666}" dt="2022-02-03T14:13:04.171" v="20" actId="20577"/>
+        <pc:sldMkLst>
+          <pc:docMk/>
+          <pc:sldMk cId="702367729" sldId="496"/>
+        </pc:sldMkLst>
+        <pc:spChg chg="mod">
+          <ac:chgData name="Khattab, Sherif" userId="c83b1e15-36f3-4f46-aceb-05aac24c545e" providerId="ADAL" clId="{5F2F6BF5-D84C-49C2-A88A-A14AEB5A6666}" dt="2022-02-03T14:13:04.171" v="20" actId="20577"/>
+          <ac:spMkLst>
+            <pc:docMk/>
+            <pc:sldMk cId="702367729" sldId="496"/>
+            <ac:spMk id="3" creationId="{2466C52D-9A48-4683-BE7F-268D8DB7FAAD}"/>
+          </ac:spMkLst>
+        </pc:spChg>
+      </pc:sldChg>
+      <pc:sldChg chg="del">
+        <pc:chgData name="Khattab, Sherif" userId="c83b1e15-36f3-4f46-aceb-05aac24c545e" providerId="ADAL" clId="{5F2F6BF5-D84C-49C2-A88A-A14AEB5A6666}" dt="2022-02-03T14:22:11.592" v="874" actId="47"/>
+        <pc:sldMkLst>
+          <pc:docMk/>
+          <pc:sldMk cId="3903507516" sldId="498"/>
+        </pc:sldMkLst>
+      </pc:sldChg>
+      <pc:sldChg chg="del">
+        <pc:chgData name="Khattab, Sherif" userId="c83b1e15-36f3-4f46-aceb-05aac24c545e" providerId="ADAL" clId="{5F2F6BF5-D84C-49C2-A88A-A14AEB5A6666}" dt="2022-02-03T14:22:11.592" v="874" actId="47"/>
+        <pc:sldMkLst>
+          <pc:docMk/>
+          <pc:sldMk cId="4202616107" sldId="500"/>
+        </pc:sldMkLst>
+      </pc:sldChg>
+      <pc:sldChg chg="del">
+        <pc:chgData name="Khattab, Sherif" userId="c83b1e15-36f3-4f46-aceb-05aac24c545e" providerId="ADAL" clId="{5F2F6BF5-D84C-49C2-A88A-A14AEB5A6666}" dt="2022-02-03T14:22:11.592" v="874" actId="47"/>
+        <pc:sldMkLst>
+          <pc:docMk/>
+          <pc:sldMk cId="2116864396" sldId="505"/>
+        </pc:sldMkLst>
+      </pc:sldChg>
+      <pc:sldChg chg="del">
+        <pc:chgData name="Khattab, Sherif" userId="c83b1e15-36f3-4f46-aceb-05aac24c545e" providerId="ADAL" clId="{5F2F6BF5-D84C-49C2-A88A-A14AEB5A6666}" dt="2022-02-03T14:22:11.592" v="874" actId="47"/>
+        <pc:sldMkLst>
+          <pc:docMk/>
+          <pc:sldMk cId="2487721040" sldId="516"/>
+        </pc:sldMkLst>
+      </pc:sldChg>
+      <pc:sldChg chg="del">
+        <pc:chgData name="Khattab, Sherif" userId="c83b1e15-36f3-4f46-aceb-05aac24c545e" providerId="ADAL" clId="{5F2F6BF5-D84C-49C2-A88A-A14AEB5A6666}" dt="2022-02-03T14:22:11.592" v="874" actId="47"/>
+        <pc:sldMkLst>
+          <pc:docMk/>
+          <pc:sldMk cId="3114182525" sldId="517"/>
+        </pc:sldMkLst>
+      </pc:sldChg>
+      <pc:sldChg chg="modSp add del mod">
+        <pc:chgData name="Khattab, Sherif" userId="c83b1e15-36f3-4f46-aceb-05aac24c545e" providerId="ADAL" clId="{5F2F6BF5-D84C-49C2-A88A-A14AEB5A6666}" dt="2022-02-03T14:13:23.297" v="68" actId="20577"/>
+        <pc:sldMkLst>
+          <pc:docMk/>
+          <pc:sldMk cId="624014562" sldId="530"/>
+        </pc:sldMkLst>
+        <pc:spChg chg="mod">
+          <ac:chgData name="Khattab, Sherif" userId="c83b1e15-36f3-4f46-aceb-05aac24c545e" providerId="ADAL" clId="{5F2F6BF5-D84C-49C2-A88A-A14AEB5A6666}" dt="2022-02-03T14:13:23.297" v="68" actId="20577"/>
+          <ac:spMkLst>
+            <pc:docMk/>
+            <pc:sldMk cId="624014562" sldId="530"/>
+            <ac:spMk id="3" creationId="{93532249-5E17-2A4B-B649-961DDDF1F5F6}"/>
+          </ac:spMkLst>
+        </pc:spChg>
+      </pc:sldChg>
+      <pc:sldChg chg="modSp add mod modAnim">
+        <pc:chgData name="Khattab, Sherif" userId="c83b1e15-36f3-4f46-aceb-05aac24c545e" providerId="ADAL" clId="{5F2F6BF5-D84C-49C2-A88A-A14AEB5A6666}" dt="2022-02-03T14:21:59.773" v="873" actId="20577"/>
+        <pc:sldMkLst>
+          <pc:docMk/>
+          <pc:sldMk cId="844471493" sldId="531"/>
+        </pc:sldMkLst>
+        <pc:spChg chg="mod">
+          <ac:chgData name="Khattab, Sherif" userId="c83b1e15-36f3-4f46-aceb-05aac24c545e" providerId="ADAL" clId="{5F2F6BF5-D84C-49C2-A88A-A14AEB5A6666}" dt="2022-02-03T14:21:59.773" v="873" actId="20577"/>
+          <ac:spMkLst>
+            <pc:docMk/>
+            <pc:sldMk cId="844471493" sldId="531"/>
+            <ac:spMk id="2" creationId="{6BF01C35-B7E9-AD43-99C8-95170559C8A0}"/>
+          </ac:spMkLst>
+        </pc:spChg>
+        <pc:spChg chg="mod">
+          <ac:chgData name="Khattab, Sherif" userId="c83b1e15-36f3-4f46-aceb-05aac24c545e" providerId="ADAL" clId="{5F2F6BF5-D84C-49C2-A88A-A14AEB5A6666}" dt="2022-02-03T14:13:28.202" v="69" actId="6549"/>
+          <ac:spMkLst>
+            <pc:docMk/>
+            <pc:sldMk cId="844471493" sldId="531"/>
+            <ac:spMk id="3" creationId="{443F42C8-5750-0341-86AA-B64ED9D37EB6}"/>
+          </ac:spMkLst>
+        </pc:spChg>
+      </pc:sldChg>
+      <pc:sldChg chg="add del">
+        <pc:chgData name="Khattab, Sherif" userId="c83b1e15-36f3-4f46-aceb-05aac24c545e" providerId="ADAL" clId="{5F2F6BF5-D84C-49C2-A88A-A14AEB5A6666}" dt="2022-02-03T14:12:52.737" v="8"/>
+        <pc:sldMkLst>
+          <pc:docMk/>
+          <pc:sldMk cId="3822432923" sldId="531"/>
+        </pc:sldMkLst>
+      </pc:sldChg>
+      <pc:sldChg chg="modSp add del modAnim">
+        <pc:chgData name="Khattab, Sherif" userId="c83b1e15-36f3-4f46-aceb-05aac24c545e" providerId="ADAL" clId="{5F2F6BF5-D84C-49C2-A88A-A14AEB5A6666}" dt="2022-02-03T14:21:53.451" v="866" actId="47"/>
+        <pc:sldMkLst>
+          <pc:docMk/>
+          <pc:sldMk cId="998070191" sldId="553"/>
+        </pc:sldMkLst>
+        <pc:spChg chg="mod">
+          <ac:chgData name="Khattab, Sherif" userId="c83b1e15-36f3-4f46-aceb-05aac24c545e" providerId="ADAL" clId="{5F2F6BF5-D84C-49C2-A88A-A14AEB5A6666}" dt="2022-02-03T14:13:33.022" v="72" actId="6549"/>
+          <ac:spMkLst>
+            <pc:docMk/>
+            <pc:sldMk cId="998070191" sldId="553"/>
+            <ac:spMk id="3" creationId="{0C1DED7C-9EC9-4AD5-AF6E-18D4CA1E848B}"/>
+          </ac:spMkLst>
+        </pc:spChg>
+      </pc:sldChg>
+      <pc:sldChg chg="modSp add del modAnim">
+        <pc:chgData name="Khattab, Sherif" userId="c83b1e15-36f3-4f46-aceb-05aac24c545e" providerId="ADAL" clId="{5F2F6BF5-D84C-49C2-A88A-A14AEB5A6666}" dt="2022-02-03T14:21:53.451" v="866" actId="47"/>
+        <pc:sldMkLst>
+          <pc:docMk/>
+          <pc:sldMk cId="811289827" sldId="554"/>
+        </pc:sldMkLst>
+        <pc:spChg chg="mod">
+          <ac:chgData name="Khattab, Sherif" userId="c83b1e15-36f3-4f46-aceb-05aac24c545e" providerId="ADAL" clId="{5F2F6BF5-D84C-49C2-A88A-A14AEB5A6666}" dt="2022-02-03T14:13:37.374" v="73" actId="6549"/>
+          <ac:spMkLst>
+            <pc:docMk/>
+            <pc:sldMk cId="811289827" sldId="554"/>
+            <ac:spMk id="3" creationId="{A5026D35-753B-4BE4-ADA9-22811800D3D5}"/>
+          </ac:spMkLst>
+        </pc:spChg>
+      </pc:sldChg>
+      <pc:sldChg chg="modSp add del mod modAnim">
+        <pc:chgData name="Khattab, Sherif" userId="c83b1e15-36f3-4f46-aceb-05aac24c545e" providerId="ADAL" clId="{5F2F6BF5-D84C-49C2-A88A-A14AEB5A6666}" dt="2022-02-03T14:21:53.451" v="866" actId="47"/>
+        <pc:sldMkLst>
+          <pc:docMk/>
+          <pc:sldMk cId="3572321521" sldId="555"/>
+        </pc:sldMkLst>
+        <pc:spChg chg="mod">
+          <ac:chgData name="Khattab, Sherif" userId="c83b1e15-36f3-4f46-aceb-05aac24c545e" providerId="ADAL" clId="{5F2F6BF5-D84C-49C2-A88A-A14AEB5A6666}" dt="2022-02-03T14:13:30.627" v="71" actId="27636"/>
+          <ac:spMkLst>
+            <pc:docMk/>
+            <pc:sldMk cId="3572321521" sldId="555"/>
+            <ac:spMk id="3" creationId="{2A95C756-46CE-459D-BFAE-5BB3EBAF84C4}"/>
+          </ac:spMkLst>
+        </pc:spChg>
+      </pc:sldChg>
+      <pc:sldChg chg="modSp add del modAnim">
+        <pc:chgData name="Khattab, Sherif" userId="c83b1e15-36f3-4f46-aceb-05aac24c545e" providerId="ADAL" clId="{5F2F6BF5-D84C-49C2-A88A-A14AEB5A6666}" dt="2022-02-03T14:14:09.691" v="140" actId="20577"/>
+        <pc:sldMkLst>
+          <pc:docMk/>
+          <pc:sldMk cId="3612085669" sldId="556"/>
+        </pc:sldMkLst>
+        <pc:spChg chg="mod">
+          <ac:chgData name="Khattab, Sherif" userId="c83b1e15-36f3-4f46-aceb-05aac24c545e" providerId="ADAL" clId="{5F2F6BF5-D84C-49C2-A88A-A14AEB5A6666}" dt="2022-02-03T14:14:09.691" v="140" actId="20577"/>
+          <ac:spMkLst>
+            <pc:docMk/>
+            <pc:sldMk cId="3612085669" sldId="556"/>
+            <ac:spMk id="3" creationId="{34D1CC0D-B866-4CE5-A7D4-A686C1DB25CF}"/>
+          </ac:spMkLst>
+        </pc:spChg>
+      </pc:sldChg>
+      <pc:sldChg chg="add del">
+        <pc:chgData name="Khattab, Sherif" userId="c83b1e15-36f3-4f46-aceb-05aac24c545e" providerId="ADAL" clId="{5F2F6BF5-D84C-49C2-A88A-A14AEB5A6666}" dt="2022-02-03T14:12:52.810" v="9"/>
+        <pc:sldMkLst>
+          <pc:docMk/>
+          <pc:sldMk cId="477320872" sldId="557"/>
+        </pc:sldMkLst>
+      </pc:sldChg>
+      <pc:sldChg chg="add del">
+        <pc:chgData name="Khattab, Sherif" userId="c83b1e15-36f3-4f46-aceb-05aac24c545e" providerId="ADAL" clId="{5F2F6BF5-D84C-49C2-A88A-A14AEB5A6666}" dt="2022-02-03T14:14:21.326" v="141" actId="47"/>
+        <pc:sldMkLst>
+          <pc:docMk/>
+          <pc:sldMk cId="3299591313" sldId="558"/>
+        </pc:sldMkLst>
+      </pc:sldChg>
+      <pc:sldChg chg="add del">
+        <pc:chgData name="Khattab, Sherif" userId="c83b1e15-36f3-4f46-aceb-05aac24c545e" providerId="ADAL" clId="{5F2F6BF5-D84C-49C2-A88A-A14AEB5A6666}" dt="2022-02-03T14:14:21.853" v="142" actId="47"/>
+        <pc:sldMkLst>
+          <pc:docMk/>
+          <pc:sldMk cId="3581853608" sldId="559"/>
+        </pc:sldMkLst>
+      </pc:sldChg>
+      <pc:sldChg chg="add del">
+        <pc:chgData name="Khattab, Sherif" userId="c83b1e15-36f3-4f46-aceb-05aac24c545e" providerId="ADAL" clId="{5F2F6BF5-D84C-49C2-A88A-A14AEB5A6666}" dt="2022-02-03T14:12:52.810" v="9"/>
+        <pc:sldMkLst>
+          <pc:docMk/>
+          <pc:sldMk cId="508927020" sldId="560"/>
+        </pc:sldMkLst>
+      </pc:sldChg>
+      <pc:sldChg chg="addSp delSp modSp new mod">
+        <pc:chgData name="Khattab, Sherif" userId="c83b1e15-36f3-4f46-aceb-05aac24c545e" providerId="ADAL" clId="{5F2F6BF5-D84C-49C2-A88A-A14AEB5A6666}" dt="2022-02-03T14:17:34.156" v="429" actId="403"/>
+        <pc:sldMkLst>
+          <pc:docMk/>
+          <pc:sldMk cId="2690636170" sldId="561"/>
+        </pc:sldMkLst>
+        <pc:spChg chg="mod">
+          <ac:chgData name="Khattab, Sherif" userId="c83b1e15-36f3-4f46-aceb-05aac24c545e" providerId="ADAL" clId="{5F2F6BF5-D84C-49C2-A88A-A14AEB5A6666}" dt="2022-02-03T14:14:51.922" v="169" actId="20577"/>
+          <ac:spMkLst>
+            <pc:docMk/>
+            <pc:sldMk cId="2690636170" sldId="561"/>
+            <ac:spMk id="2" creationId="{8EA8CF8B-B1F2-4B0F-86B6-D32922BA2A53}"/>
+          </ac:spMkLst>
+        </pc:spChg>
+        <pc:spChg chg="mod">
+          <ac:chgData name="Khattab, Sherif" userId="c83b1e15-36f3-4f46-aceb-05aac24c545e" providerId="ADAL" clId="{5F2F6BF5-D84C-49C2-A88A-A14AEB5A6666}" dt="2022-02-03T14:17:34.156" v="429" actId="403"/>
+          <ac:spMkLst>
+            <pc:docMk/>
+            <pc:sldMk cId="2690636170" sldId="561"/>
+            <ac:spMk id="3" creationId="{45D402E1-232C-4373-88A2-85A6A0CE49D1}"/>
+          </ac:spMkLst>
+        </pc:spChg>
+        <pc:grpChg chg="del mod">
+          <ac:chgData name="Khattab, Sherif" userId="c83b1e15-36f3-4f46-aceb-05aac24c545e" providerId="ADAL" clId="{5F2F6BF5-D84C-49C2-A88A-A14AEB5A6666}" dt="2022-02-03T14:16:04.423" v="238" actId="478"/>
+          <ac:grpSpMkLst>
+            <pc:docMk/>
+            <pc:sldMk cId="2690636170" sldId="561"/>
+            <ac:grpSpMk id="11" creationId="{C4560504-9336-4184-9DDF-48A92B371291}"/>
+          </ac:grpSpMkLst>
+        </pc:grpChg>
+        <pc:grpChg chg="del mod">
+          <ac:chgData name="Khattab, Sherif" userId="c83b1e15-36f3-4f46-aceb-05aac24c545e" providerId="ADAL" clId="{5F2F6BF5-D84C-49C2-A88A-A14AEB5A6666}" dt="2022-02-03T14:15:43.289" v="232"/>
+          <ac:grpSpMkLst>
+            <pc:docMk/>
+            <pc:sldMk cId="2690636170" sldId="561"/>
+            <ac:grpSpMk id="27" creationId="{0F472117-BB8C-4F80-A524-CC21E76669E6}"/>
+          </ac:grpSpMkLst>
+        </pc:grpChg>
+        <pc:grpChg chg="del mod">
+          <ac:chgData name="Khattab, Sherif" userId="c83b1e15-36f3-4f46-aceb-05aac24c545e" providerId="ADAL" clId="{5F2F6BF5-D84C-49C2-A88A-A14AEB5A6666}" dt="2022-02-03T14:15:57.277" v="237" actId="478"/>
+          <ac:grpSpMkLst>
+            <pc:docMk/>
+            <pc:sldMk cId="2690636170" sldId="561"/>
+            <ac:grpSpMk id="28" creationId="{2203C290-77B9-4C41-8A8B-903EC759D6AB}"/>
+          </ac:grpSpMkLst>
+        </pc:grpChg>
+        <pc:grpChg chg="del mod">
+          <ac:chgData name="Khattab, Sherif" userId="c83b1e15-36f3-4f46-aceb-05aac24c545e" providerId="ADAL" clId="{5F2F6BF5-D84C-49C2-A88A-A14AEB5A6666}" dt="2022-02-03T14:15:53.983" v="234" actId="478"/>
+          <ac:grpSpMkLst>
+            <pc:docMk/>
+            <pc:sldMk cId="2690636170" sldId="561"/>
+            <ac:grpSpMk id="29" creationId="{C28BF392-136A-4893-A33F-50E499D95235}"/>
+          </ac:grpSpMkLst>
+        </pc:grpChg>
+        <pc:grpChg chg="del mod">
+          <ac:chgData name="Khattab, Sherif" userId="c83b1e15-36f3-4f46-aceb-05aac24c545e" providerId="ADAL" clId="{5F2F6BF5-D84C-49C2-A88A-A14AEB5A6666}" dt="2022-02-03T14:15:43.289" v="232"/>
+          <ac:grpSpMkLst>
+            <pc:docMk/>
+            <pc:sldMk cId="2690636170" sldId="561"/>
+            <ac:grpSpMk id="42" creationId="{22A11F7F-1B7B-4DD9-8948-5A7A0FE05038}"/>
+          </ac:grpSpMkLst>
+        </pc:grpChg>
+        <pc:grpChg chg="del mod">
+          <ac:chgData name="Khattab, Sherif" userId="c83b1e15-36f3-4f46-aceb-05aac24c545e" providerId="ADAL" clId="{5F2F6BF5-D84C-49C2-A88A-A14AEB5A6666}" dt="2022-02-03T14:15:43.289" v="232"/>
+          <ac:grpSpMkLst>
+            <pc:docMk/>
+            <pc:sldMk cId="2690636170" sldId="561"/>
+            <ac:grpSpMk id="43" creationId="{5FDD1F4D-AEEB-4F56-98C0-17EBED5F51C7}"/>
+          </ac:grpSpMkLst>
+        </pc:grpChg>
+        <pc:grpChg chg="del mod">
+          <ac:chgData name="Khattab, Sherif" userId="c83b1e15-36f3-4f46-aceb-05aac24c545e" providerId="ADAL" clId="{5F2F6BF5-D84C-49C2-A88A-A14AEB5A6666}" dt="2022-02-03T14:15:43.289" v="232"/>
+          <ac:grpSpMkLst>
+            <pc:docMk/>
+            <pc:sldMk cId="2690636170" sldId="561"/>
+            <ac:grpSpMk id="44" creationId="{E640AF07-C6FE-42B7-834B-0E02ACE2B36C}"/>
+          </ac:grpSpMkLst>
+        </pc:grpChg>
+        <pc:grpChg chg="del mod">
+          <ac:chgData name="Khattab, Sherif" userId="c83b1e15-36f3-4f46-aceb-05aac24c545e" providerId="ADAL" clId="{5F2F6BF5-D84C-49C2-A88A-A14AEB5A6666}" dt="2022-02-03T14:15:43.289" v="232"/>
+          <ac:grpSpMkLst>
+            <pc:docMk/>
+            <pc:sldMk cId="2690636170" sldId="561"/>
+            <ac:grpSpMk id="71" creationId="{7CFE2E9E-9A49-48B7-ADDE-C5C906C9C25F}"/>
+          </ac:grpSpMkLst>
+        </pc:grpChg>
+        <pc:grpChg chg="del mod">
+          <ac:chgData name="Khattab, Sherif" userId="c83b1e15-36f3-4f46-aceb-05aac24c545e" providerId="ADAL" clId="{5F2F6BF5-D84C-49C2-A88A-A14AEB5A6666}" dt="2022-02-03T14:15:43.289" v="232"/>
+          <ac:grpSpMkLst>
+            <pc:docMk/>
+            <pc:sldMk cId="2690636170" sldId="561"/>
+            <ac:grpSpMk id="72" creationId="{7F67080C-AE41-48FD-984F-820A6BC0E9A1}"/>
+          </ac:grpSpMkLst>
+        </pc:grpChg>
+        <pc:grpChg chg="del mod">
+          <ac:chgData name="Khattab, Sherif" userId="c83b1e15-36f3-4f46-aceb-05aac24c545e" providerId="ADAL" clId="{5F2F6BF5-D84C-49C2-A88A-A14AEB5A6666}" dt="2022-02-03T14:15:43.289" v="232"/>
+          <ac:grpSpMkLst>
+            <pc:docMk/>
+            <pc:sldMk cId="2690636170" sldId="561"/>
+            <ac:grpSpMk id="73" creationId="{7BFFA4E2-6D82-43A7-8167-236F4EC575BF}"/>
+          </ac:grpSpMkLst>
+        </pc:grpChg>
+        <pc:grpChg chg="del mod">
+          <ac:chgData name="Khattab, Sherif" userId="c83b1e15-36f3-4f46-aceb-05aac24c545e" providerId="ADAL" clId="{5F2F6BF5-D84C-49C2-A88A-A14AEB5A6666}" dt="2022-02-03T14:15:43.289" v="232"/>
+          <ac:grpSpMkLst>
+            <pc:docMk/>
+            <pc:sldMk cId="2690636170" sldId="561"/>
+            <ac:grpSpMk id="74" creationId="{2FBF3CCD-CF92-4E42-8A60-01426C276321}"/>
+          </ac:grpSpMkLst>
+        </pc:grpChg>
+        <pc:grpChg chg="del mod">
+          <ac:chgData name="Khattab, Sherif" userId="c83b1e15-36f3-4f46-aceb-05aac24c545e" providerId="ADAL" clId="{5F2F6BF5-D84C-49C2-A88A-A14AEB5A6666}" dt="2022-02-03T14:15:43.289" v="232"/>
+          <ac:grpSpMkLst>
+            <pc:docMk/>
+            <pc:sldMk cId="2690636170" sldId="561"/>
+            <ac:grpSpMk id="75" creationId="{C36EBB22-D7EC-453B-BA06-6A7CD1AE3486}"/>
+          </ac:grpSpMkLst>
+        </pc:grpChg>
+        <pc:grpChg chg="del mod">
+          <ac:chgData name="Khattab, Sherif" userId="c83b1e15-36f3-4f46-aceb-05aac24c545e" providerId="ADAL" clId="{5F2F6BF5-D84C-49C2-A88A-A14AEB5A6666}" dt="2022-02-03T14:15:50.135" v="233" actId="478"/>
+          <ac:grpSpMkLst>
+            <pc:docMk/>
+            <pc:sldMk cId="2690636170" sldId="561"/>
+            <ac:grpSpMk id="76" creationId="{3F68E3B3-44A1-43DD-A7BC-C84B799E6EF6}"/>
+          </ac:grpSpMkLst>
+        </pc:grpChg>
+        <pc:inkChg chg="add mod">
+          <ac:chgData name="Khattab, Sherif" userId="c83b1e15-36f3-4f46-aceb-05aac24c545e" providerId="ADAL" clId="{5F2F6BF5-D84C-49C2-A88A-A14AEB5A6666}" dt="2022-02-03T14:15:06.462" v="176"/>
+          <ac:inkMkLst>
+            <pc:docMk/>
+            <pc:sldMk cId="2690636170" sldId="561"/>
+            <ac:inkMk id="5" creationId="{F7C7DB7E-241A-40BA-9F7E-296F12E46E7A}"/>
+          </ac:inkMkLst>
+        </pc:inkChg>
+        <pc:inkChg chg="add mod">
+          <ac:chgData name="Khattab, Sherif" userId="c83b1e15-36f3-4f46-aceb-05aac24c545e" providerId="ADAL" clId="{5F2F6BF5-D84C-49C2-A88A-A14AEB5A6666}" dt="2022-02-03T14:15:06.462" v="176"/>
+          <ac:inkMkLst>
+            <pc:docMk/>
+            <pc:sldMk cId="2690636170" sldId="561"/>
+            <ac:inkMk id="6" creationId="{60550EB0-9CF6-4B73-AFE4-C172D2F20304}"/>
+          </ac:inkMkLst>
+        </pc:inkChg>
+        <pc:inkChg chg="add mod">
+          <ac:chgData name="Khattab, Sherif" userId="c83b1e15-36f3-4f46-aceb-05aac24c545e" providerId="ADAL" clId="{5F2F6BF5-D84C-49C2-A88A-A14AEB5A6666}" dt="2022-02-03T14:15:06.462" v="176"/>
+          <ac:inkMkLst>
+            <pc:docMk/>
+            <pc:sldMk cId="2690636170" sldId="561"/>
+            <ac:inkMk id="7" creationId="{2C252722-9BE2-44F0-B196-FEA61C12F47F}"/>
+          </ac:inkMkLst>
+        </pc:inkChg>
+        <pc:inkChg chg="add mod">
+          <ac:chgData name="Khattab, Sherif" userId="c83b1e15-36f3-4f46-aceb-05aac24c545e" providerId="ADAL" clId="{5F2F6BF5-D84C-49C2-A88A-A14AEB5A6666}" dt="2022-02-03T14:15:06.462" v="176"/>
+          <ac:inkMkLst>
+            <pc:docMk/>
+            <pc:sldMk cId="2690636170" sldId="561"/>
+            <ac:inkMk id="8" creationId="{A833B97E-11E1-4920-A0AE-3236B1B3DAD2}"/>
+          </ac:inkMkLst>
+        </pc:inkChg>
+        <pc:inkChg chg="add mod">
+          <ac:chgData name="Khattab, Sherif" userId="c83b1e15-36f3-4f46-aceb-05aac24c545e" providerId="ADAL" clId="{5F2F6BF5-D84C-49C2-A88A-A14AEB5A6666}" dt="2022-02-03T14:15:06.462" v="176"/>
+          <ac:inkMkLst>
+            <pc:docMk/>
+            <pc:sldMk cId="2690636170" sldId="561"/>
+            <ac:inkMk id="9" creationId="{AA0DE65D-94BA-493E-89D6-42F1BB0BAC38}"/>
+          </ac:inkMkLst>
+        </pc:inkChg>
+        <pc:inkChg chg="add mod">
+          <ac:chgData name="Khattab, Sherif" userId="c83b1e15-36f3-4f46-aceb-05aac24c545e" providerId="ADAL" clId="{5F2F6BF5-D84C-49C2-A88A-A14AEB5A6666}" dt="2022-02-03T14:15:06.462" v="176"/>
+          <ac:inkMkLst>
+            <pc:docMk/>
+            <pc:sldMk cId="2690636170" sldId="561"/>
+            <ac:inkMk id="10" creationId="{2143B06B-C512-4BD1-8133-10CB34F46DF6}"/>
+          </ac:inkMkLst>
+        </pc:inkChg>
+        <pc:inkChg chg="add mod">
+          <ac:chgData name="Khattab, Sherif" userId="c83b1e15-36f3-4f46-aceb-05aac24c545e" providerId="ADAL" clId="{5F2F6BF5-D84C-49C2-A88A-A14AEB5A6666}" dt="2022-02-03T14:15:20.120" v="192"/>
+          <ac:inkMkLst>
+            <pc:docMk/>
+            <pc:sldMk cId="2690636170" sldId="561"/>
+            <ac:inkMk id="12" creationId="{2EB05E12-AF3E-4AF1-8B08-483FCC967BE0}"/>
+          </ac:inkMkLst>
+        </pc:inkChg>
+        <pc:inkChg chg="add mod">
+          <ac:chgData name="Khattab, Sherif" userId="c83b1e15-36f3-4f46-aceb-05aac24c545e" providerId="ADAL" clId="{5F2F6BF5-D84C-49C2-A88A-A14AEB5A6666}" dt="2022-02-03T14:15:20.120" v="192"/>
+          <ac:inkMkLst>
+            <pc:docMk/>
+            <pc:sldMk cId="2690636170" sldId="561"/>
+            <ac:inkMk id="13" creationId="{E368AD0B-05A8-46AA-A529-5C0AE1B56EBD}"/>
+          </ac:inkMkLst>
+        </pc:inkChg>
+        <pc:inkChg chg="add mod">
+          <ac:chgData name="Khattab, Sherif" userId="c83b1e15-36f3-4f46-aceb-05aac24c545e" providerId="ADAL" clId="{5F2F6BF5-D84C-49C2-A88A-A14AEB5A6666}" dt="2022-02-03T14:15:20.120" v="192"/>
+          <ac:inkMkLst>
+            <pc:docMk/>
+            <pc:sldMk cId="2690636170" sldId="561"/>
+            <ac:inkMk id="14" creationId="{D390EC62-1FC3-44B6-879D-EB722CB8B74F}"/>
+          </ac:inkMkLst>
+        </pc:inkChg>
+        <pc:inkChg chg="add mod">
+          <ac:chgData name="Khattab, Sherif" userId="c83b1e15-36f3-4f46-aceb-05aac24c545e" providerId="ADAL" clId="{5F2F6BF5-D84C-49C2-A88A-A14AEB5A6666}" dt="2022-02-03T14:15:20.120" v="192"/>
+          <ac:inkMkLst>
+            <pc:docMk/>
+            <pc:sldMk cId="2690636170" sldId="561"/>
+            <ac:inkMk id="15" creationId="{62C1DBBF-EF54-46AF-8721-A09CBF4E8AE4}"/>
+          </ac:inkMkLst>
+        </pc:inkChg>
+        <pc:inkChg chg="add mod">
+          <ac:chgData name="Khattab, Sherif" userId="c83b1e15-36f3-4f46-aceb-05aac24c545e" providerId="ADAL" clId="{5F2F6BF5-D84C-49C2-A88A-A14AEB5A6666}" dt="2022-02-03T14:15:20.120" v="192"/>
+          <ac:inkMkLst>
+            <pc:docMk/>
+            <pc:sldMk cId="2690636170" sldId="561"/>
+            <ac:inkMk id="16" creationId="{A572D7C1-40E0-423B-8955-92C3B00A6E30}"/>
+          </ac:inkMkLst>
+        </pc:inkChg>
+        <pc:inkChg chg="add del">
+          <ac:chgData name="Khattab, Sherif" userId="c83b1e15-36f3-4f46-aceb-05aac24c545e" providerId="ADAL" clId="{5F2F6BF5-D84C-49C2-A88A-A14AEB5A6666}" dt="2022-02-03T14:15:55.607" v="235" actId="478"/>
+          <ac:inkMkLst>
+            <pc:docMk/>
+            <pc:sldMk cId="2690636170" sldId="561"/>
+            <ac:inkMk id="17" creationId="{C1B1DFC6-9312-45B8-93F1-8448B2FBD89B}"/>
+          </ac:inkMkLst>
+        </pc:inkChg>
+        <pc:inkChg chg="add mod">
+          <ac:chgData name="Khattab, Sherif" userId="c83b1e15-36f3-4f46-aceb-05aac24c545e" providerId="ADAL" clId="{5F2F6BF5-D84C-49C2-A88A-A14AEB5A6666}" dt="2022-02-03T14:15:20.120" v="192"/>
+          <ac:inkMkLst>
+            <pc:docMk/>
+            <pc:sldMk cId="2690636170" sldId="561"/>
+            <ac:inkMk id="18" creationId="{21CAED45-CC41-499A-8F5E-04DCCB5CA3D3}"/>
+          </ac:inkMkLst>
+        </pc:inkChg>
+        <pc:inkChg chg="add mod">
+          <ac:chgData name="Khattab, Sherif" userId="c83b1e15-36f3-4f46-aceb-05aac24c545e" providerId="ADAL" clId="{5F2F6BF5-D84C-49C2-A88A-A14AEB5A6666}" dt="2022-02-03T14:15:20.120" v="192"/>
+          <ac:inkMkLst>
+            <pc:docMk/>
+            <pc:sldMk cId="2690636170" sldId="561"/>
+            <ac:inkMk id="19" creationId="{0C7E4555-C368-4FFF-80F2-BD13EF667B30}"/>
+          </ac:inkMkLst>
+        </pc:inkChg>
+        <pc:inkChg chg="add mod">
+          <ac:chgData name="Khattab, Sherif" userId="c83b1e15-36f3-4f46-aceb-05aac24c545e" providerId="ADAL" clId="{5F2F6BF5-D84C-49C2-A88A-A14AEB5A6666}" dt="2022-02-03T14:15:20.120" v="192"/>
+          <ac:inkMkLst>
+            <pc:docMk/>
+            <pc:sldMk cId="2690636170" sldId="561"/>
+            <ac:inkMk id="20" creationId="{E862AF7D-6D59-49C5-8900-B0E0DC95FF25}"/>
+          </ac:inkMkLst>
+        </pc:inkChg>
+        <pc:inkChg chg="add mod">
+          <ac:chgData name="Khattab, Sherif" userId="c83b1e15-36f3-4f46-aceb-05aac24c545e" providerId="ADAL" clId="{5F2F6BF5-D84C-49C2-A88A-A14AEB5A6666}" dt="2022-02-03T14:15:20.120" v="192"/>
+          <ac:inkMkLst>
+            <pc:docMk/>
+            <pc:sldMk cId="2690636170" sldId="561"/>
+            <ac:inkMk id="21" creationId="{7DE49538-525A-44EC-B611-63EC56192756}"/>
+          </ac:inkMkLst>
+        </pc:inkChg>
+        <pc:inkChg chg="add mod">
+          <ac:chgData name="Khattab, Sherif" userId="c83b1e15-36f3-4f46-aceb-05aac24c545e" providerId="ADAL" clId="{5F2F6BF5-D84C-49C2-A88A-A14AEB5A6666}" dt="2022-02-03T14:15:20.120" v="192"/>
+          <ac:inkMkLst>
+            <pc:docMk/>
+            <pc:sldMk cId="2690636170" sldId="561"/>
+            <ac:inkMk id="22" creationId="{AB041BF1-FB84-4CE4-89DE-C954DD5CAC7B}"/>
+          </ac:inkMkLst>
+        </pc:inkChg>
+        <pc:inkChg chg="add mod">
+          <ac:chgData name="Khattab, Sherif" userId="c83b1e15-36f3-4f46-aceb-05aac24c545e" providerId="ADAL" clId="{5F2F6BF5-D84C-49C2-A88A-A14AEB5A6666}" dt="2022-02-03T14:15:20.120" v="192"/>
+          <ac:inkMkLst>
+            <pc:docMk/>
+            <pc:sldMk cId="2690636170" sldId="561"/>
+            <ac:inkMk id="23" creationId="{8C87FD57-6A5B-43B4-98C2-1FCCAD99DF5E}"/>
+          </ac:inkMkLst>
+        </pc:inkChg>
+        <pc:inkChg chg="add mod">
+          <ac:chgData name="Khattab, Sherif" userId="c83b1e15-36f3-4f46-aceb-05aac24c545e" providerId="ADAL" clId="{5F2F6BF5-D84C-49C2-A88A-A14AEB5A6666}" dt="2022-02-03T14:15:43.289" v="232"/>
+          <ac:inkMkLst>
+            <pc:docMk/>
+            <pc:sldMk cId="2690636170" sldId="561"/>
+            <ac:inkMk id="24" creationId="{F49BF2E4-E7D3-4BF9-9A5C-3676DAF6B893}"/>
+          </ac:inkMkLst>
+        </pc:inkChg>
+        <pc:inkChg chg="add mod">
+          <ac:chgData name="Khattab, Sherif" userId="c83b1e15-36f3-4f46-aceb-05aac24c545e" providerId="ADAL" clId="{5F2F6BF5-D84C-49C2-A88A-A14AEB5A6666}" dt="2022-02-03T14:15:43.289" v="232"/>
+          <ac:inkMkLst>
+            <pc:docMk/>
+            <pc:sldMk cId="2690636170" sldId="561"/>
+            <ac:inkMk id="25" creationId="{0A9F84DD-ECF1-4CA7-9FCF-E350688FD897}"/>
+          </ac:inkMkLst>
+        </pc:inkChg>
+        <pc:inkChg chg="add mod">
+          <ac:chgData name="Khattab, Sherif" userId="c83b1e15-36f3-4f46-aceb-05aac24c545e" providerId="ADAL" clId="{5F2F6BF5-D84C-49C2-A88A-A14AEB5A6666}" dt="2022-02-03T14:15:43.289" v="232"/>
+          <ac:inkMkLst>
+            <pc:docMk/>
+            <pc:sldMk cId="2690636170" sldId="561"/>
+            <ac:inkMk id="26" creationId="{AAE4677F-7299-42C8-849B-EA8AD98B2B9C}"/>
+          </ac:inkMkLst>
+        </pc:inkChg>
+        <pc:inkChg chg="add mod">
+          <ac:chgData name="Khattab, Sherif" userId="c83b1e15-36f3-4f46-aceb-05aac24c545e" providerId="ADAL" clId="{5F2F6BF5-D84C-49C2-A88A-A14AEB5A6666}" dt="2022-02-03T14:15:43.289" v="232"/>
+          <ac:inkMkLst>
+            <pc:docMk/>
+            <pc:sldMk cId="2690636170" sldId="561"/>
+            <ac:inkMk id="30" creationId="{B6F194C7-E1AD-4183-A52E-12210FB381F5}"/>
+          </ac:inkMkLst>
+        </pc:inkChg>
+        <pc:inkChg chg="add mod">
+          <ac:chgData name="Khattab, Sherif" userId="c83b1e15-36f3-4f46-aceb-05aac24c545e" providerId="ADAL" clId="{5F2F6BF5-D84C-49C2-A88A-A14AEB5A6666}" dt="2022-02-03T14:15:43.289" v="232"/>
+          <ac:inkMkLst>
+            <pc:docMk/>
+            <pc:sldMk cId="2690636170" sldId="561"/>
+            <ac:inkMk id="31" creationId="{76D3DFB2-32F6-4E16-A8C4-943B04FEA3C0}"/>
+          </ac:inkMkLst>
+        </pc:inkChg>
+        <pc:inkChg chg="add mod">
+          <ac:chgData name="Khattab, Sherif" userId="c83b1e15-36f3-4f46-aceb-05aac24c545e" providerId="ADAL" clId="{5F2F6BF5-D84C-49C2-A88A-A14AEB5A6666}" dt="2022-02-03T14:15:43.289" v="232"/>
+          <ac:inkMkLst>
+            <pc:docMk/>
+            <pc:sldMk cId="2690636170" sldId="561"/>
+            <ac:inkMk id="32" creationId="{D40878EC-D241-42F7-80DB-5122F04B71B6}"/>
+          </ac:inkMkLst>
+        </pc:inkChg>
+        <pc:inkChg chg="add mod">
+          <ac:chgData name="Khattab, Sherif" userId="c83b1e15-36f3-4f46-aceb-05aac24c545e" providerId="ADAL" clId="{5F2F6BF5-D84C-49C2-A88A-A14AEB5A6666}" dt="2022-02-03T14:15:43.289" v="232"/>
+          <ac:inkMkLst>
+            <pc:docMk/>
+            <pc:sldMk cId="2690636170" sldId="561"/>
+            <ac:inkMk id="33" creationId="{60887C96-3279-4455-8C8D-814C67D4A3F7}"/>
+          </ac:inkMkLst>
+        </pc:inkChg>
+        <pc:inkChg chg="add mod">
+          <ac:chgData name="Khattab, Sherif" userId="c83b1e15-36f3-4f46-aceb-05aac24c545e" providerId="ADAL" clId="{5F2F6BF5-D84C-49C2-A88A-A14AEB5A6666}" dt="2022-02-03T14:15:43.289" v="232"/>
+          <ac:inkMkLst>
+            <pc:docMk/>
+            <pc:sldMk cId="2690636170" sldId="561"/>
+            <ac:inkMk id="34" creationId="{49636577-3F0D-46D3-A8B1-377B8529E0D6}"/>
+          </ac:inkMkLst>
+        </pc:inkChg>
+        <pc:inkChg chg="add mod">
+          <ac:chgData name="Khattab, Sherif" userId="c83b1e15-36f3-4f46-aceb-05aac24c545e" providerId="ADAL" clId="{5F2F6BF5-D84C-49C2-A88A-A14AEB5A6666}" dt="2022-02-03T14:15:43.289" v="232"/>
+          <ac:inkMkLst>
+            <pc:docMk/>
+            <pc:sldMk cId="2690636170" sldId="561"/>
+            <ac:inkMk id="35" creationId="{A0208FB1-A9E0-4A2A-A2EF-4EC145667846}"/>
+          </ac:inkMkLst>
+        </pc:inkChg>
+        <pc:inkChg chg="add mod">
+          <ac:chgData name="Khattab, Sherif" userId="c83b1e15-36f3-4f46-aceb-05aac24c545e" providerId="ADAL" clId="{5F2F6BF5-D84C-49C2-A88A-A14AEB5A6666}" dt="2022-02-03T14:15:43.289" v="232"/>
+          <ac:inkMkLst>
+            <pc:docMk/>
+            <pc:sldMk cId="2690636170" sldId="561"/>
+            <ac:inkMk id="36" creationId="{90F11145-ACA5-40C4-A2F7-E9D616929E1F}"/>
+          </ac:inkMkLst>
+        </pc:inkChg>
+        <pc:inkChg chg="add mod">
+          <ac:chgData name="Khattab, Sherif" userId="c83b1e15-36f3-4f46-aceb-05aac24c545e" providerId="ADAL" clId="{5F2F6BF5-D84C-49C2-A88A-A14AEB5A6666}" dt="2022-02-03T14:15:43.289" v="232"/>
+          <ac:inkMkLst>
+            <pc:docMk/>
+            <pc:sldMk cId="2690636170" sldId="561"/>
+            <ac:inkMk id="37" creationId="{958BDD74-249E-432C-A496-8DAD615CAA16}"/>
+          </ac:inkMkLst>
+        </pc:inkChg>
+        <pc:inkChg chg="add mod">
+          <ac:chgData name="Khattab, Sherif" userId="c83b1e15-36f3-4f46-aceb-05aac24c545e" providerId="ADAL" clId="{5F2F6BF5-D84C-49C2-A88A-A14AEB5A6666}" dt="2022-02-03T14:15:43.289" v="232"/>
+          <ac:inkMkLst>
+            <pc:docMk/>
+            <pc:sldMk cId="2690636170" sldId="561"/>
+            <ac:inkMk id="38" creationId="{96EADA02-3359-4A7D-B03E-09778A2E23CB}"/>
+          </ac:inkMkLst>
+        </pc:inkChg>
+        <pc:inkChg chg="add mod">
+          <ac:chgData name="Khattab, Sherif" userId="c83b1e15-36f3-4f46-aceb-05aac24c545e" providerId="ADAL" clId="{5F2F6BF5-D84C-49C2-A88A-A14AEB5A6666}" dt="2022-02-03T14:15:43.289" v="232"/>
+          <ac:inkMkLst>
+            <pc:docMk/>
+            <pc:sldMk cId="2690636170" sldId="561"/>
+            <ac:inkMk id="39" creationId="{14C7AC07-AC0C-4320-A85C-FC75CFAFC6D1}"/>
+          </ac:inkMkLst>
+        </pc:inkChg>
+        <pc:inkChg chg="add mod">
+          <ac:chgData name="Khattab, Sherif" userId="c83b1e15-36f3-4f46-aceb-05aac24c545e" providerId="ADAL" clId="{5F2F6BF5-D84C-49C2-A88A-A14AEB5A6666}" dt="2022-02-03T14:15:43.289" v="232"/>
+          <ac:inkMkLst>
+            <pc:docMk/>
+            <pc:sldMk cId="2690636170" sldId="561"/>
+            <ac:inkMk id="40" creationId="{BDCF260F-0B99-4300-B8DC-D8CFCF829C48}"/>
+          </ac:inkMkLst>
+        </pc:inkChg>
+        <pc:inkChg chg="add mod">
+          <ac:chgData name="Khattab, Sherif" userId="c83b1e15-36f3-4f46-aceb-05aac24c545e" providerId="ADAL" clId="{5F2F6BF5-D84C-49C2-A88A-A14AEB5A6666}" dt="2022-02-03T14:15:43.289" v="232"/>
+          <ac:inkMkLst>
+            <pc:docMk/>
+            <pc:sldMk cId="2690636170" sldId="561"/>
+            <ac:inkMk id="41" creationId="{ACC1F742-A677-4B9D-8CCD-B98FCD9A55A7}"/>
+          </ac:inkMkLst>
+        </pc:inkChg>
+        <pc:inkChg chg="add mod">
+          <ac:chgData name="Khattab, Sherif" userId="c83b1e15-36f3-4f46-aceb-05aac24c545e" providerId="ADAL" clId="{5F2F6BF5-D84C-49C2-A88A-A14AEB5A6666}" dt="2022-02-03T14:15:43.289" v="232"/>
+          <ac:inkMkLst>
+            <pc:docMk/>
+            <pc:sldMk cId="2690636170" sldId="561"/>
+            <ac:inkMk id="45" creationId="{5FAB28B7-0720-4459-B28F-FFE8172B108A}"/>
+          </ac:inkMkLst>
+        </pc:inkChg>
+        <pc:inkChg chg="add mod">
+          <ac:chgData name="Khattab, Sherif" userId="c83b1e15-36f3-4f46-aceb-05aac24c545e" providerId="ADAL" clId="{5F2F6BF5-D84C-49C2-A88A-A14AEB5A6666}" dt="2022-02-03T14:15:43.289" v="232"/>
+          <ac:inkMkLst>
+            <pc:docMk/>
+            <pc:sldMk cId="2690636170" sldId="561"/>
+            <ac:inkMk id="46" creationId="{5FED4D26-24A0-437E-AB78-15CB57C6BA22}"/>
+          </ac:inkMkLst>
+        </pc:inkChg>
+        <pc:inkChg chg="add mod">
+          <ac:chgData name="Khattab, Sherif" userId="c83b1e15-36f3-4f46-aceb-05aac24c545e" providerId="ADAL" clId="{5F2F6BF5-D84C-49C2-A88A-A14AEB5A6666}" dt="2022-02-03T14:15:43.289" v="232"/>
+          <ac:inkMkLst>
+            <pc:docMk/>
+            <pc:sldMk cId="2690636170" sldId="561"/>
+            <ac:inkMk id="47" creationId="{44497576-C994-40E2-A48D-676715D6F371}"/>
+          </ac:inkMkLst>
+        </pc:inkChg>
+        <pc:inkChg chg="add mod">
+          <ac:chgData name="Khattab, Sherif" userId="c83b1e15-36f3-4f46-aceb-05aac24c545e" providerId="ADAL" clId="{5F2F6BF5-D84C-49C2-A88A-A14AEB5A6666}" dt="2022-02-03T14:15:43.289" v="232"/>
+          <ac:inkMkLst>
+            <pc:docMk/>
+            <pc:sldMk cId="2690636170" sldId="561"/>
+            <ac:inkMk id="48" creationId="{867C201F-F3EF-4C5C-9A84-174789329695}"/>
+          </ac:inkMkLst>
+        </pc:inkChg>
+        <pc:inkChg chg="add mod">
+          <ac:chgData name="Khattab, Sherif" userId="c83b1e15-36f3-4f46-aceb-05aac24c545e" providerId="ADAL" clId="{5F2F6BF5-D84C-49C2-A88A-A14AEB5A6666}" dt="2022-02-03T14:15:43.289" v="232"/>
+          <ac:inkMkLst>
+            <pc:docMk/>
+            <pc:sldMk cId="2690636170" sldId="561"/>
+            <ac:inkMk id="49" creationId="{D70990A4-F86F-41F9-BDA9-57C3AF3D9847}"/>
+          </ac:inkMkLst>
+        </pc:inkChg>
+        <pc:inkChg chg="add mod">
+          <ac:chgData name="Khattab, Sherif" userId="c83b1e15-36f3-4f46-aceb-05aac24c545e" providerId="ADAL" clId="{5F2F6BF5-D84C-49C2-A88A-A14AEB5A6666}" dt="2022-02-03T14:15:43.289" v="232"/>
+          <ac:inkMkLst>
+            <pc:docMk/>
+            <pc:sldMk cId="2690636170" sldId="561"/>
+            <ac:inkMk id="50" creationId="{AD579903-78C3-4F8C-B6AB-E17FB2134BD0}"/>
+          </ac:inkMkLst>
+        </pc:inkChg>
+        <pc:inkChg chg="add mod">
+          <ac:chgData name="Khattab, Sherif" userId="c83b1e15-36f3-4f46-aceb-05aac24c545e" providerId="ADAL" clId="{5F2F6BF5-D84C-49C2-A88A-A14AEB5A6666}" dt="2022-02-03T14:15:43.289" v="232"/>
+          <ac:inkMkLst>
+            <pc:docMk/>
+            <pc:sldMk cId="2690636170" sldId="561"/>
+            <ac:inkMk id="51" creationId="{954D29ED-8CA6-4237-BCDA-7BC934FC722D}"/>
+          </ac:inkMkLst>
+        </pc:inkChg>
+        <pc:inkChg chg="add mod">
+          <ac:chgData name="Khattab, Sherif" userId="c83b1e15-36f3-4f46-aceb-05aac24c545e" providerId="ADAL" clId="{5F2F6BF5-D84C-49C2-A88A-A14AEB5A6666}" dt="2022-02-03T14:15:43.289" v="232"/>
+          <ac:inkMkLst>
+            <pc:docMk/>
+            <pc:sldMk cId="2690636170" sldId="561"/>
+            <ac:inkMk id="52" creationId="{8F6AAA4F-115D-4756-AC4B-A97378390A40}"/>
+          </ac:inkMkLst>
+        </pc:inkChg>
+        <pc:inkChg chg="add mod">
+          <ac:chgData name="Khattab, Sherif" userId="c83b1e15-36f3-4f46-aceb-05aac24c545e" providerId="ADAL" clId="{5F2F6BF5-D84C-49C2-A88A-A14AEB5A6666}" dt="2022-02-03T14:15:43.289" v="232"/>
+          <ac:inkMkLst>
+            <pc:docMk/>
+            <pc:sldMk cId="2690636170" sldId="561"/>
+            <ac:inkMk id="53" creationId="{43A53D58-86A0-4367-BAF3-6ACD55A249F7}"/>
+          </ac:inkMkLst>
+        </pc:inkChg>
+        <pc:inkChg chg="add mod">
+          <ac:chgData name="Khattab, Sherif" userId="c83b1e15-36f3-4f46-aceb-05aac24c545e" providerId="ADAL" clId="{5F2F6BF5-D84C-49C2-A88A-A14AEB5A6666}" dt="2022-02-03T14:15:43.289" v="232"/>
+          <ac:inkMkLst>
+            <pc:docMk/>
+            <pc:sldMk cId="2690636170" sldId="561"/>
+            <ac:inkMk id="54" creationId="{CD83D173-7FCC-4875-8810-2B106359D967}"/>
+          </ac:inkMkLst>
+        </pc:inkChg>
+        <pc:inkChg chg="add mod">
+          <ac:chgData name="Khattab, Sherif" userId="c83b1e15-36f3-4f46-aceb-05aac24c545e" providerId="ADAL" clId="{5F2F6BF5-D84C-49C2-A88A-A14AEB5A6666}" dt="2022-02-03T14:15:43.289" v="232"/>
+          <ac:inkMkLst>
+            <pc:docMk/>
+            <pc:sldMk cId="2690636170" sldId="561"/>
+            <ac:inkMk id="55" creationId="{65AC748A-C473-4764-9CD0-495593B3D069}"/>
+          </ac:inkMkLst>
+        </pc:inkChg>
+        <pc:inkChg chg="add mod">
+          <ac:chgData name="Khattab, Sherif" userId="c83b1e15-36f3-4f46-aceb-05aac24c545e" providerId="ADAL" clId="{5F2F6BF5-D84C-49C2-A88A-A14AEB5A6666}" dt="2022-02-03T14:15:43.289" v="232"/>
+          <ac:inkMkLst>
+            <pc:docMk/>
+            <pc:sldMk cId="2690636170" sldId="561"/>
+            <ac:inkMk id="56" creationId="{CCAF71F4-7DDB-4DA1-A68C-BA660150D9E8}"/>
+          </ac:inkMkLst>
+        </pc:inkChg>
+        <pc:inkChg chg="add mod">
+          <ac:chgData name="Khattab, Sherif" userId="c83b1e15-36f3-4f46-aceb-05aac24c545e" providerId="ADAL" clId="{5F2F6BF5-D84C-49C2-A88A-A14AEB5A6666}" dt="2022-02-03T14:15:43.289" v="232"/>
+          <ac:inkMkLst>
+            <pc:docMk/>
+            <pc:sldMk cId="2690636170" sldId="561"/>
+            <ac:inkMk id="57" creationId="{ACDCA13B-841B-4462-A939-B1859163E2E2}"/>
+          </ac:inkMkLst>
+        </pc:inkChg>
+        <pc:inkChg chg="add mod">
+          <ac:chgData name="Khattab, Sherif" userId="c83b1e15-36f3-4f46-aceb-05aac24c545e" providerId="ADAL" clId="{5F2F6BF5-D84C-49C2-A88A-A14AEB5A6666}" dt="2022-02-03T14:15:43.289" v="232"/>
+          <ac:inkMkLst>
+            <pc:docMk/>
+            <pc:sldMk cId="2690636170" sldId="561"/>
+            <ac:inkMk id="58" creationId="{03F5B4BC-4A4E-48B7-A498-3224BC19E7F7}"/>
+          </ac:inkMkLst>
+        </pc:inkChg>
+        <pc:inkChg chg="add mod">
+          <ac:chgData name="Khattab, Sherif" userId="c83b1e15-36f3-4f46-aceb-05aac24c545e" providerId="ADAL" clId="{5F2F6BF5-D84C-49C2-A88A-A14AEB5A6666}" dt="2022-02-03T14:15:43.289" v="232"/>
+          <ac:inkMkLst>
+            <pc:docMk/>
+            <pc:sldMk cId="2690636170" sldId="561"/>
+            <ac:inkMk id="59" creationId="{409F9698-A0CD-45A3-8499-285D1B7D29DC}"/>
+          </ac:inkMkLst>
+        </pc:inkChg>
+        <pc:inkChg chg="add mod">
+          <ac:chgData name="Khattab, Sherif" userId="c83b1e15-36f3-4f46-aceb-05aac24c545e" providerId="ADAL" clId="{5F2F6BF5-D84C-49C2-A88A-A14AEB5A6666}" dt="2022-02-03T14:15:43.289" v="232"/>
+          <ac:inkMkLst>
+            <pc:docMk/>
+            <pc:sldMk cId="2690636170" sldId="561"/>
+            <ac:inkMk id="60" creationId="{604DE050-F75B-4F17-A544-71B218ADBFA2}"/>
+          </ac:inkMkLst>
+        </pc:inkChg>
+        <pc:inkChg chg="add mod">
+          <ac:chgData name="Khattab, Sherif" userId="c83b1e15-36f3-4f46-aceb-05aac24c545e" providerId="ADAL" clId="{5F2F6BF5-D84C-49C2-A88A-A14AEB5A6666}" dt="2022-02-03T14:15:43.289" v="232"/>
+          <ac:inkMkLst>
+            <pc:docMk/>
+            <pc:sldMk cId="2690636170" sldId="561"/>
+            <ac:inkMk id="61" creationId="{43DE29EF-7CFA-4FC6-B6B9-4792EC50F472}"/>
+          </ac:inkMkLst>
+        </pc:inkChg>
+        <pc:inkChg chg="add mod">
+          <ac:chgData name="Khattab, Sherif" userId="c83b1e15-36f3-4f46-aceb-05aac24c545e" providerId="ADAL" clId="{5F2F6BF5-D84C-49C2-A88A-A14AEB5A6666}" dt="2022-02-03T14:15:43.289" v="232"/>
+          <ac:inkMkLst>
+            <pc:docMk/>
+            <pc:sldMk cId="2690636170" sldId="561"/>
+            <ac:inkMk id="62" creationId="{AF39864C-EF37-439C-BA79-BAD473A8908E}"/>
+          </ac:inkMkLst>
+        </pc:inkChg>
+        <pc:inkChg chg="add mod">
+          <ac:chgData name="Khattab, Sherif" userId="c83b1e15-36f3-4f46-aceb-05aac24c545e" providerId="ADAL" clId="{5F2F6BF5-D84C-49C2-A88A-A14AEB5A6666}" dt="2022-02-03T14:15:43.289" v="232"/>
+          <ac:inkMkLst>
+            <pc:docMk/>
+            <pc:sldMk cId="2690636170" sldId="561"/>
+            <ac:inkMk id="63" creationId="{341224C4-B33E-43DD-86D5-C88D49A2F8A9}"/>
+          </ac:inkMkLst>
+        </pc:inkChg>
+        <pc:inkChg chg="add mod">
+          <ac:chgData name="Khattab, Sherif" userId="c83b1e15-36f3-4f46-aceb-05aac24c545e" providerId="ADAL" clId="{5F2F6BF5-D84C-49C2-A88A-A14AEB5A6666}" dt="2022-02-03T14:15:43.289" v="232"/>
+          <ac:inkMkLst>
+            <pc:docMk/>
+            <pc:sldMk cId="2690636170" sldId="561"/>
+            <ac:inkMk id="64" creationId="{DE38EE6A-B28F-499E-976B-299776AD2E10}"/>
+          </ac:inkMkLst>
+        </pc:inkChg>
+        <pc:inkChg chg="add mod">
+          <ac:chgData name="Khattab, Sherif" userId="c83b1e15-36f3-4f46-aceb-05aac24c545e" providerId="ADAL" clId="{5F2F6BF5-D84C-49C2-A88A-A14AEB5A6666}" dt="2022-02-03T14:15:43.289" v="232"/>
+          <ac:inkMkLst>
+            <pc:docMk/>
+            <pc:sldMk cId="2690636170" sldId="561"/>
+            <ac:inkMk id="65" creationId="{02B02893-96C2-4DDC-8422-A651262E12B8}"/>
+          </ac:inkMkLst>
+        </pc:inkChg>
+        <pc:inkChg chg="add mod">
+          <ac:chgData name="Khattab, Sherif" userId="c83b1e15-36f3-4f46-aceb-05aac24c545e" providerId="ADAL" clId="{5F2F6BF5-D84C-49C2-A88A-A14AEB5A6666}" dt="2022-02-03T14:15:43.289" v="232"/>
+          <ac:inkMkLst>
+            <pc:docMk/>
+            <pc:sldMk cId="2690636170" sldId="561"/>
+            <ac:inkMk id="66" creationId="{FA8F361A-1E79-4EBA-B748-E73CC3E4E3B6}"/>
+          </ac:inkMkLst>
+        </pc:inkChg>
+        <pc:inkChg chg="add mod">
+          <ac:chgData name="Khattab, Sherif" userId="c83b1e15-36f3-4f46-aceb-05aac24c545e" providerId="ADAL" clId="{5F2F6BF5-D84C-49C2-A88A-A14AEB5A6666}" dt="2022-02-03T14:15:43.289" v="232"/>
+          <ac:inkMkLst>
+            <pc:docMk/>
+            <pc:sldMk cId="2690636170" sldId="561"/>
+            <ac:inkMk id="67" creationId="{2E31B089-778D-481C-8118-302194BD5A13}"/>
+          </ac:inkMkLst>
+        </pc:inkChg>
+        <pc:inkChg chg="add mod">
+          <ac:chgData name="Khattab, Sherif" userId="c83b1e15-36f3-4f46-aceb-05aac24c545e" providerId="ADAL" clId="{5F2F6BF5-D84C-49C2-A88A-A14AEB5A6666}" dt="2022-02-03T14:15:43.289" v="232"/>
+          <ac:inkMkLst>
+            <pc:docMk/>
+            <pc:sldMk cId="2690636170" sldId="561"/>
+            <ac:inkMk id="68" creationId="{6BA8EC44-C9A1-4E0A-8BD4-9BEA6053A109}"/>
+          </ac:inkMkLst>
+        </pc:inkChg>
+        <pc:inkChg chg="add mod">
+          <ac:chgData name="Khattab, Sherif" userId="c83b1e15-36f3-4f46-aceb-05aac24c545e" providerId="ADAL" clId="{5F2F6BF5-D84C-49C2-A88A-A14AEB5A6666}" dt="2022-02-03T14:15:43.289" v="232"/>
+          <ac:inkMkLst>
+            <pc:docMk/>
+            <pc:sldMk cId="2690636170" sldId="561"/>
+            <ac:inkMk id="69" creationId="{D5DC0EEF-D7E6-4C28-8E38-094E419359E9}"/>
+          </ac:inkMkLst>
+        </pc:inkChg>
+        <pc:inkChg chg="add mod">
+          <ac:chgData name="Khattab, Sherif" userId="c83b1e15-36f3-4f46-aceb-05aac24c545e" providerId="ADAL" clId="{5F2F6BF5-D84C-49C2-A88A-A14AEB5A6666}" dt="2022-02-03T14:15:43.289" v="232"/>
+          <ac:inkMkLst>
+            <pc:docMk/>
+            <pc:sldMk cId="2690636170" sldId="561"/>
+            <ac:inkMk id="70" creationId="{25BFE638-3DDB-420F-B0DF-C46EA168F289}"/>
+          </ac:inkMkLst>
+        </pc:inkChg>
+      </pc:sldChg>
+      <pc:sldChg chg="addSp modSp new mod">
+        <pc:chgData name="Khattab, Sherif" userId="c83b1e15-36f3-4f46-aceb-05aac24c545e" providerId="ADAL" clId="{5F2F6BF5-D84C-49C2-A88A-A14AEB5A6666}" dt="2022-02-03T14:18:21.633" v="464"/>
+        <pc:sldMkLst>
+          <pc:docMk/>
+          <pc:sldMk cId="206149075" sldId="562"/>
+        </pc:sldMkLst>
+        <pc:spChg chg="mod">
+          <ac:chgData name="Khattab, Sherif" userId="c83b1e15-36f3-4f46-aceb-05aac24c545e" providerId="ADAL" clId="{5F2F6BF5-D84C-49C2-A88A-A14AEB5A6666}" dt="2022-02-03T14:17:53.327" v="460" actId="20577"/>
+          <ac:spMkLst>
+            <pc:docMk/>
+            <pc:sldMk cId="206149075" sldId="562"/>
+            <ac:spMk id="2" creationId="{B95A537A-44B4-47DA-9B9B-936EFF5E4293}"/>
+          </ac:spMkLst>
+        </pc:spChg>
+        <pc:grpChg chg="mod">
+          <ac:chgData name="Khattab, Sherif" userId="c83b1e15-36f3-4f46-aceb-05aac24c545e" providerId="ADAL" clId="{5F2F6BF5-D84C-49C2-A88A-A14AEB5A6666}" dt="2022-02-03T14:18:21.633" v="464"/>
+          <ac:grpSpMkLst>
+            <pc:docMk/>
+            <pc:sldMk cId="206149075" sldId="562"/>
+            <ac:grpSpMk id="8" creationId="{31D47E36-BF62-45A2-B0AF-7DBD33382F88}"/>
+          </ac:grpSpMkLst>
+        </pc:grpChg>
+        <pc:picChg chg="add mod">
+          <ac:chgData name="Khattab, Sherif" userId="c83b1e15-36f3-4f46-aceb-05aac24c545e" providerId="ADAL" clId="{5F2F6BF5-D84C-49C2-A88A-A14AEB5A6666}" dt="2022-02-03T14:18:09.522" v="461"/>
+          <ac:picMkLst>
+            <pc:docMk/>
+            <pc:sldMk cId="206149075" sldId="562"/>
+            <ac:picMk id="5" creationId="{C9716E5D-0E02-4AAA-B530-9D8A26A6500A}"/>
+          </ac:picMkLst>
+        </pc:picChg>
+        <pc:inkChg chg="add mod">
+          <ac:chgData name="Khattab, Sherif" userId="c83b1e15-36f3-4f46-aceb-05aac24c545e" providerId="ADAL" clId="{5F2F6BF5-D84C-49C2-A88A-A14AEB5A6666}" dt="2022-02-03T14:18:21.633" v="464"/>
+          <ac:inkMkLst>
+            <pc:docMk/>
+            <pc:sldMk cId="206149075" sldId="562"/>
+            <ac:inkMk id="6" creationId="{7E4A1448-4519-43AF-B400-4198FC2A7479}"/>
+          </ac:inkMkLst>
+        </pc:inkChg>
+        <pc:inkChg chg="add mod">
+          <ac:chgData name="Khattab, Sherif" userId="c83b1e15-36f3-4f46-aceb-05aac24c545e" providerId="ADAL" clId="{5F2F6BF5-D84C-49C2-A88A-A14AEB5A6666}" dt="2022-02-03T14:18:21.633" v="464"/>
+          <ac:inkMkLst>
+            <pc:docMk/>
+            <pc:sldMk cId="206149075" sldId="562"/>
+            <ac:inkMk id="7" creationId="{C2E99657-6203-4DE2-BAE1-95CA162A3A93}"/>
+          </ac:inkMkLst>
+        </pc:inkChg>
+      </pc:sldChg>
+      <pc:sldChg chg="addSp delSp modSp add mod">
+        <pc:chgData name="Khattab, Sherif" userId="c83b1e15-36f3-4f46-aceb-05aac24c545e" providerId="ADAL" clId="{5F2F6BF5-D84C-49C2-A88A-A14AEB5A6666}" dt="2022-02-03T19:16:27.776" v="999" actId="20577"/>
+        <pc:sldMkLst>
+          <pc:docMk/>
+          <pc:sldMk cId="401523692" sldId="563"/>
+        </pc:sldMkLst>
+        <pc:spChg chg="mod">
+          <ac:chgData name="Khattab, Sherif" userId="c83b1e15-36f3-4f46-aceb-05aac24c545e" providerId="ADAL" clId="{5F2F6BF5-D84C-49C2-A88A-A14AEB5A6666}" dt="2022-02-03T19:16:27.776" v="999" actId="20577"/>
+          <ac:spMkLst>
+            <pc:docMk/>
+            <pc:sldMk cId="401523692" sldId="563"/>
+            <ac:spMk id="3" creationId="{D5291290-B762-483B-8F8C-11B52611EC7F}"/>
+          </ac:spMkLst>
+        </pc:spChg>
+        <pc:spChg chg="add mod">
+          <ac:chgData name="Khattab, Sherif" userId="c83b1e15-36f3-4f46-aceb-05aac24c545e" providerId="ADAL" clId="{5F2F6BF5-D84C-49C2-A88A-A14AEB5A6666}" dt="2022-02-03T19:16:17.616" v="988" actId="20577"/>
+          <ac:spMkLst>
+            <pc:docMk/>
+            <pc:sldMk cId="401523692" sldId="563"/>
+            <ac:spMk id="6" creationId="{7E7E0BF0-2041-4397-98B6-1BECD0E57B1A}"/>
+          </ac:spMkLst>
+        </pc:spChg>
+        <pc:spChg chg="add del mod">
+          <ac:chgData name="Khattab, Sherif" userId="c83b1e15-36f3-4f46-aceb-05aac24c545e" providerId="ADAL" clId="{5F2F6BF5-D84C-49C2-A88A-A14AEB5A6666}" dt="2022-02-03T14:19:04.376" v="472"/>
+          <ac:spMkLst>
+            <pc:docMk/>
+            <pc:sldMk cId="401523692" sldId="563"/>
+            <ac:spMk id="9" creationId="{D1C877D9-414E-40EC-856C-7EC7915A14D1}"/>
+          </ac:spMkLst>
+        </pc:spChg>
+        <pc:spChg chg="add mod">
+          <ac:chgData name="Khattab, Sherif" userId="c83b1e15-36f3-4f46-aceb-05aac24c545e" providerId="ADAL" clId="{5F2F6BF5-D84C-49C2-A88A-A14AEB5A6666}" dt="2022-02-03T14:19:44.121" v="523" actId="403"/>
+          <ac:spMkLst>
+            <pc:docMk/>
+            <pc:sldMk cId="401523692" sldId="563"/>
+            <ac:spMk id="10" creationId="{F6B8954E-6089-4571-B256-AC2775B50896}"/>
+          </ac:spMkLst>
+        </pc:spChg>
+        <pc:grpChg chg="del">
+          <ac:chgData name="Khattab, Sherif" userId="c83b1e15-36f3-4f46-aceb-05aac24c545e" providerId="ADAL" clId="{5F2F6BF5-D84C-49C2-A88A-A14AEB5A6666}" dt="2022-02-03T14:18:32.912" v="467" actId="478"/>
+          <ac:grpSpMkLst>
+            <pc:docMk/>
+            <pc:sldMk cId="401523692" sldId="563"/>
+            <ac:grpSpMk id="8" creationId="{31D47E36-BF62-45A2-B0AF-7DBD33382F88}"/>
+          </ac:grpSpMkLst>
+        </pc:grpChg>
+        <pc:picChg chg="del">
+          <ac:chgData name="Khattab, Sherif" userId="c83b1e15-36f3-4f46-aceb-05aac24c545e" providerId="ADAL" clId="{5F2F6BF5-D84C-49C2-A88A-A14AEB5A6666}" dt="2022-02-03T14:18:30.569" v="466" actId="478"/>
+          <ac:picMkLst>
+            <pc:docMk/>
+            <pc:sldMk cId="401523692" sldId="563"/>
+            <ac:picMk id="5" creationId="{C9716E5D-0E02-4AAA-B530-9D8A26A6500A}"/>
+          </ac:picMkLst>
+        </pc:picChg>
+      </pc:sldChg>
+      <pc:sldChg chg="modSp new mod modAnim">
+        <pc:chgData name="Khattab, Sherif" userId="c83b1e15-36f3-4f46-aceb-05aac24c545e" providerId="ADAL" clId="{5F2F6BF5-D84C-49C2-A88A-A14AEB5A6666}" dt="2022-02-03T14:21:45.138" v="865" actId="20577"/>
+        <pc:sldMkLst>
+          <pc:docMk/>
+          <pc:sldMk cId="66830202" sldId="564"/>
+        </pc:sldMkLst>
+        <pc:spChg chg="mod">
+          <ac:chgData name="Khattab, Sherif" userId="c83b1e15-36f3-4f46-aceb-05aac24c545e" providerId="ADAL" clId="{5F2F6BF5-D84C-49C2-A88A-A14AEB5A6666}" dt="2022-02-03T14:20:40.890" v="634" actId="20577"/>
+          <ac:spMkLst>
+            <pc:docMk/>
+            <pc:sldMk cId="66830202" sldId="564"/>
+            <ac:spMk id="2" creationId="{F1FDE028-45F8-4A2C-92A3-9C4A5CDB9C71}"/>
+          </ac:spMkLst>
+        </pc:spChg>
+        <pc:spChg chg="mod">
+          <ac:chgData name="Khattab, Sherif" userId="c83b1e15-36f3-4f46-aceb-05aac24c545e" providerId="ADAL" clId="{5F2F6BF5-D84C-49C2-A88A-A14AEB5A6666}" dt="2022-02-03T14:21:45.138" v="865" actId="20577"/>
+          <ac:spMkLst>
+            <pc:docMk/>
+            <pc:sldMk cId="66830202" sldId="564"/>
+            <ac:spMk id="3" creationId="{672D86A1-B2AB-45DF-97E1-7745B511B50E}"/>
+          </ac:spMkLst>
+        </pc:spChg>
+      </pc:sldChg>
+      <pc:sldChg chg="add">
+        <pc:chgData name="Khattab, Sherif" userId="c83b1e15-36f3-4f46-aceb-05aac24c545e" providerId="ADAL" clId="{5F2F6BF5-D84C-49C2-A88A-A14AEB5A6666}" dt="2022-02-03T19:14:47.466" v="877"/>
+        <pc:sldMkLst>
+          <pc:docMk/>
+          <pc:sldMk cId="492404092" sldId="565"/>
+        </pc:sldMkLst>
+      </pc:sldChg>
+      <pc:sldChg chg="add del">
+        <pc:chgData name="Khattab, Sherif" userId="c83b1e15-36f3-4f46-aceb-05aac24c545e" providerId="ADAL" clId="{5F2F6BF5-D84C-49C2-A88A-A14AEB5A6666}" dt="2022-02-03T19:14:47.448" v="876"/>
+        <pc:sldMkLst>
+          <pc:docMk/>
+          <pc:sldMk cId="970752448" sldId="565"/>
+        </pc:sldMkLst>
+      </pc:sldChg>
+      <pc:sldChg chg="modSp new mod modAnim">
+        <pc:chgData name="Khattab, Sherif" userId="c83b1e15-36f3-4f46-aceb-05aac24c545e" providerId="ADAL" clId="{5F2F6BF5-D84C-49C2-A88A-A14AEB5A6666}" dt="2022-02-03T19:20:53.465" v="1590"/>
+        <pc:sldMkLst>
+          <pc:docMk/>
+          <pc:sldMk cId="1978042385" sldId="566"/>
+        </pc:sldMkLst>
+        <pc:spChg chg="mod">
+          <ac:chgData name="Khattab, Sherif" userId="c83b1e15-36f3-4f46-aceb-05aac24c545e" providerId="ADAL" clId="{5F2F6BF5-D84C-49C2-A88A-A14AEB5A6666}" dt="2022-02-03T19:16:47.530" v="1008" actId="20577"/>
+          <ac:spMkLst>
+            <pc:docMk/>
+            <pc:sldMk cId="1978042385" sldId="566"/>
+            <ac:spMk id="2" creationId="{C9858C67-D4AE-4248-BE76-AB32777E60D2}"/>
+          </ac:spMkLst>
+        </pc:spChg>
+        <pc:spChg chg="mod">
+          <ac:chgData name="Khattab, Sherif" userId="c83b1e15-36f3-4f46-aceb-05aac24c545e" providerId="ADAL" clId="{5F2F6BF5-D84C-49C2-A88A-A14AEB5A6666}" dt="2022-02-03T19:20:47.613" v="1588" actId="6549"/>
+          <ac:spMkLst>
+            <pc:docMk/>
+            <pc:sldMk cId="1978042385" sldId="566"/>
+            <ac:spMk id="3" creationId="{FBFE21D9-18E9-4186-982C-9B73CD8929E5}"/>
+          </ac:spMkLst>
+        </pc:spChg>
+      </pc:sldChg>
+      <pc:sldChg chg="addSp modSp new mod">
+        <pc:chgData name="Khattab, Sherif" userId="c83b1e15-36f3-4f46-aceb-05aac24c545e" providerId="ADAL" clId="{5F2F6BF5-D84C-49C2-A88A-A14AEB5A6666}" dt="2022-02-03T19:22:00.267" v="1647" actId="1076"/>
+        <pc:sldMkLst>
+          <pc:docMk/>
+          <pc:sldMk cId="2984486663" sldId="567"/>
+        </pc:sldMkLst>
+        <pc:spChg chg="mod">
+          <ac:chgData name="Khattab, Sherif" userId="c83b1e15-36f3-4f46-aceb-05aac24c545e" providerId="ADAL" clId="{5F2F6BF5-D84C-49C2-A88A-A14AEB5A6666}" dt="2022-02-03T19:21:17.697" v="1642" actId="404"/>
+          <ac:spMkLst>
+            <pc:docMk/>
+            <pc:sldMk cId="2984486663" sldId="567"/>
+            <ac:spMk id="2" creationId="{84956429-172D-4C98-8FF4-5DD8DA95250B}"/>
+          </ac:spMkLst>
+        </pc:spChg>
+        <pc:picChg chg="add mod">
+          <ac:chgData name="Khattab, Sherif" userId="c83b1e15-36f3-4f46-aceb-05aac24c545e" providerId="ADAL" clId="{5F2F6BF5-D84C-49C2-A88A-A14AEB5A6666}" dt="2022-02-03T19:22:00.267" v="1647" actId="1076"/>
+          <ac:picMkLst>
+            <pc:docMk/>
+            <pc:sldMk cId="2984486663" sldId="567"/>
+            <ac:picMk id="6" creationId="{540D19B8-68C5-4084-A4A5-081F30EAF9B7}"/>
+          </ac:picMkLst>
+        </pc:picChg>
+      </pc:sldChg>
+    </pc:docChg>
+  </pc:docChgLst>
+  <pc:docChgLst>
+    <pc:chgData name="Khattab, Sherif" userId="c83b1e15-36f3-4f46-aceb-05aac24c545e" providerId="ADAL" clId="{79D9A848-63DC-C04B-A37B-45CD4B398B25}"/>
+    <pc:docChg chg="sldOrd">
+      <pc:chgData name="Khattab, Sherif" userId="c83b1e15-36f3-4f46-aceb-05aac24c545e" providerId="ADAL" clId="{79D9A848-63DC-C04B-A37B-45CD4B398B25}" dt="2020-10-07T03:45:55.390" v="0" actId="20578"/>
+      <pc:docMkLst>
+        <pc:docMk/>
+      </pc:docMkLst>
+      <pc:sldChg chg="ord">
+        <pc:chgData name="Khattab, Sherif" userId="c83b1e15-36f3-4f46-aceb-05aac24c545e" providerId="ADAL" clId="{79D9A848-63DC-C04B-A37B-45CD4B398B25}" dt="2020-10-07T03:45:55.390" v="0" actId="20578"/>
+        <pc:sldMkLst>
+          <pc:docMk/>
+          <pc:sldMk cId="434376579" sldId="363"/>
+        </pc:sldMkLst>
+      </pc:sldChg>
+    </pc:docChg>
+  </pc:docChgLst>
+  <pc:docChgLst>
+    <pc:chgData name="Khattab, Sherif" userId="c83b1e15-36f3-4f46-aceb-05aac24c545e" providerId="ADAL" clId="{00771379-563B-405F-813C-A6D6F2B0CDAD}"/>
+    <pc:docChg chg="modSld">
+      <pc:chgData name="Khattab, Sherif" userId="c83b1e15-36f3-4f46-aceb-05aac24c545e" providerId="ADAL" clId="{00771379-563B-405F-813C-A6D6F2B0CDAD}" dt="2020-09-08T04:21:57.867" v="3" actId="20577"/>
+      <pc:docMkLst>
+        <pc:docMk/>
+      </pc:docMkLst>
+      <pc:sldChg chg="modSp mod">
+        <pc:chgData name="Khattab, Sherif" userId="c83b1e15-36f3-4f46-aceb-05aac24c545e" providerId="ADAL" clId="{00771379-563B-405F-813C-A6D6F2B0CDAD}" dt="2020-09-08T04:21:57.867" v="3" actId="20577"/>
+        <pc:sldMkLst>
+          <pc:docMk/>
+          <pc:sldMk cId="1330366002" sldId="454"/>
+        </pc:sldMkLst>
+        <pc:spChg chg="mod">
+          <ac:chgData name="Khattab, Sherif" userId="c83b1e15-36f3-4f46-aceb-05aac24c545e" providerId="ADAL" clId="{00771379-563B-405F-813C-A6D6F2B0CDAD}" dt="2020-09-08T04:21:57.867" v="3" actId="20577"/>
+          <ac:spMkLst>
+            <pc:docMk/>
+            <pc:sldMk cId="1330366002" sldId="454"/>
+            <ac:spMk id="3" creationId="{00000000-0000-0000-0000-000000000000}"/>
+          </ac:spMkLst>
+        </pc:spChg>
+      </pc:sldChg>
+    </pc:docChg>
+  </pc:docChgLst>
+  <pc:docChgLst>
+    <pc:chgData name="Khattab, Sherif" userId="c83b1e15-36f3-4f46-aceb-05aac24c545e" providerId="ADAL" clId="{2E972878-91E8-A543-AB2A-5CB3C36AFF38}"/>
+    <pc:docChg chg="modSld">
+      <pc:chgData name="Khattab, Sherif" userId="c83b1e15-36f3-4f46-aceb-05aac24c545e" providerId="ADAL" clId="{2E972878-91E8-A543-AB2A-5CB3C36AFF38}" dt="2021-09-01T06:18:03.280" v="0"/>
+      <pc:docMkLst>
+        <pc:docMk/>
+      </pc:docMkLst>
+      <pc:sldChg chg="modSp">
+        <pc:chgData name="Khattab, Sherif" userId="c83b1e15-36f3-4f46-aceb-05aac24c545e" providerId="ADAL" clId="{2E972878-91E8-A543-AB2A-5CB3C36AFF38}" dt="2021-09-01T06:18:03.280" v="0"/>
+        <pc:sldMkLst>
+          <pc:docMk/>
+          <pc:sldMk cId="1330366002" sldId="454"/>
+        </pc:sldMkLst>
+        <pc:spChg chg="mod">
+          <ac:chgData name="Khattab, Sherif" userId="c83b1e15-36f3-4f46-aceb-05aac24c545e" providerId="ADAL" clId="{2E972878-91E8-A543-AB2A-5CB3C36AFF38}" dt="2021-09-01T06:18:03.280" v="0"/>
+          <ac:spMkLst>
+            <pc:docMk/>
+            <pc:sldMk cId="1330366002" sldId="454"/>
+            <ac:spMk id="3" creationId="{00000000-0000-0000-0000-000000000000}"/>
+          </ac:spMkLst>
+        </pc:spChg>
+      </pc:sldChg>
+    </pc:docChg>
+  </pc:docChgLst>
+  <pc:docChgLst>
+    <pc:chgData name="Khattab, Sherif" userId="c83b1e15-36f3-4f46-aceb-05aac24c545e" providerId="ADAL" clId="{DE316A4D-089D-2A40-9FA9-4724C2884636}"/>
+    <pc:docChg chg="undo custSel addSld delSld modSld">
+      <pc:chgData name="Khattab, Sherif" userId="c83b1e15-36f3-4f46-aceb-05aac24c545e" providerId="ADAL" clId="{DE316A4D-089D-2A40-9FA9-4724C2884636}" dt="2019-05-23T05:43:41.544" v="183"/>
+      <pc:docMkLst>
+        <pc:docMk/>
+      </pc:docMkLst>
+      <pc:sldChg chg="modSp">
+        <pc:chgData name="Khattab, Sherif" userId="c83b1e15-36f3-4f46-aceb-05aac24c545e" providerId="ADAL" clId="{DE316A4D-089D-2A40-9FA9-4724C2884636}" dt="2019-05-14T13:41:27.276" v="1" actId="20577"/>
+        <pc:sldMkLst>
+          <pc:docMk/>
+          <pc:sldMk cId="0" sldId="256"/>
+        </pc:sldMkLst>
+        <pc:spChg chg="mod">
+          <ac:chgData name="Khattab, Sherif" userId="c83b1e15-36f3-4f46-aceb-05aac24c545e" providerId="ADAL" clId="{DE316A4D-089D-2A40-9FA9-4724C2884636}" dt="2019-05-14T13:41:27.276" v="1" actId="20577"/>
+          <ac:spMkLst>
+            <pc:docMk/>
+            <pc:sldMk cId="0" sldId="256"/>
+            <ac:spMk id="2" creationId="{00000000-0000-0000-0000-000000000000}"/>
+          </ac:spMkLst>
+        </pc:spChg>
+      </pc:sldChg>
+      <pc:sldChg chg="del">
+        <pc:chgData name="Khattab, Sherif" userId="c83b1e15-36f3-4f46-aceb-05aac24c545e" providerId="ADAL" clId="{DE316A4D-089D-2A40-9FA9-4724C2884636}" dt="2019-05-23T03:59:27.081" v="2" actId="2696"/>
+        <pc:sldMkLst>
+          <pc:docMk/>
+          <pc:sldMk cId="1969176380" sldId="257"/>
+        </pc:sldMkLst>
+      </pc:sldChg>
+      <pc:sldChg chg="del">
+        <pc:chgData name="Khattab, Sherif" userId="c83b1e15-36f3-4f46-aceb-05aac24c545e" providerId="ADAL" clId="{DE316A4D-089D-2A40-9FA9-4724C2884636}" dt="2019-05-23T03:59:31.239" v="3" actId="2696"/>
+        <pc:sldMkLst>
+          <pc:docMk/>
+          <pc:sldMk cId="978894378" sldId="266"/>
+        </pc:sldMkLst>
+      </pc:sldChg>
+      <pc:sldChg chg="del">
+        <pc:chgData name="Khattab, Sherif" userId="c83b1e15-36f3-4f46-aceb-05aac24c545e" providerId="ADAL" clId="{DE316A4D-089D-2A40-9FA9-4724C2884636}" dt="2019-05-23T03:59:34.863" v="4" actId="2696"/>
+        <pc:sldMkLst>
+          <pc:docMk/>
+          <pc:sldMk cId="1871263980" sldId="275"/>
+        </pc:sldMkLst>
+      </pc:sldChg>
+      <pc:sldChg chg="del">
+        <pc:chgData name="Khattab, Sherif" userId="c83b1e15-36f3-4f46-aceb-05aac24c545e" providerId="ADAL" clId="{DE316A4D-089D-2A40-9FA9-4724C2884636}" dt="2019-05-23T03:59:50.802" v="5" actId="2696"/>
+        <pc:sldMkLst>
+          <pc:docMk/>
+          <pc:sldMk cId="2119836463" sldId="283"/>
+        </pc:sldMkLst>
+      </pc:sldChg>
+      <pc:sldChg chg="del">
+        <pc:chgData name="Khattab, Sherif" userId="c83b1e15-36f3-4f46-aceb-05aac24c545e" providerId="ADAL" clId="{DE316A4D-089D-2A40-9FA9-4724C2884636}" dt="2019-05-23T03:59:50.830" v="6" actId="2696"/>
+        <pc:sldMkLst>
+          <pc:docMk/>
+          <pc:sldMk cId="1220313734" sldId="284"/>
+        </pc:sldMkLst>
+      </pc:sldChg>
+      <pc:sldChg chg="del">
+        <pc:chgData name="Khattab, Sherif" userId="c83b1e15-36f3-4f46-aceb-05aac24c545e" providerId="ADAL" clId="{DE316A4D-089D-2A40-9FA9-4724C2884636}" dt="2019-05-23T03:59:50.853" v="7" actId="2696"/>
+        <pc:sldMkLst>
+          <pc:docMk/>
+          <pc:sldMk cId="882805023" sldId="285"/>
+        </pc:sldMkLst>
+      </pc:sldChg>
+      <pc:sldChg chg="del">
+        <pc:chgData name="Khattab, Sherif" userId="c83b1e15-36f3-4f46-aceb-05aac24c545e" providerId="ADAL" clId="{DE316A4D-089D-2A40-9FA9-4724C2884636}" dt="2019-05-23T03:59:50.877" v="8" actId="2696"/>
+        <pc:sldMkLst>
+          <pc:docMk/>
+          <pc:sldMk cId="561854054" sldId="287"/>
+        </pc:sldMkLst>
+      </pc:sldChg>
+      <pc:sldChg chg="del">
+        <pc:chgData name="Khattab, Sherif" userId="c83b1e15-36f3-4f46-aceb-05aac24c545e" providerId="ADAL" clId="{DE316A4D-089D-2A40-9FA9-4724C2884636}" dt="2019-05-23T03:59:50.893" v="9" actId="2696"/>
+        <pc:sldMkLst>
+          <pc:docMk/>
+          <pc:sldMk cId="1121912213" sldId="288"/>
+        </pc:sldMkLst>
+      </pc:sldChg>
+      <pc:sldChg chg="del">
+        <pc:chgData name="Khattab, Sherif" userId="c83b1e15-36f3-4f46-aceb-05aac24c545e" providerId="ADAL" clId="{DE316A4D-089D-2A40-9FA9-4724C2884636}" dt="2019-05-23T03:59:50.912" v="10" actId="2696"/>
+        <pc:sldMkLst>
+          <pc:docMk/>
+          <pc:sldMk cId="2123485087" sldId="289"/>
+        </pc:sldMkLst>
+      </pc:sldChg>
+      <pc:sldChg chg="del">
+        <pc:chgData name="Khattab, Sherif" userId="c83b1e15-36f3-4f46-aceb-05aac24c545e" providerId="ADAL" clId="{DE316A4D-089D-2A40-9FA9-4724C2884636}" dt="2019-05-23T03:59:50.929" v="11" actId="2696"/>
+        <pc:sldMkLst>
+          <pc:docMk/>
+          <pc:sldMk cId="1071549106" sldId="290"/>
+        </pc:sldMkLst>
+      </pc:sldChg>
+      <pc:sldChg chg="del">
+        <pc:chgData name="Khattab, Sherif" userId="c83b1e15-36f3-4f46-aceb-05aac24c545e" providerId="ADAL" clId="{DE316A4D-089D-2A40-9FA9-4724C2884636}" dt="2019-05-23T03:59:50.947" v="12" actId="2696"/>
+        <pc:sldMkLst>
+          <pc:docMk/>
+          <pc:sldMk cId="622828641" sldId="291"/>
+        </pc:sldMkLst>
+      </pc:sldChg>
+      <pc:sldChg chg="del">
+        <pc:chgData name="Khattab, Sherif" userId="c83b1e15-36f3-4f46-aceb-05aac24c545e" providerId="ADAL" clId="{DE316A4D-089D-2A40-9FA9-4724C2884636}" dt="2019-05-23T03:59:50.968" v="13" actId="2696"/>
+        <pc:sldMkLst>
+          <pc:docMk/>
+          <pc:sldMk cId="1781024462" sldId="292"/>
+        </pc:sldMkLst>
+      </pc:sldChg>
+      <pc:sldChg chg="del">
+        <pc:chgData name="Khattab, Sherif" userId="c83b1e15-36f3-4f46-aceb-05aac24c545e" providerId="ADAL" clId="{DE316A4D-089D-2A40-9FA9-4724C2884636}" dt="2019-05-23T03:59:50.988" v="14" actId="2696"/>
+        <pc:sldMkLst>
+          <pc:docMk/>
+          <pc:sldMk cId="64306115" sldId="295"/>
+        </pc:sldMkLst>
+      </pc:sldChg>
+      <pc:sldChg chg="del">
+        <pc:chgData name="Khattab, Sherif" userId="c83b1e15-36f3-4f46-aceb-05aac24c545e" providerId="ADAL" clId="{DE316A4D-089D-2A40-9FA9-4724C2884636}" dt="2019-05-23T03:59:51.007" v="15" actId="2696"/>
+        <pc:sldMkLst>
+          <pc:docMk/>
+          <pc:sldMk cId="281707087" sldId="296"/>
+        </pc:sldMkLst>
+      </pc:sldChg>
+      <pc:sldChg chg="del">
+        <pc:chgData name="Khattab, Sherif" userId="c83b1e15-36f3-4f46-aceb-05aac24c545e" providerId="ADAL" clId="{DE316A4D-089D-2A40-9FA9-4724C2884636}" dt="2019-05-23T03:59:51.028" v="16" actId="2696"/>
+        <pc:sldMkLst>
+          <pc:docMk/>
+          <pc:sldMk cId="275381494" sldId="297"/>
+        </pc:sldMkLst>
+      </pc:sldChg>
+      <pc:sldChg chg="del">
+        <pc:chgData name="Khattab, Sherif" userId="c83b1e15-36f3-4f46-aceb-05aac24c545e" providerId="ADAL" clId="{DE316A4D-089D-2A40-9FA9-4724C2884636}" dt="2019-05-23T03:59:51.054" v="17" actId="2696"/>
+        <pc:sldMkLst>
+          <pc:docMk/>
+          <pc:sldMk cId="1323538422" sldId="298"/>
+        </pc:sldMkLst>
+      </pc:sldChg>
+      <pc:sldChg chg="del">
+        <pc:chgData name="Khattab, Sherif" userId="c83b1e15-36f3-4f46-aceb-05aac24c545e" providerId="ADAL" clId="{DE316A4D-089D-2A40-9FA9-4724C2884636}" dt="2019-05-23T03:59:51.076" v="18" actId="2696"/>
+        <pc:sldMkLst>
+          <pc:docMk/>
+          <pc:sldMk cId="1186219626" sldId="299"/>
+        </pc:sldMkLst>
+      </pc:sldChg>
+      <pc:sldChg chg="del">
+        <pc:chgData name="Khattab, Sherif" userId="c83b1e15-36f3-4f46-aceb-05aac24c545e" providerId="ADAL" clId="{DE316A4D-089D-2A40-9FA9-4724C2884636}" dt="2019-05-23T03:59:51.094" v="19" actId="2696"/>
+        <pc:sldMkLst>
+          <pc:docMk/>
+          <pc:sldMk cId="1838361739" sldId="300"/>
+        </pc:sldMkLst>
+      </pc:sldChg>
+      <pc:sldChg chg="del">
+        <pc:chgData name="Khattab, Sherif" userId="c83b1e15-36f3-4f46-aceb-05aac24c545e" providerId="ADAL" clId="{DE316A4D-089D-2A40-9FA9-4724C2884636}" dt="2019-05-23T03:59:51.121" v="20" actId="2696"/>
+        <pc:sldMkLst>
+          <pc:docMk/>
+          <pc:sldMk cId="2051028719" sldId="301"/>
+        </pc:sldMkLst>
+      </pc:sldChg>
+      <pc:sldChg chg="del">
+        <pc:chgData name="Khattab, Sherif" userId="c83b1e15-36f3-4f46-aceb-05aac24c545e" providerId="ADAL" clId="{DE316A4D-089D-2A40-9FA9-4724C2884636}" dt="2019-05-23T03:59:51.137" v="21" actId="2696"/>
+        <pc:sldMkLst>
+          <pc:docMk/>
+          <pc:sldMk cId="247758724" sldId="302"/>
+        </pc:sldMkLst>
+      </pc:sldChg>
+      <pc:sldChg chg="del">
+        <pc:chgData name="Khattab, Sherif" userId="c83b1e15-36f3-4f46-aceb-05aac24c545e" providerId="ADAL" clId="{DE316A4D-089D-2A40-9FA9-4724C2884636}" dt="2019-05-23T03:59:51.155" v="22" actId="2696"/>
+        <pc:sldMkLst>
+          <pc:docMk/>
+          <pc:sldMk cId="1220341221" sldId="308"/>
+        </pc:sldMkLst>
+      </pc:sldChg>
+      <pc:sldChg chg="del">
+        <pc:chgData name="Khattab, Sherif" userId="c83b1e15-36f3-4f46-aceb-05aac24c545e" providerId="ADAL" clId="{DE316A4D-089D-2A40-9FA9-4724C2884636}" dt="2019-05-23T03:59:51.175" v="23" actId="2696"/>
+        <pc:sldMkLst>
+          <pc:docMk/>
+          <pc:sldMk cId="7029104" sldId="310"/>
+        </pc:sldMkLst>
+      </pc:sldChg>
+      <pc:sldChg chg="del">
+        <pc:chgData name="Khattab, Sherif" userId="c83b1e15-36f3-4f46-aceb-05aac24c545e" providerId="ADAL" clId="{DE316A4D-089D-2A40-9FA9-4724C2884636}" dt="2019-05-23T03:59:51.194" v="24" actId="2696"/>
+        <pc:sldMkLst>
+          <pc:docMk/>
+          <pc:sldMk cId="1024142779" sldId="312"/>
+        </pc:sldMkLst>
+      </pc:sldChg>
+      <pc:sldChg chg="del">
+        <pc:chgData name="Khattab, Sherif" userId="c83b1e15-36f3-4f46-aceb-05aac24c545e" providerId="ADAL" clId="{DE316A4D-089D-2A40-9FA9-4724C2884636}" dt="2019-05-23T03:59:51.209" v="25" actId="2696"/>
+        <pc:sldMkLst>
+          <pc:docMk/>
+          <pc:sldMk cId="1916533646" sldId="313"/>
+        </pc:sldMkLst>
+      </pc:sldChg>
+      <pc:sldChg chg="del">
+        <pc:chgData name="Khattab, Sherif" userId="c83b1e15-36f3-4f46-aceb-05aac24c545e" providerId="ADAL" clId="{DE316A4D-089D-2A40-9FA9-4724C2884636}" dt="2019-05-23T03:59:51.225" v="26" actId="2696"/>
+        <pc:sldMkLst>
+          <pc:docMk/>
+          <pc:sldMk cId="1496362242" sldId="314"/>
+        </pc:sldMkLst>
+      </pc:sldChg>
+      <pc:sldChg chg="del">
+        <pc:chgData name="Khattab, Sherif" userId="c83b1e15-36f3-4f46-aceb-05aac24c545e" providerId="ADAL" clId="{DE316A4D-089D-2A40-9FA9-4724C2884636}" dt="2019-05-23T03:59:51.246" v="27" actId="2696"/>
+        <pc:sldMkLst>
+          <pc:docMk/>
+          <pc:sldMk cId="1231859445" sldId="315"/>
+        </pc:sldMkLst>
+      </pc:sldChg>
+      <pc:sldChg chg="del">
+        <pc:chgData name="Khattab, Sherif" userId="c83b1e15-36f3-4f46-aceb-05aac24c545e" providerId="ADAL" clId="{DE316A4D-089D-2A40-9FA9-4724C2884636}" dt="2019-05-23T03:59:51.263" v="28" actId="2696"/>
+        <pc:sldMkLst>
+          <pc:docMk/>
+          <pc:sldMk cId="1500164103" sldId="316"/>
+        </pc:sldMkLst>
+      </pc:sldChg>
+      <pc:sldChg chg="del">
+        <pc:chgData name="Khattab, Sherif" userId="c83b1e15-36f3-4f46-aceb-05aac24c545e" providerId="ADAL" clId="{DE316A4D-089D-2A40-9FA9-4724C2884636}" dt="2019-05-23T03:59:51.285" v="29" actId="2696"/>
+        <pc:sldMkLst>
+          <pc:docMk/>
+          <pc:sldMk cId="2062436898" sldId="317"/>
+        </pc:sldMkLst>
+      </pc:sldChg>
+      <pc:sldChg chg="del">
+        <pc:chgData name="Khattab, Sherif" userId="c83b1e15-36f3-4f46-aceb-05aac24c545e" providerId="ADAL" clId="{DE316A4D-089D-2A40-9FA9-4724C2884636}" dt="2019-05-23T04:00:10.658" v="31" actId="2696"/>
+        <pc:sldMkLst>
+          <pc:docMk/>
+          <pc:sldMk cId="234564799" sldId="321"/>
+        </pc:sldMkLst>
+      </pc:sldChg>
+      <pc:sldChg chg="del">
+        <pc:chgData name="Khattab, Sherif" userId="c83b1e15-36f3-4f46-aceb-05aac24c545e" providerId="ADAL" clId="{DE316A4D-089D-2A40-9FA9-4724C2884636}" dt="2019-05-23T04:00:10.675" v="32" actId="2696"/>
+        <pc:sldMkLst>
+          <pc:docMk/>
+          <pc:sldMk cId="12771870" sldId="323"/>
+        </pc:sldMkLst>
+      </pc:sldChg>
+      <pc:sldChg chg="del">
+        <pc:chgData name="Khattab, Sherif" userId="c83b1e15-36f3-4f46-aceb-05aac24c545e" providerId="ADAL" clId="{DE316A4D-089D-2A40-9FA9-4724C2884636}" dt="2019-05-23T04:00:10.691" v="33" actId="2696"/>
+        <pc:sldMkLst>
+          <pc:docMk/>
+          <pc:sldMk cId="1847714567" sldId="325"/>
+        </pc:sldMkLst>
+      </pc:sldChg>
+      <pc:sldChg chg="del">
+        <pc:chgData name="Khattab, Sherif" userId="c83b1e15-36f3-4f46-aceb-05aac24c545e" providerId="ADAL" clId="{DE316A4D-089D-2A40-9FA9-4724C2884636}" dt="2019-05-23T04:00:10.712" v="34" actId="2696"/>
+        <pc:sldMkLst>
+          <pc:docMk/>
+          <pc:sldMk cId="564977494" sldId="326"/>
+        </pc:sldMkLst>
+      </pc:sldChg>
+      <pc:sldChg chg="del">
+        <pc:chgData name="Khattab, Sherif" userId="c83b1e15-36f3-4f46-aceb-05aac24c545e" providerId="ADAL" clId="{DE316A4D-089D-2A40-9FA9-4724C2884636}" dt="2019-05-23T04:00:10.730" v="35" actId="2696"/>
+        <pc:sldMkLst>
+          <pc:docMk/>
+          <pc:sldMk cId="1957278823" sldId="327"/>
+        </pc:sldMkLst>
+      </pc:sldChg>
+      <pc:sldChg chg="del">
+        <pc:chgData name="Khattab, Sherif" userId="c83b1e15-36f3-4f46-aceb-05aac24c545e" providerId="ADAL" clId="{DE316A4D-089D-2A40-9FA9-4724C2884636}" dt="2019-05-23T04:00:10.745" v="36" actId="2696"/>
+        <pc:sldMkLst>
+          <pc:docMk/>
+          <pc:sldMk cId="336896758" sldId="328"/>
+        </pc:sldMkLst>
+      </pc:sldChg>
+      <pc:sldChg chg="del">
+        <pc:chgData name="Khattab, Sherif" userId="c83b1e15-36f3-4f46-aceb-05aac24c545e" providerId="ADAL" clId="{DE316A4D-089D-2A40-9FA9-4724C2884636}" dt="2019-05-23T04:00:10.764" v="37" actId="2696"/>
+        <pc:sldMkLst>
+          <pc:docMk/>
+          <pc:sldMk cId="815879604" sldId="329"/>
+        </pc:sldMkLst>
+      </pc:sldChg>
+      <pc:sldChg chg="del">
+        <pc:chgData name="Khattab, Sherif" userId="c83b1e15-36f3-4f46-aceb-05aac24c545e" providerId="ADAL" clId="{DE316A4D-089D-2A40-9FA9-4724C2884636}" dt="2019-05-23T04:00:10.782" v="38" actId="2696"/>
+        <pc:sldMkLst>
+          <pc:docMk/>
+          <pc:sldMk cId="1076495690" sldId="330"/>
+        </pc:sldMkLst>
+      </pc:sldChg>
+      <pc:sldChg chg="del">
+        <pc:chgData name="Khattab, Sherif" userId="c83b1e15-36f3-4f46-aceb-05aac24c545e" providerId="ADAL" clId="{DE316A4D-089D-2A40-9FA9-4724C2884636}" dt="2019-05-23T04:00:10.800" v="39" actId="2696"/>
+        <pc:sldMkLst>
+          <pc:docMk/>
+          <pc:sldMk cId="17720096" sldId="331"/>
+        </pc:sldMkLst>
+      </pc:sldChg>
+      <pc:sldChg chg="del">
+        <pc:chgData name="Khattab, Sherif" userId="c83b1e15-36f3-4f46-aceb-05aac24c545e" providerId="ADAL" clId="{DE316A4D-089D-2A40-9FA9-4724C2884636}" dt="2019-05-23T04:00:10.818" v="40" actId="2696"/>
+        <pc:sldMkLst>
+          <pc:docMk/>
+          <pc:sldMk cId="501490190" sldId="332"/>
+        </pc:sldMkLst>
+      </pc:sldChg>
+      <pc:sldChg chg="del">
+        <pc:chgData name="Khattab, Sherif" userId="c83b1e15-36f3-4f46-aceb-05aac24c545e" providerId="ADAL" clId="{DE316A4D-089D-2A40-9FA9-4724C2884636}" dt="2019-05-23T04:00:10.831" v="41" actId="2696"/>
+        <pc:sldMkLst>
+          <pc:docMk/>
+          <pc:sldMk cId="790480540" sldId="333"/>
+        </pc:sldMkLst>
+      </pc:sldChg>
+      <pc:sldChg chg="del">
+        <pc:chgData name="Khattab, Sherif" userId="c83b1e15-36f3-4f46-aceb-05aac24c545e" providerId="ADAL" clId="{DE316A4D-089D-2A40-9FA9-4724C2884636}" dt="2019-05-23T04:00:10.847" v="42" actId="2696"/>
+        <pc:sldMkLst>
+          <pc:docMk/>
+          <pc:sldMk cId="1721885993" sldId="334"/>
+        </pc:sldMkLst>
+      </pc:sldChg>
+      <pc:sldChg chg="del">
+        <pc:chgData name="Khattab, Sherif" userId="c83b1e15-36f3-4f46-aceb-05aac24c545e" providerId="ADAL" clId="{DE316A4D-089D-2A40-9FA9-4724C2884636}" dt="2019-05-23T04:00:10.862" v="43" actId="2696"/>
+        <pc:sldMkLst>
+          <pc:docMk/>
+          <pc:sldMk cId="2048526379" sldId="335"/>
+        </pc:sldMkLst>
+      </pc:sldChg>
+      <pc:sldChg chg="del">
+        <pc:chgData name="Khattab, Sherif" userId="c83b1e15-36f3-4f46-aceb-05aac24c545e" providerId="ADAL" clId="{DE316A4D-089D-2A40-9FA9-4724C2884636}" dt="2019-05-23T04:00:10.875" v="44" actId="2696"/>
+        <pc:sldMkLst>
+          <pc:docMk/>
+          <pc:sldMk cId="1818037055" sldId="336"/>
+        </pc:sldMkLst>
+      </pc:sldChg>
+      <pc:sldChg chg="del">
+        <pc:chgData name="Khattab, Sherif" userId="c83b1e15-36f3-4f46-aceb-05aac24c545e" providerId="ADAL" clId="{DE316A4D-089D-2A40-9FA9-4724C2884636}" dt="2019-05-23T04:00:10.942" v="45" actId="2696"/>
+        <pc:sldMkLst>
+          <pc:docMk/>
+          <pc:sldMk cId="1351453869" sldId="337"/>
+        </pc:sldMkLst>
+      </pc:sldChg>
+      <pc:sldChg chg="del">
+        <pc:chgData name="Khattab, Sherif" userId="c83b1e15-36f3-4f46-aceb-05aac24c545e" providerId="ADAL" clId="{DE316A4D-089D-2A40-9FA9-4724C2884636}" dt="2019-05-23T04:00:10.959" v="46" actId="2696"/>
+        <pc:sldMkLst>
+          <pc:docMk/>
+          <pc:sldMk cId="299099826" sldId="344"/>
+        </pc:sldMkLst>
+      </pc:sldChg>
+      <pc:sldChg chg="del">
+        <pc:chgData name="Khattab, Sherif" userId="c83b1e15-36f3-4f46-aceb-05aac24c545e" providerId="ADAL" clId="{DE316A4D-089D-2A40-9FA9-4724C2884636}" dt="2019-05-23T04:00:10.978" v="47" actId="2696"/>
+        <pc:sldMkLst>
+          <pc:docMk/>
+          <pc:sldMk cId="1172624611" sldId="345"/>
+        </pc:sldMkLst>
+      </pc:sldChg>
+      <pc:sldChg chg="del">
+        <pc:chgData name="Khattab, Sherif" userId="c83b1e15-36f3-4f46-aceb-05aac24c545e" providerId="ADAL" clId="{DE316A4D-089D-2A40-9FA9-4724C2884636}" dt="2019-05-23T04:00:10.995" v="48" actId="2696"/>
+        <pc:sldMkLst>
+          <pc:docMk/>
+          <pc:sldMk cId="1402694930" sldId="346"/>
+        </pc:sldMkLst>
+      </pc:sldChg>
+      <pc:sldChg chg="del">
+        <pc:chgData name="Khattab, Sherif" userId="c83b1e15-36f3-4f46-aceb-05aac24c545e" providerId="ADAL" clId="{DE316A4D-089D-2A40-9FA9-4724C2884636}" dt="2019-05-23T04:00:11.012" v="49" actId="2696"/>
+        <pc:sldMkLst>
+          <pc:docMk/>
+          <pc:sldMk cId="1142103534" sldId="347"/>
+        </pc:sldMkLst>
+      </pc:sldChg>
+      <pc:sldChg chg="del">
+        <pc:chgData name="Khattab, Sherif" userId="c83b1e15-36f3-4f46-aceb-05aac24c545e" providerId="ADAL" clId="{DE316A4D-089D-2A40-9FA9-4724C2884636}" dt="2019-05-23T04:00:11.027" v="50" actId="2696"/>
+        <pc:sldMkLst>
+          <pc:docMk/>
+          <pc:sldMk cId="1487891482" sldId="348"/>
+        </pc:sldMkLst>
+      </pc:sldChg>
+      <pc:sldChg chg="del">
+        <pc:chgData name="Khattab, Sherif" userId="c83b1e15-36f3-4f46-aceb-05aac24c545e" providerId="ADAL" clId="{DE316A4D-089D-2A40-9FA9-4724C2884636}" dt="2019-05-23T04:00:11.046" v="51" actId="2696"/>
+        <pc:sldMkLst>
+          <pc:docMk/>
+          <pc:sldMk cId="1088938428" sldId="350"/>
+        </pc:sldMkLst>
+      </pc:sldChg>
+      <pc:sldChg chg="del">
+        <pc:chgData name="Khattab, Sherif" userId="c83b1e15-36f3-4f46-aceb-05aac24c545e" providerId="ADAL" clId="{DE316A4D-089D-2A40-9FA9-4724C2884636}" dt="2019-05-23T04:00:11.061" v="52" actId="2696"/>
+        <pc:sldMkLst>
+          <pc:docMk/>
+          <pc:sldMk cId="522303428" sldId="351"/>
+        </pc:sldMkLst>
+      </pc:sldChg>
+      <pc:sldChg chg="del">
+        <pc:chgData name="Khattab, Sherif" userId="c83b1e15-36f3-4f46-aceb-05aac24c545e" providerId="ADAL" clId="{DE316A4D-089D-2A40-9FA9-4724C2884636}" dt="2019-05-23T04:00:11.078" v="53" actId="2696"/>
+        <pc:sldMkLst>
+          <pc:docMk/>
+          <pc:sldMk cId="1414576433" sldId="352"/>
+        </pc:sldMkLst>
+      </pc:sldChg>
+      <pc:sldChg chg="del">
+        <pc:chgData name="Khattab, Sherif" userId="c83b1e15-36f3-4f46-aceb-05aac24c545e" providerId="ADAL" clId="{DE316A4D-089D-2A40-9FA9-4724C2884636}" dt="2019-05-23T04:00:11.097" v="54" actId="2696"/>
+        <pc:sldMkLst>
+          <pc:docMk/>
+          <pc:sldMk cId="335586832" sldId="353"/>
+        </pc:sldMkLst>
+      </pc:sldChg>
+      <pc:sldChg chg="del">
+        <pc:chgData name="Khattab, Sherif" userId="c83b1e15-36f3-4f46-aceb-05aac24c545e" providerId="ADAL" clId="{DE316A4D-089D-2A40-9FA9-4724C2884636}" dt="2019-05-23T04:00:11.116" v="55" actId="2696"/>
+        <pc:sldMkLst>
+          <pc:docMk/>
+          <pc:sldMk cId="1312654365" sldId="354"/>
+        </pc:sldMkLst>
+      </pc:sldChg>
+      <pc:sldChg chg="del">
+        <pc:chgData name="Khattab, Sherif" userId="c83b1e15-36f3-4f46-aceb-05aac24c545e" providerId="ADAL" clId="{DE316A4D-089D-2A40-9FA9-4724C2884636}" dt="2019-05-23T04:00:11.135" v="56" actId="2696"/>
+        <pc:sldMkLst>
+          <pc:docMk/>
+          <pc:sldMk cId="1650496688" sldId="355"/>
+        </pc:sldMkLst>
+      </pc:sldChg>
+      <pc:sldChg chg="del">
+        <pc:chgData name="Khattab, Sherif" userId="c83b1e15-36f3-4f46-aceb-05aac24c545e" providerId="ADAL" clId="{DE316A4D-089D-2A40-9FA9-4724C2884636}" dt="2019-05-23T04:00:11.151" v="57" actId="2696"/>
+        <pc:sldMkLst>
+          <pc:docMk/>
+          <pc:sldMk cId="1454150411" sldId="356"/>
+        </pc:sldMkLst>
+      </pc:sldChg>
+      <pc:sldChg chg="del">
+        <pc:chgData name="Khattab, Sherif" userId="c83b1e15-36f3-4f46-aceb-05aac24c545e" providerId="ADAL" clId="{DE316A4D-089D-2A40-9FA9-4724C2884636}" dt="2019-05-23T04:00:11.168" v="58" actId="2696"/>
+        <pc:sldMkLst>
+          <pc:docMk/>
+          <pc:sldMk cId="101929529" sldId="360"/>
+        </pc:sldMkLst>
+      </pc:sldChg>
+      <pc:sldChg chg="del">
+        <pc:chgData name="Khattab, Sherif" userId="c83b1e15-36f3-4f46-aceb-05aac24c545e" providerId="ADAL" clId="{DE316A4D-089D-2A40-9FA9-4724C2884636}" dt="2019-05-23T04:00:11.184" v="59" actId="2696"/>
+        <pc:sldMkLst>
+          <pc:docMk/>
+          <pc:sldMk cId="1698948873" sldId="361"/>
+        </pc:sldMkLst>
+      </pc:sldChg>
+      <pc:sldChg chg="del">
+        <pc:chgData name="Khattab, Sherif" userId="c83b1e15-36f3-4f46-aceb-05aac24c545e" providerId="ADAL" clId="{DE316A4D-089D-2A40-9FA9-4724C2884636}" dt="2019-05-23T04:00:10.639" v="30" actId="2696"/>
+        <pc:sldMkLst>
+          <pc:docMk/>
+          <pc:sldMk cId="1039212811" sldId="362"/>
+        </pc:sldMkLst>
+      </pc:sldChg>
+      <pc:sldChg chg="modSp">
+        <pc:chgData name="Khattab, Sherif" userId="c83b1e15-36f3-4f46-aceb-05aac24c545e" providerId="ADAL" clId="{DE316A4D-089D-2A40-9FA9-4724C2884636}" dt="2019-05-23T04:41:06.345" v="179" actId="20577"/>
+        <pc:sldMkLst>
+          <pc:docMk/>
+          <pc:sldMk cId="2782429159" sldId="366"/>
+        </pc:sldMkLst>
+        <pc:spChg chg="mod">
+          <ac:chgData name="Khattab, Sherif" userId="c83b1e15-36f3-4f46-aceb-05aac24c545e" providerId="ADAL" clId="{DE316A4D-089D-2A40-9FA9-4724C2884636}" dt="2019-05-23T04:41:06.345" v="179" actId="20577"/>
+          <ac:spMkLst>
+            <pc:docMk/>
+            <pc:sldMk cId="2782429159" sldId="366"/>
+            <ac:spMk id="95235" creationId="{2B3AF23D-100F-A945-8AE4-C62D08FB4EFF}"/>
+          </ac:spMkLst>
+        </pc:spChg>
+      </pc:sldChg>
+      <pc:sldChg chg="modSp">
+        <pc:chgData name="Khattab, Sherif" userId="c83b1e15-36f3-4f46-aceb-05aac24c545e" providerId="ADAL" clId="{DE316A4D-089D-2A40-9FA9-4724C2884636}" dt="2019-05-23T04:06:27.051" v="169" actId="20577"/>
+        <pc:sldMkLst>
+          <pc:docMk/>
+          <pc:sldMk cId="1542066946" sldId="374"/>
+        </pc:sldMkLst>
+        <pc:spChg chg="mod">
+          <ac:chgData name="Khattab, Sherif" userId="c83b1e15-36f3-4f46-aceb-05aac24c545e" providerId="ADAL" clId="{DE316A4D-089D-2A40-9FA9-4724C2884636}" dt="2019-05-23T04:06:27.051" v="169" actId="20577"/>
+          <ac:spMkLst>
+            <pc:docMk/>
+            <pc:sldMk cId="1542066946" sldId="374"/>
+            <ac:spMk id="105475" creationId="{B2EA02B2-FF2F-E840-9115-9F46B908CC54}"/>
+          </ac:spMkLst>
+        </pc:spChg>
+      </pc:sldChg>
+      <pc:sldChg chg="add">
+        <pc:chgData name="Khattab, Sherif" userId="c83b1e15-36f3-4f46-aceb-05aac24c545e" providerId="ADAL" clId="{DE316A4D-089D-2A40-9FA9-4724C2884636}" dt="2019-05-23T05:43:41.544" v="183"/>
+        <pc:sldMkLst>
+          <pc:docMk/>
+          <pc:sldMk cId="583513582" sldId="377"/>
+        </pc:sldMkLst>
+      </pc:sldChg>
+      <pc:sldChg chg="modSp del">
+        <pc:chgData name="Khattab, Sherif" userId="c83b1e15-36f3-4f46-aceb-05aac24c545e" providerId="ADAL" clId="{DE316A4D-089D-2A40-9FA9-4724C2884636}" dt="2019-05-23T05:43:32.974" v="182" actId="2696"/>
+        <pc:sldMkLst>
+          <pc:docMk/>
+          <pc:sldMk cId="1942139729" sldId="377"/>
+        </pc:sldMkLst>
+        <pc:spChg chg="mod">
+          <ac:chgData name="Khattab, Sherif" userId="c83b1e15-36f3-4f46-aceb-05aac24c545e" providerId="ADAL" clId="{DE316A4D-089D-2A40-9FA9-4724C2884636}" dt="2019-05-23T05:40:47.295" v="181" actId="20577"/>
+          <ac:spMkLst>
+            <pc:docMk/>
+            <pc:sldMk cId="1942139729" sldId="377"/>
+            <ac:spMk id="114694" creationId="{BBDAC104-BD98-9A47-A516-EE144AE2C4FF}"/>
           </ac:spMkLst>
         </pc:spChg>
       </pc:sldChg>
@@ -9618,6 +9572,92 @@
           </pc:sldLayoutMkLst>
         </pc:sldLayoutChg>
       </pc:sldMasterChg>
+    </pc:docChg>
+  </pc:docChgLst>
+  <pc:docChgLst>
+    <pc:chgData name="Khattab, Sherif" userId="c83b1e15-36f3-4f46-aceb-05aac24c545e" providerId="ADAL" clId="{435C15CD-3872-3940-BF6F-A860DC6B787C}"/>
+    <pc:docChg chg="modSld">
+      <pc:chgData name="Khattab, Sherif" userId="c83b1e15-36f3-4f46-aceb-05aac24c545e" providerId="ADAL" clId="{435C15CD-3872-3940-BF6F-A860DC6B787C}" dt="2021-02-11T19:36:10.584" v="22" actId="20577"/>
+      <pc:docMkLst>
+        <pc:docMk/>
+      </pc:docMkLst>
+      <pc:sldChg chg="modSp mod">
+        <pc:chgData name="Khattab, Sherif" userId="c83b1e15-36f3-4f46-aceb-05aac24c545e" providerId="ADAL" clId="{435C15CD-3872-3940-BF6F-A860DC6B787C}" dt="2021-02-11T17:37:30.575" v="21" actId="20577"/>
+        <pc:sldMkLst>
+          <pc:docMk/>
+          <pc:sldMk cId="3903507516" sldId="498"/>
+        </pc:sldMkLst>
+        <pc:spChg chg="mod">
+          <ac:chgData name="Khattab, Sherif" userId="c83b1e15-36f3-4f46-aceb-05aac24c545e" providerId="ADAL" clId="{435C15CD-3872-3940-BF6F-A860DC6B787C}" dt="2021-02-11T17:37:30.575" v="21" actId="20577"/>
+          <ac:spMkLst>
+            <pc:docMk/>
+            <pc:sldMk cId="3903507516" sldId="498"/>
+            <ac:spMk id="3" creationId="{2466C52D-9A48-4683-BE7F-268D8DB7FAAD}"/>
+          </ac:spMkLst>
+        </pc:spChg>
+      </pc:sldChg>
+      <pc:sldChg chg="modSp mod">
+        <pc:chgData name="Khattab, Sherif" userId="c83b1e15-36f3-4f46-aceb-05aac24c545e" providerId="ADAL" clId="{435C15CD-3872-3940-BF6F-A860DC6B787C}" dt="2021-02-11T19:36:10.584" v="22" actId="20577"/>
+        <pc:sldMkLst>
+          <pc:docMk/>
+          <pc:sldMk cId="1616471687" sldId="518"/>
+        </pc:sldMkLst>
+        <pc:spChg chg="mod">
+          <ac:chgData name="Khattab, Sherif" userId="c83b1e15-36f3-4f46-aceb-05aac24c545e" providerId="ADAL" clId="{435C15CD-3872-3940-BF6F-A860DC6B787C}" dt="2021-02-11T19:36:10.584" v="22" actId="20577"/>
+          <ac:spMkLst>
+            <pc:docMk/>
+            <pc:sldMk cId="1616471687" sldId="518"/>
+            <ac:spMk id="3" creationId="{E4EE9F6E-8491-D241-9B4D-EB09A47CA615}"/>
+          </ac:spMkLst>
+        </pc:spChg>
+      </pc:sldChg>
+    </pc:docChg>
+  </pc:docChgLst>
+  <pc:docChgLst>
+    <pc:chgData name="Khattab, Sherif" userId="c83b1e15-36f3-4f46-aceb-05aac24c545e" providerId="ADAL" clId="{FE92C68B-4A2B-491A-802D-9A016E970098}"/>
+    <pc:docChg chg="addSld modSld">
+      <pc:chgData name="Khattab, Sherif" userId="c83b1e15-36f3-4f46-aceb-05aac24c545e" providerId="ADAL" clId="{FE92C68B-4A2B-491A-802D-9A016E970098}" dt="2021-01-21T02:52:14.809" v="71" actId="20577"/>
+      <pc:docMkLst>
+        <pc:docMk/>
+      </pc:docMkLst>
+      <pc:sldChg chg="modSp mod">
+        <pc:chgData name="Khattab, Sherif" userId="c83b1e15-36f3-4f46-aceb-05aac24c545e" providerId="ADAL" clId="{FE92C68B-4A2B-491A-802D-9A016E970098}" dt="2021-01-21T02:51:24.200" v="12" actId="20577"/>
+        <pc:sldMkLst>
+          <pc:docMk/>
+          <pc:sldMk cId="1330366002" sldId="454"/>
+        </pc:sldMkLst>
+        <pc:spChg chg="mod">
+          <ac:chgData name="Khattab, Sherif" userId="c83b1e15-36f3-4f46-aceb-05aac24c545e" providerId="ADAL" clId="{FE92C68B-4A2B-491A-802D-9A016E970098}" dt="2021-01-21T02:51:24.200" v="12" actId="20577"/>
+          <ac:spMkLst>
+            <pc:docMk/>
+            <pc:sldMk cId="1330366002" sldId="454"/>
+            <ac:spMk id="3" creationId="{00000000-0000-0000-0000-000000000000}"/>
+          </ac:spMkLst>
+        </pc:spChg>
+      </pc:sldChg>
+      <pc:sldChg chg="modSp new mod">
+        <pc:chgData name="Khattab, Sherif" userId="c83b1e15-36f3-4f46-aceb-05aac24c545e" providerId="ADAL" clId="{FE92C68B-4A2B-491A-802D-9A016E970098}" dt="2021-01-21T02:52:14.809" v="71" actId="20577"/>
+        <pc:sldMkLst>
+          <pc:docMk/>
+          <pc:sldMk cId="702367729" sldId="496"/>
+        </pc:sldMkLst>
+        <pc:spChg chg="mod">
+          <ac:chgData name="Khattab, Sherif" userId="c83b1e15-36f3-4f46-aceb-05aac24c545e" providerId="ADAL" clId="{FE92C68B-4A2B-491A-802D-9A016E970098}" dt="2021-01-21T02:51:45.117" v="26" actId="20577"/>
+          <ac:spMkLst>
+            <pc:docMk/>
+            <pc:sldMk cId="702367729" sldId="496"/>
+            <ac:spMk id="2" creationId="{AB9EA720-F5B4-463B-B14C-1970BB85B2C8}"/>
+          </ac:spMkLst>
+        </pc:spChg>
+        <pc:spChg chg="mod">
+          <ac:chgData name="Khattab, Sherif" userId="c83b1e15-36f3-4f46-aceb-05aac24c545e" providerId="ADAL" clId="{FE92C68B-4A2B-491A-802D-9A016E970098}" dt="2021-01-21T02:52:14.809" v="71" actId="20577"/>
+          <ac:spMkLst>
+            <pc:docMk/>
+            <pc:sldMk cId="702367729" sldId="496"/>
+            <ac:spMk id="3" creationId="{2466C52D-9A48-4683-BE7F-268D8DB7FAAD}"/>
+          </ac:spMkLst>
+        </pc:spChg>
+      </pc:sldChg>
     </pc:docChg>
   </pc:docChgLst>
 </pc:chgInfo>
@@ -14193,7 +14233,7 @@
                 </a:solidFill>
                 <a:latin typeface="Helvetica" pitchFamily="2" charset="0"/>
               </a:rPr>
-              <a:t>CS/COE 1550</a:t>
+              <a:t>CS 1550</a:t>
             </a:r>
           </a:p>
         </p:txBody>
@@ -14221,9 +14261,10 @@
           <a:lstStyle/>
           <a:p>
             <a:r>
-              <a:rPr lang="en-US" dirty="0"/>
-              <a:t>Spring 2022</a:t>
+              <a:rPr lang="en-US"/>
+              <a:t>Spring 2023</a:t>
             </a:r>
+            <a:endParaRPr lang="en-US" dirty="0"/>
           </a:p>
           <a:p>
             <a:pPr eaLnBrk="1">
@@ -14413,6 +14454,53 @@
           <a:xfrm>
             <a:off x="2219325" y="201474"/>
             <a:ext cx="5619750" cy="1733550"/>
+          </a:xfrm>
+          <a:prstGeom prst="rect">
+            <a:avLst/>
+          </a:prstGeom>
+          <a:noFill/>
+          <a:extLst>
+            <a:ext uri="{909E8E84-426E-40DD-AFC4-6F175D3DCCD1}">
+              <a14:hiddenFill xmlns:a14="http://schemas.microsoft.com/office/drawing/2010/main">
+                <a:solidFill>
+                  <a:srgbClr val="FFFFFF"/>
+                </a:solidFill>
+              </a14:hiddenFill>
+            </a:ext>
+          </a:extLst>
+        </p:spPr>
+      </p:pic>
+      <p:pic>
+        <p:nvPicPr>
+          <p:cNvPr id="5" name="Picture 2">
+            <a:extLst>
+              <a:ext uri="{FF2B5EF4-FFF2-40B4-BE49-F238E27FC236}">
+                <a16:creationId xmlns:a16="http://schemas.microsoft.com/office/drawing/2014/main" id="{786E5D3E-1FA3-738C-9D1D-D01FEC85B2D8}"/>
+              </a:ext>
+            </a:extLst>
+          </p:cNvPr>
+          <p:cNvPicPr>
+            <a:picLocks noChangeAspect="1" noChangeArrowheads="1"/>
+          </p:cNvPicPr>
+          <p:nvPr/>
+        </p:nvPicPr>
+        <p:blipFill>
+          <a:blip r:embed="rId4">
+            <a:extLst>
+              <a:ext uri="{28A0092B-C50C-407E-A947-70E740481C1C}">
+                <a14:useLocalDpi xmlns:a14="http://schemas.microsoft.com/office/drawing/2010/main" val="0"/>
+              </a:ext>
+            </a:extLst>
+          </a:blip>
+          <a:srcRect/>
+          <a:stretch>
+            <a:fillRect/>
+          </a:stretch>
+        </p:blipFill>
+        <p:spPr bwMode="auto">
+          <a:xfrm>
+            <a:off x="590550" y="3964453"/>
+            <a:ext cx="2349500" cy="2349500"/>
           </a:xfrm>
           <a:prstGeom prst="rect">
             <a:avLst/>

--- a/DraftSlides/Lecture7.pptx
+++ b/DraftSlides/Lecture7.pptx
@@ -6,7 +6,7 @@
     <p:sldMasterId id="2147483652" r:id="rId2"/>
   </p:sldMasterIdLst>
   <p:notesMasterIdLst>
-    <p:notesMasterId r:id="rId24"/>
+    <p:notesMasterId r:id="rId21"/>
   </p:notesMasterIdLst>
   <p:sldIdLst>
     <p:sldId id="454" r:id="rId3"/>
@@ -27,9 +27,6 @@
     <p:sldId id="550" r:id="rId18"/>
     <p:sldId id="551" r:id="rId19"/>
     <p:sldId id="552" r:id="rId20"/>
-    <p:sldId id="553" r:id="rId21"/>
-    <p:sldId id="554" r:id="rId22"/>
-    <p:sldId id="569" r:id="rId23"/>
   </p:sldIdLst>
   <p:sldSz cx="10080625" cy="7559675"/>
   <p:notesSz cx="7772400" cy="10058400"/>
@@ -4761,7 +4758,7 @@
   <pc:docChgLst>
     <pc:chgData name="Khattab, Sherif" userId="c83b1e15-36f3-4f46-aceb-05aac24c545e" providerId="ADAL" clId="{B6CE461F-AF69-42CF-911D-EEAA424E63C9}"/>
     <pc:docChg chg="custSel addSld delSld modSld">
-      <pc:chgData name="Khattab, Sherif" userId="c83b1e15-36f3-4f46-aceb-05aac24c545e" providerId="ADAL" clId="{B6CE461F-AF69-42CF-911D-EEAA424E63C9}" dt="2023-02-02T18:51:54.595" v="191" actId="20577"/>
+      <pc:chgData name="Khattab, Sherif" userId="c83b1e15-36f3-4f46-aceb-05aac24c545e" providerId="ADAL" clId="{B6CE461F-AF69-42CF-911D-EEAA424E63C9}" dt="2023-02-07T18:22:28.751" v="192" actId="2696"/>
       <pc:docMkLst>
         <pc:docMk/>
       </pc:docMkLst>
@@ -4860,14 +4857,14 @@
         </pc:sldMkLst>
       </pc:sldChg>
       <pc:sldChg chg="add del">
-        <pc:chgData name="Khattab, Sherif" userId="c83b1e15-36f3-4f46-aceb-05aac24c545e" providerId="ADAL" clId="{B6CE461F-AF69-42CF-911D-EEAA424E63C9}" dt="2023-02-02T18:50:01.154" v="178"/>
+        <pc:chgData name="Khattab, Sherif" userId="c83b1e15-36f3-4f46-aceb-05aac24c545e" providerId="ADAL" clId="{B6CE461F-AF69-42CF-911D-EEAA424E63C9}" dt="2023-02-07T18:22:28.751" v="192" actId="2696"/>
         <pc:sldMkLst>
           <pc:docMk/>
           <pc:sldMk cId="1079843258" sldId="553"/>
         </pc:sldMkLst>
       </pc:sldChg>
       <pc:sldChg chg="add del">
-        <pc:chgData name="Khattab, Sherif" userId="c83b1e15-36f3-4f46-aceb-05aac24c545e" providerId="ADAL" clId="{B6CE461F-AF69-42CF-911D-EEAA424E63C9}" dt="2023-02-02T18:50:01.154" v="178"/>
+        <pc:chgData name="Khattab, Sherif" userId="c83b1e15-36f3-4f46-aceb-05aac24c545e" providerId="ADAL" clId="{B6CE461F-AF69-42CF-911D-EEAA424E63C9}" dt="2023-02-07T18:22:28.751" v="192" actId="2696"/>
         <pc:sldMkLst>
           <pc:docMk/>
           <pc:sldMk cId="537861301" sldId="554"/>
@@ -4971,7 +4968,7 @@
         </pc:spChg>
       </pc:sldChg>
       <pc:sldChg chg="modSp add del mod">
-        <pc:chgData name="Khattab, Sherif" userId="c83b1e15-36f3-4f46-aceb-05aac24c545e" providerId="ADAL" clId="{B6CE461F-AF69-42CF-911D-EEAA424E63C9}" dt="2023-02-02T18:51:54.595" v="191" actId="20577"/>
+        <pc:chgData name="Khattab, Sherif" userId="c83b1e15-36f3-4f46-aceb-05aac24c545e" providerId="ADAL" clId="{B6CE461F-AF69-42CF-911D-EEAA424E63C9}" dt="2023-02-07T18:22:28.751" v="192" actId="2696"/>
         <pc:sldMkLst>
           <pc:docMk/>
           <pc:sldMk cId="3446618930" sldId="569"/>
@@ -23938,1845 +23935,6 @@
 </p:sld>
 </file>
 
-<file path=ppt/slides/slide19.xml><?xml version="1.0" encoding="utf-8"?>
-<p:sld xmlns:a="http://schemas.openxmlformats.org/drawingml/2006/main" xmlns:r="http://schemas.openxmlformats.org/officeDocument/2006/relationships" xmlns:p="http://schemas.openxmlformats.org/presentationml/2006/main">
-  <p:cSld>
-    <p:spTree>
-      <p:nvGrpSpPr>
-        <p:cNvPr id="1" name=""/>
-        <p:cNvGrpSpPr/>
-        <p:nvPr/>
-      </p:nvGrpSpPr>
-      <p:grpSpPr>
-        <a:xfrm>
-          <a:off x="0" y="0"/>
-          <a:ext cx="0" cy="0"/>
-          <a:chOff x="0" y="0"/>
-          <a:chExt cx="0" cy="0"/>
-        </a:xfrm>
-      </p:grpSpPr>
-      <p:sp>
-        <p:nvSpPr>
-          <p:cNvPr id="2" name="Title 1">
-            <a:extLst>
-              <a:ext uri="{FF2B5EF4-FFF2-40B4-BE49-F238E27FC236}">
-                <a16:creationId xmlns:a16="http://schemas.microsoft.com/office/drawing/2014/main" id="{C4A59103-2BDE-4B0B-8F90-7C8025F1E671}"/>
-              </a:ext>
-            </a:extLst>
-          </p:cNvPr>
-          <p:cNvSpPr>
-            <a:spLocks noGrp="1"/>
-          </p:cNvSpPr>
-          <p:nvPr>
-            <p:ph type="title"/>
-          </p:nvPr>
-        </p:nvSpPr>
-        <p:spPr/>
-        <p:txBody>
-          <a:bodyPr/>
-          <a:lstStyle/>
-          <a:p>
-            <a:r>
-              <a:rPr lang="en-US" dirty="0"/>
-              <a:t>Sequence 1</a:t>
-            </a:r>
-          </a:p>
-        </p:txBody>
-      </p:sp>
-      <p:sp>
-        <p:nvSpPr>
-          <p:cNvPr id="3" name="Content Placeholder 2">
-            <a:extLst>
-              <a:ext uri="{FF2B5EF4-FFF2-40B4-BE49-F238E27FC236}">
-                <a16:creationId xmlns:a16="http://schemas.microsoft.com/office/drawing/2014/main" id="{3F6B336D-9D2D-4710-89E4-444D79F1482A}"/>
-              </a:ext>
-            </a:extLst>
-          </p:cNvPr>
-          <p:cNvSpPr>
-            <a:spLocks noGrp="1"/>
-          </p:cNvSpPr>
-          <p:nvPr>
-            <p:ph idx="1"/>
-          </p:nvPr>
-        </p:nvSpPr>
-        <p:spPr>
-          <a:xfrm>
-            <a:off x="0" y="714375"/>
-            <a:ext cx="3091218" cy="6567487"/>
-          </a:xfrm>
-        </p:spPr>
-        <p:txBody>
-          <a:bodyPr>
-            <a:normAutofit/>
-          </a:bodyPr>
-          <a:lstStyle/>
-          <a:p>
-            <a:r>
-              <a:rPr lang="en-US" dirty="0"/>
-              <a:t>W0 </a:t>
-            </a:r>
-            <a:r>
-              <a:rPr lang="en-US" dirty="0" err="1"/>
-              <a:t>enterWrite</a:t>
-            </a:r>
-            <a:endParaRPr lang="en-US" dirty="0"/>
-          </a:p>
-          <a:p>
-            <a:r>
-              <a:rPr lang="en-US" dirty="0"/>
-              <a:t>W0 write</a:t>
-            </a:r>
-          </a:p>
-          <a:p>
-            <a:r>
-              <a:rPr lang="en-US" dirty="0"/>
-              <a:t>R0 </a:t>
-            </a:r>
-            <a:r>
-              <a:rPr lang="en-US" dirty="0" err="1"/>
-              <a:t>enterRead</a:t>
-            </a:r>
-            <a:endParaRPr lang="en-US" dirty="0"/>
-          </a:p>
-          <a:p>
-            <a:r>
-              <a:rPr lang="en-US" dirty="0"/>
-              <a:t>R1 </a:t>
-            </a:r>
-            <a:r>
-              <a:rPr lang="en-US" dirty="0" err="1"/>
-              <a:t>enterRead</a:t>
-            </a:r>
-            <a:endParaRPr lang="en-US" dirty="0"/>
-          </a:p>
-          <a:p>
-            <a:r>
-              <a:rPr lang="en-US" dirty="0"/>
-              <a:t>R2 </a:t>
-            </a:r>
-            <a:r>
-              <a:rPr lang="en-US" dirty="0" err="1"/>
-              <a:t>enterRead</a:t>
-            </a:r>
-            <a:endParaRPr lang="en-US" dirty="0"/>
-          </a:p>
-          <a:p>
-            <a:r>
-              <a:rPr lang="en-US" dirty="0"/>
-              <a:t>W0 </a:t>
-            </a:r>
-            <a:r>
-              <a:rPr lang="en-US" dirty="0" err="1"/>
-              <a:t>doneWrite</a:t>
-            </a:r>
-            <a:endParaRPr lang="en-US" dirty="0"/>
-          </a:p>
-          <a:p>
-            <a:r>
-              <a:rPr lang="en-US" dirty="0"/>
-              <a:t>R2 read</a:t>
-            </a:r>
-          </a:p>
-          <a:p>
-            <a:r>
-              <a:rPr lang="en-US" dirty="0"/>
-              <a:t>W1 </a:t>
-            </a:r>
-            <a:r>
-              <a:rPr lang="en-US" dirty="0" err="1"/>
-              <a:t>enterWrite</a:t>
-            </a:r>
-            <a:endParaRPr lang="en-US" dirty="0"/>
-          </a:p>
-          <a:p>
-            <a:r>
-              <a:rPr lang="en-US" dirty="0"/>
-              <a:t>R2 </a:t>
-            </a:r>
-            <a:r>
-              <a:rPr lang="en-US" dirty="0" err="1"/>
-              <a:t>doneRead</a:t>
-            </a:r>
-            <a:endParaRPr lang="en-US" dirty="0"/>
-          </a:p>
-          <a:p>
-            <a:r>
-              <a:rPr lang="en-US" dirty="0"/>
-              <a:t>W1 write</a:t>
-            </a:r>
-          </a:p>
-        </p:txBody>
-      </p:sp>
-      <p:sp>
-        <p:nvSpPr>
-          <p:cNvPr id="4" name="Footer Placeholder 3">
-            <a:extLst>
-              <a:ext uri="{FF2B5EF4-FFF2-40B4-BE49-F238E27FC236}">
-                <a16:creationId xmlns:a16="http://schemas.microsoft.com/office/drawing/2014/main" id="{191CCCFD-3EA7-4929-924F-901ECE297006}"/>
-              </a:ext>
-            </a:extLst>
-          </p:cNvPr>
-          <p:cNvSpPr>
-            <a:spLocks noGrp="1"/>
-          </p:cNvSpPr>
-          <p:nvPr>
-            <p:ph type="ftr" idx="11"/>
-          </p:nvPr>
-        </p:nvSpPr>
-        <p:spPr/>
-        <p:txBody>
-          <a:bodyPr/>
-          <a:lstStyle/>
-          <a:p>
-            <a:pPr marL="0" marR="0" lvl="0" indent="0" algn="ctr" defTabSz="457200" rtl="0" eaLnBrk="1" fontAlgn="base" latinLnBrk="0" hangingPunct="0">
-              <a:lnSpc>
-                <a:spcPct val="96000"/>
-              </a:lnSpc>
-              <a:spcBef>
-                <a:spcPct val="0"/>
-              </a:spcBef>
-              <a:spcAft>
-                <a:spcPct val="0"/>
-              </a:spcAft>
-              <a:buClr>
-                <a:srgbClr val="000000"/>
-              </a:buClr>
-              <a:buSzPct val="100000"/>
-              <a:buFont typeface="Times New Roman" pitchFamily="16" charset="0"/>
-              <a:buNone/>
-              <a:tabLst>
-                <a:tab pos="0" algn="l"/>
-                <a:tab pos="457200" algn="l"/>
-                <a:tab pos="914400" algn="l"/>
-                <a:tab pos="1371600" algn="l"/>
-                <a:tab pos="1828800" algn="l"/>
-                <a:tab pos="2286000" algn="l"/>
-                <a:tab pos="2743200" algn="l"/>
-                <a:tab pos="3200400" algn="l"/>
-                <a:tab pos="3657600" algn="l"/>
-                <a:tab pos="4114800" algn="l"/>
-                <a:tab pos="4572000" algn="l"/>
-                <a:tab pos="5029200" algn="l"/>
-                <a:tab pos="5486400" algn="l"/>
-                <a:tab pos="5943600" algn="l"/>
-                <a:tab pos="6400800" algn="l"/>
-                <a:tab pos="6858000" algn="l"/>
-                <a:tab pos="7315200" algn="l"/>
-                <a:tab pos="7772400" algn="l"/>
-                <a:tab pos="8229600" algn="l"/>
-                <a:tab pos="8686800" algn="l"/>
-                <a:tab pos="9144000" algn="l"/>
-              </a:tabLst>
-              <a:defRPr/>
-            </a:pPr>
-            <a:r>
-              <a:rPr kumimoji="0" lang="en-US" sz="1400" b="0" i="0" u="none" strike="noStrike" kern="1200" cap="none" spc="0" normalizeH="0" baseline="0" noProof="0">
-                <a:ln>
-                  <a:noFill/>
-                </a:ln>
-                <a:solidFill>
-                  <a:srgbClr val="000000"/>
-                </a:solidFill>
-                <a:effectLst/>
-                <a:uLnTx/>
-                <a:uFillTx/>
-                <a:latin typeface="Arial"/>
-                <a:ea typeface="+mn-ea"/>
-                <a:cs typeface="Arial" charset="0"/>
-              </a:rPr>
-              <a:t>CS 1550 – Operating Systems – Sherif Khattab</a:t>
-            </a:r>
-            <a:endParaRPr kumimoji="0" lang="en-GB" sz="1400" b="0" i="0" u="none" strike="noStrike" kern="1200" cap="none" spc="0" normalizeH="0" baseline="0" noProof="0" dirty="0">
-              <a:ln>
-                <a:noFill/>
-              </a:ln>
-              <a:solidFill>
-                <a:srgbClr val="000000"/>
-              </a:solidFill>
-              <a:effectLst/>
-              <a:uLnTx/>
-              <a:uFillTx/>
-              <a:latin typeface="Times New Roman" pitchFamily="16" charset="0"/>
-              <a:ea typeface="+mn-ea"/>
-              <a:cs typeface="Arial" charset="0"/>
-            </a:endParaRPr>
-          </a:p>
-        </p:txBody>
-      </p:sp>
-      <p:sp>
-        <p:nvSpPr>
-          <p:cNvPr id="5" name="Slide Number Placeholder 4">
-            <a:extLst>
-              <a:ext uri="{FF2B5EF4-FFF2-40B4-BE49-F238E27FC236}">
-                <a16:creationId xmlns:a16="http://schemas.microsoft.com/office/drawing/2014/main" id="{079A1D3E-E0C3-421E-8EC8-FFC918565C33}"/>
-              </a:ext>
-            </a:extLst>
-          </p:cNvPr>
-          <p:cNvSpPr>
-            <a:spLocks noGrp="1"/>
-          </p:cNvSpPr>
-          <p:nvPr>
-            <p:ph type="sldNum" idx="12"/>
-          </p:nvPr>
-        </p:nvSpPr>
-        <p:spPr/>
-        <p:txBody>
-          <a:bodyPr/>
-          <a:lstStyle/>
-          <a:p>
-            <a:pPr marL="0" marR="0" lvl="0" indent="0" algn="r" defTabSz="457200" rtl="0" eaLnBrk="1" fontAlgn="base" latinLnBrk="0" hangingPunct="0">
-              <a:lnSpc>
-                <a:spcPct val="96000"/>
-              </a:lnSpc>
-              <a:spcBef>
-                <a:spcPct val="0"/>
-              </a:spcBef>
-              <a:spcAft>
-                <a:spcPct val="0"/>
-              </a:spcAft>
-              <a:buClr>
-                <a:srgbClr val="000000"/>
-              </a:buClr>
-              <a:buSzPct val="100000"/>
-              <a:buFont typeface="Times New Roman" panose="02020603050405020304" pitchFamily="18" charset="0"/>
-              <a:buNone/>
-              <a:tabLst/>
-              <a:defRPr/>
-            </a:pPr>
-            <a:fld id="{65E435D9-63B0-4660-8D04-E83F5E2CA2AE}" type="slidenum">
-              <a:rPr kumimoji="0" lang="en-GB" altLang="en-US" sz="1400" b="0" i="0" u="none" strike="noStrike" kern="1200" cap="none" spc="0" normalizeH="0" baseline="0" noProof="0" smtClean="0">
-                <a:ln>
-                  <a:noFill/>
-                </a:ln>
-                <a:solidFill>
-                  <a:srgbClr val="000000"/>
-                </a:solidFill>
-                <a:effectLst/>
-                <a:uLnTx/>
-                <a:uFillTx/>
-                <a:latin typeface="Times New Roman" panose="02020603050405020304" pitchFamily="18" charset="0"/>
-                <a:ea typeface="+mn-ea"/>
-                <a:cs typeface="Arial" panose="020B0604020202020204" pitchFamily="34" charset="0"/>
-              </a:rPr>
-              <a:pPr marL="0" marR="0" lvl="0" indent="0" algn="r" defTabSz="457200" rtl="0" eaLnBrk="1" fontAlgn="base" latinLnBrk="0" hangingPunct="0">
-                <a:lnSpc>
-                  <a:spcPct val="96000"/>
-                </a:lnSpc>
-                <a:spcBef>
-                  <a:spcPct val="0"/>
-                </a:spcBef>
-                <a:spcAft>
-                  <a:spcPct val="0"/>
-                </a:spcAft>
-                <a:buClr>
-                  <a:srgbClr val="000000"/>
-                </a:buClr>
-                <a:buSzPct val="100000"/>
-                <a:buFont typeface="Times New Roman" panose="02020603050405020304" pitchFamily="18" charset="0"/>
-                <a:buNone/>
-                <a:tabLst/>
-                <a:defRPr/>
-              </a:pPr>
-              <a:t>19</a:t>
-            </a:fld>
-            <a:endParaRPr kumimoji="0" lang="en-GB" altLang="en-US" sz="1400" b="0" i="0" u="none" strike="noStrike" kern="1200" cap="none" spc="0" normalizeH="0" baseline="0" noProof="0" dirty="0">
-              <a:ln>
-                <a:noFill/>
-              </a:ln>
-              <a:solidFill>
-                <a:srgbClr val="000000"/>
-              </a:solidFill>
-              <a:effectLst/>
-              <a:uLnTx/>
-              <a:uFillTx/>
-              <a:latin typeface="Times New Roman" panose="02020603050405020304" pitchFamily="18" charset="0"/>
-              <a:ea typeface="+mn-ea"/>
-              <a:cs typeface="Arial" panose="020B0604020202020204" pitchFamily="34" charset="0"/>
-            </a:endParaRPr>
-          </a:p>
-        </p:txBody>
-      </p:sp>
-      <p:sp>
-        <p:nvSpPr>
-          <p:cNvPr id="6" name="Text Box 3">
-            <a:extLst>
-              <a:ext uri="{FF2B5EF4-FFF2-40B4-BE49-F238E27FC236}">
-                <a16:creationId xmlns:a16="http://schemas.microsoft.com/office/drawing/2014/main" id="{B54D0833-D468-4579-AA17-87C1E04A796F}"/>
-              </a:ext>
-            </a:extLst>
-          </p:cNvPr>
-          <p:cNvSpPr txBox="1">
-            <a:spLocks noChangeArrowheads="1"/>
-          </p:cNvSpPr>
-          <p:nvPr/>
-        </p:nvSpPr>
-        <p:spPr bwMode="auto">
-          <a:xfrm>
-            <a:off x="3888473" y="1250297"/>
-            <a:ext cx="5199027" cy="4015681"/>
-          </a:xfrm>
-          <a:prstGeom prst="rect">
-            <a:avLst/>
-          </a:prstGeom>
-          <a:noFill/>
-          <a:ln w="6350">
-            <a:solidFill>
-              <a:schemeClr val="tx1"/>
-            </a:solidFill>
-            <a:miter lim="800000"/>
-            <a:headEnd/>
-            <a:tailEnd/>
-          </a:ln>
-          <a:effectLst/>
-          <a:extLst>
-            <a:ext uri="{909E8E84-426E-40DD-AFC4-6F175D3DCCD1}">
-              <a14:hiddenFill xmlns:a14="http://schemas.microsoft.com/office/drawing/2010/main">
-                <a:solidFill>
-                  <a:schemeClr val="accent1"/>
-                </a:solidFill>
-              </a14:hiddenFill>
-            </a:ext>
-            <a:ext uri="{AF507438-7753-43E0-B8FC-AC1667EBCBE1}">
-              <a14:hiddenEffects xmlns:a14="http://schemas.microsoft.com/office/drawing/2010/main">
-                <a:effectLst>
-                  <a:outerShdw dist="35921" dir="2700000" algn="ctr" rotWithShape="0">
-                    <a:schemeClr val="bg2"/>
-                  </a:outerShdw>
-                </a:effectLst>
-              </a14:hiddenEffects>
-            </a:ext>
-          </a:extLst>
-        </p:spPr>
-        <p:txBody>
-          <a:bodyPr lIns="95343" tIns="47672" rIns="95343" bIns="47672">
-            <a:spAutoFit/>
-          </a:bodyPr>
-          <a:lstStyle>
-            <a:lvl1pPr defTabSz="865188">
-              <a:defRPr sz="2400">
-                <a:solidFill>
-                  <a:schemeClr val="tx1"/>
-                </a:solidFill>
-                <a:latin typeface="Times" pitchFamily="2" charset="0"/>
-              </a:defRPr>
-            </a:lvl1pPr>
-            <a:lvl2pPr marL="431800" defTabSz="865188">
-              <a:defRPr sz="2400">
-                <a:solidFill>
-                  <a:schemeClr val="tx1"/>
-                </a:solidFill>
-                <a:latin typeface="Times" pitchFamily="2" charset="0"/>
-              </a:defRPr>
-            </a:lvl2pPr>
-            <a:lvl3pPr marL="865188" defTabSz="865188">
-              <a:defRPr sz="2400">
-                <a:solidFill>
-                  <a:schemeClr val="tx1"/>
-                </a:solidFill>
-                <a:latin typeface="Times" pitchFamily="2" charset="0"/>
-              </a:defRPr>
-            </a:lvl3pPr>
-            <a:lvl4pPr marL="1296988" defTabSz="865188">
-              <a:defRPr sz="2400">
-                <a:solidFill>
-                  <a:schemeClr val="tx1"/>
-                </a:solidFill>
-                <a:latin typeface="Times" pitchFamily="2" charset="0"/>
-              </a:defRPr>
-            </a:lvl4pPr>
-            <a:lvl5pPr marL="1730375" defTabSz="865188">
-              <a:defRPr sz="2400">
-                <a:solidFill>
-                  <a:schemeClr val="tx1"/>
-                </a:solidFill>
-                <a:latin typeface="Times" pitchFamily="2" charset="0"/>
-              </a:defRPr>
-            </a:lvl5pPr>
-            <a:lvl6pPr marL="2187575" defTabSz="865188" eaLnBrk="0" fontAlgn="base" hangingPunct="0">
-              <a:spcBef>
-                <a:spcPct val="0"/>
-              </a:spcBef>
-              <a:spcAft>
-                <a:spcPct val="0"/>
-              </a:spcAft>
-              <a:defRPr sz="2400">
-                <a:solidFill>
-                  <a:schemeClr val="tx1"/>
-                </a:solidFill>
-                <a:latin typeface="Times" pitchFamily="2" charset="0"/>
-              </a:defRPr>
-            </a:lvl6pPr>
-            <a:lvl7pPr marL="2644775" defTabSz="865188" eaLnBrk="0" fontAlgn="base" hangingPunct="0">
-              <a:spcBef>
-                <a:spcPct val="0"/>
-              </a:spcBef>
-              <a:spcAft>
-                <a:spcPct val="0"/>
-              </a:spcAft>
-              <a:defRPr sz="2400">
-                <a:solidFill>
-                  <a:schemeClr val="tx1"/>
-                </a:solidFill>
-                <a:latin typeface="Times" pitchFamily="2" charset="0"/>
-              </a:defRPr>
-            </a:lvl7pPr>
-            <a:lvl8pPr marL="3101975" defTabSz="865188" eaLnBrk="0" fontAlgn="base" hangingPunct="0">
-              <a:spcBef>
-                <a:spcPct val="0"/>
-              </a:spcBef>
-              <a:spcAft>
-                <a:spcPct val="0"/>
-              </a:spcAft>
-              <a:defRPr sz="2400">
-                <a:solidFill>
-                  <a:schemeClr val="tx1"/>
-                </a:solidFill>
-                <a:latin typeface="Times" pitchFamily="2" charset="0"/>
-              </a:defRPr>
-            </a:lvl8pPr>
-            <a:lvl9pPr marL="3559175" defTabSz="865188" eaLnBrk="0" fontAlgn="base" hangingPunct="0">
-              <a:spcBef>
-                <a:spcPct val="0"/>
-              </a:spcBef>
-              <a:spcAft>
-                <a:spcPct val="0"/>
-              </a:spcAft>
-              <a:defRPr sz="2400">
-                <a:solidFill>
-                  <a:schemeClr val="tx1"/>
-                </a:solidFill>
-                <a:latin typeface="Times" pitchFamily="2" charset="0"/>
-              </a:defRPr>
-            </a:lvl9pPr>
-          </a:lstStyle>
-          <a:p>
-            <a:pPr marL="0" marR="0" lvl="0" indent="0" algn="l" defTabSz="953697" rtl="0" eaLnBrk="0" fontAlgn="base" latinLnBrk="0" hangingPunct="0">
-              <a:lnSpc>
-                <a:spcPct val="100000"/>
-              </a:lnSpc>
-              <a:spcBef>
-                <a:spcPct val="0"/>
-              </a:spcBef>
-              <a:spcAft>
-                <a:spcPct val="0"/>
-              </a:spcAft>
-              <a:buClrTx/>
-              <a:buSzTx/>
-              <a:buFont typeface="Times New Roman" panose="02020603050405020304" pitchFamily="18" charset="0"/>
-              <a:buNone/>
-              <a:tabLst/>
-              <a:defRPr/>
-            </a:pPr>
-            <a:r>
-              <a:rPr kumimoji="0" lang="en-US" altLang="en-US" sz="2535" b="0" i="0" u="none" strike="noStrike" kern="1200" cap="none" spc="0" normalizeH="0" baseline="0" noProof="0" dirty="0">
-                <a:ln>
-                  <a:noFill/>
-                </a:ln>
-                <a:solidFill>
-                  <a:srgbClr val="000000"/>
-                </a:solidFill>
-                <a:effectLst/>
-                <a:uLnTx/>
-                <a:uFillTx/>
-                <a:latin typeface="Times" pitchFamily="2" charset="0"/>
-                <a:ea typeface="+mn-ea"/>
-                <a:cs typeface="Arial"/>
-              </a:rPr>
-              <a:t>Reader process</a:t>
-            </a:r>
-            <a:endParaRPr kumimoji="0" lang="en-US" altLang="en-US" sz="1874" b="0" i="0" u="none" strike="noStrike" kern="1200" cap="none" spc="0" normalizeH="0" baseline="0" noProof="0" dirty="0">
-              <a:ln>
-                <a:noFill/>
-              </a:ln>
-              <a:solidFill>
-                <a:srgbClr val="000000"/>
-              </a:solidFill>
-              <a:effectLst/>
-              <a:uLnTx/>
-              <a:uFillTx/>
-              <a:latin typeface="Courier" pitchFamily="2" charset="0"/>
-              <a:ea typeface="+mn-ea"/>
-              <a:cs typeface="Arial"/>
-            </a:endParaRPr>
-          </a:p>
-          <a:p>
-            <a:pPr marL="0" marR="0" lvl="0" indent="0" algn="l" defTabSz="953697" rtl="0" eaLnBrk="0" fontAlgn="base" latinLnBrk="0" hangingPunct="0">
-              <a:lnSpc>
-                <a:spcPct val="100000"/>
-              </a:lnSpc>
-              <a:spcBef>
-                <a:spcPct val="0"/>
-              </a:spcBef>
-              <a:spcAft>
-                <a:spcPct val="0"/>
-              </a:spcAft>
-              <a:buClrTx/>
-              <a:buSzTx/>
-              <a:buFont typeface="Times New Roman" panose="02020603050405020304" pitchFamily="18" charset="0"/>
-              <a:buNone/>
-              <a:tabLst/>
-              <a:defRPr/>
-            </a:pPr>
-            <a:r>
-              <a:rPr kumimoji="0" lang="en-US" altLang="en-US" sz="1764" b="0" i="0" u="none" strike="noStrike" kern="1200" cap="none" spc="0" normalizeH="0" baseline="0" noProof="0" dirty="0">
-                <a:ln>
-                  <a:noFill/>
-                </a:ln>
-                <a:solidFill>
-                  <a:srgbClr val="000000"/>
-                </a:solidFill>
-                <a:effectLst/>
-                <a:uLnTx/>
-                <a:uFillTx/>
-                <a:latin typeface="Monaco" pitchFamily="2" charset="77"/>
-                <a:ea typeface="+mn-ea"/>
-                <a:cs typeface="Arial"/>
-              </a:rPr>
-              <a:t>…</a:t>
-            </a:r>
-          </a:p>
-          <a:p>
-            <a:pPr marL="0" marR="0" lvl="0" indent="0" algn="l" defTabSz="953697" rtl="0" eaLnBrk="0" fontAlgn="base" latinLnBrk="0" hangingPunct="0">
-              <a:lnSpc>
-                <a:spcPct val="100000"/>
-              </a:lnSpc>
-              <a:spcBef>
-                <a:spcPct val="0"/>
-              </a:spcBef>
-              <a:spcAft>
-                <a:spcPct val="0"/>
-              </a:spcAft>
-              <a:buClrTx/>
-              <a:buSzTx/>
-              <a:buFont typeface="Times New Roman" panose="02020603050405020304" pitchFamily="18" charset="0"/>
-              <a:buNone/>
-              <a:tabLst/>
-              <a:defRPr/>
-            </a:pPr>
-            <a:r>
-              <a:rPr kumimoji="0" lang="en-US" altLang="en-US" sz="1764" b="0" i="0" u="none" strike="noStrike" kern="1200" cap="none" spc="0" normalizeH="0" baseline="0" noProof="0" dirty="0" err="1">
-                <a:ln>
-                  <a:noFill/>
-                </a:ln>
-                <a:solidFill>
-                  <a:srgbClr val="000000"/>
-                </a:solidFill>
-                <a:effectLst/>
-                <a:uLnTx/>
-                <a:uFillTx/>
-                <a:latin typeface="Monaco" pitchFamily="2" charset="77"/>
-                <a:ea typeface="+mn-ea"/>
-                <a:cs typeface="Arial"/>
-              </a:rPr>
-              <a:t>mutex.down</a:t>
-            </a:r>
-            <a:r>
-              <a:rPr kumimoji="0" lang="en-US" altLang="en-US" sz="1764" b="0" i="0" u="none" strike="noStrike" kern="1200" cap="none" spc="0" normalizeH="0" baseline="0" noProof="0" dirty="0">
-                <a:ln>
-                  <a:noFill/>
-                </a:ln>
-                <a:solidFill>
-                  <a:srgbClr val="000000"/>
-                </a:solidFill>
-                <a:effectLst/>
-                <a:uLnTx/>
-                <a:uFillTx/>
-                <a:latin typeface="Monaco" pitchFamily="2" charset="77"/>
-                <a:ea typeface="+mn-ea"/>
-                <a:cs typeface="Arial"/>
-              </a:rPr>
-              <a:t>();</a:t>
-            </a:r>
-          </a:p>
-          <a:p>
-            <a:pPr marL="0" marR="0" lvl="0" indent="0" algn="l" defTabSz="953697" rtl="0" eaLnBrk="0" fontAlgn="base" latinLnBrk="0" hangingPunct="0">
-              <a:lnSpc>
-                <a:spcPct val="100000"/>
-              </a:lnSpc>
-              <a:spcBef>
-                <a:spcPct val="0"/>
-              </a:spcBef>
-              <a:spcAft>
-                <a:spcPct val="0"/>
-              </a:spcAft>
-              <a:buClrTx/>
-              <a:buSzTx/>
-              <a:buFont typeface="Times New Roman" panose="02020603050405020304" pitchFamily="18" charset="0"/>
-              <a:buNone/>
-              <a:tabLst/>
-              <a:defRPr/>
-            </a:pPr>
-            <a:r>
-              <a:rPr kumimoji="0" lang="en-US" altLang="en-US" sz="1764" b="0" i="0" u="none" strike="noStrike" kern="1200" cap="none" spc="0" normalizeH="0" baseline="0" noProof="0" dirty="0" err="1">
-                <a:ln>
-                  <a:noFill/>
-                </a:ln>
-                <a:solidFill>
-                  <a:srgbClr val="000000"/>
-                </a:solidFill>
-                <a:effectLst/>
-                <a:uLnTx/>
-                <a:uFillTx/>
-                <a:latin typeface="Monaco" pitchFamily="2" charset="77"/>
-                <a:ea typeface="+mn-ea"/>
-                <a:cs typeface="Arial"/>
-              </a:rPr>
-              <a:t>nreaders</a:t>
-            </a:r>
-            <a:r>
-              <a:rPr kumimoji="0" lang="en-US" altLang="en-US" sz="1764" b="0" i="0" u="none" strike="noStrike" kern="1200" cap="none" spc="0" normalizeH="0" baseline="0" noProof="0" dirty="0">
-                <a:ln>
-                  <a:noFill/>
-                </a:ln>
-                <a:solidFill>
-                  <a:srgbClr val="000000"/>
-                </a:solidFill>
-                <a:effectLst/>
-                <a:uLnTx/>
-                <a:uFillTx/>
-                <a:latin typeface="Monaco" pitchFamily="2" charset="77"/>
-                <a:ea typeface="+mn-ea"/>
-                <a:cs typeface="Arial"/>
-              </a:rPr>
-              <a:t> += 1;</a:t>
-            </a:r>
-          </a:p>
-          <a:p>
-            <a:pPr marL="0" marR="0" lvl="0" indent="0" algn="l" defTabSz="953697" rtl="0" eaLnBrk="0" fontAlgn="base" latinLnBrk="0" hangingPunct="0">
-              <a:lnSpc>
-                <a:spcPct val="100000"/>
-              </a:lnSpc>
-              <a:spcBef>
-                <a:spcPct val="0"/>
-              </a:spcBef>
-              <a:spcAft>
-                <a:spcPct val="0"/>
-              </a:spcAft>
-              <a:buClrTx/>
-              <a:buSzTx/>
-              <a:buFont typeface="Times New Roman" panose="02020603050405020304" pitchFamily="18" charset="0"/>
-              <a:buNone/>
-              <a:tabLst/>
-              <a:defRPr/>
-            </a:pPr>
-            <a:r>
-              <a:rPr kumimoji="0" lang="en-US" altLang="en-US" sz="1764" b="0" i="0" u="none" strike="noStrike" kern="1200" cap="none" spc="0" normalizeH="0" baseline="0" noProof="0" dirty="0">
-                <a:ln>
-                  <a:noFill/>
-                </a:ln>
-                <a:solidFill>
-                  <a:srgbClr val="000000"/>
-                </a:solidFill>
-                <a:effectLst/>
-                <a:uLnTx/>
-                <a:uFillTx/>
-                <a:latin typeface="Monaco" pitchFamily="2" charset="77"/>
-                <a:ea typeface="+mn-ea"/>
-                <a:cs typeface="Arial"/>
-              </a:rPr>
-              <a:t>if (</a:t>
-            </a:r>
-            <a:r>
-              <a:rPr kumimoji="0" lang="en-US" altLang="en-US" sz="1764" b="0" i="0" u="none" strike="noStrike" kern="1200" cap="none" spc="0" normalizeH="0" baseline="0" noProof="0" dirty="0" err="1">
-                <a:ln>
-                  <a:noFill/>
-                </a:ln>
-                <a:solidFill>
-                  <a:srgbClr val="000000"/>
-                </a:solidFill>
-                <a:effectLst/>
-                <a:uLnTx/>
-                <a:uFillTx/>
-                <a:latin typeface="Monaco" pitchFamily="2" charset="77"/>
-                <a:ea typeface="+mn-ea"/>
-                <a:cs typeface="Arial"/>
-              </a:rPr>
-              <a:t>nreaders</a:t>
-            </a:r>
-            <a:r>
-              <a:rPr kumimoji="0" lang="en-US" altLang="en-US" sz="1764" b="0" i="0" u="none" strike="noStrike" kern="1200" cap="none" spc="0" normalizeH="0" baseline="0" noProof="0" dirty="0">
-                <a:ln>
-                  <a:noFill/>
-                </a:ln>
-                <a:solidFill>
-                  <a:srgbClr val="000000"/>
-                </a:solidFill>
-                <a:effectLst/>
-                <a:uLnTx/>
-                <a:uFillTx/>
-                <a:latin typeface="Monaco" pitchFamily="2" charset="77"/>
-                <a:ea typeface="+mn-ea"/>
-                <a:cs typeface="Arial"/>
-              </a:rPr>
-              <a:t> == 1) // wait if</a:t>
-            </a:r>
-          </a:p>
-          <a:p>
-            <a:pPr marL="0" marR="0" lvl="0" indent="0" algn="l" defTabSz="953697" rtl="0" eaLnBrk="0" fontAlgn="base" latinLnBrk="0" hangingPunct="0">
-              <a:lnSpc>
-                <a:spcPct val="100000"/>
-              </a:lnSpc>
-              <a:spcBef>
-                <a:spcPct val="0"/>
-              </a:spcBef>
-              <a:spcAft>
-                <a:spcPct val="0"/>
-              </a:spcAft>
-              <a:buClrTx/>
-              <a:buSzTx/>
-              <a:buFont typeface="Times New Roman" panose="02020603050405020304" pitchFamily="18" charset="0"/>
-              <a:buNone/>
-              <a:tabLst/>
-              <a:defRPr/>
-            </a:pPr>
-            <a:r>
-              <a:rPr kumimoji="0" lang="en-US" altLang="en-US" sz="1764" b="0" i="0" u="none" strike="noStrike" kern="1200" cap="none" spc="0" normalizeH="0" baseline="0" noProof="0" dirty="0">
-                <a:ln>
-                  <a:noFill/>
-                </a:ln>
-                <a:solidFill>
-                  <a:srgbClr val="000000"/>
-                </a:solidFill>
-                <a:effectLst/>
-                <a:uLnTx/>
-                <a:uFillTx/>
-                <a:latin typeface="Monaco" pitchFamily="2" charset="77"/>
-                <a:ea typeface="+mn-ea"/>
-                <a:cs typeface="Arial"/>
-              </a:rPr>
-              <a:t>  </a:t>
-            </a:r>
-            <a:r>
-              <a:rPr kumimoji="0" lang="en-US" altLang="en-US" sz="1764" b="0" i="0" u="none" strike="noStrike" kern="1200" cap="none" spc="0" normalizeH="0" baseline="0" noProof="0" dirty="0" err="1">
-                <a:ln>
-                  <a:noFill/>
-                </a:ln>
-                <a:solidFill>
-                  <a:srgbClr val="000000"/>
-                </a:solidFill>
-                <a:effectLst/>
-                <a:uLnTx/>
-                <a:uFillTx/>
-                <a:latin typeface="Monaco" pitchFamily="2" charset="77"/>
-                <a:ea typeface="+mn-ea"/>
-                <a:cs typeface="Arial"/>
-              </a:rPr>
-              <a:t>writing.down</a:t>
-            </a:r>
-            <a:r>
-              <a:rPr kumimoji="0" lang="en-US" altLang="en-US" sz="1764" b="0" i="0" u="none" strike="noStrike" kern="1200" cap="none" spc="0" normalizeH="0" baseline="0" noProof="0" dirty="0">
-                <a:ln>
-                  <a:noFill/>
-                </a:ln>
-                <a:solidFill>
-                  <a:srgbClr val="000000"/>
-                </a:solidFill>
-                <a:effectLst/>
-                <a:uLnTx/>
-                <a:uFillTx/>
-                <a:latin typeface="Monaco" pitchFamily="2" charset="77"/>
-                <a:ea typeface="+mn-ea"/>
-                <a:cs typeface="Arial"/>
-              </a:rPr>
-              <a:t>();  // 1st reader</a:t>
-            </a:r>
-          </a:p>
-          <a:p>
-            <a:pPr marL="0" marR="0" lvl="0" indent="0" algn="l" defTabSz="953697" rtl="0" eaLnBrk="0" fontAlgn="base" latinLnBrk="0" hangingPunct="0">
-              <a:lnSpc>
-                <a:spcPct val="100000"/>
-              </a:lnSpc>
-              <a:spcBef>
-                <a:spcPct val="0"/>
-              </a:spcBef>
-              <a:spcAft>
-                <a:spcPct val="0"/>
-              </a:spcAft>
-              <a:buClrTx/>
-              <a:buSzTx/>
-              <a:buFont typeface="Times New Roman" panose="02020603050405020304" pitchFamily="18" charset="0"/>
-              <a:buNone/>
-              <a:tabLst/>
-              <a:defRPr/>
-            </a:pPr>
-            <a:r>
-              <a:rPr kumimoji="0" lang="en-US" altLang="en-US" sz="1764" b="0" i="0" u="none" strike="noStrike" kern="1200" cap="none" spc="0" normalizeH="0" baseline="0" noProof="0" dirty="0" err="1">
-                <a:ln>
-                  <a:noFill/>
-                </a:ln>
-                <a:solidFill>
-                  <a:srgbClr val="000000"/>
-                </a:solidFill>
-                <a:effectLst/>
-                <a:uLnTx/>
-                <a:uFillTx/>
-                <a:latin typeface="Monaco" pitchFamily="2" charset="77"/>
-                <a:ea typeface="+mn-ea"/>
-                <a:cs typeface="Arial"/>
-              </a:rPr>
-              <a:t>mutex.up</a:t>
-            </a:r>
-            <a:r>
-              <a:rPr kumimoji="0" lang="en-US" altLang="en-US" sz="1764" b="0" i="0" u="none" strike="noStrike" kern="1200" cap="none" spc="0" normalizeH="0" baseline="0" noProof="0" dirty="0">
-                <a:ln>
-                  <a:noFill/>
-                </a:ln>
-                <a:solidFill>
-                  <a:srgbClr val="000000"/>
-                </a:solidFill>
-                <a:effectLst/>
-                <a:uLnTx/>
-                <a:uFillTx/>
-                <a:latin typeface="Monaco" pitchFamily="2" charset="77"/>
-                <a:ea typeface="+mn-ea"/>
-                <a:cs typeface="Arial"/>
-              </a:rPr>
-              <a:t>();</a:t>
-            </a:r>
-          </a:p>
-          <a:p>
-            <a:pPr marL="0" marR="0" lvl="0" indent="0" algn="l" defTabSz="953697" rtl="0" eaLnBrk="0" fontAlgn="base" latinLnBrk="0" hangingPunct="0">
-              <a:lnSpc>
-                <a:spcPct val="100000"/>
-              </a:lnSpc>
-              <a:spcBef>
-                <a:spcPct val="0"/>
-              </a:spcBef>
-              <a:spcAft>
-                <a:spcPct val="0"/>
-              </a:spcAft>
-              <a:buClrTx/>
-              <a:buSzTx/>
-              <a:buFont typeface="Times New Roman" panose="02020603050405020304" pitchFamily="18" charset="0"/>
-              <a:buNone/>
-              <a:tabLst/>
-              <a:defRPr/>
-            </a:pPr>
-            <a:r>
-              <a:rPr kumimoji="0" lang="en-US" altLang="en-US" sz="1764" b="0" i="0" u="none" strike="noStrike" kern="1200" cap="none" spc="0" normalizeH="0" baseline="0" noProof="0" dirty="0">
-                <a:ln>
-                  <a:noFill/>
-                </a:ln>
-                <a:solidFill>
-                  <a:srgbClr val="000000"/>
-                </a:solidFill>
-                <a:effectLst/>
-                <a:uLnTx/>
-                <a:uFillTx/>
-                <a:latin typeface="Monaco" pitchFamily="2" charset="77"/>
-                <a:ea typeface="+mn-ea"/>
-                <a:cs typeface="Arial"/>
-              </a:rPr>
-              <a:t>// Read some stuff</a:t>
-            </a:r>
-          </a:p>
-          <a:p>
-            <a:pPr marL="0" marR="0" lvl="0" indent="0" algn="l" defTabSz="953697" rtl="0" eaLnBrk="0" fontAlgn="base" latinLnBrk="0" hangingPunct="0">
-              <a:lnSpc>
-                <a:spcPct val="100000"/>
-              </a:lnSpc>
-              <a:spcBef>
-                <a:spcPct val="0"/>
-              </a:spcBef>
-              <a:spcAft>
-                <a:spcPct val="0"/>
-              </a:spcAft>
-              <a:buClrTx/>
-              <a:buSzTx/>
-              <a:buFont typeface="Times New Roman" panose="02020603050405020304" pitchFamily="18" charset="0"/>
-              <a:buNone/>
-              <a:tabLst/>
-              <a:defRPr/>
-            </a:pPr>
-            <a:r>
-              <a:rPr kumimoji="0" lang="en-US" altLang="en-US" sz="1764" b="0" i="0" u="none" strike="noStrike" kern="1200" cap="none" spc="0" normalizeH="0" baseline="0" noProof="0" dirty="0" err="1">
-                <a:ln>
-                  <a:noFill/>
-                </a:ln>
-                <a:solidFill>
-                  <a:srgbClr val="000000"/>
-                </a:solidFill>
-                <a:effectLst/>
-                <a:uLnTx/>
-                <a:uFillTx/>
-                <a:latin typeface="Monaco" pitchFamily="2" charset="77"/>
-                <a:ea typeface="+mn-ea"/>
-                <a:cs typeface="Arial"/>
-              </a:rPr>
-              <a:t>mutex.down</a:t>
-            </a:r>
-            <a:r>
-              <a:rPr kumimoji="0" lang="en-US" altLang="en-US" sz="1764" b="0" i="0" u="none" strike="noStrike" kern="1200" cap="none" spc="0" normalizeH="0" baseline="0" noProof="0" dirty="0">
-                <a:ln>
-                  <a:noFill/>
-                </a:ln>
-                <a:solidFill>
-                  <a:srgbClr val="000000"/>
-                </a:solidFill>
-                <a:effectLst/>
-                <a:uLnTx/>
-                <a:uFillTx/>
-                <a:latin typeface="Monaco" pitchFamily="2" charset="77"/>
-                <a:ea typeface="+mn-ea"/>
-                <a:cs typeface="Arial"/>
-              </a:rPr>
-              <a:t>();</a:t>
-            </a:r>
-          </a:p>
-          <a:p>
-            <a:pPr marL="0" marR="0" lvl="0" indent="0" algn="l" defTabSz="953697" rtl="0" eaLnBrk="0" fontAlgn="base" latinLnBrk="0" hangingPunct="0">
-              <a:lnSpc>
-                <a:spcPct val="100000"/>
-              </a:lnSpc>
-              <a:spcBef>
-                <a:spcPct val="0"/>
-              </a:spcBef>
-              <a:spcAft>
-                <a:spcPct val="0"/>
-              </a:spcAft>
-              <a:buClrTx/>
-              <a:buSzTx/>
-              <a:buFont typeface="Times New Roman" panose="02020603050405020304" pitchFamily="18" charset="0"/>
-              <a:buNone/>
-              <a:tabLst/>
-              <a:defRPr/>
-            </a:pPr>
-            <a:r>
-              <a:rPr kumimoji="0" lang="en-US" altLang="en-US" sz="1764" b="0" i="0" u="none" strike="noStrike" kern="1200" cap="none" spc="0" normalizeH="0" baseline="0" noProof="0" dirty="0" err="1">
-                <a:ln>
-                  <a:noFill/>
-                </a:ln>
-                <a:solidFill>
-                  <a:srgbClr val="000000"/>
-                </a:solidFill>
-                <a:effectLst/>
-                <a:uLnTx/>
-                <a:uFillTx/>
-                <a:latin typeface="Monaco" pitchFamily="2" charset="77"/>
-                <a:ea typeface="+mn-ea"/>
-                <a:cs typeface="Arial"/>
-              </a:rPr>
-              <a:t>nreaders</a:t>
-            </a:r>
-            <a:r>
-              <a:rPr kumimoji="0" lang="en-US" altLang="en-US" sz="1764" b="0" i="0" u="none" strike="noStrike" kern="1200" cap="none" spc="0" normalizeH="0" baseline="0" noProof="0" dirty="0">
-                <a:ln>
-                  <a:noFill/>
-                </a:ln>
-                <a:solidFill>
-                  <a:srgbClr val="000000"/>
-                </a:solidFill>
-                <a:effectLst/>
-                <a:uLnTx/>
-                <a:uFillTx/>
-                <a:latin typeface="Monaco" pitchFamily="2" charset="77"/>
-                <a:ea typeface="+mn-ea"/>
-                <a:cs typeface="Arial"/>
-              </a:rPr>
-              <a:t> -= 1;</a:t>
-            </a:r>
-          </a:p>
-          <a:p>
-            <a:pPr marL="0" marR="0" lvl="0" indent="0" algn="l" defTabSz="953697" rtl="0" eaLnBrk="0" fontAlgn="base" latinLnBrk="0" hangingPunct="0">
-              <a:lnSpc>
-                <a:spcPct val="100000"/>
-              </a:lnSpc>
-              <a:spcBef>
-                <a:spcPct val="0"/>
-              </a:spcBef>
-              <a:spcAft>
-                <a:spcPct val="0"/>
-              </a:spcAft>
-              <a:buClrTx/>
-              <a:buSzTx/>
-              <a:buFont typeface="Times New Roman" panose="02020603050405020304" pitchFamily="18" charset="0"/>
-              <a:buNone/>
-              <a:tabLst/>
-              <a:defRPr/>
-            </a:pPr>
-            <a:r>
-              <a:rPr kumimoji="0" lang="en-US" altLang="en-US" sz="1764" b="0" i="0" u="none" strike="noStrike" kern="1200" cap="none" spc="0" normalizeH="0" baseline="0" noProof="0" dirty="0">
-                <a:ln>
-                  <a:noFill/>
-                </a:ln>
-                <a:solidFill>
-                  <a:srgbClr val="000000"/>
-                </a:solidFill>
-                <a:effectLst/>
-                <a:uLnTx/>
-                <a:uFillTx/>
-                <a:latin typeface="Monaco" pitchFamily="2" charset="77"/>
-                <a:ea typeface="+mn-ea"/>
-                <a:cs typeface="Arial"/>
-              </a:rPr>
-              <a:t>if (</a:t>
-            </a:r>
-            <a:r>
-              <a:rPr kumimoji="0" lang="en-US" altLang="en-US" sz="1764" b="0" i="0" u="none" strike="noStrike" kern="1200" cap="none" spc="0" normalizeH="0" baseline="0" noProof="0" dirty="0" err="1">
-                <a:ln>
-                  <a:noFill/>
-                </a:ln>
-                <a:solidFill>
-                  <a:srgbClr val="000000"/>
-                </a:solidFill>
-                <a:effectLst/>
-                <a:uLnTx/>
-                <a:uFillTx/>
-                <a:latin typeface="Monaco" pitchFamily="2" charset="77"/>
-                <a:ea typeface="+mn-ea"/>
-                <a:cs typeface="Arial"/>
-              </a:rPr>
-              <a:t>nreaders</a:t>
-            </a:r>
-            <a:r>
-              <a:rPr kumimoji="0" lang="en-US" altLang="en-US" sz="1764" b="0" i="0" u="none" strike="noStrike" kern="1200" cap="none" spc="0" normalizeH="0" baseline="0" noProof="0" dirty="0">
-                <a:ln>
-                  <a:noFill/>
-                </a:ln>
-                <a:solidFill>
-                  <a:srgbClr val="000000"/>
-                </a:solidFill>
-                <a:effectLst/>
-                <a:uLnTx/>
-                <a:uFillTx/>
-                <a:latin typeface="Monaco" pitchFamily="2" charset="77"/>
-                <a:ea typeface="+mn-ea"/>
-                <a:cs typeface="Arial"/>
-              </a:rPr>
-              <a:t> == 0)	// signal if</a:t>
-            </a:r>
-          </a:p>
-          <a:p>
-            <a:pPr marL="0" marR="0" lvl="0" indent="0" algn="l" defTabSz="953697" rtl="0" eaLnBrk="0" fontAlgn="base" latinLnBrk="0" hangingPunct="0">
-              <a:lnSpc>
-                <a:spcPct val="100000"/>
-              </a:lnSpc>
-              <a:spcBef>
-                <a:spcPct val="0"/>
-              </a:spcBef>
-              <a:spcAft>
-                <a:spcPct val="0"/>
-              </a:spcAft>
-              <a:buClrTx/>
-              <a:buSzTx/>
-              <a:buFont typeface="Times New Roman" panose="02020603050405020304" pitchFamily="18" charset="0"/>
-              <a:buNone/>
-              <a:tabLst/>
-              <a:defRPr/>
-            </a:pPr>
-            <a:r>
-              <a:rPr kumimoji="0" lang="en-US" altLang="en-US" sz="1764" b="0" i="0" u="none" strike="noStrike" kern="1200" cap="none" spc="0" normalizeH="0" baseline="0" noProof="0" dirty="0">
-                <a:ln>
-                  <a:noFill/>
-                </a:ln>
-                <a:solidFill>
-                  <a:srgbClr val="000000"/>
-                </a:solidFill>
-                <a:effectLst/>
-                <a:uLnTx/>
-                <a:uFillTx/>
-                <a:latin typeface="Monaco" pitchFamily="2" charset="77"/>
-                <a:ea typeface="+mn-ea"/>
-                <a:cs typeface="Arial"/>
-              </a:rPr>
-              <a:t>  </a:t>
-            </a:r>
-            <a:r>
-              <a:rPr kumimoji="0" lang="en-US" altLang="en-US" sz="1764" b="0" i="0" u="none" strike="noStrike" kern="1200" cap="none" spc="0" normalizeH="0" baseline="0" noProof="0" dirty="0" err="1">
-                <a:ln>
-                  <a:noFill/>
-                </a:ln>
-                <a:solidFill>
-                  <a:srgbClr val="000000"/>
-                </a:solidFill>
-                <a:effectLst/>
-                <a:uLnTx/>
-                <a:uFillTx/>
-                <a:latin typeface="Monaco" pitchFamily="2" charset="77"/>
-                <a:ea typeface="+mn-ea"/>
-                <a:cs typeface="Arial"/>
-              </a:rPr>
-              <a:t>writing.up</a:t>
-            </a:r>
-            <a:r>
-              <a:rPr kumimoji="0" lang="en-US" altLang="en-US" sz="1764" b="0" i="0" u="none" strike="noStrike" kern="1200" cap="none" spc="0" normalizeH="0" baseline="0" noProof="0" dirty="0">
-                <a:ln>
-                  <a:noFill/>
-                </a:ln>
-                <a:solidFill>
-                  <a:srgbClr val="000000"/>
-                </a:solidFill>
-                <a:effectLst/>
-                <a:uLnTx/>
-                <a:uFillTx/>
-                <a:latin typeface="Monaco" pitchFamily="2" charset="77"/>
-                <a:ea typeface="+mn-ea"/>
-                <a:cs typeface="Arial"/>
-              </a:rPr>
-              <a:t>();	// last reader</a:t>
-            </a:r>
-          </a:p>
-          <a:p>
-            <a:pPr marL="0" marR="0" lvl="0" indent="0" algn="l" defTabSz="953697" rtl="0" eaLnBrk="0" fontAlgn="base" latinLnBrk="0" hangingPunct="0">
-              <a:lnSpc>
-                <a:spcPct val="100000"/>
-              </a:lnSpc>
-              <a:spcBef>
-                <a:spcPct val="0"/>
-              </a:spcBef>
-              <a:spcAft>
-                <a:spcPct val="0"/>
-              </a:spcAft>
-              <a:buClrTx/>
-              <a:buSzTx/>
-              <a:buFont typeface="Times New Roman" panose="02020603050405020304" pitchFamily="18" charset="0"/>
-              <a:buNone/>
-              <a:tabLst/>
-              <a:defRPr/>
-            </a:pPr>
-            <a:r>
-              <a:rPr kumimoji="0" lang="en-US" altLang="en-US" sz="1764" b="0" i="0" u="none" strike="noStrike" kern="1200" cap="none" spc="0" normalizeH="0" baseline="0" noProof="0" dirty="0" err="1">
-                <a:ln>
-                  <a:noFill/>
-                </a:ln>
-                <a:solidFill>
-                  <a:srgbClr val="000000"/>
-                </a:solidFill>
-                <a:effectLst/>
-                <a:uLnTx/>
-                <a:uFillTx/>
-                <a:latin typeface="Monaco" pitchFamily="2" charset="77"/>
-                <a:ea typeface="+mn-ea"/>
-                <a:cs typeface="Arial"/>
-              </a:rPr>
-              <a:t>mutex.up</a:t>
-            </a:r>
-            <a:r>
-              <a:rPr kumimoji="0" lang="en-US" altLang="en-US" sz="1764" b="0" i="0" u="none" strike="noStrike" kern="1200" cap="none" spc="0" normalizeH="0" baseline="0" noProof="0" dirty="0">
-                <a:ln>
-                  <a:noFill/>
-                </a:ln>
-                <a:solidFill>
-                  <a:srgbClr val="000000"/>
-                </a:solidFill>
-                <a:effectLst/>
-                <a:uLnTx/>
-                <a:uFillTx/>
-                <a:latin typeface="Monaco" pitchFamily="2" charset="77"/>
-                <a:ea typeface="+mn-ea"/>
-                <a:cs typeface="Arial"/>
-              </a:rPr>
-              <a:t>();</a:t>
-            </a:r>
-          </a:p>
-          <a:p>
-            <a:pPr marL="0" marR="0" lvl="0" indent="0" algn="l" defTabSz="953697" rtl="0" eaLnBrk="0" fontAlgn="base" latinLnBrk="0" hangingPunct="0">
-              <a:lnSpc>
-                <a:spcPct val="100000"/>
-              </a:lnSpc>
-              <a:spcBef>
-                <a:spcPct val="0"/>
-              </a:spcBef>
-              <a:spcAft>
-                <a:spcPct val="0"/>
-              </a:spcAft>
-              <a:buClrTx/>
-              <a:buSzTx/>
-              <a:buFont typeface="Times New Roman" panose="02020603050405020304" pitchFamily="18" charset="0"/>
-              <a:buNone/>
-              <a:tabLst/>
-              <a:defRPr/>
-            </a:pPr>
-            <a:r>
-              <a:rPr kumimoji="0" lang="en-US" altLang="en-US" sz="1764" b="0" i="0" u="none" strike="noStrike" kern="1200" cap="none" spc="0" normalizeH="0" baseline="0" noProof="0" dirty="0">
-                <a:ln>
-                  <a:noFill/>
-                </a:ln>
-                <a:solidFill>
-                  <a:srgbClr val="000000"/>
-                </a:solidFill>
-                <a:effectLst/>
-                <a:uLnTx/>
-                <a:uFillTx/>
-                <a:latin typeface="Monaco" pitchFamily="2" charset="77"/>
-                <a:ea typeface="+mn-ea"/>
-                <a:cs typeface="Arial"/>
-              </a:rPr>
-              <a:t>…</a:t>
-            </a:r>
-          </a:p>
-        </p:txBody>
-      </p:sp>
-      <p:sp>
-        <p:nvSpPr>
-          <p:cNvPr id="8" name="Text Box 5">
-            <a:extLst>
-              <a:ext uri="{FF2B5EF4-FFF2-40B4-BE49-F238E27FC236}">
-                <a16:creationId xmlns:a16="http://schemas.microsoft.com/office/drawing/2014/main" id="{A1D33533-79E2-4621-ACBC-C6FF3C3B5843}"/>
-              </a:ext>
-            </a:extLst>
-          </p:cNvPr>
-          <p:cNvSpPr txBox="1">
-            <a:spLocks noChangeArrowheads="1"/>
-          </p:cNvSpPr>
-          <p:nvPr/>
-        </p:nvSpPr>
-        <p:spPr bwMode="auto">
-          <a:xfrm>
-            <a:off x="5112544" y="5341585"/>
-            <a:ext cx="3198862" cy="1843805"/>
-          </a:xfrm>
-          <a:prstGeom prst="rect">
-            <a:avLst/>
-          </a:prstGeom>
-          <a:noFill/>
-          <a:ln w="6350">
-            <a:solidFill>
-              <a:schemeClr val="tx1"/>
-            </a:solidFill>
-            <a:miter lim="800000"/>
-            <a:headEnd/>
-            <a:tailEnd/>
-          </a:ln>
-          <a:effectLst/>
-          <a:extLst>
-            <a:ext uri="{909E8E84-426E-40DD-AFC4-6F175D3DCCD1}">
-              <a14:hiddenFill xmlns:a14="http://schemas.microsoft.com/office/drawing/2010/main">
-                <a:solidFill>
-                  <a:schemeClr val="accent1"/>
-                </a:solidFill>
-              </a14:hiddenFill>
-            </a:ext>
-            <a:ext uri="{AF507438-7753-43E0-B8FC-AC1667EBCBE1}">
-              <a14:hiddenEffects xmlns:a14="http://schemas.microsoft.com/office/drawing/2010/main">
-                <a:effectLst>
-                  <a:outerShdw dist="35921" dir="2700000" algn="ctr" rotWithShape="0">
-                    <a:schemeClr val="bg2"/>
-                  </a:outerShdw>
-                </a:effectLst>
-              </a14:hiddenEffects>
-            </a:ext>
-          </a:extLst>
-        </p:spPr>
-        <p:txBody>
-          <a:bodyPr lIns="95343" tIns="47672" rIns="95343" bIns="47672">
-            <a:spAutoFit/>
-          </a:bodyPr>
-          <a:lstStyle>
-            <a:lvl1pPr defTabSz="865188">
-              <a:defRPr sz="2400">
-                <a:solidFill>
-                  <a:schemeClr val="tx1"/>
-                </a:solidFill>
-                <a:latin typeface="Times" pitchFamily="2" charset="0"/>
-              </a:defRPr>
-            </a:lvl1pPr>
-            <a:lvl2pPr marL="431800" defTabSz="865188">
-              <a:defRPr sz="2400">
-                <a:solidFill>
-                  <a:schemeClr val="tx1"/>
-                </a:solidFill>
-                <a:latin typeface="Times" pitchFamily="2" charset="0"/>
-              </a:defRPr>
-            </a:lvl2pPr>
-            <a:lvl3pPr marL="865188" defTabSz="865188">
-              <a:defRPr sz="2400">
-                <a:solidFill>
-                  <a:schemeClr val="tx1"/>
-                </a:solidFill>
-                <a:latin typeface="Times" pitchFamily="2" charset="0"/>
-              </a:defRPr>
-            </a:lvl3pPr>
-            <a:lvl4pPr marL="1296988" defTabSz="865188">
-              <a:defRPr sz="2400">
-                <a:solidFill>
-                  <a:schemeClr val="tx1"/>
-                </a:solidFill>
-                <a:latin typeface="Times" pitchFamily="2" charset="0"/>
-              </a:defRPr>
-            </a:lvl4pPr>
-            <a:lvl5pPr marL="1730375" defTabSz="865188">
-              <a:defRPr sz="2400">
-                <a:solidFill>
-                  <a:schemeClr val="tx1"/>
-                </a:solidFill>
-                <a:latin typeface="Times" pitchFamily="2" charset="0"/>
-              </a:defRPr>
-            </a:lvl5pPr>
-            <a:lvl6pPr marL="2187575" defTabSz="865188" eaLnBrk="0" fontAlgn="base" hangingPunct="0">
-              <a:spcBef>
-                <a:spcPct val="0"/>
-              </a:spcBef>
-              <a:spcAft>
-                <a:spcPct val="0"/>
-              </a:spcAft>
-              <a:defRPr sz="2400">
-                <a:solidFill>
-                  <a:schemeClr val="tx1"/>
-                </a:solidFill>
-                <a:latin typeface="Times" pitchFamily="2" charset="0"/>
-              </a:defRPr>
-            </a:lvl6pPr>
-            <a:lvl7pPr marL="2644775" defTabSz="865188" eaLnBrk="0" fontAlgn="base" hangingPunct="0">
-              <a:spcBef>
-                <a:spcPct val="0"/>
-              </a:spcBef>
-              <a:spcAft>
-                <a:spcPct val="0"/>
-              </a:spcAft>
-              <a:defRPr sz="2400">
-                <a:solidFill>
-                  <a:schemeClr val="tx1"/>
-                </a:solidFill>
-                <a:latin typeface="Times" pitchFamily="2" charset="0"/>
-              </a:defRPr>
-            </a:lvl7pPr>
-            <a:lvl8pPr marL="3101975" defTabSz="865188" eaLnBrk="0" fontAlgn="base" hangingPunct="0">
-              <a:spcBef>
-                <a:spcPct val="0"/>
-              </a:spcBef>
-              <a:spcAft>
-                <a:spcPct val="0"/>
-              </a:spcAft>
-              <a:defRPr sz="2400">
-                <a:solidFill>
-                  <a:schemeClr val="tx1"/>
-                </a:solidFill>
-                <a:latin typeface="Times" pitchFamily="2" charset="0"/>
-              </a:defRPr>
-            </a:lvl8pPr>
-            <a:lvl9pPr marL="3559175" defTabSz="865188" eaLnBrk="0" fontAlgn="base" hangingPunct="0">
-              <a:spcBef>
-                <a:spcPct val="0"/>
-              </a:spcBef>
-              <a:spcAft>
-                <a:spcPct val="0"/>
-              </a:spcAft>
-              <a:defRPr sz="2400">
-                <a:solidFill>
-                  <a:schemeClr val="tx1"/>
-                </a:solidFill>
-                <a:latin typeface="Times" pitchFamily="2" charset="0"/>
-              </a:defRPr>
-            </a:lvl9pPr>
-          </a:lstStyle>
-          <a:p>
-            <a:pPr marL="0" marR="0" lvl="0" indent="0" algn="l" defTabSz="953697" rtl="0" eaLnBrk="0" fontAlgn="base" latinLnBrk="0" hangingPunct="0">
-              <a:lnSpc>
-                <a:spcPct val="100000"/>
-              </a:lnSpc>
-              <a:spcBef>
-                <a:spcPct val="0"/>
-              </a:spcBef>
-              <a:spcAft>
-                <a:spcPct val="0"/>
-              </a:spcAft>
-              <a:buClrTx/>
-              <a:buSzTx/>
-              <a:buFont typeface="Times New Roman" panose="02020603050405020304" pitchFamily="18" charset="0"/>
-              <a:buNone/>
-              <a:tabLst/>
-              <a:defRPr/>
-            </a:pPr>
-            <a:r>
-              <a:rPr kumimoji="0" lang="en-US" altLang="en-US" sz="2535" b="0" i="0" u="none" strike="noStrike" kern="1200" cap="none" spc="0" normalizeH="0" baseline="0" noProof="0">
-                <a:ln>
-                  <a:noFill/>
-                </a:ln>
-                <a:solidFill>
-                  <a:srgbClr val="000000"/>
-                </a:solidFill>
-                <a:effectLst/>
-                <a:uLnTx/>
-                <a:uFillTx/>
-                <a:latin typeface="Times" pitchFamily="2" charset="0"/>
-                <a:ea typeface="+mn-ea"/>
-                <a:cs typeface="Arial"/>
-              </a:rPr>
-              <a:t>Writer process</a:t>
-            </a:r>
-            <a:endParaRPr kumimoji="0" lang="en-US" altLang="en-US" sz="1874" b="0" i="0" u="none" strike="noStrike" kern="1200" cap="none" spc="0" normalizeH="0" baseline="0" noProof="0">
-              <a:ln>
-                <a:noFill/>
-              </a:ln>
-              <a:solidFill>
-                <a:srgbClr val="000000"/>
-              </a:solidFill>
-              <a:effectLst/>
-              <a:uLnTx/>
-              <a:uFillTx/>
-              <a:latin typeface="Courier" pitchFamily="2" charset="0"/>
-              <a:ea typeface="+mn-ea"/>
-              <a:cs typeface="Arial"/>
-            </a:endParaRPr>
-          </a:p>
-          <a:p>
-            <a:pPr marL="0" marR="0" lvl="0" indent="0" algn="l" defTabSz="953697" rtl="0" eaLnBrk="0" fontAlgn="base" latinLnBrk="0" hangingPunct="0">
-              <a:lnSpc>
-                <a:spcPct val="100000"/>
-              </a:lnSpc>
-              <a:spcBef>
-                <a:spcPct val="0"/>
-              </a:spcBef>
-              <a:spcAft>
-                <a:spcPct val="0"/>
-              </a:spcAft>
-              <a:buClrTx/>
-              <a:buSzTx/>
-              <a:buFont typeface="Times New Roman" panose="02020603050405020304" pitchFamily="18" charset="0"/>
-              <a:buNone/>
-              <a:tabLst/>
-              <a:defRPr/>
-            </a:pPr>
-            <a:r>
-              <a:rPr kumimoji="0" lang="en-US" altLang="en-US" sz="1764" b="0" i="0" u="none" strike="noStrike" kern="1200" cap="none" spc="0" normalizeH="0" baseline="0" noProof="0">
-                <a:ln>
-                  <a:noFill/>
-                </a:ln>
-                <a:solidFill>
-                  <a:srgbClr val="000000"/>
-                </a:solidFill>
-                <a:effectLst/>
-                <a:uLnTx/>
-                <a:uFillTx/>
-                <a:latin typeface="Monaco" pitchFamily="2" charset="77"/>
-                <a:ea typeface="+mn-ea"/>
-                <a:cs typeface="Arial"/>
-              </a:rPr>
-              <a:t>…</a:t>
-            </a:r>
-          </a:p>
-          <a:p>
-            <a:pPr marL="0" marR="0" lvl="0" indent="0" algn="l" defTabSz="953697" rtl="0" eaLnBrk="0" fontAlgn="base" latinLnBrk="0" hangingPunct="0">
-              <a:lnSpc>
-                <a:spcPct val="100000"/>
-              </a:lnSpc>
-              <a:spcBef>
-                <a:spcPct val="0"/>
-              </a:spcBef>
-              <a:spcAft>
-                <a:spcPct val="0"/>
-              </a:spcAft>
-              <a:buClrTx/>
-              <a:buSzTx/>
-              <a:buFont typeface="Times New Roman" panose="02020603050405020304" pitchFamily="18" charset="0"/>
-              <a:buNone/>
-              <a:tabLst/>
-              <a:defRPr/>
-            </a:pPr>
-            <a:r>
-              <a:rPr kumimoji="0" lang="en-US" altLang="en-US" sz="1764" b="0" i="0" u="none" strike="noStrike" kern="1200" cap="none" spc="0" normalizeH="0" baseline="0" noProof="0" err="1">
-                <a:ln>
-                  <a:noFill/>
-                </a:ln>
-                <a:solidFill>
-                  <a:srgbClr val="000000"/>
-                </a:solidFill>
-                <a:effectLst/>
-                <a:uLnTx/>
-                <a:uFillTx/>
-                <a:latin typeface="Monaco" pitchFamily="2" charset="77"/>
-                <a:ea typeface="+mn-ea"/>
-                <a:cs typeface="Arial"/>
-              </a:rPr>
-              <a:t>writing.down</a:t>
-            </a:r>
-            <a:r>
-              <a:rPr kumimoji="0" lang="en-US" altLang="en-US" sz="1764" b="0" i="0" u="none" strike="noStrike" kern="1200" cap="none" spc="0" normalizeH="0" baseline="0" noProof="0">
-                <a:ln>
-                  <a:noFill/>
-                </a:ln>
-                <a:solidFill>
-                  <a:srgbClr val="000000"/>
-                </a:solidFill>
-                <a:effectLst/>
-                <a:uLnTx/>
-                <a:uFillTx/>
-                <a:latin typeface="Monaco" pitchFamily="2" charset="77"/>
-                <a:ea typeface="+mn-ea"/>
-                <a:cs typeface="Arial"/>
-              </a:rPr>
-              <a:t>();</a:t>
-            </a:r>
-          </a:p>
-          <a:p>
-            <a:pPr marL="0" marR="0" lvl="0" indent="0" algn="l" defTabSz="953697" rtl="0" eaLnBrk="0" fontAlgn="base" latinLnBrk="0" hangingPunct="0">
-              <a:lnSpc>
-                <a:spcPct val="100000"/>
-              </a:lnSpc>
-              <a:spcBef>
-                <a:spcPct val="0"/>
-              </a:spcBef>
-              <a:spcAft>
-                <a:spcPct val="0"/>
-              </a:spcAft>
-              <a:buClrTx/>
-              <a:buSzTx/>
-              <a:buFont typeface="Times New Roman" panose="02020603050405020304" pitchFamily="18" charset="0"/>
-              <a:buNone/>
-              <a:tabLst/>
-              <a:defRPr/>
-            </a:pPr>
-            <a:r>
-              <a:rPr kumimoji="0" lang="en-US" altLang="en-US" sz="1764" b="0" i="0" u="none" strike="noStrike" kern="1200" cap="none" spc="0" normalizeH="0" baseline="0" noProof="0">
-                <a:ln>
-                  <a:noFill/>
-                </a:ln>
-                <a:solidFill>
-                  <a:srgbClr val="000000"/>
-                </a:solidFill>
-                <a:effectLst/>
-                <a:uLnTx/>
-                <a:uFillTx/>
-                <a:latin typeface="Monaco" pitchFamily="2" charset="77"/>
-                <a:ea typeface="+mn-ea"/>
-                <a:cs typeface="Arial"/>
-              </a:rPr>
-              <a:t>// Write some stuff</a:t>
-            </a:r>
-          </a:p>
-          <a:p>
-            <a:pPr marL="0" marR="0" lvl="0" indent="0" algn="l" defTabSz="953697" rtl="0" eaLnBrk="0" fontAlgn="base" latinLnBrk="0" hangingPunct="0">
-              <a:lnSpc>
-                <a:spcPct val="100000"/>
-              </a:lnSpc>
-              <a:spcBef>
-                <a:spcPct val="0"/>
-              </a:spcBef>
-              <a:spcAft>
-                <a:spcPct val="0"/>
-              </a:spcAft>
-              <a:buClrTx/>
-              <a:buSzTx/>
-              <a:buFont typeface="Times New Roman" panose="02020603050405020304" pitchFamily="18" charset="0"/>
-              <a:buNone/>
-              <a:tabLst/>
-              <a:defRPr/>
-            </a:pPr>
-            <a:r>
-              <a:rPr kumimoji="0" lang="en-US" altLang="en-US" sz="1764" b="0" i="0" u="none" strike="noStrike" kern="1200" cap="none" spc="0" normalizeH="0" baseline="0" noProof="0" err="1">
-                <a:ln>
-                  <a:noFill/>
-                </a:ln>
-                <a:solidFill>
-                  <a:srgbClr val="000000"/>
-                </a:solidFill>
-                <a:effectLst/>
-                <a:uLnTx/>
-                <a:uFillTx/>
-                <a:latin typeface="Monaco" pitchFamily="2" charset="77"/>
-                <a:ea typeface="+mn-ea"/>
-                <a:cs typeface="Arial"/>
-              </a:rPr>
-              <a:t>writing.up</a:t>
-            </a:r>
-            <a:r>
-              <a:rPr kumimoji="0" lang="en-US" altLang="en-US" sz="1764" b="0" i="0" u="none" strike="noStrike" kern="1200" cap="none" spc="0" normalizeH="0" baseline="0" noProof="0">
-                <a:ln>
-                  <a:noFill/>
-                </a:ln>
-                <a:solidFill>
-                  <a:srgbClr val="000000"/>
-                </a:solidFill>
-                <a:effectLst/>
-                <a:uLnTx/>
-                <a:uFillTx/>
-                <a:latin typeface="Monaco" pitchFamily="2" charset="77"/>
-                <a:ea typeface="+mn-ea"/>
-                <a:cs typeface="Arial"/>
-              </a:rPr>
-              <a:t>();</a:t>
-            </a:r>
-          </a:p>
-          <a:p>
-            <a:pPr marL="0" marR="0" lvl="0" indent="0" algn="l" defTabSz="953697" rtl="0" eaLnBrk="0" fontAlgn="base" latinLnBrk="0" hangingPunct="0">
-              <a:lnSpc>
-                <a:spcPct val="100000"/>
-              </a:lnSpc>
-              <a:spcBef>
-                <a:spcPct val="0"/>
-              </a:spcBef>
-              <a:spcAft>
-                <a:spcPct val="0"/>
-              </a:spcAft>
-              <a:buClrTx/>
-              <a:buSzTx/>
-              <a:buFont typeface="Times New Roman" panose="02020603050405020304" pitchFamily="18" charset="0"/>
-              <a:buNone/>
-              <a:tabLst/>
-              <a:defRPr/>
-            </a:pPr>
-            <a:r>
-              <a:rPr kumimoji="0" lang="en-US" altLang="en-US" sz="1764" b="0" i="0" u="none" strike="noStrike" kern="1200" cap="none" spc="0" normalizeH="0" baseline="0" noProof="0">
-                <a:ln>
-                  <a:noFill/>
-                </a:ln>
-                <a:solidFill>
-                  <a:srgbClr val="000000"/>
-                </a:solidFill>
-                <a:effectLst/>
-                <a:uLnTx/>
-                <a:uFillTx/>
-                <a:latin typeface="Monaco" pitchFamily="2" charset="77"/>
-                <a:ea typeface="+mn-ea"/>
-                <a:cs typeface="Arial"/>
-              </a:rPr>
-              <a:t>…</a:t>
-            </a:r>
-            <a:endParaRPr kumimoji="0" lang="en-US" altLang="en-US" sz="1874" b="0" i="0" u="none" strike="noStrike" kern="1200" cap="none" spc="0" normalizeH="0" baseline="0" noProof="0">
-              <a:ln>
-                <a:noFill/>
-              </a:ln>
-              <a:solidFill>
-                <a:srgbClr val="000000"/>
-              </a:solidFill>
-              <a:effectLst/>
-              <a:uLnTx/>
-              <a:uFillTx/>
-              <a:latin typeface="Courier" pitchFamily="2" charset="0"/>
-              <a:ea typeface="+mn-ea"/>
-              <a:cs typeface="Arial"/>
-            </a:endParaRPr>
-          </a:p>
-        </p:txBody>
-      </p:sp>
-    </p:spTree>
-    <p:extLst>
-      <p:ext uri="{BB962C8B-B14F-4D97-AF65-F5344CB8AC3E}">
-        <p14:creationId xmlns:p14="http://schemas.microsoft.com/office/powerpoint/2010/main" val="1079843258"/>
-      </p:ext>
-    </p:extLst>
-  </p:cSld>
-  <p:clrMapOvr>
-    <a:masterClrMapping/>
-  </p:clrMapOvr>
-  <p:timing>
-    <p:tnLst>
-      <p:par>
-        <p:cTn id="1" dur="indefinite" restart="never" nodeType="tmRoot">
-          <p:childTnLst>
-            <p:seq concurrent="1" nextAc="seek">
-              <p:cTn id="2" dur="indefinite" nodeType="mainSeq">
-                <p:childTnLst>
-                  <p:par>
-                    <p:cTn id="3" fill="hold">
-                      <p:stCondLst>
-                        <p:cond delay="indefinite"/>
-                      </p:stCondLst>
-                      <p:childTnLst>
-                        <p:par>
-                          <p:cTn id="4" fill="hold">
-                            <p:stCondLst>
-                              <p:cond delay="0"/>
-                            </p:stCondLst>
-                            <p:childTnLst>
-                              <p:par>
-                                <p:cTn id="5" presetID="1" presetClass="entr" presetSubtype="0" fill="hold" grpId="0" nodeType="clickEffect">
-                                  <p:stCondLst>
-                                    <p:cond delay="0"/>
-                                  </p:stCondLst>
-                                  <p:childTnLst>
-                                    <p:set>
-                                      <p:cBhvr>
-                                        <p:cTn id="6" dur="1" fill="hold">
-                                          <p:stCondLst>
-                                            <p:cond delay="0"/>
-                                          </p:stCondLst>
-                                        </p:cTn>
-                                        <p:tgtEl>
-                                          <p:spTgt spid="8"/>
-                                        </p:tgtEl>
-                                        <p:attrNameLst>
-                                          <p:attrName>style.visibility</p:attrName>
-                                        </p:attrNameLst>
-                                      </p:cBhvr>
-                                      <p:to>
-                                        <p:strVal val="visible"/>
-                                      </p:to>
-                                    </p:set>
-                                  </p:childTnLst>
-                                </p:cTn>
-                              </p:par>
-                            </p:childTnLst>
-                          </p:cTn>
-                        </p:par>
-                      </p:childTnLst>
-                    </p:cTn>
-                  </p:par>
-                  <p:par>
-                    <p:cTn id="7" fill="hold">
-                      <p:stCondLst>
-                        <p:cond delay="indefinite"/>
-                      </p:stCondLst>
-                      <p:childTnLst>
-                        <p:par>
-                          <p:cTn id="8" fill="hold">
-                            <p:stCondLst>
-                              <p:cond delay="0"/>
-                            </p:stCondLst>
-                            <p:childTnLst>
-                              <p:par>
-                                <p:cTn id="9" presetID="1" presetClass="entr" presetSubtype="0" fill="hold" grpId="0" nodeType="clickEffect">
-                                  <p:stCondLst>
-                                    <p:cond delay="0"/>
-                                  </p:stCondLst>
-                                  <p:childTnLst>
-                                    <p:set>
-                                      <p:cBhvr>
-                                        <p:cTn id="10" dur="1" fill="hold">
-                                          <p:stCondLst>
-                                            <p:cond delay="0"/>
-                                          </p:stCondLst>
-                                        </p:cTn>
-                                        <p:tgtEl>
-                                          <p:spTgt spid="6"/>
-                                        </p:tgtEl>
-                                        <p:attrNameLst>
-                                          <p:attrName>style.visibility</p:attrName>
-                                        </p:attrNameLst>
-                                      </p:cBhvr>
-                                      <p:to>
-                                        <p:strVal val="visible"/>
-                                      </p:to>
-                                    </p:set>
-                                  </p:childTnLst>
-                                </p:cTn>
-                              </p:par>
-                            </p:childTnLst>
-                          </p:cTn>
-                        </p:par>
-                      </p:childTnLst>
-                    </p:cTn>
-                  </p:par>
-                </p:childTnLst>
-              </p:cTn>
-              <p:prevCondLst>
-                <p:cond evt="onPrev" delay="0">
-                  <p:tgtEl>
-                    <p:sldTgt/>
-                  </p:tgtEl>
-                </p:cond>
-              </p:prevCondLst>
-              <p:nextCondLst>
-                <p:cond evt="onNext" delay="0">
-                  <p:tgtEl>
-                    <p:sldTgt/>
-                  </p:tgtEl>
-                </p:cond>
-              </p:nextCondLst>
-            </p:seq>
-          </p:childTnLst>
-        </p:cTn>
-      </p:par>
-    </p:tnLst>
-    <p:bldLst>
-      <p:bldP spid="6" grpId="0" animBg="1"/>
-      <p:bldP spid="8" grpId="0" animBg="1"/>
-    </p:bldLst>
-  </p:timing>
-</p:sld>
-</file>
-
 <file path=ppt/slides/slide2.xml><?xml version="1.0" encoding="utf-8"?>
 <p:sld xmlns:a="http://schemas.openxmlformats.org/drawingml/2006/main" xmlns:r="http://schemas.openxmlformats.org/officeDocument/2006/relationships" xmlns:p="http://schemas.openxmlformats.org/presentationml/2006/main">
   <p:cSld>
@@ -26296,2142 +24454,6 @@
       </p:par>
     </p:tnLst>
   </p:timing>
-</p:sld>
-</file>
-
-<file path=ppt/slides/slide20.xml><?xml version="1.0" encoding="utf-8"?>
-<p:sld xmlns:a="http://schemas.openxmlformats.org/drawingml/2006/main" xmlns:r="http://schemas.openxmlformats.org/officeDocument/2006/relationships" xmlns:p="http://schemas.openxmlformats.org/presentationml/2006/main">
-  <p:cSld>
-    <p:spTree>
-      <p:nvGrpSpPr>
-        <p:cNvPr id="1" name=""/>
-        <p:cNvGrpSpPr/>
-        <p:nvPr/>
-      </p:nvGrpSpPr>
-      <p:grpSpPr>
-        <a:xfrm>
-          <a:off x="0" y="0"/>
-          <a:ext cx="0" cy="0"/>
-          <a:chOff x="0" y="0"/>
-          <a:chExt cx="0" cy="0"/>
-        </a:xfrm>
-      </p:grpSpPr>
-      <p:sp>
-        <p:nvSpPr>
-          <p:cNvPr id="2" name="Title 1">
-            <a:extLst>
-              <a:ext uri="{FF2B5EF4-FFF2-40B4-BE49-F238E27FC236}">
-                <a16:creationId xmlns:a16="http://schemas.microsoft.com/office/drawing/2014/main" id="{C4A59103-2BDE-4B0B-8F90-7C8025F1E671}"/>
-              </a:ext>
-            </a:extLst>
-          </p:cNvPr>
-          <p:cNvSpPr>
-            <a:spLocks noGrp="1"/>
-          </p:cNvSpPr>
-          <p:nvPr>
-            <p:ph type="title"/>
-          </p:nvPr>
-        </p:nvSpPr>
-        <p:spPr/>
-        <p:txBody>
-          <a:bodyPr/>
-          <a:lstStyle/>
-          <a:p>
-            <a:r>
-              <a:rPr lang="en-US" dirty="0"/>
-              <a:t>Sequence 2</a:t>
-            </a:r>
-          </a:p>
-        </p:txBody>
-      </p:sp>
-      <p:sp>
-        <p:nvSpPr>
-          <p:cNvPr id="3" name="Content Placeholder 2">
-            <a:extLst>
-              <a:ext uri="{FF2B5EF4-FFF2-40B4-BE49-F238E27FC236}">
-                <a16:creationId xmlns:a16="http://schemas.microsoft.com/office/drawing/2014/main" id="{3F6B336D-9D2D-4710-89E4-444D79F1482A}"/>
-              </a:ext>
-            </a:extLst>
-          </p:cNvPr>
-          <p:cNvSpPr>
-            <a:spLocks noGrp="1"/>
-          </p:cNvSpPr>
-          <p:nvPr>
-            <p:ph idx="1"/>
-          </p:nvPr>
-        </p:nvSpPr>
-        <p:spPr>
-          <a:xfrm>
-            <a:off x="0" y="714375"/>
-            <a:ext cx="3091218" cy="6567487"/>
-          </a:xfrm>
-        </p:spPr>
-        <p:txBody>
-          <a:bodyPr>
-            <a:normAutofit fontScale="92500" lnSpcReduction="20000"/>
-          </a:bodyPr>
-          <a:lstStyle/>
-          <a:p>
-            <a:r>
-              <a:rPr lang="en-US" dirty="0"/>
-              <a:t>R0 </a:t>
-            </a:r>
-            <a:r>
-              <a:rPr lang="en-US" dirty="0" err="1"/>
-              <a:t>enterRead</a:t>
-            </a:r>
-            <a:endParaRPr lang="en-US" dirty="0"/>
-          </a:p>
-          <a:p>
-            <a:r>
-              <a:rPr lang="en-US" dirty="0"/>
-              <a:t>R0 read</a:t>
-            </a:r>
-          </a:p>
-          <a:p>
-            <a:r>
-              <a:rPr lang="en-US" dirty="0"/>
-              <a:t>R1 </a:t>
-            </a:r>
-            <a:r>
-              <a:rPr lang="en-US" dirty="0" err="1"/>
-              <a:t>enterRead</a:t>
-            </a:r>
-            <a:endParaRPr lang="en-US" dirty="0"/>
-          </a:p>
-          <a:p>
-            <a:r>
-              <a:rPr lang="en-US" dirty="0"/>
-              <a:t>R1 read</a:t>
-            </a:r>
-          </a:p>
-          <a:p>
-            <a:r>
-              <a:rPr lang="en-US" dirty="0"/>
-              <a:t>W0 </a:t>
-            </a:r>
-            <a:r>
-              <a:rPr lang="en-US" dirty="0" err="1"/>
-              <a:t>enterWrite</a:t>
-            </a:r>
-            <a:endParaRPr lang="en-US" dirty="0"/>
-          </a:p>
-          <a:p>
-            <a:r>
-              <a:rPr lang="en-US" dirty="0"/>
-              <a:t>R2 </a:t>
-            </a:r>
-            <a:r>
-              <a:rPr lang="en-US" dirty="0" err="1"/>
-              <a:t>enterRead</a:t>
-            </a:r>
-            <a:endParaRPr lang="en-US" dirty="0"/>
-          </a:p>
-          <a:p>
-            <a:r>
-              <a:rPr lang="en-US" dirty="0"/>
-              <a:t>R2 read</a:t>
-            </a:r>
-          </a:p>
-          <a:p>
-            <a:r>
-              <a:rPr lang="en-US" dirty="0"/>
-              <a:t>R2 </a:t>
-            </a:r>
-            <a:r>
-              <a:rPr lang="en-US" dirty="0" err="1"/>
-              <a:t>doneRead</a:t>
-            </a:r>
-            <a:endParaRPr lang="en-US" dirty="0"/>
-          </a:p>
-          <a:p>
-            <a:r>
-              <a:rPr lang="en-US" dirty="0"/>
-              <a:t>R1 </a:t>
-            </a:r>
-            <a:r>
-              <a:rPr lang="en-US" dirty="0" err="1"/>
-              <a:t>doneRead</a:t>
-            </a:r>
-            <a:endParaRPr lang="en-US" dirty="0"/>
-          </a:p>
-          <a:p>
-            <a:r>
-              <a:rPr lang="en-US" dirty="0"/>
-              <a:t>R0 </a:t>
-            </a:r>
-            <a:r>
-              <a:rPr lang="en-US" dirty="0" err="1"/>
-              <a:t>doneRead</a:t>
-            </a:r>
-            <a:endParaRPr lang="en-US" dirty="0"/>
-          </a:p>
-          <a:p>
-            <a:r>
-              <a:rPr lang="en-US" dirty="0"/>
-              <a:t>W0 write</a:t>
-            </a:r>
-          </a:p>
-          <a:p>
-            <a:r>
-              <a:rPr lang="en-US" dirty="0"/>
-              <a:t>W0 </a:t>
-            </a:r>
-            <a:r>
-              <a:rPr lang="en-US" dirty="0" err="1"/>
-              <a:t>doneWrite</a:t>
-            </a:r>
-            <a:endParaRPr lang="en-US" dirty="0"/>
-          </a:p>
-        </p:txBody>
-      </p:sp>
-      <p:sp>
-        <p:nvSpPr>
-          <p:cNvPr id="4" name="Footer Placeholder 3">
-            <a:extLst>
-              <a:ext uri="{FF2B5EF4-FFF2-40B4-BE49-F238E27FC236}">
-                <a16:creationId xmlns:a16="http://schemas.microsoft.com/office/drawing/2014/main" id="{191CCCFD-3EA7-4929-924F-901ECE297006}"/>
-              </a:ext>
-            </a:extLst>
-          </p:cNvPr>
-          <p:cNvSpPr>
-            <a:spLocks noGrp="1"/>
-          </p:cNvSpPr>
-          <p:nvPr>
-            <p:ph type="ftr" idx="11"/>
-          </p:nvPr>
-        </p:nvSpPr>
-        <p:spPr/>
-        <p:txBody>
-          <a:bodyPr/>
-          <a:lstStyle/>
-          <a:p>
-            <a:pPr marL="0" marR="0" lvl="0" indent="0" algn="ctr" defTabSz="457200" rtl="0" eaLnBrk="1" fontAlgn="base" latinLnBrk="0" hangingPunct="0">
-              <a:lnSpc>
-                <a:spcPct val="96000"/>
-              </a:lnSpc>
-              <a:spcBef>
-                <a:spcPct val="0"/>
-              </a:spcBef>
-              <a:spcAft>
-                <a:spcPct val="0"/>
-              </a:spcAft>
-              <a:buClr>
-                <a:srgbClr val="000000"/>
-              </a:buClr>
-              <a:buSzPct val="100000"/>
-              <a:buFont typeface="Times New Roman" pitchFamily="16" charset="0"/>
-              <a:buNone/>
-              <a:tabLst>
-                <a:tab pos="0" algn="l"/>
-                <a:tab pos="457200" algn="l"/>
-                <a:tab pos="914400" algn="l"/>
-                <a:tab pos="1371600" algn="l"/>
-                <a:tab pos="1828800" algn="l"/>
-                <a:tab pos="2286000" algn="l"/>
-                <a:tab pos="2743200" algn="l"/>
-                <a:tab pos="3200400" algn="l"/>
-                <a:tab pos="3657600" algn="l"/>
-                <a:tab pos="4114800" algn="l"/>
-                <a:tab pos="4572000" algn="l"/>
-                <a:tab pos="5029200" algn="l"/>
-                <a:tab pos="5486400" algn="l"/>
-                <a:tab pos="5943600" algn="l"/>
-                <a:tab pos="6400800" algn="l"/>
-                <a:tab pos="6858000" algn="l"/>
-                <a:tab pos="7315200" algn="l"/>
-                <a:tab pos="7772400" algn="l"/>
-                <a:tab pos="8229600" algn="l"/>
-                <a:tab pos="8686800" algn="l"/>
-                <a:tab pos="9144000" algn="l"/>
-              </a:tabLst>
-              <a:defRPr/>
-            </a:pPr>
-            <a:r>
-              <a:rPr kumimoji="0" lang="en-US" sz="1400" b="0" i="0" u="none" strike="noStrike" kern="1200" cap="none" spc="0" normalizeH="0" baseline="0" noProof="0">
-                <a:ln>
-                  <a:noFill/>
-                </a:ln>
-                <a:solidFill>
-                  <a:srgbClr val="000000"/>
-                </a:solidFill>
-                <a:effectLst/>
-                <a:uLnTx/>
-                <a:uFillTx/>
-                <a:latin typeface="Arial"/>
-                <a:ea typeface="+mn-ea"/>
-                <a:cs typeface="Arial" charset="0"/>
-              </a:rPr>
-              <a:t>CS 1550 – Operating Systems – Sherif Khattab</a:t>
-            </a:r>
-            <a:endParaRPr kumimoji="0" lang="en-GB" sz="1400" b="0" i="0" u="none" strike="noStrike" kern="1200" cap="none" spc="0" normalizeH="0" baseline="0" noProof="0" dirty="0">
-              <a:ln>
-                <a:noFill/>
-              </a:ln>
-              <a:solidFill>
-                <a:srgbClr val="000000"/>
-              </a:solidFill>
-              <a:effectLst/>
-              <a:uLnTx/>
-              <a:uFillTx/>
-              <a:latin typeface="Times New Roman" pitchFamily="16" charset="0"/>
-              <a:ea typeface="+mn-ea"/>
-              <a:cs typeface="Arial" charset="0"/>
-            </a:endParaRPr>
-          </a:p>
-        </p:txBody>
-      </p:sp>
-      <p:sp>
-        <p:nvSpPr>
-          <p:cNvPr id="5" name="Slide Number Placeholder 4">
-            <a:extLst>
-              <a:ext uri="{FF2B5EF4-FFF2-40B4-BE49-F238E27FC236}">
-                <a16:creationId xmlns:a16="http://schemas.microsoft.com/office/drawing/2014/main" id="{079A1D3E-E0C3-421E-8EC8-FFC918565C33}"/>
-              </a:ext>
-            </a:extLst>
-          </p:cNvPr>
-          <p:cNvSpPr>
-            <a:spLocks noGrp="1"/>
-          </p:cNvSpPr>
-          <p:nvPr>
-            <p:ph type="sldNum" idx="12"/>
-          </p:nvPr>
-        </p:nvSpPr>
-        <p:spPr/>
-        <p:txBody>
-          <a:bodyPr/>
-          <a:lstStyle/>
-          <a:p>
-            <a:pPr marL="0" marR="0" lvl="0" indent="0" algn="r" defTabSz="457200" rtl="0" eaLnBrk="1" fontAlgn="base" latinLnBrk="0" hangingPunct="0">
-              <a:lnSpc>
-                <a:spcPct val="96000"/>
-              </a:lnSpc>
-              <a:spcBef>
-                <a:spcPct val="0"/>
-              </a:spcBef>
-              <a:spcAft>
-                <a:spcPct val="0"/>
-              </a:spcAft>
-              <a:buClr>
-                <a:srgbClr val="000000"/>
-              </a:buClr>
-              <a:buSzPct val="100000"/>
-              <a:buFont typeface="Times New Roman" panose="02020603050405020304" pitchFamily="18" charset="0"/>
-              <a:buNone/>
-              <a:tabLst/>
-              <a:defRPr/>
-            </a:pPr>
-            <a:fld id="{65E435D9-63B0-4660-8D04-E83F5E2CA2AE}" type="slidenum">
-              <a:rPr kumimoji="0" lang="en-GB" altLang="en-US" sz="1400" b="0" i="0" u="none" strike="noStrike" kern="1200" cap="none" spc="0" normalizeH="0" baseline="0" noProof="0" smtClean="0">
-                <a:ln>
-                  <a:noFill/>
-                </a:ln>
-                <a:solidFill>
-                  <a:srgbClr val="000000"/>
-                </a:solidFill>
-                <a:effectLst/>
-                <a:uLnTx/>
-                <a:uFillTx/>
-                <a:latin typeface="Times New Roman" panose="02020603050405020304" pitchFamily="18" charset="0"/>
-                <a:ea typeface="+mn-ea"/>
-                <a:cs typeface="Arial" panose="020B0604020202020204" pitchFamily="34" charset="0"/>
-              </a:rPr>
-              <a:pPr marL="0" marR="0" lvl="0" indent="0" algn="r" defTabSz="457200" rtl="0" eaLnBrk="1" fontAlgn="base" latinLnBrk="0" hangingPunct="0">
-                <a:lnSpc>
-                  <a:spcPct val="96000"/>
-                </a:lnSpc>
-                <a:spcBef>
-                  <a:spcPct val="0"/>
-                </a:spcBef>
-                <a:spcAft>
-                  <a:spcPct val="0"/>
-                </a:spcAft>
-                <a:buClr>
-                  <a:srgbClr val="000000"/>
-                </a:buClr>
-                <a:buSzPct val="100000"/>
-                <a:buFont typeface="Times New Roman" panose="02020603050405020304" pitchFamily="18" charset="0"/>
-                <a:buNone/>
-                <a:tabLst/>
-                <a:defRPr/>
-              </a:pPr>
-              <a:t>20</a:t>
-            </a:fld>
-            <a:endParaRPr kumimoji="0" lang="en-GB" altLang="en-US" sz="1400" b="0" i="0" u="none" strike="noStrike" kern="1200" cap="none" spc="0" normalizeH="0" baseline="0" noProof="0" dirty="0">
-              <a:ln>
-                <a:noFill/>
-              </a:ln>
-              <a:solidFill>
-                <a:srgbClr val="000000"/>
-              </a:solidFill>
-              <a:effectLst/>
-              <a:uLnTx/>
-              <a:uFillTx/>
-              <a:latin typeface="Times New Roman" panose="02020603050405020304" pitchFamily="18" charset="0"/>
-              <a:ea typeface="+mn-ea"/>
-              <a:cs typeface="Arial" panose="020B0604020202020204" pitchFamily="34" charset="0"/>
-            </a:endParaRPr>
-          </a:p>
-        </p:txBody>
-      </p:sp>
-      <p:sp>
-        <p:nvSpPr>
-          <p:cNvPr id="6" name="Text Box 3">
-            <a:extLst>
-              <a:ext uri="{FF2B5EF4-FFF2-40B4-BE49-F238E27FC236}">
-                <a16:creationId xmlns:a16="http://schemas.microsoft.com/office/drawing/2014/main" id="{B54D0833-D468-4579-AA17-87C1E04A796F}"/>
-              </a:ext>
-            </a:extLst>
-          </p:cNvPr>
-          <p:cNvSpPr txBox="1">
-            <a:spLocks noChangeArrowheads="1"/>
-          </p:cNvSpPr>
-          <p:nvPr/>
-        </p:nvSpPr>
-        <p:spPr bwMode="auto">
-          <a:xfrm>
-            <a:off x="3888473" y="1250297"/>
-            <a:ext cx="5199027" cy="4015681"/>
-          </a:xfrm>
-          <a:prstGeom prst="rect">
-            <a:avLst/>
-          </a:prstGeom>
-          <a:noFill/>
-          <a:ln w="6350">
-            <a:solidFill>
-              <a:schemeClr val="tx1"/>
-            </a:solidFill>
-            <a:miter lim="800000"/>
-            <a:headEnd/>
-            <a:tailEnd/>
-          </a:ln>
-          <a:effectLst/>
-          <a:extLst>
-            <a:ext uri="{909E8E84-426E-40DD-AFC4-6F175D3DCCD1}">
-              <a14:hiddenFill xmlns:a14="http://schemas.microsoft.com/office/drawing/2010/main">
-                <a:solidFill>
-                  <a:schemeClr val="accent1"/>
-                </a:solidFill>
-              </a14:hiddenFill>
-            </a:ext>
-            <a:ext uri="{AF507438-7753-43E0-B8FC-AC1667EBCBE1}">
-              <a14:hiddenEffects xmlns:a14="http://schemas.microsoft.com/office/drawing/2010/main">
-                <a:effectLst>
-                  <a:outerShdw dist="35921" dir="2700000" algn="ctr" rotWithShape="0">
-                    <a:schemeClr val="bg2"/>
-                  </a:outerShdw>
-                </a:effectLst>
-              </a14:hiddenEffects>
-            </a:ext>
-          </a:extLst>
-        </p:spPr>
-        <p:txBody>
-          <a:bodyPr lIns="95343" tIns="47672" rIns="95343" bIns="47672">
-            <a:spAutoFit/>
-          </a:bodyPr>
-          <a:lstStyle>
-            <a:lvl1pPr defTabSz="865188">
-              <a:defRPr sz="2400">
-                <a:solidFill>
-                  <a:schemeClr val="tx1"/>
-                </a:solidFill>
-                <a:latin typeface="Times" pitchFamily="2" charset="0"/>
-              </a:defRPr>
-            </a:lvl1pPr>
-            <a:lvl2pPr marL="431800" defTabSz="865188">
-              <a:defRPr sz="2400">
-                <a:solidFill>
-                  <a:schemeClr val="tx1"/>
-                </a:solidFill>
-                <a:latin typeface="Times" pitchFamily="2" charset="0"/>
-              </a:defRPr>
-            </a:lvl2pPr>
-            <a:lvl3pPr marL="865188" defTabSz="865188">
-              <a:defRPr sz="2400">
-                <a:solidFill>
-                  <a:schemeClr val="tx1"/>
-                </a:solidFill>
-                <a:latin typeface="Times" pitchFamily="2" charset="0"/>
-              </a:defRPr>
-            </a:lvl3pPr>
-            <a:lvl4pPr marL="1296988" defTabSz="865188">
-              <a:defRPr sz="2400">
-                <a:solidFill>
-                  <a:schemeClr val="tx1"/>
-                </a:solidFill>
-                <a:latin typeface="Times" pitchFamily="2" charset="0"/>
-              </a:defRPr>
-            </a:lvl4pPr>
-            <a:lvl5pPr marL="1730375" defTabSz="865188">
-              <a:defRPr sz="2400">
-                <a:solidFill>
-                  <a:schemeClr val="tx1"/>
-                </a:solidFill>
-                <a:latin typeface="Times" pitchFamily="2" charset="0"/>
-              </a:defRPr>
-            </a:lvl5pPr>
-            <a:lvl6pPr marL="2187575" defTabSz="865188" eaLnBrk="0" fontAlgn="base" hangingPunct="0">
-              <a:spcBef>
-                <a:spcPct val="0"/>
-              </a:spcBef>
-              <a:spcAft>
-                <a:spcPct val="0"/>
-              </a:spcAft>
-              <a:defRPr sz="2400">
-                <a:solidFill>
-                  <a:schemeClr val="tx1"/>
-                </a:solidFill>
-                <a:latin typeface="Times" pitchFamily="2" charset="0"/>
-              </a:defRPr>
-            </a:lvl6pPr>
-            <a:lvl7pPr marL="2644775" defTabSz="865188" eaLnBrk="0" fontAlgn="base" hangingPunct="0">
-              <a:spcBef>
-                <a:spcPct val="0"/>
-              </a:spcBef>
-              <a:spcAft>
-                <a:spcPct val="0"/>
-              </a:spcAft>
-              <a:defRPr sz="2400">
-                <a:solidFill>
-                  <a:schemeClr val="tx1"/>
-                </a:solidFill>
-                <a:latin typeface="Times" pitchFamily="2" charset="0"/>
-              </a:defRPr>
-            </a:lvl7pPr>
-            <a:lvl8pPr marL="3101975" defTabSz="865188" eaLnBrk="0" fontAlgn="base" hangingPunct="0">
-              <a:spcBef>
-                <a:spcPct val="0"/>
-              </a:spcBef>
-              <a:spcAft>
-                <a:spcPct val="0"/>
-              </a:spcAft>
-              <a:defRPr sz="2400">
-                <a:solidFill>
-                  <a:schemeClr val="tx1"/>
-                </a:solidFill>
-                <a:latin typeface="Times" pitchFamily="2" charset="0"/>
-              </a:defRPr>
-            </a:lvl8pPr>
-            <a:lvl9pPr marL="3559175" defTabSz="865188" eaLnBrk="0" fontAlgn="base" hangingPunct="0">
-              <a:spcBef>
-                <a:spcPct val="0"/>
-              </a:spcBef>
-              <a:spcAft>
-                <a:spcPct val="0"/>
-              </a:spcAft>
-              <a:defRPr sz="2400">
-                <a:solidFill>
-                  <a:schemeClr val="tx1"/>
-                </a:solidFill>
-                <a:latin typeface="Times" pitchFamily="2" charset="0"/>
-              </a:defRPr>
-            </a:lvl9pPr>
-          </a:lstStyle>
-          <a:p>
-            <a:pPr marL="0" marR="0" lvl="0" indent="0" algn="l" defTabSz="953697" rtl="0" eaLnBrk="0" fontAlgn="base" latinLnBrk="0" hangingPunct="0">
-              <a:lnSpc>
-                <a:spcPct val="100000"/>
-              </a:lnSpc>
-              <a:spcBef>
-                <a:spcPct val="0"/>
-              </a:spcBef>
-              <a:spcAft>
-                <a:spcPct val="0"/>
-              </a:spcAft>
-              <a:buClrTx/>
-              <a:buSzTx/>
-              <a:buFont typeface="Times New Roman" panose="02020603050405020304" pitchFamily="18" charset="0"/>
-              <a:buNone/>
-              <a:tabLst/>
-              <a:defRPr/>
-            </a:pPr>
-            <a:r>
-              <a:rPr kumimoji="0" lang="en-US" altLang="en-US" sz="2535" b="0" i="0" u="none" strike="noStrike" kern="1200" cap="none" spc="0" normalizeH="0" baseline="0" noProof="0" dirty="0">
-                <a:ln>
-                  <a:noFill/>
-                </a:ln>
-                <a:solidFill>
-                  <a:srgbClr val="000000"/>
-                </a:solidFill>
-                <a:effectLst/>
-                <a:uLnTx/>
-                <a:uFillTx/>
-                <a:latin typeface="Times" pitchFamily="2" charset="0"/>
-                <a:ea typeface="+mn-ea"/>
-                <a:cs typeface="Arial"/>
-              </a:rPr>
-              <a:t>Reader process</a:t>
-            </a:r>
-            <a:endParaRPr kumimoji="0" lang="en-US" altLang="en-US" sz="1874" b="0" i="0" u="none" strike="noStrike" kern="1200" cap="none" spc="0" normalizeH="0" baseline="0" noProof="0" dirty="0">
-              <a:ln>
-                <a:noFill/>
-              </a:ln>
-              <a:solidFill>
-                <a:srgbClr val="000000"/>
-              </a:solidFill>
-              <a:effectLst/>
-              <a:uLnTx/>
-              <a:uFillTx/>
-              <a:latin typeface="Courier" pitchFamily="2" charset="0"/>
-              <a:ea typeface="+mn-ea"/>
-              <a:cs typeface="Arial"/>
-            </a:endParaRPr>
-          </a:p>
-          <a:p>
-            <a:pPr marL="0" marR="0" lvl="0" indent="0" algn="l" defTabSz="953697" rtl="0" eaLnBrk="0" fontAlgn="base" latinLnBrk="0" hangingPunct="0">
-              <a:lnSpc>
-                <a:spcPct val="100000"/>
-              </a:lnSpc>
-              <a:spcBef>
-                <a:spcPct val="0"/>
-              </a:spcBef>
-              <a:spcAft>
-                <a:spcPct val="0"/>
-              </a:spcAft>
-              <a:buClrTx/>
-              <a:buSzTx/>
-              <a:buFont typeface="Times New Roman" panose="02020603050405020304" pitchFamily="18" charset="0"/>
-              <a:buNone/>
-              <a:tabLst/>
-              <a:defRPr/>
-            </a:pPr>
-            <a:r>
-              <a:rPr kumimoji="0" lang="en-US" altLang="en-US" sz="1764" b="0" i="0" u="none" strike="noStrike" kern="1200" cap="none" spc="0" normalizeH="0" baseline="0" noProof="0" dirty="0">
-                <a:ln>
-                  <a:noFill/>
-                </a:ln>
-                <a:solidFill>
-                  <a:srgbClr val="000000"/>
-                </a:solidFill>
-                <a:effectLst/>
-                <a:uLnTx/>
-                <a:uFillTx/>
-                <a:latin typeface="Monaco" pitchFamily="2" charset="77"/>
-                <a:ea typeface="+mn-ea"/>
-                <a:cs typeface="Arial"/>
-              </a:rPr>
-              <a:t>…</a:t>
-            </a:r>
-          </a:p>
-          <a:p>
-            <a:pPr marL="0" marR="0" lvl="0" indent="0" algn="l" defTabSz="953697" rtl="0" eaLnBrk="0" fontAlgn="base" latinLnBrk="0" hangingPunct="0">
-              <a:lnSpc>
-                <a:spcPct val="100000"/>
-              </a:lnSpc>
-              <a:spcBef>
-                <a:spcPct val="0"/>
-              </a:spcBef>
-              <a:spcAft>
-                <a:spcPct val="0"/>
-              </a:spcAft>
-              <a:buClrTx/>
-              <a:buSzTx/>
-              <a:buFont typeface="Times New Roman" panose="02020603050405020304" pitchFamily="18" charset="0"/>
-              <a:buNone/>
-              <a:tabLst/>
-              <a:defRPr/>
-            </a:pPr>
-            <a:r>
-              <a:rPr kumimoji="0" lang="en-US" altLang="en-US" sz="1764" b="0" i="0" u="none" strike="noStrike" kern="1200" cap="none" spc="0" normalizeH="0" baseline="0" noProof="0" dirty="0" err="1">
-                <a:ln>
-                  <a:noFill/>
-                </a:ln>
-                <a:solidFill>
-                  <a:srgbClr val="000000"/>
-                </a:solidFill>
-                <a:effectLst/>
-                <a:uLnTx/>
-                <a:uFillTx/>
-                <a:latin typeface="Monaco" pitchFamily="2" charset="77"/>
-                <a:ea typeface="+mn-ea"/>
-                <a:cs typeface="Arial"/>
-              </a:rPr>
-              <a:t>mutex.down</a:t>
-            </a:r>
-            <a:r>
-              <a:rPr kumimoji="0" lang="en-US" altLang="en-US" sz="1764" b="0" i="0" u="none" strike="noStrike" kern="1200" cap="none" spc="0" normalizeH="0" baseline="0" noProof="0" dirty="0">
-                <a:ln>
-                  <a:noFill/>
-                </a:ln>
-                <a:solidFill>
-                  <a:srgbClr val="000000"/>
-                </a:solidFill>
-                <a:effectLst/>
-                <a:uLnTx/>
-                <a:uFillTx/>
-                <a:latin typeface="Monaco" pitchFamily="2" charset="77"/>
-                <a:ea typeface="+mn-ea"/>
-                <a:cs typeface="Arial"/>
-              </a:rPr>
-              <a:t>();</a:t>
-            </a:r>
-          </a:p>
-          <a:p>
-            <a:pPr marL="0" marR="0" lvl="0" indent="0" algn="l" defTabSz="953697" rtl="0" eaLnBrk="0" fontAlgn="base" latinLnBrk="0" hangingPunct="0">
-              <a:lnSpc>
-                <a:spcPct val="100000"/>
-              </a:lnSpc>
-              <a:spcBef>
-                <a:spcPct val="0"/>
-              </a:spcBef>
-              <a:spcAft>
-                <a:spcPct val="0"/>
-              </a:spcAft>
-              <a:buClrTx/>
-              <a:buSzTx/>
-              <a:buFont typeface="Times New Roman" panose="02020603050405020304" pitchFamily="18" charset="0"/>
-              <a:buNone/>
-              <a:tabLst/>
-              <a:defRPr/>
-            </a:pPr>
-            <a:r>
-              <a:rPr kumimoji="0" lang="en-US" altLang="en-US" sz="1764" b="0" i="0" u="none" strike="noStrike" kern="1200" cap="none" spc="0" normalizeH="0" baseline="0" noProof="0" dirty="0" err="1">
-                <a:ln>
-                  <a:noFill/>
-                </a:ln>
-                <a:solidFill>
-                  <a:srgbClr val="000000"/>
-                </a:solidFill>
-                <a:effectLst/>
-                <a:uLnTx/>
-                <a:uFillTx/>
-                <a:latin typeface="Monaco" pitchFamily="2" charset="77"/>
-                <a:ea typeface="+mn-ea"/>
-                <a:cs typeface="Arial"/>
-              </a:rPr>
-              <a:t>nreaders</a:t>
-            </a:r>
-            <a:r>
-              <a:rPr kumimoji="0" lang="en-US" altLang="en-US" sz="1764" b="0" i="0" u="none" strike="noStrike" kern="1200" cap="none" spc="0" normalizeH="0" baseline="0" noProof="0" dirty="0">
-                <a:ln>
-                  <a:noFill/>
-                </a:ln>
-                <a:solidFill>
-                  <a:srgbClr val="000000"/>
-                </a:solidFill>
-                <a:effectLst/>
-                <a:uLnTx/>
-                <a:uFillTx/>
-                <a:latin typeface="Monaco" pitchFamily="2" charset="77"/>
-                <a:ea typeface="+mn-ea"/>
-                <a:cs typeface="Arial"/>
-              </a:rPr>
-              <a:t> += 1;</a:t>
-            </a:r>
-          </a:p>
-          <a:p>
-            <a:pPr marL="0" marR="0" lvl="0" indent="0" algn="l" defTabSz="953697" rtl="0" eaLnBrk="0" fontAlgn="base" latinLnBrk="0" hangingPunct="0">
-              <a:lnSpc>
-                <a:spcPct val="100000"/>
-              </a:lnSpc>
-              <a:spcBef>
-                <a:spcPct val="0"/>
-              </a:spcBef>
-              <a:spcAft>
-                <a:spcPct val="0"/>
-              </a:spcAft>
-              <a:buClrTx/>
-              <a:buSzTx/>
-              <a:buFont typeface="Times New Roman" panose="02020603050405020304" pitchFamily="18" charset="0"/>
-              <a:buNone/>
-              <a:tabLst/>
-              <a:defRPr/>
-            </a:pPr>
-            <a:r>
-              <a:rPr kumimoji="0" lang="en-US" altLang="en-US" sz="1764" b="0" i="0" u="none" strike="noStrike" kern="1200" cap="none" spc="0" normalizeH="0" baseline="0" noProof="0" dirty="0">
-                <a:ln>
-                  <a:noFill/>
-                </a:ln>
-                <a:solidFill>
-                  <a:srgbClr val="000000"/>
-                </a:solidFill>
-                <a:effectLst/>
-                <a:uLnTx/>
-                <a:uFillTx/>
-                <a:latin typeface="Monaco" pitchFamily="2" charset="77"/>
-                <a:ea typeface="+mn-ea"/>
-                <a:cs typeface="Arial"/>
-              </a:rPr>
-              <a:t>if (</a:t>
-            </a:r>
-            <a:r>
-              <a:rPr kumimoji="0" lang="en-US" altLang="en-US" sz="1764" b="0" i="0" u="none" strike="noStrike" kern="1200" cap="none" spc="0" normalizeH="0" baseline="0" noProof="0" dirty="0" err="1">
-                <a:ln>
-                  <a:noFill/>
-                </a:ln>
-                <a:solidFill>
-                  <a:srgbClr val="000000"/>
-                </a:solidFill>
-                <a:effectLst/>
-                <a:uLnTx/>
-                <a:uFillTx/>
-                <a:latin typeface="Monaco" pitchFamily="2" charset="77"/>
-                <a:ea typeface="+mn-ea"/>
-                <a:cs typeface="Arial"/>
-              </a:rPr>
-              <a:t>nreaders</a:t>
-            </a:r>
-            <a:r>
-              <a:rPr kumimoji="0" lang="en-US" altLang="en-US" sz="1764" b="0" i="0" u="none" strike="noStrike" kern="1200" cap="none" spc="0" normalizeH="0" baseline="0" noProof="0" dirty="0">
-                <a:ln>
-                  <a:noFill/>
-                </a:ln>
-                <a:solidFill>
-                  <a:srgbClr val="000000"/>
-                </a:solidFill>
-                <a:effectLst/>
-                <a:uLnTx/>
-                <a:uFillTx/>
-                <a:latin typeface="Monaco" pitchFamily="2" charset="77"/>
-                <a:ea typeface="+mn-ea"/>
-                <a:cs typeface="Arial"/>
-              </a:rPr>
-              <a:t> == 1) // wait if</a:t>
-            </a:r>
-          </a:p>
-          <a:p>
-            <a:pPr marL="0" marR="0" lvl="0" indent="0" algn="l" defTabSz="953697" rtl="0" eaLnBrk="0" fontAlgn="base" latinLnBrk="0" hangingPunct="0">
-              <a:lnSpc>
-                <a:spcPct val="100000"/>
-              </a:lnSpc>
-              <a:spcBef>
-                <a:spcPct val="0"/>
-              </a:spcBef>
-              <a:spcAft>
-                <a:spcPct val="0"/>
-              </a:spcAft>
-              <a:buClrTx/>
-              <a:buSzTx/>
-              <a:buFont typeface="Times New Roman" panose="02020603050405020304" pitchFamily="18" charset="0"/>
-              <a:buNone/>
-              <a:tabLst/>
-              <a:defRPr/>
-            </a:pPr>
-            <a:r>
-              <a:rPr kumimoji="0" lang="en-US" altLang="en-US" sz="1764" b="0" i="0" u="none" strike="noStrike" kern="1200" cap="none" spc="0" normalizeH="0" baseline="0" noProof="0" dirty="0">
-                <a:ln>
-                  <a:noFill/>
-                </a:ln>
-                <a:solidFill>
-                  <a:srgbClr val="000000"/>
-                </a:solidFill>
-                <a:effectLst/>
-                <a:uLnTx/>
-                <a:uFillTx/>
-                <a:latin typeface="Monaco" pitchFamily="2" charset="77"/>
-                <a:ea typeface="+mn-ea"/>
-                <a:cs typeface="Arial"/>
-              </a:rPr>
-              <a:t>  </a:t>
-            </a:r>
-            <a:r>
-              <a:rPr kumimoji="0" lang="en-US" altLang="en-US" sz="1764" b="0" i="0" u="none" strike="noStrike" kern="1200" cap="none" spc="0" normalizeH="0" baseline="0" noProof="0" dirty="0" err="1">
-                <a:ln>
-                  <a:noFill/>
-                </a:ln>
-                <a:solidFill>
-                  <a:srgbClr val="000000"/>
-                </a:solidFill>
-                <a:effectLst/>
-                <a:uLnTx/>
-                <a:uFillTx/>
-                <a:latin typeface="Monaco" pitchFamily="2" charset="77"/>
-                <a:ea typeface="+mn-ea"/>
-                <a:cs typeface="Arial"/>
-              </a:rPr>
-              <a:t>writing.down</a:t>
-            </a:r>
-            <a:r>
-              <a:rPr kumimoji="0" lang="en-US" altLang="en-US" sz="1764" b="0" i="0" u="none" strike="noStrike" kern="1200" cap="none" spc="0" normalizeH="0" baseline="0" noProof="0" dirty="0">
-                <a:ln>
-                  <a:noFill/>
-                </a:ln>
-                <a:solidFill>
-                  <a:srgbClr val="000000"/>
-                </a:solidFill>
-                <a:effectLst/>
-                <a:uLnTx/>
-                <a:uFillTx/>
-                <a:latin typeface="Monaco" pitchFamily="2" charset="77"/>
-                <a:ea typeface="+mn-ea"/>
-                <a:cs typeface="Arial"/>
-              </a:rPr>
-              <a:t>();  // 1st reader</a:t>
-            </a:r>
-          </a:p>
-          <a:p>
-            <a:pPr marL="0" marR="0" lvl="0" indent="0" algn="l" defTabSz="953697" rtl="0" eaLnBrk="0" fontAlgn="base" latinLnBrk="0" hangingPunct="0">
-              <a:lnSpc>
-                <a:spcPct val="100000"/>
-              </a:lnSpc>
-              <a:spcBef>
-                <a:spcPct val="0"/>
-              </a:spcBef>
-              <a:spcAft>
-                <a:spcPct val="0"/>
-              </a:spcAft>
-              <a:buClrTx/>
-              <a:buSzTx/>
-              <a:buFont typeface="Times New Roman" panose="02020603050405020304" pitchFamily="18" charset="0"/>
-              <a:buNone/>
-              <a:tabLst/>
-              <a:defRPr/>
-            </a:pPr>
-            <a:r>
-              <a:rPr kumimoji="0" lang="en-US" altLang="en-US" sz="1764" b="0" i="0" u="none" strike="noStrike" kern="1200" cap="none" spc="0" normalizeH="0" baseline="0" noProof="0" dirty="0" err="1">
-                <a:ln>
-                  <a:noFill/>
-                </a:ln>
-                <a:solidFill>
-                  <a:srgbClr val="000000"/>
-                </a:solidFill>
-                <a:effectLst/>
-                <a:uLnTx/>
-                <a:uFillTx/>
-                <a:latin typeface="Monaco" pitchFamily="2" charset="77"/>
-                <a:ea typeface="+mn-ea"/>
-                <a:cs typeface="Arial"/>
-              </a:rPr>
-              <a:t>mutex.up</a:t>
-            </a:r>
-            <a:r>
-              <a:rPr kumimoji="0" lang="en-US" altLang="en-US" sz="1764" b="0" i="0" u="none" strike="noStrike" kern="1200" cap="none" spc="0" normalizeH="0" baseline="0" noProof="0" dirty="0">
-                <a:ln>
-                  <a:noFill/>
-                </a:ln>
-                <a:solidFill>
-                  <a:srgbClr val="000000"/>
-                </a:solidFill>
-                <a:effectLst/>
-                <a:uLnTx/>
-                <a:uFillTx/>
-                <a:latin typeface="Monaco" pitchFamily="2" charset="77"/>
-                <a:ea typeface="+mn-ea"/>
-                <a:cs typeface="Arial"/>
-              </a:rPr>
-              <a:t>();</a:t>
-            </a:r>
-          </a:p>
-          <a:p>
-            <a:pPr marL="0" marR="0" lvl="0" indent="0" algn="l" defTabSz="953697" rtl="0" eaLnBrk="0" fontAlgn="base" latinLnBrk="0" hangingPunct="0">
-              <a:lnSpc>
-                <a:spcPct val="100000"/>
-              </a:lnSpc>
-              <a:spcBef>
-                <a:spcPct val="0"/>
-              </a:spcBef>
-              <a:spcAft>
-                <a:spcPct val="0"/>
-              </a:spcAft>
-              <a:buClrTx/>
-              <a:buSzTx/>
-              <a:buFont typeface="Times New Roman" panose="02020603050405020304" pitchFamily="18" charset="0"/>
-              <a:buNone/>
-              <a:tabLst/>
-              <a:defRPr/>
-            </a:pPr>
-            <a:r>
-              <a:rPr kumimoji="0" lang="en-US" altLang="en-US" sz="1764" b="0" i="0" u="none" strike="noStrike" kern="1200" cap="none" spc="0" normalizeH="0" baseline="0" noProof="0" dirty="0">
-                <a:ln>
-                  <a:noFill/>
-                </a:ln>
-                <a:solidFill>
-                  <a:srgbClr val="000000"/>
-                </a:solidFill>
-                <a:effectLst/>
-                <a:uLnTx/>
-                <a:uFillTx/>
-                <a:latin typeface="Monaco" pitchFamily="2" charset="77"/>
-                <a:ea typeface="+mn-ea"/>
-                <a:cs typeface="Arial"/>
-              </a:rPr>
-              <a:t>// Read some stuff</a:t>
-            </a:r>
-          </a:p>
-          <a:p>
-            <a:pPr marL="0" marR="0" lvl="0" indent="0" algn="l" defTabSz="953697" rtl="0" eaLnBrk="0" fontAlgn="base" latinLnBrk="0" hangingPunct="0">
-              <a:lnSpc>
-                <a:spcPct val="100000"/>
-              </a:lnSpc>
-              <a:spcBef>
-                <a:spcPct val="0"/>
-              </a:spcBef>
-              <a:spcAft>
-                <a:spcPct val="0"/>
-              </a:spcAft>
-              <a:buClrTx/>
-              <a:buSzTx/>
-              <a:buFont typeface="Times New Roman" panose="02020603050405020304" pitchFamily="18" charset="0"/>
-              <a:buNone/>
-              <a:tabLst/>
-              <a:defRPr/>
-            </a:pPr>
-            <a:r>
-              <a:rPr kumimoji="0" lang="en-US" altLang="en-US" sz="1764" b="0" i="0" u="none" strike="noStrike" kern="1200" cap="none" spc="0" normalizeH="0" baseline="0" noProof="0" dirty="0" err="1">
-                <a:ln>
-                  <a:noFill/>
-                </a:ln>
-                <a:solidFill>
-                  <a:srgbClr val="000000"/>
-                </a:solidFill>
-                <a:effectLst/>
-                <a:uLnTx/>
-                <a:uFillTx/>
-                <a:latin typeface="Monaco" pitchFamily="2" charset="77"/>
-                <a:ea typeface="+mn-ea"/>
-                <a:cs typeface="Arial"/>
-              </a:rPr>
-              <a:t>mutex.down</a:t>
-            </a:r>
-            <a:r>
-              <a:rPr kumimoji="0" lang="en-US" altLang="en-US" sz="1764" b="0" i="0" u="none" strike="noStrike" kern="1200" cap="none" spc="0" normalizeH="0" baseline="0" noProof="0" dirty="0">
-                <a:ln>
-                  <a:noFill/>
-                </a:ln>
-                <a:solidFill>
-                  <a:srgbClr val="000000"/>
-                </a:solidFill>
-                <a:effectLst/>
-                <a:uLnTx/>
-                <a:uFillTx/>
-                <a:latin typeface="Monaco" pitchFamily="2" charset="77"/>
-                <a:ea typeface="+mn-ea"/>
-                <a:cs typeface="Arial"/>
-              </a:rPr>
-              <a:t>();</a:t>
-            </a:r>
-          </a:p>
-          <a:p>
-            <a:pPr marL="0" marR="0" lvl="0" indent="0" algn="l" defTabSz="953697" rtl="0" eaLnBrk="0" fontAlgn="base" latinLnBrk="0" hangingPunct="0">
-              <a:lnSpc>
-                <a:spcPct val="100000"/>
-              </a:lnSpc>
-              <a:spcBef>
-                <a:spcPct val="0"/>
-              </a:spcBef>
-              <a:spcAft>
-                <a:spcPct val="0"/>
-              </a:spcAft>
-              <a:buClrTx/>
-              <a:buSzTx/>
-              <a:buFont typeface="Times New Roman" panose="02020603050405020304" pitchFamily="18" charset="0"/>
-              <a:buNone/>
-              <a:tabLst/>
-              <a:defRPr/>
-            </a:pPr>
-            <a:r>
-              <a:rPr kumimoji="0" lang="en-US" altLang="en-US" sz="1764" b="0" i="0" u="none" strike="noStrike" kern="1200" cap="none" spc="0" normalizeH="0" baseline="0" noProof="0" dirty="0" err="1">
-                <a:ln>
-                  <a:noFill/>
-                </a:ln>
-                <a:solidFill>
-                  <a:srgbClr val="000000"/>
-                </a:solidFill>
-                <a:effectLst/>
-                <a:uLnTx/>
-                <a:uFillTx/>
-                <a:latin typeface="Monaco" pitchFamily="2" charset="77"/>
-                <a:ea typeface="+mn-ea"/>
-                <a:cs typeface="Arial"/>
-              </a:rPr>
-              <a:t>nreaders</a:t>
-            </a:r>
-            <a:r>
-              <a:rPr kumimoji="0" lang="en-US" altLang="en-US" sz="1764" b="0" i="0" u="none" strike="noStrike" kern="1200" cap="none" spc="0" normalizeH="0" baseline="0" noProof="0" dirty="0">
-                <a:ln>
-                  <a:noFill/>
-                </a:ln>
-                <a:solidFill>
-                  <a:srgbClr val="000000"/>
-                </a:solidFill>
-                <a:effectLst/>
-                <a:uLnTx/>
-                <a:uFillTx/>
-                <a:latin typeface="Monaco" pitchFamily="2" charset="77"/>
-                <a:ea typeface="+mn-ea"/>
-                <a:cs typeface="Arial"/>
-              </a:rPr>
-              <a:t> -= 1;</a:t>
-            </a:r>
-          </a:p>
-          <a:p>
-            <a:pPr marL="0" marR="0" lvl="0" indent="0" algn="l" defTabSz="953697" rtl="0" eaLnBrk="0" fontAlgn="base" latinLnBrk="0" hangingPunct="0">
-              <a:lnSpc>
-                <a:spcPct val="100000"/>
-              </a:lnSpc>
-              <a:spcBef>
-                <a:spcPct val="0"/>
-              </a:spcBef>
-              <a:spcAft>
-                <a:spcPct val="0"/>
-              </a:spcAft>
-              <a:buClrTx/>
-              <a:buSzTx/>
-              <a:buFont typeface="Times New Roman" panose="02020603050405020304" pitchFamily="18" charset="0"/>
-              <a:buNone/>
-              <a:tabLst/>
-              <a:defRPr/>
-            </a:pPr>
-            <a:r>
-              <a:rPr kumimoji="0" lang="en-US" altLang="en-US" sz="1764" b="0" i="0" u="none" strike="noStrike" kern="1200" cap="none" spc="0" normalizeH="0" baseline="0" noProof="0" dirty="0">
-                <a:ln>
-                  <a:noFill/>
-                </a:ln>
-                <a:solidFill>
-                  <a:srgbClr val="000000"/>
-                </a:solidFill>
-                <a:effectLst/>
-                <a:uLnTx/>
-                <a:uFillTx/>
-                <a:latin typeface="Monaco" pitchFamily="2" charset="77"/>
-                <a:ea typeface="+mn-ea"/>
-                <a:cs typeface="Arial"/>
-              </a:rPr>
-              <a:t>if (</a:t>
-            </a:r>
-            <a:r>
-              <a:rPr kumimoji="0" lang="en-US" altLang="en-US" sz="1764" b="0" i="0" u="none" strike="noStrike" kern="1200" cap="none" spc="0" normalizeH="0" baseline="0" noProof="0" dirty="0" err="1">
-                <a:ln>
-                  <a:noFill/>
-                </a:ln>
-                <a:solidFill>
-                  <a:srgbClr val="000000"/>
-                </a:solidFill>
-                <a:effectLst/>
-                <a:uLnTx/>
-                <a:uFillTx/>
-                <a:latin typeface="Monaco" pitchFamily="2" charset="77"/>
-                <a:ea typeface="+mn-ea"/>
-                <a:cs typeface="Arial"/>
-              </a:rPr>
-              <a:t>nreaders</a:t>
-            </a:r>
-            <a:r>
-              <a:rPr kumimoji="0" lang="en-US" altLang="en-US" sz="1764" b="0" i="0" u="none" strike="noStrike" kern="1200" cap="none" spc="0" normalizeH="0" baseline="0" noProof="0" dirty="0">
-                <a:ln>
-                  <a:noFill/>
-                </a:ln>
-                <a:solidFill>
-                  <a:srgbClr val="000000"/>
-                </a:solidFill>
-                <a:effectLst/>
-                <a:uLnTx/>
-                <a:uFillTx/>
-                <a:latin typeface="Monaco" pitchFamily="2" charset="77"/>
-                <a:ea typeface="+mn-ea"/>
-                <a:cs typeface="Arial"/>
-              </a:rPr>
-              <a:t> == 0)	// signal if</a:t>
-            </a:r>
-          </a:p>
-          <a:p>
-            <a:pPr marL="0" marR="0" lvl="0" indent="0" algn="l" defTabSz="953697" rtl="0" eaLnBrk="0" fontAlgn="base" latinLnBrk="0" hangingPunct="0">
-              <a:lnSpc>
-                <a:spcPct val="100000"/>
-              </a:lnSpc>
-              <a:spcBef>
-                <a:spcPct val="0"/>
-              </a:spcBef>
-              <a:spcAft>
-                <a:spcPct val="0"/>
-              </a:spcAft>
-              <a:buClrTx/>
-              <a:buSzTx/>
-              <a:buFont typeface="Times New Roman" panose="02020603050405020304" pitchFamily="18" charset="0"/>
-              <a:buNone/>
-              <a:tabLst/>
-              <a:defRPr/>
-            </a:pPr>
-            <a:r>
-              <a:rPr kumimoji="0" lang="en-US" altLang="en-US" sz="1764" b="0" i="0" u="none" strike="noStrike" kern="1200" cap="none" spc="0" normalizeH="0" baseline="0" noProof="0" dirty="0">
-                <a:ln>
-                  <a:noFill/>
-                </a:ln>
-                <a:solidFill>
-                  <a:srgbClr val="000000"/>
-                </a:solidFill>
-                <a:effectLst/>
-                <a:uLnTx/>
-                <a:uFillTx/>
-                <a:latin typeface="Monaco" pitchFamily="2" charset="77"/>
-                <a:ea typeface="+mn-ea"/>
-                <a:cs typeface="Arial"/>
-              </a:rPr>
-              <a:t>  </a:t>
-            </a:r>
-            <a:r>
-              <a:rPr kumimoji="0" lang="en-US" altLang="en-US" sz="1764" b="0" i="0" u="none" strike="noStrike" kern="1200" cap="none" spc="0" normalizeH="0" baseline="0" noProof="0" dirty="0" err="1">
-                <a:ln>
-                  <a:noFill/>
-                </a:ln>
-                <a:solidFill>
-                  <a:srgbClr val="000000"/>
-                </a:solidFill>
-                <a:effectLst/>
-                <a:uLnTx/>
-                <a:uFillTx/>
-                <a:latin typeface="Monaco" pitchFamily="2" charset="77"/>
-                <a:ea typeface="+mn-ea"/>
-                <a:cs typeface="Arial"/>
-              </a:rPr>
-              <a:t>writing.up</a:t>
-            </a:r>
-            <a:r>
-              <a:rPr kumimoji="0" lang="en-US" altLang="en-US" sz="1764" b="0" i="0" u="none" strike="noStrike" kern="1200" cap="none" spc="0" normalizeH="0" baseline="0" noProof="0" dirty="0">
-                <a:ln>
-                  <a:noFill/>
-                </a:ln>
-                <a:solidFill>
-                  <a:srgbClr val="000000"/>
-                </a:solidFill>
-                <a:effectLst/>
-                <a:uLnTx/>
-                <a:uFillTx/>
-                <a:latin typeface="Monaco" pitchFamily="2" charset="77"/>
-                <a:ea typeface="+mn-ea"/>
-                <a:cs typeface="Arial"/>
-              </a:rPr>
-              <a:t>();	// last reader</a:t>
-            </a:r>
-          </a:p>
-          <a:p>
-            <a:pPr marL="0" marR="0" lvl="0" indent="0" algn="l" defTabSz="953697" rtl="0" eaLnBrk="0" fontAlgn="base" latinLnBrk="0" hangingPunct="0">
-              <a:lnSpc>
-                <a:spcPct val="100000"/>
-              </a:lnSpc>
-              <a:spcBef>
-                <a:spcPct val="0"/>
-              </a:spcBef>
-              <a:spcAft>
-                <a:spcPct val="0"/>
-              </a:spcAft>
-              <a:buClrTx/>
-              <a:buSzTx/>
-              <a:buFont typeface="Times New Roman" panose="02020603050405020304" pitchFamily="18" charset="0"/>
-              <a:buNone/>
-              <a:tabLst/>
-              <a:defRPr/>
-            </a:pPr>
-            <a:r>
-              <a:rPr kumimoji="0" lang="en-US" altLang="en-US" sz="1764" b="0" i="0" u="none" strike="noStrike" kern="1200" cap="none" spc="0" normalizeH="0" baseline="0" noProof="0" dirty="0" err="1">
-                <a:ln>
-                  <a:noFill/>
-                </a:ln>
-                <a:solidFill>
-                  <a:srgbClr val="000000"/>
-                </a:solidFill>
-                <a:effectLst/>
-                <a:uLnTx/>
-                <a:uFillTx/>
-                <a:latin typeface="Monaco" pitchFamily="2" charset="77"/>
-                <a:ea typeface="+mn-ea"/>
-                <a:cs typeface="Arial"/>
-              </a:rPr>
-              <a:t>mutex.up</a:t>
-            </a:r>
-            <a:r>
-              <a:rPr kumimoji="0" lang="en-US" altLang="en-US" sz="1764" b="0" i="0" u="none" strike="noStrike" kern="1200" cap="none" spc="0" normalizeH="0" baseline="0" noProof="0" dirty="0">
-                <a:ln>
-                  <a:noFill/>
-                </a:ln>
-                <a:solidFill>
-                  <a:srgbClr val="000000"/>
-                </a:solidFill>
-                <a:effectLst/>
-                <a:uLnTx/>
-                <a:uFillTx/>
-                <a:latin typeface="Monaco" pitchFamily="2" charset="77"/>
-                <a:ea typeface="+mn-ea"/>
-                <a:cs typeface="Arial"/>
-              </a:rPr>
-              <a:t>();</a:t>
-            </a:r>
-          </a:p>
-          <a:p>
-            <a:pPr marL="0" marR="0" lvl="0" indent="0" algn="l" defTabSz="953697" rtl="0" eaLnBrk="0" fontAlgn="base" latinLnBrk="0" hangingPunct="0">
-              <a:lnSpc>
-                <a:spcPct val="100000"/>
-              </a:lnSpc>
-              <a:spcBef>
-                <a:spcPct val="0"/>
-              </a:spcBef>
-              <a:spcAft>
-                <a:spcPct val="0"/>
-              </a:spcAft>
-              <a:buClrTx/>
-              <a:buSzTx/>
-              <a:buFont typeface="Times New Roman" panose="02020603050405020304" pitchFamily="18" charset="0"/>
-              <a:buNone/>
-              <a:tabLst/>
-              <a:defRPr/>
-            </a:pPr>
-            <a:r>
-              <a:rPr kumimoji="0" lang="en-US" altLang="en-US" sz="1764" b="0" i="0" u="none" strike="noStrike" kern="1200" cap="none" spc="0" normalizeH="0" baseline="0" noProof="0" dirty="0">
-                <a:ln>
-                  <a:noFill/>
-                </a:ln>
-                <a:solidFill>
-                  <a:srgbClr val="000000"/>
-                </a:solidFill>
-                <a:effectLst/>
-                <a:uLnTx/>
-                <a:uFillTx/>
-                <a:latin typeface="Monaco" pitchFamily="2" charset="77"/>
-                <a:ea typeface="+mn-ea"/>
-                <a:cs typeface="Arial"/>
-              </a:rPr>
-              <a:t>…</a:t>
-            </a:r>
-          </a:p>
-        </p:txBody>
-      </p:sp>
-      <p:sp>
-        <p:nvSpPr>
-          <p:cNvPr id="8" name="Text Box 5">
-            <a:extLst>
-              <a:ext uri="{FF2B5EF4-FFF2-40B4-BE49-F238E27FC236}">
-                <a16:creationId xmlns:a16="http://schemas.microsoft.com/office/drawing/2014/main" id="{A1D33533-79E2-4621-ACBC-C6FF3C3B5843}"/>
-              </a:ext>
-            </a:extLst>
-          </p:cNvPr>
-          <p:cNvSpPr txBox="1">
-            <a:spLocks noChangeArrowheads="1"/>
-          </p:cNvSpPr>
-          <p:nvPr/>
-        </p:nvSpPr>
-        <p:spPr bwMode="auto">
-          <a:xfrm>
-            <a:off x="5112544" y="5341585"/>
-            <a:ext cx="3198862" cy="1843805"/>
-          </a:xfrm>
-          <a:prstGeom prst="rect">
-            <a:avLst/>
-          </a:prstGeom>
-          <a:noFill/>
-          <a:ln w="6350">
-            <a:solidFill>
-              <a:schemeClr val="tx1"/>
-            </a:solidFill>
-            <a:miter lim="800000"/>
-            <a:headEnd/>
-            <a:tailEnd/>
-          </a:ln>
-          <a:effectLst/>
-          <a:extLst>
-            <a:ext uri="{909E8E84-426E-40DD-AFC4-6F175D3DCCD1}">
-              <a14:hiddenFill xmlns:a14="http://schemas.microsoft.com/office/drawing/2010/main">
-                <a:solidFill>
-                  <a:schemeClr val="accent1"/>
-                </a:solidFill>
-              </a14:hiddenFill>
-            </a:ext>
-            <a:ext uri="{AF507438-7753-43E0-B8FC-AC1667EBCBE1}">
-              <a14:hiddenEffects xmlns:a14="http://schemas.microsoft.com/office/drawing/2010/main">
-                <a:effectLst>
-                  <a:outerShdw dist="35921" dir="2700000" algn="ctr" rotWithShape="0">
-                    <a:schemeClr val="bg2"/>
-                  </a:outerShdw>
-                </a:effectLst>
-              </a14:hiddenEffects>
-            </a:ext>
-          </a:extLst>
-        </p:spPr>
-        <p:txBody>
-          <a:bodyPr lIns="95343" tIns="47672" rIns="95343" bIns="47672">
-            <a:spAutoFit/>
-          </a:bodyPr>
-          <a:lstStyle>
-            <a:lvl1pPr defTabSz="865188">
-              <a:defRPr sz="2400">
-                <a:solidFill>
-                  <a:schemeClr val="tx1"/>
-                </a:solidFill>
-                <a:latin typeface="Times" pitchFamily="2" charset="0"/>
-              </a:defRPr>
-            </a:lvl1pPr>
-            <a:lvl2pPr marL="431800" defTabSz="865188">
-              <a:defRPr sz="2400">
-                <a:solidFill>
-                  <a:schemeClr val="tx1"/>
-                </a:solidFill>
-                <a:latin typeface="Times" pitchFamily="2" charset="0"/>
-              </a:defRPr>
-            </a:lvl2pPr>
-            <a:lvl3pPr marL="865188" defTabSz="865188">
-              <a:defRPr sz="2400">
-                <a:solidFill>
-                  <a:schemeClr val="tx1"/>
-                </a:solidFill>
-                <a:latin typeface="Times" pitchFamily="2" charset="0"/>
-              </a:defRPr>
-            </a:lvl3pPr>
-            <a:lvl4pPr marL="1296988" defTabSz="865188">
-              <a:defRPr sz="2400">
-                <a:solidFill>
-                  <a:schemeClr val="tx1"/>
-                </a:solidFill>
-                <a:latin typeface="Times" pitchFamily="2" charset="0"/>
-              </a:defRPr>
-            </a:lvl4pPr>
-            <a:lvl5pPr marL="1730375" defTabSz="865188">
-              <a:defRPr sz="2400">
-                <a:solidFill>
-                  <a:schemeClr val="tx1"/>
-                </a:solidFill>
-                <a:latin typeface="Times" pitchFamily="2" charset="0"/>
-              </a:defRPr>
-            </a:lvl5pPr>
-            <a:lvl6pPr marL="2187575" defTabSz="865188" eaLnBrk="0" fontAlgn="base" hangingPunct="0">
-              <a:spcBef>
-                <a:spcPct val="0"/>
-              </a:spcBef>
-              <a:spcAft>
-                <a:spcPct val="0"/>
-              </a:spcAft>
-              <a:defRPr sz="2400">
-                <a:solidFill>
-                  <a:schemeClr val="tx1"/>
-                </a:solidFill>
-                <a:latin typeface="Times" pitchFamily="2" charset="0"/>
-              </a:defRPr>
-            </a:lvl6pPr>
-            <a:lvl7pPr marL="2644775" defTabSz="865188" eaLnBrk="0" fontAlgn="base" hangingPunct="0">
-              <a:spcBef>
-                <a:spcPct val="0"/>
-              </a:spcBef>
-              <a:spcAft>
-                <a:spcPct val="0"/>
-              </a:spcAft>
-              <a:defRPr sz="2400">
-                <a:solidFill>
-                  <a:schemeClr val="tx1"/>
-                </a:solidFill>
-                <a:latin typeface="Times" pitchFamily="2" charset="0"/>
-              </a:defRPr>
-            </a:lvl7pPr>
-            <a:lvl8pPr marL="3101975" defTabSz="865188" eaLnBrk="0" fontAlgn="base" hangingPunct="0">
-              <a:spcBef>
-                <a:spcPct val="0"/>
-              </a:spcBef>
-              <a:spcAft>
-                <a:spcPct val="0"/>
-              </a:spcAft>
-              <a:defRPr sz="2400">
-                <a:solidFill>
-                  <a:schemeClr val="tx1"/>
-                </a:solidFill>
-                <a:latin typeface="Times" pitchFamily="2" charset="0"/>
-              </a:defRPr>
-            </a:lvl8pPr>
-            <a:lvl9pPr marL="3559175" defTabSz="865188" eaLnBrk="0" fontAlgn="base" hangingPunct="0">
-              <a:spcBef>
-                <a:spcPct val="0"/>
-              </a:spcBef>
-              <a:spcAft>
-                <a:spcPct val="0"/>
-              </a:spcAft>
-              <a:defRPr sz="2400">
-                <a:solidFill>
-                  <a:schemeClr val="tx1"/>
-                </a:solidFill>
-                <a:latin typeface="Times" pitchFamily="2" charset="0"/>
-              </a:defRPr>
-            </a:lvl9pPr>
-          </a:lstStyle>
-          <a:p>
-            <a:pPr marL="0" marR="0" lvl="0" indent="0" algn="l" defTabSz="953697" rtl="0" eaLnBrk="0" fontAlgn="base" latinLnBrk="0" hangingPunct="0">
-              <a:lnSpc>
-                <a:spcPct val="100000"/>
-              </a:lnSpc>
-              <a:spcBef>
-                <a:spcPct val="0"/>
-              </a:spcBef>
-              <a:spcAft>
-                <a:spcPct val="0"/>
-              </a:spcAft>
-              <a:buClrTx/>
-              <a:buSzTx/>
-              <a:buFont typeface="Times New Roman" panose="02020603050405020304" pitchFamily="18" charset="0"/>
-              <a:buNone/>
-              <a:tabLst/>
-              <a:defRPr/>
-            </a:pPr>
-            <a:r>
-              <a:rPr kumimoji="0" lang="en-US" altLang="en-US" sz="2535" b="0" i="0" u="none" strike="noStrike" kern="1200" cap="none" spc="0" normalizeH="0" baseline="0" noProof="0">
-                <a:ln>
-                  <a:noFill/>
-                </a:ln>
-                <a:solidFill>
-                  <a:srgbClr val="000000"/>
-                </a:solidFill>
-                <a:effectLst/>
-                <a:uLnTx/>
-                <a:uFillTx/>
-                <a:latin typeface="Times" pitchFamily="2" charset="0"/>
-                <a:ea typeface="+mn-ea"/>
-                <a:cs typeface="Arial"/>
-              </a:rPr>
-              <a:t>Writer process</a:t>
-            </a:r>
-            <a:endParaRPr kumimoji="0" lang="en-US" altLang="en-US" sz="1874" b="0" i="0" u="none" strike="noStrike" kern="1200" cap="none" spc="0" normalizeH="0" baseline="0" noProof="0">
-              <a:ln>
-                <a:noFill/>
-              </a:ln>
-              <a:solidFill>
-                <a:srgbClr val="000000"/>
-              </a:solidFill>
-              <a:effectLst/>
-              <a:uLnTx/>
-              <a:uFillTx/>
-              <a:latin typeface="Courier" pitchFamily="2" charset="0"/>
-              <a:ea typeface="+mn-ea"/>
-              <a:cs typeface="Arial"/>
-            </a:endParaRPr>
-          </a:p>
-          <a:p>
-            <a:pPr marL="0" marR="0" lvl="0" indent="0" algn="l" defTabSz="953697" rtl="0" eaLnBrk="0" fontAlgn="base" latinLnBrk="0" hangingPunct="0">
-              <a:lnSpc>
-                <a:spcPct val="100000"/>
-              </a:lnSpc>
-              <a:spcBef>
-                <a:spcPct val="0"/>
-              </a:spcBef>
-              <a:spcAft>
-                <a:spcPct val="0"/>
-              </a:spcAft>
-              <a:buClrTx/>
-              <a:buSzTx/>
-              <a:buFont typeface="Times New Roman" panose="02020603050405020304" pitchFamily="18" charset="0"/>
-              <a:buNone/>
-              <a:tabLst/>
-              <a:defRPr/>
-            </a:pPr>
-            <a:r>
-              <a:rPr kumimoji="0" lang="en-US" altLang="en-US" sz="1764" b="0" i="0" u="none" strike="noStrike" kern="1200" cap="none" spc="0" normalizeH="0" baseline="0" noProof="0">
-                <a:ln>
-                  <a:noFill/>
-                </a:ln>
-                <a:solidFill>
-                  <a:srgbClr val="000000"/>
-                </a:solidFill>
-                <a:effectLst/>
-                <a:uLnTx/>
-                <a:uFillTx/>
-                <a:latin typeface="Monaco" pitchFamily="2" charset="77"/>
-                <a:ea typeface="+mn-ea"/>
-                <a:cs typeface="Arial"/>
-              </a:rPr>
-              <a:t>…</a:t>
-            </a:r>
-          </a:p>
-          <a:p>
-            <a:pPr marL="0" marR="0" lvl="0" indent="0" algn="l" defTabSz="953697" rtl="0" eaLnBrk="0" fontAlgn="base" latinLnBrk="0" hangingPunct="0">
-              <a:lnSpc>
-                <a:spcPct val="100000"/>
-              </a:lnSpc>
-              <a:spcBef>
-                <a:spcPct val="0"/>
-              </a:spcBef>
-              <a:spcAft>
-                <a:spcPct val="0"/>
-              </a:spcAft>
-              <a:buClrTx/>
-              <a:buSzTx/>
-              <a:buFont typeface="Times New Roman" panose="02020603050405020304" pitchFamily="18" charset="0"/>
-              <a:buNone/>
-              <a:tabLst/>
-              <a:defRPr/>
-            </a:pPr>
-            <a:r>
-              <a:rPr kumimoji="0" lang="en-US" altLang="en-US" sz="1764" b="0" i="0" u="none" strike="noStrike" kern="1200" cap="none" spc="0" normalizeH="0" baseline="0" noProof="0" err="1">
-                <a:ln>
-                  <a:noFill/>
-                </a:ln>
-                <a:solidFill>
-                  <a:srgbClr val="000000"/>
-                </a:solidFill>
-                <a:effectLst/>
-                <a:uLnTx/>
-                <a:uFillTx/>
-                <a:latin typeface="Monaco" pitchFamily="2" charset="77"/>
-                <a:ea typeface="+mn-ea"/>
-                <a:cs typeface="Arial"/>
-              </a:rPr>
-              <a:t>writing.down</a:t>
-            </a:r>
-            <a:r>
-              <a:rPr kumimoji="0" lang="en-US" altLang="en-US" sz="1764" b="0" i="0" u="none" strike="noStrike" kern="1200" cap="none" spc="0" normalizeH="0" baseline="0" noProof="0">
-                <a:ln>
-                  <a:noFill/>
-                </a:ln>
-                <a:solidFill>
-                  <a:srgbClr val="000000"/>
-                </a:solidFill>
-                <a:effectLst/>
-                <a:uLnTx/>
-                <a:uFillTx/>
-                <a:latin typeface="Monaco" pitchFamily="2" charset="77"/>
-                <a:ea typeface="+mn-ea"/>
-                <a:cs typeface="Arial"/>
-              </a:rPr>
-              <a:t>();</a:t>
-            </a:r>
-          </a:p>
-          <a:p>
-            <a:pPr marL="0" marR="0" lvl="0" indent="0" algn="l" defTabSz="953697" rtl="0" eaLnBrk="0" fontAlgn="base" latinLnBrk="0" hangingPunct="0">
-              <a:lnSpc>
-                <a:spcPct val="100000"/>
-              </a:lnSpc>
-              <a:spcBef>
-                <a:spcPct val="0"/>
-              </a:spcBef>
-              <a:spcAft>
-                <a:spcPct val="0"/>
-              </a:spcAft>
-              <a:buClrTx/>
-              <a:buSzTx/>
-              <a:buFont typeface="Times New Roman" panose="02020603050405020304" pitchFamily="18" charset="0"/>
-              <a:buNone/>
-              <a:tabLst/>
-              <a:defRPr/>
-            </a:pPr>
-            <a:r>
-              <a:rPr kumimoji="0" lang="en-US" altLang="en-US" sz="1764" b="0" i="0" u="none" strike="noStrike" kern="1200" cap="none" spc="0" normalizeH="0" baseline="0" noProof="0">
-                <a:ln>
-                  <a:noFill/>
-                </a:ln>
-                <a:solidFill>
-                  <a:srgbClr val="000000"/>
-                </a:solidFill>
-                <a:effectLst/>
-                <a:uLnTx/>
-                <a:uFillTx/>
-                <a:latin typeface="Monaco" pitchFamily="2" charset="77"/>
-                <a:ea typeface="+mn-ea"/>
-                <a:cs typeface="Arial"/>
-              </a:rPr>
-              <a:t>// Write some stuff</a:t>
-            </a:r>
-          </a:p>
-          <a:p>
-            <a:pPr marL="0" marR="0" lvl="0" indent="0" algn="l" defTabSz="953697" rtl="0" eaLnBrk="0" fontAlgn="base" latinLnBrk="0" hangingPunct="0">
-              <a:lnSpc>
-                <a:spcPct val="100000"/>
-              </a:lnSpc>
-              <a:spcBef>
-                <a:spcPct val="0"/>
-              </a:spcBef>
-              <a:spcAft>
-                <a:spcPct val="0"/>
-              </a:spcAft>
-              <a:buClrTx/>
-              <a:buSzTx/>
-              <a:buFont typeface="Times New Roman" panose="02020603050405020304" pitchFamily="18" charset="0"/>
-              <a:buNone/>
-              <a:tabLst/>
-              <a:defRPr/>
-            </a:pPr>
-            <a:r>
-              <a:rPr kumimoji="0" lang="en-US" altLang="en-US" sz="1764" b="0" i="0" u="none" strike="noStrike" kern="1200" cap="none" spc="0" normalizeH="0" baseline="0" noProof="0" err="1">
-                <a:ln>
-                  <a:noFill/>
-                </a:ln>
-                <a:solidFill>
-                  <a:srgbClr val="000000"/>
-                </a:solidFill>
-                <a:effectLst/>
-                <a:uLnTx/>
-                <a:uFillTx/>
-                <a:latin typeface="Monaco" pitchFamily="2" charset="77"/>
-                <a:ea typeface="+mn-ea"/>
-                <a:cs typeface="Arial"/>
-              </a:rPr>
-              <a:t>writing.up</a:t>
-            </a:r>
-            <a:r>
-              <a:rPr kumimoji="0" lang="en-US" altLang="en-US" sz="1764" b="0" i="0" u="none" strike="noStrike" kern="1200" cap="none" spc="0" normalizeH="0" baseline="0" noProof="0">
-                <a:ln>
-                  <a:noFill/>
-                </a:ln>
-                <a:solidFill>
-                  <a:srgbClr val="000000"/>
-                </a:solidFill>
-                <a:effectLst/>
-                <a:uLnTx/>
-                <a:uFillTx/>
-                <a:latin typeface="Monaco" pitchFamily="2" charset="77"/>
-                <a:ea typeface="+mn-ea"/>
-                <a:cs typeface="Arial"/>
-              </a:rPr>
-              <a:t>();</a:t>
-            </a:r>
-          </a:p>
-          <a:p>
-            <a:pPr marL="0" marR="0" lvl="0" indent="0" algn="l" defTabSz="953697" rtl="0" eaLnBrk="0" fontAlgn="base" latinLnBrk="0" hangingPunct="0">
-              <a:lnSpc>
-                <a:spcPct val="100000"/>
-              </a:lnSpc>
-              <a:spcBef>
-                <a:spcPct val="0"/>
-              </a:spcBef>
-              <a:spcAft>
-                <a:spcPct val="0"/>
-              </a:spcAft>
-              <a:buClrTx/>
-              <a:buSzTx/>
-              <a:buFont typeface="Times New Roman" panose="02020603050405020304" pitchFamily="18" charset="0"/>
-              <a:buNone/>
-              <a:tabLst/>
-              <a:defRPr/>
-            </a:pPr>
-            <a:r>
-              <a:rPr kumimoji="0" lang="en-US" altLang="en-US" sz="1764" b="0" i="0" u="none" strike="noStrike" kern="1200" cap="none" spc="0" normalizeH="0" baseline="0" noProof="0">
-                <a:ln>
-                  <a:noFill/>
-                </a:ln>
-                <a:solidFill>
-                  <a:srgbClr val="000000"/>
-                </a:solidFill>
-                <a:effectLst/>
-                <a:uLnTx/>
-                <a:uFillTx/>
-                <a:latin typeface="Monaco" pitchFamily="2" charset="77"/>
-                <a:ea typeface="+mn-ea"/>
-                <a:cs typeface="Arial"/>
-              </a:rPr>
-              <a:t>…</a:t>
-            </a:r>
-            <a:endParaRPr kumimoji="0" lang="en-US" altLang="en-US" sz="1874" b="0" i="0" u="none" strike="noStrike" kern="1200" cap="none" spc="0" normalizeH="0" baseline="0" noProof="0">
-              <a:ln>
-                <a:noFill/>
-              </a:ln>
-              <a:solidFill>
-                <a:srgbClr val="000000"/>
-              </a:solidFill>
-              <a:effectLst/>
-              <a:uLnTx/>
-              <a:uFillTx/>
-              <a:latin typeface="Courier" pitchFamily="2" charset="0"/>
-              <a:ea typeface="+mn-ea"/>
-              <a:cs typeface="Arial"/>
-            </a:endParaRPr>
-          </a:p>
-        </p:txBody>
-      </p:sp>
-    </p:spTree>
-    <p:extLst>
-      <p:ext uri="{BB962C8B-B14F-4D97-AF65-F5344CB8AC3E}">
-        <p14:creationId xmlns:p14="http://schemas.microsoft.com/office/powerpoint/2010/main" val="537861301"/>
-      </p:ext>
-    </p:extLst>
-  </p:cSld>
-  <p:clrMapOvr>
-    <a:masterClrMapping/>
-  </p:clrMapOvr>
-  <p:timing>
-    <p:tnLst>
-      <p:par>
-        <p:cTn id="1" dur="indefinite" restart="never" nodeType="tmRoot">
-          <p:childTnLst>
-            <p:seq concurrent="1" nextAc="seek">
-              <p:cTn id="2" dur="indefinite" nodeType="mainSeq">
-                <p:childTnLst>
-                  <p:par>
-                    <p:cTn id="3" fill="hold">
-                      <p:stCondLst>
-                        <p:cond delay="indefinite"/>
-                      </p:stCondLst>
-                      <p:childTnLst>
-                        <p:par>
-                          <p:cTn id="4" fill="hold">
-                            <p:stCondLst>
-                              <p:cond delay="0"/>
-                            </p:stCondLst>
-                            <p:childTnLst>
-                              <p:par>
-                                <p:cTn id="5" presetID="1" presetClass="entr" presetSubtype="0" fill="hold" grpId="0" nodeType="clickEffect">
-                                  <p:stCondLst>
-                                    <p:cond delay="0"/>
-                                  </p:stCondLst>
-                                  <p:childTnLst>
-                                    <p:set>
-                                      <p:cBhvr>
-                                        <p:cTn id="6" dur="1" fill="hold">
-                                          <p:stCondLst>
-                                            <p:cond delay="0"/>
-                                          </p:stCondLst>
-                                        </p:cTn>
-                                        <p:tgtEl>
-                                          <p:spTgt spid="8"/>
-                                        </p:tgtEl>
-                                        <p:attrNameLst>
-                                          <p:attrName>style.visibility</p:attrName>
-                                        </p:attrNameLst>
-                                      </p:cBhvr>
-                                      <p:to>
-                                        <p:strVal val="visible"/>
-                                      </p:to>
-                                    </p:set>
-                                  </p:childTnLst>
-                                </p:cTn>
-                              </p:par>
-                            </p:childTnLst>
-                          </p:cTn>
-                        </p:par>
-                      </p:childTnLst>
-                    </p:cTn>
-                  </p:par>
-                  <p:par>
-                    <p:cTn id="7" fill="hold">
-                      <p:stCondLst>
-                        <p:cond delay="indefinite"/>
-                      </p:stCondLst>
-                      <p:childTnLst>
-                        <p:par>
-                          <p:cTn id="8" fill="hold">
-                            <p:stCondLst>
-                              <p:cond delay="0"/>
-                            </p:stCondLst>
-                            <p:childTnLst>
-                              <p:par>
-                                <p:cTn id="9" presetID="1" presetClass="entr" presetSubtype="0" fill="hold" grpId="0" nodeType="clickEffect">
-                                  <p:stCondLst>
-                                    <p:cond delay="0"/>
-                                  </p:stCondLst>
-                                  <p:childTnLst>
-                                    <p:set>
-                                      <p:cBhvr>
-                                        <p:cTn id="10" dur="1" fill="hold">
-                                          <p:stCondLst>
-                                            <p:cond delay="0"/>
-                                          </p:stCondLst>
-                                        </p:cTn>
-                                        <p:tgtEl>
-                                          <p:spTgt spid="6"/>
-                                        </p:tgtEl>
-                                        <p:attrNameLst>
-                                          <p:attrName>style.visibility</p:attrName>
-                                        </p:attrNameLst>
-                                      </p:cBhvr>
-                                      <p:to>
-                                        <p:strVal val="visible"/>
-                                      </p:to>
-                                    </p:set>
-                                  </p:childTnLst>
-                                </p:cTn>
-                              </p:par>
-                            </p:childTnLst>
-                          </p:cTn>
-                        </p:par>
-                      </p:childTnLst>
-                    </p:cTn>
-                  </p:par>
-                </p:childTnLst>
-              </p:cTn>
-              <p:prevCondLst>
-                <p:cond evt="onPrev" delay="0">
-                  <p:tgtEl>
-                    <p:sldTgt/>
-                  </p:tgtEl>
-                </p:cond>
-              </p:prevCondLst>
-              <p:nextCondLst>
-                <p:cond evt="onNext" delay="0">
-                  <p:tgtEl>
-                    <p:sldTgt/>
-                  </p:tgtEl>
-                </p:cond>
-              </p:nextCondLst>
-            </p:seq>
-          </p:childTnLst>
-        </p:cTn>
-      </p:par>
-    </p:tnLst>
-    <p:bldLst>
-      <p:bldP spid="6" grpId="0" animBg="1"/>
-      <p:bldP spid="8" grpId="0" animBg="1"/>
-    </p:bldLst>
-  </p:timing>
-</p:sld>
-</file>
-
-<file path=ppt/slides/slide21.xml><?xml version="1.0" encoding="utf-8"?>
-<p:sld xmlns:a="http://schemas.openxmlformats.org/drawingml/2006/main" xmlns:r="http://schemas.openxmlformats.org/officeDocument/2006/relationships" xmlns:p="http://schemas.openxmlformats.org/presentationml/2006/main">
-  <p:cSld>
-    <p:spTree>
-      <p:nvGrpSpPr>
-        <p:cNvPr id="1" name=""/>
-        <p:cNvGrpSpPr/>
-        <p:nvPr/>
-      </p:nvGrpSpPr>
-      <p:grpSpPr>
-        <a:xfrm>
-          <a:off x="0" y="0"/>
-          <a:ext cx="0" cy="0"/>
-          <a:chOff x="0" y="0"/>
-          <a:chExt cx="0" cy="0"/>
-        </a:xfrm>
-      </p:grpSpPr>
-      <p:sp>
-        <p:nvSpPr>
-          <p:cNvPr id="2" name="Title 1">
-            <a:extLst>
-              <a:ext uri="{FF2B5EF4-FFF2-40B4-BE49-F238E27FC236}">
-                <a16:creationId xmlns:a16="http://schemas.microsoft.com/office/drawing/2014/main" id="{791AD302-6D43-481D-B8B7-E4F5EBB68928}"/>
-              </a:ext>
-            </a:extLst>
-          </p:cNvPr>
-          <p:cNvSpPr>
-            <a:spLocks noGrp="1"/>
-          </p:cNvSpPr>
-          <p:nvPr>
-            <p:ph type="title"/>
-          </p:nvPr>
-        </p:nvSpPr>
-        <p:spPr/>
-        <p:txBody>
-          <a:bodyPr>
-            <a:noAutofit/>
-          </a:bodyPr>
-          <a:lstStyle/>
-          <a:p>
-            <a:r>
-              <a:rPr lang="en-US" sz="3600" dirty="0"/>
-              <a:t>Solution using Mutex and Condition Variables</a:t>
-            </a:r>
-          </a:p>
-        </p:txBody>
-      </p:sp>
-      <p:sp>
-        <p:nvSpPr>
-          <p:cNvPr id="3" name="Content Placeholder 2">
-            <a:extLst>
-              <a:ext uri="{FF2B5EF4-FFF2-40B4-BE49-F238E27FC236}">
-                <a16:creationId xmlns:a16="http://schemas.microsoft.com/office/drawing/2014/main" id="{6B841683-66D3-46E0-A50A-D6C680862A12}"/>
-              </a:ext>
-            </a:extLst>
-          </p:cNvPr>
-          <p:cNvSpPr>
-            <a:spLocks noGrp="1"/>
-          </p:cNvSpPr>
-          <p:nvPr>
-            <p:ph idx="1"/>
-          </p:nvPr>
-        </p:nvSpPr>
-        <p:spPr/>
-        <p:txBody>
-          <a:bodyPr/>
-          <a:lstStyle/>
-          <a:p>
-            <a:r>
-              <a:rPr lang="en-US" dirty="0">
-                <a:hlinkClick r:id="rId2"/>
-              </a:rPr>
-              <a:t>https://cs1550-2214.github.io/cs1550-code-handouts/ProcessSynchronization/Slides/</a:t>
-            </a:r>
-            <a:endParaRPr lang="en-US" dirty="0"/>
-          </a:p>
-        </p:txBody>
-      </p:sp>
-      <p:sp>
-        <p:nvSpPr>
-          <p:cNvPr id="4" name="Footer Placeholder 3">
-            <a:extLst>
-              <a:ext uri="{FF2B5EF4-FFF2-40B4-BE49-F238E27FC236}">
-                <a16:creationId xmlns:a16="http://schemas.microsoft.com/office/drawing/2014/main" id="{1915CB12-1969-4DE1-B526-147820E20835}"/>
-              </a:ext>
-            </a:extLst>
-          </p:cNvPr>
-          <p:cNvSpPr>
-            <a:spLocks noGrp="1"/>
-          </p:cNvSpPr>
-          <p:nvPr>
-            <p:ph type="ftr" idx="11"/>
-          </p:nvPr>
-        </p:nvSpPr>
-        <p:spPr/>
-        <p:txBody>
-          <a:bodyPr/>
-          <a:lstStyle/>
-          <a:p>
-            <a:pPr marL="0" marR="0" lvl="0" indent="0" algn="ctr" defTabSz="457200" rtl="0" eaLnBrk="1" fontAlgn="base" latinLnBrk="0" hangingPunct="0">
-              <a:lnSpc>
-                <a:spcPct val="96000"/>
-              </a:lnSpc>
-              <a:spcBef>
-                <a:spcPct val="0"/>
-              </a:spcBef>
-              <a:spcAft>
-                <a:spcPct val="0"/>
-              </a:spcAft>
-              <a:buClr>
-                <a:srgbClr val="000000"/>
-              </a:buClr>
-              <a:buSzPct val="100000"/>
-              <a:buFont typeface="Times New Roman" pitchFamily="16" charset="0"/>
-              <a:buNone/>
-              <a:tabLst>
-                <a:tab pos="0" algn="l"/>
-                <a:tab pos="457200" algn="l"/>
-                <a:tab pos="914400" algn="l"/>
-                <a:tab pos="1371600" algn="l"/>
-                <a:tab pos="1828800" algn="l"/>
-                <a:tab pos="2286000" algn="l"/>
-                <a:tab pos="2743200" algn="l"/>
-                <a:tab pos="3200400" algn="l"/>
-                <a:tab pos="3657600" algn="l"/>
-                <a:tab pos="4114800" algn="l"/>
-                <a:tab pos="4572000" algn="l"/>
-                <a:tab pos="5029200" algn="l"/>
-                <a:tab pos="5486400" algn="l"/>
-                <a:tab pos="5943600" algn="l"/>
-                <a:tab pos="6400800" algn="l"/>
-                <a:tab pos="6858000" algn="l"/>
-                <a:tab pos="7315200" algn="l"/>
-                <a:tab pos="7772400" algn="l"/>
-                <a:tab pos="8229600" algn="l"/>
-                <a:tab pos="8686800" algn="l"/>
-                <a:tab pos="9144000" algn="l"/>
-              </a:tabLst>
-              <a:defRPr/>
-            </a:pPr>
-            <a:r>
-              <a:rPr kumimoji="0" lang="en-US" sz="1400" b="0" i="0" u="none" strike="noStrike" kern="1200" cap="none" spc="0" normalizeH="0" baseline="0" noProof="0">
-                <a:ln>
-                  <a:noFill/>
-                </a:ln>
-                <a:solidFill>
-                  <a:srgbClr val="000000"/>
-                </a:solidFill>
-                <a:effectLst/>
-                <a:uLnTx/>
-                <a:uFillTx/>
-                <a:latin typeface="Arial"/>
-                <a:ea typeface="+mn-ea"/>
-                <a:cs typeface="Arial" charset="0"/>
-              </a:rPr>
-              <a:t>CS 1550 – Operating Systems – Sherif Khattab</a:t>
-            </a:r>
-            <a:endParaRPr kumimoji="0" lang="en-GB" sz="1400" b="0" i="0" u="none" strike="noStrike" kern="1200" cap="none" spc="0" normalizeH="0" baseline="0" noProof="0" dirty="0">
-              <a:ln>
-                <a:noFill/>
-              </a:ln>
-              <a:solidFill>
-                <a:srgbClr val="000000"/>
-              </a:solidFill>
-              <a:effectLst/>
-              <a:uLnTx/>
-              <a:uFillTx/>
-              <a:latin typeface="Times New Roman" pitchFamily="16" charset="0"/>
-              <a:ea typeface="+mn-ea"/>
-              <a:cs typeface="Arial" charset="0"/>
-            </a:endParaRPr>
-          </a:p>
-        </p:txBody>
-      </p:sp>
-      <p:sp>
-        <p:nvSpPr>
-          <p:cNvPr id="5" name="Slide Number Placeholder 4">
-            <a:extLst>
-              <a:ext uri="{FF2B5EF4-FFF2-40B4-BE49-F238E27FC236}">
-                <a16:creationId xmlns:a16="http://schemas.microsoft.com/office/drawing/2014/main" id="{22D09AC0-7C22-4719-B554-8C2A40675B93}"/>
-              </a:ext>
-            </a:extLst>
-          </p:cNvPr>
-          <p:cNvSpPr>
-            <a:spLocks noGrp="1"/>
-          </p:cNvSpPr>
-          <p:nvPr>
-            <p:ph type="sldNum" idx="12"/>
-          </p:nvPr>
-        </p:nvSpPr>
-        <p:spPr/>
-        <p:txBody>
-          <a:bodyPr/>
-          <a:lstStyle/>
-          <a:p>
-            <a:pPr marL="0" marR="0" lvl="0" indent="0" algn="r" defTabSz="457200" rtl="0" eaLnBrk="1" fontAlgn="base" latinLnBrk="0" hangingPunct="0">
-              <a:lnSpc>
-                <a:spcPct val="96000"/>
-              </a:lnSpc>
-              <a:spcBef>
-                <a:spcPct val="0"/>
-              </a:spcBef>
-              <a:spcAft>
-                <a:spcPct val="0"/>
-              </a:spcAft>
-              <a:buClr>
-                <a:srgbClr val="000000"/>
-              </a:buClr>
-              <a:buSzPct val="100000"/>
-              <a:buFont typeface="Times New Roman" panose="02020603050405020304" pitchFamily="18" charset="0"/>
-              <a:buNone/>
-              <a:tabLst/>
-              <a:defRPr/>
-            </a:pPr>
-            <a:fld id="{65E435D9-63B0-4660-8D04-E83F5E2CA2AE}" type="slidenum">
-              <a:rPr kumimoji="0" lang="en-GB" altLang="en-US" sz="1400" b="0" i="0" u="none" strike="noStrike" kern="1200" cap="none" spc="0" normalizeH="0" baseline="0" noProof="0" smtClean="0">
-                <a:ln>
-                  <a:noFill/>
-                </a:ln>
-                <a:solidFill>
-                  <a:srgbClr val="000000"/>
-                </a:solidFill>
-                <a:effectLst/>
-                <a:uLnTx/>
-                <a:uFillTx/>
-                <a:latin typeface="Times New Roman" panose="02020603050405020304" pitchFamily="18" charset="0"/>
-                <a:ea typeface="+mn-ea"/>
-                <a:cs typeface="Arial" panose="020B0604020202020204" pitchFamily="34" charset="0"/>
-              </a:rPr>
-              <a:pPr marL="0" marR="0" lvl="0" indent="0" algn="r" defTabSz="457200" rtl="0" eaLnBrk="1" fontAlgn="base" latinLnBrk="0" hangingPunct="0">
-                <a:lnSpc>
-                  <a:spcPct val="96000"/>
-                </a:lnSpc>
-                <a:spcBef>
-                  <a:spcPct val="0"/>
-                </a:spcBef>
-                <a:spcAft>
-                  <a:spcPct val="0"/>
-                </a:spcAft>
-                <a:buClr>
-                  <a:srgbClr val="000000"/>
-                </a:buClr>
-                <a:buSzPct val="100000"/>
-                <a:buFont typeface="Times New Roman" panose="02020603050405020304" pitchFamily="18" charset="0"/>
-                <a:buNone/>
-                <a:tabLst/>
-                <a:defRPr/>
-              </a:pPr>
-              <a:t>21</a:t>
-            </a:fld>
-            <a:endParaRPr kumimoji="0" lang="en-GB" altLang="en-US" sz="1400" b="0" i="0" u="none" strike="noStrike" kern="1200" cap="none" spc="0" normalizeH="0" baseline="0" noProof="0" dirty="0">
-              <a:ln>
-                <a:noFill/>
-              </a:ln>
-              <a:solidFill>
-                <a:srgbClr val="000000"/>
-              </a:solidFill>
-              <a:effectLst/>
-              <a:uLnTx/>
-              <a:uFillTx/>
-              <a:latin typeface="Times New Roman" panose="02020603050405020304" pitchFamily="18" charset="0"/>
-              <a:ea typeface="+mn-ea"/>
-              <a:cs typeface="Arial" panose="020B0604020202020204" pitchFamily="34" charset="0"/>
-            </a:endParaRPr>
-          </a:p>
-        </p:txBody>
-      </p:sp>
-    </p:spTree>
-    <p:extLst>
-      <p:ext uri="{BB962C8B-B14F-4D97-AF65-F5344CB8AC3E}">
-        <p14:creationId xmlns:p14="http://schemas.microsoft.com/office/powerpoint/2010/main" val="3446618930"/>
-      </p:ext>
-    </p:extLst>
-  </p:cSld>
-  <p:clrMapOvr>
-    <a:masterClrMapping/>
-  </p:clrMapOvr>
 </p:sld>
 </file>
 
